--- a/Präsentation.pptx
+++ b/Präsentation.pptx
@@ -10,33 +10,34 @@
     <p:sldMasterId id="2147483697" r:id="rId6"/>
   </p:sldMasterIdLst>
   <p:notesMasterIdLst>
-    <p:notesMasterId r:id="rId28"/>
+    <p:notesMasterId r:id="rId29"/>
   </p:notesMasterIdLst>
   <p:handoutMasterIdLst>
-    <p:handoutMasterId r:id="rId29"/>
+    <p:handoutMasterId r:id="rId30"/>
   </p:handoutMasterIdLst>
   <p:sldIdLst>
     <p:sldId id="355" r:id="rId7"/>
-    <p:sldId id="396" r:id="rId8"/>
-    <p:sldId id="397" r:id="rId9"/>
-    <p:sldId id="369" r:id="rId10"/>
-    <p:sldId id="392" r:id="rId11"/>
-    <p:sldId id="371" r:id="rId12"/>
-    <p:sldId id="372" r:id="rId13"/>
-    <p:sldId id="373" r:id="rId14"/>
-    <p:sldId id="394" r:id="rId15"/>
-    <p:sldId id="375" r:id="rId16"/>
-    <p:sldId id="376" r:id="rId17"/>
-    <p:sldId id="393" r:id="rId18"/>
-    <p:sldId id="391" r:id="rId19"/>
-    <p:sldId id="390" r:id="rId20"/>
-    <p:sldId id="378" r:id="rId21"/>
-    <p:sldId id="377" r:id="rId22"/>
-    <p:sldId id="389" r:id="rId23"/>
-    <p:sldId id="379" r:id="rId24"/>
-    <p:sldId id="395" r:id="rId25"/>
-    <p:sldId id="380" r:id="rId26"/>
-    <p:sldId id="381" r:id="rId27"/>
+    <p:sldId id="398" r:id="rId8"/>
+    <p:sldId id="396" r:id="rId9"/>
+    <p:sldId id="397" r:id="rId10"/>
+    <p:sldId id="369" r:id="rId11"/>
+    <p:sldId id="392" r:id="rId12"/>
+    <p:sldId id="371" r:id="rId13"/>
+    <p:sldId id="372" r:id="rId14"/>
+    <p:sldId id="373" r:id="rId15"/>
+    <p:sldId id="394" r:id="rId16"/>
+    <p:sldId id="375" r:id="rId17"/>
+    <p:sldId id="376" r:id="rId18"/>
+    <p:sldId id="393" r:id="rId19"/>
+    <p:sldId id="391" r:id="rId20"/>
+    <p:sldId id="390" r:id="rId21"/>
+    <p:sldId id="378" r:id="rId22"/>
+    <p:sldId id="377" r:id="rId23"/>
+    <p:sldId id="389" r:id="rId24"/>
+    <p:sldId id="379" r:id="rId25"/>
+    <p:sldId id="395" r:id="rId26"/>
+    <p:sldId id="380" r:id="rId27"/>
+    <p:sldId id="381" r:id="rId28"/>
   </p:sldIdLst>
   <p:sldSz cx="9144000" cy="6858000" type="screen4x3"/>
   <p:notesSz cx="9925050" cy="6665913"/>
@@ -2079,7 +2080,7 @@
               <a:pPr>
                 <a:defRPr/>
               </a:pPr>
-              <a:t>24/01/2017</a:t>
+              <a:t>30/01/2017</a:t>
             </a:fld>
             <a:endParaRPr lang="en-GB" dirty="0"/>
           </a:p>
@@ -2298,7 +2299,7 @@
               <a:pPr>
                 <a:defRPr/>
               </a:pPr>
-              <a:t>24/01/2017</a:t>
+              <a:t>30/01/2017</a:t>
             </a:fld>
             <a:endParaRPr lang="en-GB"/>
           </a:p>
@@ -9325,30 +9326,94 @@
           <a:lstStyle/>
           <a:p>
             <a:r>
-              <a:rPr/>
-              <a:t>schlichte Darstellung von Informationen</a:t>
-            </a:r>
-          </a:p>
-          <a:p>
-            <a:endParaRPr/>
-          </a:p>
-          <a:p>
-            <a:r>
-              <a:rPr/>
-              <a:t>reduzierte Farben</a:t>
-            </a:r>
-          </a:p>
-          <a:p>
-            <a:endParaRPr/>
-          </a:p>
-          <a:p>
-            <a:r>
-              <a:rPr/>
-              <a:t>Rahmen und Überlagerungen nach Möglichkeit vermeiden</a:t>
-            </a:r>
-          </a:p>
-          <a:p>
-            <a:endParaRPr dirty="0"/>
+              <a:rPr lang="de-DE"/>
+              <a:t>Bei kleinen Aufzählungen auf Aufzählungszeichen verzichten und ggf. zusätzliche Leerzeile</a:t>
+            </a:r>
+          </a:p>
+          <a:p>
+            <a:r>
+              <a:rPr lang="de-DE"/>
+              <a:t>Nur die wesentlichen Punkte nennen und Themen auf verschiedene Seiten splitten.</a:t>
+            </a:r>
+          </a:p>
+          <a:p>
+            <a:endParaRPr lang="de-DE"/>
+          </a:p>
+          <a:p>
+            <a:r>
+              <a:rPr lang="de-DE"/>
+              <a:t>Punkt 1</a:t>
+            </a:r>
+          </a:p>
+          <a:p>
+            <a:endParaRPr lang="de-DE"/>
+          </a:p>
+          <a:p>
+            <a:r>
+              <a:rPr lang="de-DE"/>
+              <a:t>Punkt 2</a:t>
+            </a:r>
+          </a:p>
+          <a:p>
+            <a:endParaRPr lang="de-DE"/>
+          </a:p>
+          <a:p>
+            <a:r>
+              <a:rPr lang="de-DE"/>
+              <a:t>Wenn Unterpunkte in einer Aufzählung nötig sind ist ein Einrücken mit – möglich</a:t>
+            </a:r>
+          </a:p>
+          <a:p>
+            <a:pPr lvl="1"/>
+            <a:r>
+              <a:rPr lang="de-DE"/>
+              <a:t>Unterpunkt 1</a:t>
+            </a:r>
+          </a:p>
+          <a:p>
+            <a:pPr lvl="2"/>
+            <a:r>
+              <a:rPr lang="de-DE"/>
+              <a:t>Unterpunkt 1</a:t>
+            </a:r>
+          </a:p>
+          <a:p>
+            <a:pPr lvl="2"/>
+            <a:r>
+              <a:rPr lang="de-DE"/>
+              <a:t>Unterpunkt 2</a:t>
+            </a:r>
+          </a:p>
+          <a:p>
+            <a:endParaRPr lang="de-DE"/>
+          </a:p>
+          <a:p>
+            <a:r>
+              <a:rPr lang="de-DE"/>
+              <a:t>Bei größeren Listen die Standardeinstellung • verwenden</a:t>
+            </a:r>
+          </a:p>
+          <a:p>
+            <a:pPr lvl="1"/>
+            <a:r>
+              <a:rPr lang="de-DE"/>
+              <a:t>Unterpunkt 1</a:t>
+            </a:r>
+          </a:p>
+          <a:p>
+            <a:pPr lvl="1"/>
+            <a:r>
+              <a:rPr lang="de-DE"/>
+              <a:t>Unterpunkt 2</a:t>
+            </a:r>
+          </a:p>
+          <a:p>
+            <a:pPr lvl="1"/>
+            <a:r>
+              <a:rPr lang="de-DE"/>
+              <a:t>Unterpunkt 3</a:t>
+            </a:r>
+            <a:endParaRPr lang="de-DE" dirty="0"/>
           </a:p>
         </p:txBody>
       </p:sp>
@@ -9378,7 +9443,7 @@
       </p:sp>
       <p:sp>
         <p:nvSpPr>
-          <p:cNvPr id="6" name="Fußzeilenplatzhalter 4"/>
+          <p:cNvPr id="5" name="Fußzeilenplatzhalter 4"/>
           <p:cNvSpPr>
             <a:spLocks noGrp="1"/>
           </p:cNvSpPr>
@@ -9409,20 +9474,16 @@
             <p:ph type="title"/>
           </p:nvPr>
         </p:nvSpPr>
-        <p:spPr>
-          <a:prstGeom prst="rect">
-            <a:avLst/>
-          </a:prstGeom>
-        </p:spPr>
+        <p:spPr/>
         <p:txBody>
           <a:bodyPr/>
           <a:lstStyle/>
           <a:p>
             <a:r>
-              <a:rPr sz="3000"/>
-              <a:t>Bilder - Allgemein</a:t>
-            </a:r>
-            <a:endParaRPr lang="de-DE" sz="3000" dirty="0"/>
+              <a:rPr lang="de-DE"/>
+              <a:t>Aufzählung</a:t>
+            </a:r>
+            <a:endParaRPr lang="de-DE" dirty="0"/>
           </a:p>
         </p:txBody>
       </p:sp>
@@ -9453,12 +9514,12 @@
       </p:grpSpPr>
       <p:sp>
         <p:nvSpPr>
-          <p:cNvPr id="3" name="Textplatzhalter 2"/>
+          <p:cNvPr id="2" name="Inhaltsplatzhalter 1"/>
           <p:cNvSpPr>
             <a:spLocks noGrp="1"/>
           </p:cNvSpPr>
           <p:nvPr>
-            <p:ph type="body" sz="quarter" idx="13"/>
+            <p:ph idx="1"/>
           </p:nvPr>
         </p:nvSpPr>
         <p:spPr/>
@@ -9467,27 +9528,41 @@
           <a:lstStyle/>
           <a:p>
             <a:r>
-              <a:rPr lang="de-DE"/>
-              <a:t>Bildbeschreibung</a:t>
-            </a:r>
-            <a:br>
-              <a:rPr lang="de-DE"/>
-            </a:br>
-            <a:r>
-              <a:rPr lang="de-DE"/>
-              <a:t>oberer Bildrand: Begrenzung durch Text</a:t>
-            </a:r>
-          </a:p>
-        </p:txBody>
-      </p:sp>
-      <p:sp>
-        <p:nvSpPr>
-          <p:cNvPr id="5" name="Foliennummernplatzhalter 4"/>
+              <a:rPr/>
+              <a:t>schlichte Darstellung von Informationen</a:t>
+            </a:r>
+          </a:p>
+          <a:p>
+            <a:endParaRPr/>
+          </a:p>
+          <a:p>
+            <a:r>
+              <a:rPr/>
+              <a:t>reduzierte Farben</a:t>
+            </a:r>
+          </a:p>
+          <a:p>
+            <a:endParaRPr/>
+          </a:p>
+          <a:p>
+            <a:r>
+              <a:rPr/>
+              <a:t>Rahmen und Überlagerungen nach Möglichkeit vermeiden</a:t>
+            </a:r>
+          </a:p>
+          <a:p>
+            <a:endParaRPr dirty="0"/>
+          </a:p>
+        </p:txBody>
+      </p:sp>
+      <p:sp>
+        <p:nvSpPr>
+          <p:cNvPr id="4" name="Foliennummernplatzhalter 3"/>
           <p:cNvSpPr>
             <a:spLocks noGrp="1"/>
           </p:cNvSpPr>
           <p:nvPr>
-            <p:ph type="sldNum" sz="quarter" idx="15"/>
+            <p:ph type="sldNum" sz="quarter" idx="11"/>
           </p:nvPr>
         </p:nvSpPr>
         <p:spPr/>
@@ -9506,12 +9581,12 @@
       </p:sp>
       <p:sp>
         <p:nvSpPr>
-          <p:cNvPr id="10" name="Fußzeilenplatzhalter 4"/>
+          <p:cNvPr id="6" name="Fußzeilenplatzhalter 4"/>
           <p:cNvSpPr>
             <a:spLocks noGrp="1"/>
           </p:cNvSpPr>
           <p:nvPr>
-            <p:ph type="ftr" sz="quarter" idx="16"/>
+            <p:ph type="ftr" sz="quarter" idx="12"/>
           </p:nvPr>
         </p:nvSpPr>
         <p:spPr/>
@@ -9529,55 +9604,28 @@
       </p:sp>
       <p:sp>
         <p:nvSpPr>
-          <p:cNvPr id="22" name="Inhaltsplatzhalter 21"/>
+          <p:cNvPr id="3" name="Titel 2"/>
           <p:cNvSpPr>
             <a:spLocks noGrp="1"/>
           </p:cNvSpPr>
           <p:nvPr>
-            <p:ph sz="quarter" idx="18"/>
-          </p:nvPr>
-        </p:nvSpPr>
-        <p:spPr/>
+            <p:ph type="title"/>
+          </p:nvPr>
+        </p:nvSpPr>
+        <p:spPr>
+          <a:prstGeom prst="rect">
+            <a:avLst/>
+          </a:prstGeom>
+        </p:spPr>
         <p:txBody>
           <a:bodyPr/>
           <a:lstStyle/>
           <a:p>
-            <a:endParaRPr lang="de-DE"/>
-          </a:p>
-        </p:txBody>
-      </p:sp>
-      <p:sp>
-        <p:nvSpPr>
-          <p:cNvPr id="21" name="Bildplatzhalter 20"/>
-          <p:cNvSpPr>
-            <a:spLocks noGrp="1"/>
-          </p:cNvSpPr>
-          <p:nvPr>
-            <p:ph type="pic" sz="quarter" idx="14"/>
-          </p:nvPr>
-        </p:nvSpPr>
-        <p:spPr/>
-      </p:sp>
-      <p:sp>
-        <p:nvSpPr>
-          <p:cNvPr id="4" name="Titel 3"/>
-          <p:cNvSpPr>
-            <a:spLocks noGrp="1"/>
-          </p:cNvSpPr>
-          <p:nvPr>
-            <p:ph type="title"/>
-          </p:nvPr>
-        </p:nvSpPr>
-        <p:spPr/>
-        <p:txBody>
-          <a:bodyPr/>
-          <a:lstStyle/>
-          <a:p>
-            <a:r>
-              <a:rPr lang="de-DE"/>
-              <a:t>Bilder</a:t>
-            </a:r>
-            <a:endParaRPr lang="de-DE" dirty="0"/>
+            <a:r>
+              <a:rPr sz="3000"/>
+              <a:t>Bilder - Allgemein</a:t>
+            </a:r>
+            <a:endParaRPr lang="de-DE" sz="3000" dirty="0"/>
           </a:p>
         </p:txBody>
       </p:sp>
@@ -9613,7 +9661,7 @@
             <a:spLocks noGrp="1"/>
           </p:cNvSpPr>
           <p:nvPr>
-            <p:ph idx="14"/>
+            <p:ph type="body" sz="quarter" idx="13"/>
           </p:nvPr>
         </p:nvSpPr>
         <p:spPr/>
@@ -9622,76 +9670,16 @@
           <a:lstStyle/>
           <a:p>
             <a:r>
-              <a:rPr lang="de-DE" dirty="0"/>
-              <a:t>Überschrift 2</a:t>
-            </a:r>
-          </a:p>
-          <a:p>
-            <a:r>
-              <a:rPr lang="de-DE" dirty="0"/>
-              <a:t>Hier steht ein einleitender oder beschreibender Fließtext und nach Wunsch eine Aufzählung</a:t>
-            </a:r>
-          </a:p>
-          <a:p>
-            <a:endParaRPr lang="de-DE" dirty="0"/>
-          </a:p>
-          <a:p>
-            <a:r>
-              <a:rPr lang="de-DE" dirty="0"/>
-              <a:t>Punkt 1</a:t>
-            </a:r>
-          </a:p>
-          <a:p>
-            <a:endParaRPr lang="de-DE" dirty="0"/>
-          </a:p>
-          <a:p>
-            <a:r>
-              <a:rPr lang="de-DE" dirty="0"/>
-              <a:t>Punkt 2</a:t>
-            </a:r>
-          </a:p>
-          <a:p>
-            <a:endParaRPr lang="de-DE" dirty="0"/>
-          </a:p>
-          <a:p>
-            <a:r>
-              <a:rPr lang="de-DE" dirty="0"/>
-              <a:t>Punkt 3</a:t>
-            </a:r>
-          </a:p>
-          <a:p>
-            <a:endParaRPr lang="de-DE" dirty="0"/>
-          </a:p>
-          <a:p>
-            <a:r>
-              <a:rPr lang="de-DE" dirty="0"/>
-              <a:t>Punkt 4</a:t>
-            </a:r>
-          </a:p>
-          <a:p>
-            <a:endParaRPr lang="de-DE" dirty="0"/>
-          </a:p>
-          <a:p>
-            <a:endParaRPr lang="de-DE" dirty="0"/>
-          </a:p>
-        </p:txBody>
-      </p:sp>
-      <p:sp>
-        <p:nvSpPr>
-          <p:cNvPr id="18" name="Inhaltsplatzhalter 17"/>
-          <p:cNvSpPr>
-            <a:spLocks noGrp="1"/>
-          </p:cNvSpPr>
-          <p:nvPr>
-            <p:ph idx="15"/>
-          </p:nvPr>
-        </p:nvSpPr>
-        <p:spPr/>
-        <p:txBody>
-          <a:bodyPr/>
-          <a:lstStyle/>
-          <a:p>
-            <a:endParaRPr lang="de-DE"/>
+              <a:rPr lang="de-DE"/>
+              <a:t>Bildbeschreibung</a:t>
+            </a:r>
+            <a:br>
+              <a:rPr lang="de-DE"/>
+            </a:br>
+            <a:r>
+              <a:rPr lang="de-DE"/>
+              <a:t>oberer Bildrand: Begrenzung durch Text</a:t>
+            </a:r>
           </a:p>
         </p:txBody>
       </p:sp>
@@ -9702,7 +9690,7 @@
             <a:spLocks noGrp="1"/>
           </p:cNvSpPr>
           <p:nvPr>
-            <p:ph type="sldNum" sz="quarter" idx="16"/>
+            <p:ph type="sldNum" sz="quarter" idx="15"/>
           </p:nvPr>
         </p:nvSpPr>
         <p:spPr/>
@@ -9721,12 +9709,12 @@
       </p:sp>
       <p:sp>
         <p:nvSpPr>
-          <p:cNvPr id="7" name="Fußzeilenplatzhalter 4"/>
+          <p:cNvPr id="10" name="Fußzeilenplatzhalter 4"/>
           <p:cNvSpPr>
             <a:spLocks noGrp="1"/>
           </p:cNvSpPr>
           <p:nvPr>
-            <p:ph type="ftr" sz="quarter" idx="17"/>
+            <p:ph type="ftr" sz="quarter" idx="16"/>
           </p:nvPr>
         </p:nvSpPr>
         <p:spPr/>
@@ -9741,6 +9729,37 @@
             <a:endParaRPr lang="en-US" dirty="0"/>
           </a:p>
         </p:txBody>
+      </p:sp>
+      <p:sp>
+        <p:nvSpPr>
+          <p:cNvPr id="22" name="Inhaltsplatzhalter 21"/>
+          <p:cNvSpPr>
+            <a:spLocks noGrp="1"/>
+          </p:cNvSpPr>
+          <p:nvPr>
+            <p:ph sz="quarter" idx="18"/>
+          </p:nvPr>
+        </p:nvSpPr>
+        <p:spPr/>
+        <p:txBody>
+          <a:bodyPr/>
+          <a:lstStyle/>
+          <a:p>
+            <a:endParaRPr lang="de-DE"/>
+          </a:p>
+        </p:txBody>
+      </p:sp>
+      <p:sp>
+        <p:nvSpPr>
+          <p:cNvPr id="21" name="Bildplatzhalter 20"/>
+          <p:cNvSpPr>
+            <a:spLocks noGrp="1"/>
+          </p:cNvSpPr>
+          <p:nvPr>
+            <p:ph type="pic" sz="quarter" idx="14"/>
+          </p:nvPr>
+        </p:nvSpPr>
+        <p:spPr/>
       </p:sp>
       <p:sp>
         <p:nvSpPr>
@@ -9792,12 +9811,82 @@
       </p:grpSpPr>
       <p:sp>
         <p:nvSpPr>
+          <p:cNvPr id="3" name="Textplatzhalter 2"/>
+          <p:cNvSpPr>
+            <a:spLocks noGrp="1"/>
+          </p:cNvSpPr>
+          <p:nvPr>
+            <p:ph idx="14"/>
+          </p:nvPr>
+        </p:nvSpPr>
+        <p:spPr/>
+        <p:txBody>
+          <a:bodyPr/>
+          <a:lstStyle/>
+          <a:p>
+            <a:r>
+              <a:rPr lang="de-DE" dirty="0"/>
+              <a:t>Überschrift 2</a:t>
+            </a:r>
+          </a:p>
+          <a:p>
+            <a:r>
+              <a:rPr lang="de-DE" dirty="0"/>
+              <a:t>Hier steht ein einleitender oder beschreibender Fließtext und nach Wunsch eine Aufzählung</a:t>
+            </a:r>
+          </a:p>
+          <a:p>
+            <a:endParaRPr lang="de-DE" dirty="0"/>
+          </a:p>
+          <a:p>
+            <a:r>
+              <a:rPr lang="de-DE" dirty="0"/>
+              <a:t>Punkt 1</a:t>
+            </a:r>
+          </a:p>
+          <a:p>
+            <a:endParaRPr lang="de-DE" dirty="0"/>
+          </a:p>
+          <a:p>
+            <a:r>
+              <a:rPr lang="de-DE" dirty="0"/>
+              <a:t>Punkt 2</a:t>
+            </a:r>
+          </a:p>
+          <a:p>
+            <a:endParaRPr lang="de-DE" dirty="0"/>
+          </a:p>
+          <a:p>
+            <a:r>
+              <a:rPr lang="de-DE" dirty="0"/>
+              <a:t>Punkt 3</a:t>
+            </a:r>
+          </a:p>
+          <a:p>
+            <a:endParaRPr lang="de-DE" dirty="0"/>
+          </a:p>
+          <a:p>
+            <a:r>
+              <a:rPr lang="de-DE" dirty="0"/>
+              <a:t>Punkt 4</a:t>
+            </a:r>
+          </a:p>
+          <a:p>
+            <a:endParaRPr lang="de-DE" dirty="0"/>
+          </a:p>
+          <a:p>
+            <a:endParaRPr lang="de-DE" dirty="0"/>
+          </a:p>
+        </p:txBody>
+      </p:sp>
+      <p:sp>
+        <p:nvSpPr>
           <p:cNvPr id="18" name="Inhaltsplatzhalter 17"/>
           <p:cNvSpPr>
             <a:spLocks noGrp="1"/>
           </p:cNvSpPr>
           <p:nvPr>
-            <p:ph idx="1"/>
+            <p:ph idx="15"/>
           </p:nvPr>
         </p:nvSpPr>
         <p:spPr/>
@@ -9816,7 +9905,7 @@
             <a:spLocks noGrp="1"/>
           </p:cNvSpPr>
           <p:nvPr>
-            <p:ph type="sldNum" sz="quarter" idx="11"/>
+            <p:ph type="sldNum" sz="quarter" idx="16"/>
           </p:nvPr>
         </p:nvSpPr>
         <p:spPr/>
@@ -9835,12 +9924,12 @@
       </p:sp>
       <p:sp>
         <p:nvSpPr>
-          <p:cNvPr id="8" name="Fußzeilenplatzhalter 4"/>
+          <p:cNvPr id="7" name="Fußzeilenplatzhalter 4"/>
           <p:cNvSpPr>
             <a:spLocks noGrp="1"/>
           </p:cNvSpPr>
           <p:nvPr>
-            <p:ph type="ftr" sz="quarter" idx="12"/>
+            <p:ph type="ftr" sz="quarter" idx="17"/>
           </p:nvPr>
         </p:nvSpPr>
         <p:spPr/>
@@ -9853,35 +9942,6 @@
               <a:t>Dr. rer. nat. Erika Mustermann (TUM) | kann beliebig erweitert werden | Infos mit Strich trennen</a:t>
             </a:r>
             <a:endParaRPr lang="en-US" dirty="0"/>
-          </a:p>
-        </p:txBody>
-      </p:sp>
-      <p:sp>
-        <p:nvSpPr>
-          <p:cNvPr id="3" name="Textplatzhalter 2"/>
-          <p:cNvSpPr>
-            <a:spLocks noGrp="1"/>
-          </p:cNvSpPr>
-          <p:nvPr>
-            <p:ph type="body" sz="quarter" idx="13"/>
-          </p:nvPr>
-        </p:nvSpPr>
-        <p:spPr/>
-        <p:txBody>
-          <a:bodyPr/>
-          <a:lstStyle/>
-          <a:p>
-            <a:r>
-              <a:rPr lang="de-DE"/>
-              <a:t>Bildbeschreibung</a:t>
-            </a:r>
-            <a:br>
-              <a:rPr lang="de-DE"/>
-            </a:br>
-            <a:r>
-              <a:rPr lang="de-DE"/>
-              <a:t>oberer Bildrand: Begrenzung durch Text</a:t>
-            </a:r>
           </a:p>
         </p:txBody>
       </p:sp>
@@ -9935,12 +9995,12 @@
       </p:grpSpPr>
       <p:sp>
         <p:nvSpPr>
-          <p:cNvPr id="3" name="Textplatzhalter 2"/>
+          <p:cNvPr id="18" name="Inhaltsplatzhalter 17"/>
           <p:cNvSpPr>
             <a:spLocks noGrp="1"/>
           </p:cNvSpPr>
           <p:nvPr>
-            <p:ph type="body" sz="quarter" idx="13"/>
+            <p:ph idx="1"/>
           </p:nvPr>
         </p:nvSpPr>
         <p:spPr/>
@@ -9948,17 +10008,7 @@
           <a:bodyPr/>
           <a:lstStyle/>
           <a:p>
-            <a:r>
-              <a:rPr lang="de-DE"/>
-              <a:t>Bildbeschreibung</a:t>
-            </a:r>
-            <a:br>
-              <a:rPr lang="de-DE"/>
-            </a:br>
-            <a:r>
-              <a:rPr lang="de-DE"/>
-              <a:t>oberer Bildrand: Begrenzung durch Text</a:t>
-            </a:r>
+            <a:endParaRPr lang="de-DE"/>
           </a:p>
         </p:txBody>
       </p:sp>
@@ -9969,7 +10019,7 @@
             <a:spLocks noGrp="1"/>
           </p:cNvSpPr>
           <p:nvPr>
-            <p:ph type="sldNum" sz="quarter" idx="15"/>
+            <p:ph type="sldNum" sz="quarter" idx="11"/>
           </p:nvPr>
         </p:nvSpPr>
         <p:spPr/>
@@ -9988,12 +10038,12 @@
       </p:sp>
       <p:sp>
         <p:nvSpPr>
-          <p:cNvPr id="6" name="Fußzeilenplatzhalter 5"/>
+          <p:cNvPr id="8" name="Fußzeilenplatzhalter 4"/>
           <p:cNvSpPr>
             <a:spLocks noGrp="1"/>
           </p:cNvSpPr>
           <p:nvPr>
-            <p:ph type="ftr" sz="quarter" idx="16"/>
+            <p:ph type="ftr" sz="quarter" idx="12"/>
           </p:nvPr>
         </p:nvSpPr>
         <p:spPr/>
@@ -10002,23 +10052,41 @@
           <a:lstStyle/>
           <a:p>
             <a:r>
-              <a:rPr lang="de-DE" noProof="0"/>
+              <a:rPr lang="de-DE"/>
               <a:t>Dr. rer. nat. Erika Mustermann (TUM) | kann beliebig erweitert werden | Infos mit Strich trennen</a:t>
             </a:r>
-          </a:p>
-        </p:txBody>
-      </p:sp>
-      <p:sp>
-        <p:nvSpPr>
-          <p:cNvPr id="17" name="Bildplatzhalter 16"/>
+            <a:endParaRPr lang="en-US" dirty="0"/>
+          </a:p>
+        </p:txBody>
+      </p:sp>
+      <p:sp>
+        <p:nvSpPr>
+          <p:cNvPr id="3" name="Textplatzhalter 2"/>
           <p:cNvSpPr>
             <a:spLocks noGrp="1"/>
           </p:cNvSpPr>
           <p:nvPr>
-            <p:ph type="pic" sz="quarter" idx="17"/>
+            <p:ph type="body" sz="quarter" idx="13"/>
           </p:nvPr>
         </p:nvSpPr>
         <p:spPr/>
+        <p:txBody>
+          <a:bodyPr/>
+          <a:lstStyle/>
+          <a:p>
+            <a:r>
+              <a:rPr lang="de-DE"/>
+              <a:t>Bildbeschreibung</a:t>
+            </a:r>
+            <a:br>
+              <a:rPr lang="de-DE"/>
+            </a:br>
+            <a:r>
+              <a:rPr lang="de-DE"/>
+              <a:t>oberer Bildrand: Begrenzung durch Text</a:t>
+            </a:r>
+          </a:p>
+        </p:txBody>
       </p:sp>
       <p:sp>
         <p:nvSpPr>
@@ -10085,16 +10153,15 @@
           <a:p>
             <a:r>
               <a:rPr lang="de-DE"/>
-              <a:t>Weißer bzw. transparenter Hintergrund</a:t>
+              <a:t>Bildbeschreibung</a:t>
             </a:r>
             <a:br>
               <a:rPr lang="de-DE"/>
             </a:br>
             <a:r>
               <a:rPr lang="de-DE"/>
-              <a:t>mit genug Freiraum anordnen</a:t>
-            </a:r>
-            <a:endParaRPr lang="de-DE" dirty="0"/>
+              <a:t>oberer Bildrand: Begrenzung durch Text</a:t>
+            </a:r>
           </a:p>
         </p:txBody>
       </p:sp>
@@ -10124,7 +10191,7 @@
       </p:sp>
       <p:sp>
         <p:nvSpPr>
-          <p:cNvPr id="10" name="Fußzeilenplatzhalter 4"/>
+          <p:cNvPr id="6" name="Fußzeilenplatzhalter 5"/>
           <p:cNvSpPr>
             <a:spLocks noGrp="1"/>
           </p:cNvSpPr>
@@ -10138,16 +10205,15 @@
           <a:lstStyle/>
           <a:p>
             <a:r>
-              <a:rPr lang="de-DE"/>
+              <a:rPr lang="de-DE" noProof="0"/>
               <a:t>Dr. rer. nat. Erika Mustermann (TUM) | kann beliebig erweitert werden | Infos mit Strich trennen</a:t>
             </a:r>
-            <a:endParaRPr lang="en-US" dirty="0"/>
-          </a:p>
-        </p:txBody>
-      </p:sp>
-      <p:sp>
-        <p:nvSpPr>
-          <p:cNvPr id="18" name="Bildplatzhalter 17"/>
+          </a:p>
+        </p:txBody>
+      </p:sp>
+      <p:sp>
+        <p:nvSpPr>
+          <p:cNvPr id="17" name="Bildplatzhalter 16"/>
           <p:cNvSpPr>
             <a:spLocks noGrp="1"/>
           </p:cNvSpPr>
@@ -10174,7 +10240,7 @@
           <a:p>
             <a:r>
               <a:rPr lang="de-DE"/>
-              <a:t>Nicht formatfüllende Bilder</a:t>
+              <a:t>Bilder</a:t>
             </a:r>
             <a:endParaRPr lang="de-DE" dirty="0"/>
           </a:p>
@@ -10207,19 +10273,37 @@
       </p:grpSpPr>
       <p:sp>
         <p:nvSpPr>
-          <p:cNvPr id="14" name="Bildplatzhalter 13"/>
+          <p:cNvPr id="3" name="Textplatzhalter 2"/>
           <p:cNvSpPr>
             <a:spLocks noGrp="1"/>
           </p:cNvSpPr>
           <p:nvPr>
-            <p:ph type="pic" sz="quarter" idx="14"/>
+            <p:ph type="body" sz="quarter" idx="13"/>
           </p:nvPr>
         </p:nvSpPr>
         <p:spPr/>
-      </p:sp>
-      <p:sp>
-        <p:nvSpPr>
-          <p:cNvPr id="4" name="Foliennummernplatzhalter 3"/>
+        <p:txBody>
+          <a:bodyPr/>
+          <a:lstStyle/>
+          <a:p>
+            <a:r>
+              <a:rPr lang="de-DE"/>
+              <a:t>Weißer bzw. transparenter Hintergrund</a:t>
+            </a:r>
+            <a:br>
+              <a:rPr lang="de-DE"/>
+            </a:br>
+            <a:r>
+              <a:rPr lang="de-DE"/>
+              <a:t>mit genug Freiraum anordnen</a:t>
+            </a:r>
+            <a:endParaRPr lang="de-DE" dirty="0"/>
+          </a:p>
+        </p:txBody>
+      </p:sp>
+      <p:sp>
+        <p:nvSpPr>
+          <p:cNvPr id="5" name="Foliennummernplatzhalter 4"/>
           <p:cNvSpPr>
             <a:spLocks noGrp="1"/>
           </p:cNvSpPr>
@@ -10243,7 +10327,7 @@
       </p:sp>
       <p:sp>
         <p:nvSpPr>
-          <p:cNvPr id="5" name="Fußzeilenplatzhalter 4"/>
+          <p:cNvPr id="10" name="Fußzeilenplatzhalter 4"/>
           <p:cNvSpPr>
             <a:spLocks noGrp="1"/>
           </p:cNvSpPr>
@@ -10266,11 +10350,23 @@
       </p:sp>
       <p:sp>
         <p:nvSpPr>
-          <p:cNvPr id="3" name="Titel 2"/>
+          <p:cNvPr id="18" name="Bildplatzhalter 17"/>
           <p:cNvSpPr>
             <a:spLocks noGrp="1"/>
           </p:cNvSpPr>
           <p:nvPr>
+            <p:ph type="pic" sz="quarter" idx="17"/>
+          </p:nvPr>
+        </p:nvSpPr>
+        <p:spPr/>
+      </p:sp>
+      <p:sp>
+        <p:nvSpPr>
+          <p:cNvPr id="4" name="Titel 3"/>
+          <p:cNvSpPr>
+            <a:spLocks noGrp="1"/>
+          </p:cNvSpPr>
+          <p:nvPr>
             <p:ph type="title"/>
           </p:nvPr>
         </p:nvSpPr>
@@ -10281,7 +10377,7 @@
           <a:p>
             <a:r>
               <a:rPr lang="de-DE"/>
-              <a:t>Bilder Format füllend - maximale Bildgröße</a:t>
+              <a:t>Nicht formatfüllende Bilder</a:t>
             </a:r>
             <a:endParaRPr lang="de-DE" dirty="0"/>
           </a:p>
@@ -10314,31 +10410,15 @@
       </p:grpSpPr>
       <p:sp>
         <p:nvSpPr>
-          <p:cNvPr id="2" name="Textplatzhalter 1"/>
+          <p:cNvPr id="14" name="Bildplatzhalter 13"/>
           <p:cNvSpPr>
             <a:spLocks noGrp="1"/>
           </p:cNvSpPr>
           <p:nvPr>
-            <p:ph type="body" sz="quarter" idx="13"/>
+            <p:ph type="pic" sz="quarter" idx="14"/>
           </p:nvPr>
         </p:nvSpPr>
         <p:spPr/>
-        <p:txBody>
-          <a:bodyPr/>
-          <a:lstStyle/>
-          <a:p>
-            <a:r>
-              <a:rPr lang="de-DE"/>
-              <a:t>Alternativ mit formatfüllendem Hintergrund: 5 % schwarz</a:t>
-            </a:r>
-          </a:p>
-          <a:p>
-            <a:r>
-              <a:rPr lang="de-DE"/>
-              <a:t>Beschriftungen können zusätzlich neben den Bildern angebracht werden</a:t>
-            </a:r>
-          </a:p>
-        </p:txBody>
       </p:sp>
       <p:sp>
         <p:nvSpPr>
@@ -10366,7 +10446,7 @@
       </p:sp>
       <p:sp>
         <p:nvSpPr>
-          <p:cNvPr id="11" name="Fußzeilenplatzhalter 4"/>
+          <p:cNvPr id="5" name="Fußzeilenplatzhalter 4"/>
           <p:cNvSpPr>
             <a:spLocks noGrp="1"/>
           </p:cNvSpPr>
@@ -10386,41 +10466,6 @@
             <a:endParaRPr lang="en-US" dirty="0"/>
           </a:p>
         </p:txBody>
-      </p:sp>
-      <p:sp>
-        <p:nvSpPr>
-          <p:cNvPr id="7" name="Inhaltsplatzhalter 6"/>
-          <p:cNvSpPr>
-            <a:spLocks noGrp="1"/>
-          </p:cNvSpPr>
-          <p:nvPr>
-            <p:ph sz="quarter" idx="18"/>
-          </p:nvPr>
-        </p:nvSpPr>
-        <p:spPr/>
-        <p:txBody>
-          <a:bodyPr/>
-          <a:lstStyle/>
-          <a:p>
-            <a:r>
-              <a:rPr lang="de-DE"/>
-              <a:t>Bilderklärung</a:t>
-            </a:r>
-            <a:endParaRPr lang="de-DE" dirty="0"/>
-          </a:p>
-        </p:txBody>
-      </p:sp>
-      <p:sp>
-        <p:nvSpPr>
-          <p:cNvPr id="21" name="Bildplatzhalter 20"/>
-          <p:cNvSpPr>
-            <a:spLocks noGrp="1"/>
-          </p:cNvSpPr>
-          <p:nvPr>
-            <p:ph type="pic" sz="quarter" idx="14"/>
-          </p:nvPr>
-        </p:nvSpPr>
-        <p:spPr/>
       </p:sp>
       <p:sp>
         <p:nvSpPr>
@@ -10439,7 +10484,7 @@
           <a:p>
             <a:r>
               <a:rPr lang="de-DE"/>
-              <a:t>Nicht Format füllende Bilder</a:t>
+              <a:t>Bilder Format füllend - maximale Bildgröße</a:t>
             </a:r>
             <a:endParaRPr lang="de-DE" dirty="0"/>
           </a:p>
@@ -10454,6 +10499,164 @@
 </file>
 
 <file path=ppt/slides/slide18.xml><?xml version="1.0" encoding="utf-8"?>
+<p:sld xmlns:a="http://schemas.openxmlformats.org/drawingml/2006/main" xmlns:r="http://schemas.openxmlformats.org/officeDocument/2006/relationships" xmlns:p="http://schemas.openxmlformats.org/presentationml/2006/main">
+  <p:cSld>
+    <p:spTree>
+      <p:nvGrpSpPr>
+        <p:cNvPr id="1" name=""/>
+        <p:cNvGrpSpPr/>
+        <p:nvPr/>
+      </p:nvGrpSpPr>
+      <p:grpSpPr>
+        <a:xfrm>
+          <a:off x="0" y="0"/>
+          <a:ext cx="0" cy="0"/>
+          <a:chOff x="0" y="0"/>
+          <a:chExt cx="0" cy="0"/>
+        </a:xfrm>
+      </p:grpSpPr>
+      <p:sp>
+        <p:nvSpPr>
+          <p:cNvPr id="2" name="Textplatzhalter 1"/>
+          <p:cNvSpPr>
+            <a:spLocks noGrp="1"/>
+          </p:cNvSpPr>
+          <p:nvPr>
+            <p:ph type="body" sz="quarter" idx="13"/>
+          </p:nvPr>
+        </p:nvSpPr>
+        <p:spPr/>
+        <p:txBody>
+          <a:bodyPr/>
+          <a:lstStyle/>
+          <a:p>
+            <a:r>
+              <a:rPr lang="de-DE"/>
+              <a:t>Alternativ mit formatfüllendem Hintergrund: 5 % schwarz</a:t>
+            </a:r>
+          </a:p>
+          <a:p>
+            <a:r>
+              <a:rPr lang="de-DE"/>
+              <a:t>Beschriftungen können zusätzlich neben den Bildern angebracht werden</a:t>
+            </a:r>
+          </a:p>
+        </p:txBody>
+      </p:sp>
+      <p:sp>
+        <p:nvSpPr>
+          <p:cNvPr id="4" name="Foliennummernplatzhalter 3"/>
+          <p:cNvSpPr>
+            <a:spLocks noGrp="1"/>
+          </p:cNvSpPr>
+          <p:nvPr>
+            <p:ph type="sldNum" sz="quarter" idx="15"/>
+          </p:nvPr>
+        </p:nvSpPr>
+        <p:spPr/>
+        <p:txBody>
+          <a:bodyPr/>
+          <a:lstStyle/>
+          <a:p>
+            <a:fld id="{CE58CB1E-F828-4F11-99E0-327109AF9DA4}" type="slidenum">
+              <a:rPr lang="de-DE" smtClean="0"/>
+              <a:pPr/>
+              <a:t>18</a:t>
+            </a:fld>
+            <a:endParaRPr lang="de-DE" dirty="0"/>
+          </a:p>
+        </p:txBody>
+      </p:sp>
+      <p:sp>
+        <p:nvSpPr>
+          <p:cNvPr id="11" name="Fußzeilenplatzhalter 4"/>
+          <p:cNvSpPr>
+            <a:spLocks noGrp="1"/>
+          </p:cNvSpPr>
+          <p:nvPr>
+            <p:ph type="ftr" sz="quarter" idx="16"/>
+          </p:nvPr>
+        </p:nvSpPr>
+        <p:spPr/>
+        <p:txBody>
+          <a:bodyPr/>
+          <a:lstStyle/>
+          <a:p>
+            <a:r>
+              <a:rPr lang="de-DE"/>
+              <a:t>Dr. rer. nat. Erika Mustermann (TUM) | kann beliebig erweitert werden | Infos mit Strich trennen</a:t>
+            </a:r>
+            <a:endParaRPr lang="en-US" dirty="0"/>
+          </a:p>
+        </p:txBody>
+      </p:sp>
+      <p:sp>
+        <p:nvSpPr>
+          <p:cNvPr id="7" name="Inhaltsplatzhalter 6"/>
+          <p:cNvSpPr>
+            <a:spLocks noGrp="1"/>
+          </p:cNvSpPr>
+          <p:nvPr>
+            <p:ph sz="quarter" idx="18"/>
+          </p:nvPr>
+        </p:nvSpPr>
+        <p:spPr/>
+        <p:txBody>
+          <a:bodyPr/>
+          <a:lstStyle/>
+          <a:p>
+            <a:r>
+              <a:rPr lang="de-DE"/>
+              <a:t>Bilderklärung</a:t>
+            </a:r>
+            <a:endParaRPr lang="de-DE" dirty="0"/>
+          </a:p>
+        </p:txBody>
+      </p:sp>
+      <p:sp>
+        <p:nvSpPr>
+          <p:cNvPr id="21" name="Bildplatzhalter 20"/>
+          <p:cNvSpPr>
+            <a:spLocks noGrp="1"/>
+          </p:cNvSpPr>
+          <p:nvPr>
+            <p:ph type="pic" sz="quarter" idx="14"/>
+          </p:nvPr>
+        </p:nvSpPr>
+        <p:spPr/>
+      </p:sp>
+      <p:sp>
+        <p:nvSpPr>
+          <p:cNvPr id="3" name="Titel 2"/>
+          <p:cNvSpPr>
+            <a:spLocks noGrp="1"/>
+          </p:cNvSpPr>
+          <p:nvPr>
+            <p:ph type="title"/>
+          </p:nvPr>
+        </p:nvSpPr>
+        <p:spPr/>
+        <p:txBody>
+          <a:bodyPr/>
+          <a:lstStyle/>
+          <a:p>
+            <a:r>
+              <a:rPr lang="de-DE"/>
+              <a:t>Nicht Format füllende Bilder</a:t>
+            </a:r>
+            <a:endParaRPr lang="de-DE" dirty="0"/>
+          </a:p>
+        </p:txBody>
+      </p:sp>
+    </p:spTree>
+  </p:cSld>
+  <p:clrMapOvr>
+    <a:masterClrMapping/>
+  </p:clrMapOvr>
+</p:sld>
+</file>
+
+<file path=ppt/slides/slide19.xml><?xml version="1.0" encoding="utf-8"?>
 <p:sld xmlns:a="http://schemas.openxmlformats.org/drawingml/2006/main" xmlns:r="http://schemas.openxmlformats.org/officeDocument/2006/relationships" xmlns:p="http://schemas.openxmlformats.org/presentationml/2006/main">
   <p:cSld>
     <p:spTree>
@@ -11103,7 +11306,7 @@
             <a:fld id="{CE58CB1E-F828-4F11-99E0-327109AF9DA4}" type="slidenum">
               <a:rPr lang="de-DE" smtClean="0"/>
               <a:pPr/>
-              <a:t>18</a:t>
+              <a:t>19</a:t>
             </a:fld>
             <a:endParaRPr lang="de-DE" dirty="0"/>
           </a:p>
@@ -11193,7 +11396,253 @@
 </p:sld>
 </file>
 
-<file path=ppt/slides/slide19.xml><?xml version="1.0" encoding="utf-8"?>
+<file path=ppt/slides/slide2.xml><?xml version="1.0" encoding="utf-8"?>
+<p:sld xmlns:a="http://schemas.openxmlformats.org/drawingml/2006/main" xmlns:r="http://schemas.openxmlformats.org/officeDocument/2006/relationships" xmlns:p="http://schemas.openxmlformats.org/presentationml/2006/main">
+  <p:cSld>
+    <p:spTree>
+      <p:nvGrpSpPr>
+        <p:cNvPr id="1" name=""/>
+        <p:cNvGrpSpPr/>
+        <p:nvPr/>
+      </p:nvGrpSpPr>
+      <p:grpSpPr>
+        <a:xfrm>
+          <a:off x="0" y="0"/>
+          <a:ext cx="0" cy="0"/>
+          <a:chOff x="0" y="0"/>
+          <a:chExt cx="0" cy="0"/>
+        </a:xfrm>
+      </p:grpSpPr>
+      <p:sp>
+        <p:nvSpPr>
+          <p:cNvPr id="2" name="Inhaltsplatzhalter 1"/>
+          <p:cNvSpPr>
+            <a:spLocks noGrp="1"/>
+          </p:cNvSpPr>
+          <p:nvPr>
+            <p:ph idx="1"/>
+          </p:nvPr>
+        </p:nvSpPr>
+        <p:spPr/>
+        <p:txBody>
+          <a:bodyPr/>
+          <a:lstStyle/>
+          <a:p>
+            <a:pPr marL="285750" indent="-285750">
+              <a:buFont typeface="Arial" panose="020B0604020202020204" pitchFamily="34" charset="0"/>
+              <a:buChar char="•"/>
+            </a:pPr>
+            <a:r>
+              <a:rPr lang="de-DE" dirty="0"/>
+              <a:t>C-Code mit Input / Output</a:t>
+            </a:r>
+          </a:p>
+          <a:p>
+            <a:pPr marL="285750" indent="-285750">
+              <a:buFont typeface="Arial" panose="020B0604020202020204" pitchFamily="34" charset="0"/>
+              <a:buChar char="•"/>
+            </a:pPr>
+            <a:endParaRPr lang="de-DE" dirty="0"/>
+          </a:p>
+          <a:p>
+            <a:pPr marL="285750" indent="-285750">
+              <a:buFont typeface="Arial" panose="020B0604020202020204" pitchFamily="34" charset="0"/>
+              <a:buChar char="•"/>
+            </a:pPr>
+            <a:r>
+              <a:rPr lang="de-DE" dirty="0"/>
+              <a:t>Pseudo Assembler Code</a:t>
+            </a:r>
+          </a:p>
+          <a:p>
+            <a:pPr marL="285750" indent="-285750">
+              <a:buFont typeface="Arial" panose="020B0604020202020204" pitchFamily="34" charset="0"/>
+              <a:buChar char="•"/>
+            </a:pPr>
+            <a:endParaRPr lang="de-DE" dirty="0"/>
+          </a:p>
+          <a:p>
+            <a:pPr marL="285750" indent="-285750">
+              <a:buFont typeface="Arial" panose="020B0604020202020204" pitchFamily="34" charset="0"/>
+              <a:buChar char="•"/>
+            </a:pPr>
+            <a:r>
+              <a:rPr lang="de-DE" dirty="0"/>
+              <a:t>Single-Pixel-</a:t>
+            </a:r>
+            <a:r>
+              <a:rPr lang="de-DE" dirty="0" err="1"/>
+              <a:t>Calculation</a:t>
+            </a:r>
+            <a:endParaRPr lang="de-DE" dirty="0"/>
+          </a:p>
+          <a:p>
+            <a:pPr marL="285750" indent="-285750">
+              <a:buFont typeface="Arial" panose="020B0604020202020204" pitchFamily="34" charset="0"/>
+              <a:buChar char="•"/>
+            </a:pPr>
+            <a:endParaRPr lang="de-DE" dirty="0"/>
+          </a:p>
+          <a:p>
+            <a:pPr marL="285750" indent="-285750">
+              <a:buFont typeface="Arial" panose="020B0604020202020204" pitchFamily="34" charset="0"/>
+              <a:buChar char="•"/>
+            </a:pPr>
+            <a:r>
+              <a:rPr lang="de-DE" dirty="0"/>
+              <a:t>Parallelisierung</a:t>
+            </a:r>
+          </a:p>
+          <a:p>
+            <a:pPr marL="461963" lvl="1" indent="-285750">
+              <a:buFont typeface="Symbol" panose="05050102010706020507" pitchFamily="18" charset="2"/>
+              <a:buChar char="-"/>
+            </a:pPr>
+            <a:r>
+              <a:rPr lang="de-DE" dirty="0"/>
+              <a:t>Erster Ansatz:		</a:t>
+            </a:r>
+            <a:r>
+              <a:rPr lang="de-DE" dirty="0" err="1"/>
+              <a:t>Float</a:t>
+            </a:r>
+            <a:r>
+              <a:rPr lang="de-DE" dirty="0"/>
+              <a:t>-Array mit Positionen </a:t>
+            </a:r>
+            <a:r>
+              <a:rPr lang="de-DE" dirty="0">
+                <a:sym typeface="Wingdings" panose="05000000000000000000" pitchFamily="2" charset="2"/>
+              </a:rPr>
+              <a:t> Q-Register</a:t>
+            </a:r>
+            <a:endParaRPr lang="de-DE" dirty="0"/>
+          </a:p>
+          <a:p>
+            <a:pPr marL="461963" lvl="1" indent="-285750">
+              <a:buFont typeface="Symbol" panose="05050102010706020507" pitchFamily="18" charset="2"/>
+              <a:buChar char="-"/>
+            </a:pPr>
+            <a:r>
+              <a:rPr lang="de-DE" dirty="0"/>
+              <a:t>Zweiter Ansatz:	Kontinuierlich 4 Pixel berechnen </a:t>
+            </a:r>
+            <a:r>
+              <a:rPr lang="de-DE" dirty="0">
+                <a:sym typeface="Wingdings" panose="05000000000000000000" pitchFamily="2" charset="2"/>
+              </a:rPr>
+              <a:t> Fertige Pixel austauschen</a:t>
+            </a:r>
+          </a:p>
+          <a:p>
+            <a:pPr marL="461963" lvl="1" indent="-285750">
+              <a:buFont typeface="Symbol" panose="05050102010706020507" pitchFamily="18" charset="2"/>
+              <a:buChar char="-"/>
+            </a:pPr>
+            <a:endParaRPr lang="de-DE" dirty="0">
+              <a:sym typeface="Wingdings" panose="05000000000000000000" pitchFamily="2" charset="2"/>
+            </a:endParaRPr>
+          </a:p>
+          <a:p>
+            <a:endParaRPr lang="de-DE" dirty="0"/>
+          </a:p>
+          <a:p>
+            <a:pPr marL="285750" indent="-285750">
+              <a:buFont typeface="Arial" panose="020B0604020202020204" pitchFamily="34" charset="0"/>
+              <a:buChar char="•"/>
+            </a:pPr>
+            <a:endParaRPr lang="de-DE" dirty="0"/>
+          </a:p>
+        </p:txBody>
+      </p:sp>
+      <p:sp>
+        <p:nvSpPr>
+          <p:cNvPr id="3" name="Foliennummernplatzhalter 2"/>
+          <p:cNvSpPr>
+            <a:spLocks noGrp="1"/>
+          </p:cNvSpPr>
+          <p:nvPr>
+            <p:ph type="sldNum" sz="quarter" idx="11"/>
+          </p:nvPr>
+        </p:nvSpPr>
+        <p:spPr/>
+        <p:txBody>
+          <a:bodyPr/>
+          <a:lstStyle/>
+          <a:p>
+            <a:fld id="{CE58CB1E-F828-4F11-99E0-327109AF9DA4}" type="slidenum">
+              <a:rPr lang="de-DE" smtClean="0"/>
+              <a:pPr/>
+              <a:t>2</a:t>
+            </a:fld>
+            <a:endParaRPr lang="de-DE" dirty="0"/>
+          </a:p>
+        </p:txBody>
+      </p:sp>
+      <p:sp>
+        <p:nvSpPr>
+          <p:cNvPr id="4" name="Fußzeilenplatzhalter 3"/>
+          <p:cNvSpPr>
+            <a:spLocks noGrp="1"/>
+          </p:cNvSpPr>
+          <p:nvPr>
+            <p:ph type="ftr" sz="quarter" idx="12"/>
+          </p:nvPr>
+        </p:nvSpPr>
+        <p:spPr/>
+        <p:txBody>
+          <a:bodyPr/>
+          <a:lstStyle/>
+          <a:p>
+            <a:r>
+              <a:rPr lang="de-DE"/>
+              <a:t>Dr. rer. nat. Erika Mustermann (TUM) | kann beliebig erweitert werden | Infos mit Strich trennen</a:t>
+            </a:r>
+            <a:endParaRPr lang="en-US" dirty="0"/>
+          </a:p>
+        </p:txBody>
+      </p:sp>
+      <p:sp>
+        <p:nvSpPr>
+          <p:cNvPr id="5" name="Titel 4"/>
+          <p:cNvSpPr>
+            <a:spLocks noGrp="1"/>
+          </p:cNvSpPr>
+          <p:nvPr>
+            <p:ph type="title"/>
+          </p:nvPr>
+        </p:nvSpPr>
+        <p:spPr>
+          <a:xfrm>
+            <a:off x="319090" y="994334"/>
+            <a:ext cx="8508999" cy="410369"/>
+          </a:xfrm>
+        </p:spPr>
+        <p:txBody>
+          <a:bodyPr/>
+          <a:lstStyle/>
+          <a:p>
+            <a:r>
+              <a:rPr lang="de-DE" dirty="0"/>
+              <a:t>Lösungsfindung</a:t>
+            </a:r>
+          </a:p>
+        </p:txBody>
+      </p:sp>
+    </p:spTree>
+    <p:extLst>
+      <p:ext uri="{BB962C8B-B14F-4D97-AF65-F5344CB8AC3E}">
+        <p14:creationId xmlns:p14="http://schemas.microsoft.com/office/powerpoint/2010/main" val="1769324023"/>
+      </p:ext>
+    </p:extLst>
+  </p:cSld>
+  <p:clrMapOvr>
+    <a:masterClrMapping/>
+  </p:clrMapOvr>
+</p:sld>
+</file>
+
+<file path=ppt/slides/slide20.xml><?xml version="1.0" encoding="utf-8"?>
 <p:sld xmlns:a="http://schemas.openxmlformats.org/drawingml/2006/main" xmlns:r="http://schemas.openxmlformats.org/officeDocument/2006/relationships" xmlns:p="http://schemas.openxmlformats.org/presentationml/2006/main">
   <p:cSld>
     <p:spTree>
@@ -11633,7 +12082,7 @@
             <a:fld id="{CE58CB1E-F828-4F11-99E0-327109AF9DA4}" type="slidenum">
               <a:rPr lang="de-DE" smtClean="0"/>
               <a:pPr/>
-              <a:t>19</a:t>
+              <a:t>20</a:t>
             </a:fld>
             <a:endParaRPr lang="de-DE" dirty="0"/>
           </a:p>
@@ -11723,7 +12172,269 @@
 </p:sld>
 </file>
 
-<file path=ppt/slides/slide2.xml><?xml version="1.0" encoding="utf-8"?>
+<file path=ppt/slides/slide21.xml><?xml version="1.0" encoding="utf-8"?>
+<p:sld xmlns:a="http://schemas.openxmlformats.org/drawingml/2006/main" xmlns:r="http://schemas.openxmlformats.org/officeDocument/2006/relationships" xmlns:p="http://schemas.openxmlformats.org/presentationml/2006/main">
+  <p:cSld>
+    <p:spTree>
+      <p:nvGrpSpPr>
+        <p:cNvPr id="1" name=""/>
+        <p:cNvGrpSpPr/>
+        <p:nvPr/>
+      </p:nvGrpSpPr>
+      <p:grpSpPr>
+        <a:xfrm>
+          <a:off x="0" y="0"/>
+          <a:ext cx="0" cy="0"/>
+          <a:chOff x="0" y="0"/>
+          <a:chExt cx="0" cy="0"/>
+        </a:xfrm>
+      </p:grpSpPr>
+      <p:sp>
+        <p:nvSpPr>
+          <p:cNvPr id="5" name="Foliennummernplatzhalter 4"/>
+          <p:cNvSpPr>
+            <a:spLocks noGrp="1"/>
+          </p:cNvSpPr>
+          <p:nvPr>
+            <p:ph type="sldNum" sz="quarter" idx="11"/>
+          </p:nvPr>
+        </p:nvSpPr>
+        <p:spPr/>
+        <p:txBody>
+          <a:bodyPr/>
+          <a:lstStyle/>
+          <a:p>
+            <a:fld id="{CE58CB1E-F828-4F11-99E0-327109AF9DA4}" type="slidenum">
+              <a:rPr lang="de-DE" smtClean="0"/>
+              <a:pPr/>
+              <a:t>21</a:t>
+            </a:fld>
+            <a:endParaRPr lang="de-DE" dirty="0"/>
+          </a:p>
+        </p:txBody>
+      </p:sp>
+      <p:sp>
+        <p:nvSpPr>
+          <p:cNvPr id="9" name="Fußzeilenplatzhalter 4"/>
+          <p:cNvSpPr>
+            <a:spLocks noGrp="1"/>
+          </p:cNvSpPr>
+          <p:nvPr>
+            <p:ph type="ftr" sz="quarter" idx="12"/>
+          </p:nvPr>
+        </p:nvSpPr>
+        <p:spPr/>
+        <p:txBody>
+          <a:bodyPr/>
+          <a:lstStyle/>
+          <a:p>
+            <a:r>
+              <a:rPr lang="de-DE"/>
+              <a:t>Dr. rer. nat. Erika Mustermann (TUM) | kann beliebig erweitert werden | Infos mit Strich trennen</a:t>
+            </a:r>
+            <a:endParaRPr lang="en-US" dirty="0"/>
+          </a:p>
+        </p:txBody>
+      </p:sp>
+      <p:sp>
+        <p:nvSpPr>
+          <p:cNvPr id="3" name="Textplatzhalter 2"/>
+          <p:cNvSpPr>
+            <a:spLocks noGrp="1"/>
+          </p:cNvSpPr>
+          <p:nvPr>
+            <p:ph type="body" sz="quarter" idx="13"/>
+          </p:nvPr>
+        </p:nvSpPr>
+        <p:spPr/>
+        <p:txBody>
+          <a:bodyPr/>
+          <a:lstStyle/>
+          <a:p>
+            <a:r>
+              <a:rPr lang="de-DE" dirty="0"/>
+              <a:t>Nach Möglichkeit linksbündig bleiben</a:t>
+            </a:r>
+            <a:br>
+              <a:rPr lang="de-DE" dirty="0"/>
+            </a:br>
+            <a:r>
+              <a:rPr lang="de-DE" dirty="0"/>
+              <a:t>Unnötige Striche und Balken vermeiden</a:t>
+            </a:r>
+          </a:p>
+        </p:txBody>
+      </p:sp>
+      <p:sp>
+        <p:nvSpPr>
+          <p:cNvPr id="4" name="Titel 3"/>
+          <p:cNvSpPr>
+            <a:spLocks noGrp="1"/>
+          </p:cNvSpPr>
+          <p:nvPr>
+            <p:ph type="title"/>
+          </p:nvPr>
+        </p:nvSpPr>
+        <p:spPr/>
+        <p:txBody>
+          <a:bodyPr/>
+          <a:lstStyle/>
+          <a:p>
+            <a:r>
+              <a:rPr lang="de-DE"/>
+              <a:t>Diagramme – Beispiel 1</a:t>
+            </a:r>
+            <a:endParaRPr lang="de-DE" dirty="0"/>
+          </a:p>
+        </p:txBody>
+      </p:sp>
+      <p:graphicFrame>
+        <p:nvGraphicFramePr>
+          <p:cNvPr id="14" name="Diagramm 13"/>
+          <p:cNvGraphicFramePr/>
+          <p:nvPr>
+            <p:extLst/>
+          </p:nvPr>
+        </p:nvGraphicFramePr>
+        <p:xfrm>
+          <a:off x="209868" y="2388199"/>
+          <a:ext cx="8515032" cy="4207865"/>
+        </p:xfrm>
+        <a:graphic>
+          <a:graphicData uri="http://schemas.openxmlformats.org/drawingml/2006/chart">
+            <c:chart xmlns:c="http://schemas.openxmlformats.org/drawingml/2006/chart" xmlns:r="http://schemas.openxmlformats.org/officeDocument/2006/relationships" r:id="rId2"/>
+          </a:graphicData>
+        </a:graphic>
+      </p:graphicFrame>
+    </p:spTree>
+  </p:cSld>
+  <p:clrMapOvr>
+    <a:masterClrMapping/>
+  </p:clrMapOvr>
+</p:sld>
+</file>
+
+<file path=ppt/slides/slide22.xml><?xml version="1.0" encoding="utf-8"?>
+<p:sld xmlns:a="http://schemas.openxmlformats.org/drawingml/2006/main" xmlns:r="http://schemas.openxmlformats.org/officeDocument/2006/relationships" xmlns:p="http://schemas.openxmlformats.org/presentationml/2006/main">
+  <p:cSld>
+    <p:spTree>
+      <p:nvGrpSpPr>
+        <p:cNvPr id="1" name=""/>
+        <p:cNvGrpSpPr/>
+        <p:nvPr/>
+      </p:nvGrpSpPr>
+      <p:grpSpPr>
+        <a:xfrm>
+          <a:off x="0" y="0"/>
+          <a:ext cx="0" cy="0"/>
+          <a:chOff x="0" y="0"/>
+          <a:chExt cx="0" cy="0"/>
+        </a:xfrm>
+      </p:grpSpPr>
+      <p:graphicFrame>
+        <p:nvGraphicFramePr>
+          <p:cNvPr id="6" name="Inhaltsplatzhalter 5"/>
+          <p:cNvGraphicFramePr>
+            <a:graphicFrameLocks noGrp="1"/>
+          </p:cNvGraphicFramePr>
+          <p:nvPr>
+            <p:ph idx="1"/>
+            <p:extLst>
+              <p:ext uri="{D42A27DB-BD31-4B8C-83A1-F6EECF244321}">
+                <p14:modId xmlns:p14="http://schemas.microsoft.com/office/powerpoint/2010/main" val="2021366215"/>
+              </p:ext>
+            </p:extLst>
+          </p:nvPr>
+        </p:nvGraphicFramePr>
+        <p:xfrm>
+          <a:off x="319088" y="1762125"/>
+          <a:ext cx="8509000" cy="4699000"/>
+        </p:xfrm>
+        <a:graphic>
+          <a:graphicData uri="http://schemas.openxmlformats.org/drawingml/2006/chart">
+            <c:chart xmlns:c="http://schemas.openxmlformats.org/drawingml/2006/chart" xmlns:r="http://schemas.openxmlformats.org/officeDocument/2006/relationships" r:id="rId2"/>
+          </a:graphicData>
+        </a:graphic>
+      </p:graphicFrame>
+      <p:sp>
+        <p:nvSpPr>
+          <p:cNvPr id="4" name="Foliennummernplatzhalter 3"/>
+          <p:cNvSpPr>
+            <a:spLocks noGrp="1"/>
+          </p:cNvSpPr>
+          <p:nvPr>
+            <p:ph type="sldNum" sz="quarter" idx="11"/>
+          </p:nvPr>
+        </p:nvSpPr>
+        <p:spPr/>
+        <p:txBody>
+          <a:bodyPr/>
+          <a:lstStyle/>
+          <a:p>
+            <a:fld id="{CE58CB1E-F828-4F11-99E0-327109AF9DA4}" type="slidenum">
+              <a:rPr lang="de-DE" smtClean="0"/>
+              <a:pPr/>
+              <a:t>22</a:t>
+            </a:fld>
+            <a:endParaRPr lang="de-DE" dirty="0"/>
+          </a:p>
+        </p:txBody>
+      </p:sp>
+      <p:sp>
+        <p:nvSpPr>
+          <p:cNvPr id="7" name="Fußzeilenplatzhalter 4"/>
+          <p:cNvSpPr>
+            <a:spLocks noGrp="1"/>
+          </p:cNvSpPr>
+          <p:nvPr>
+            <p:ph type="ftr" sz="quarter" idx="12"/>
+          </p:nvPr>
+        </p:nvSpPr>
+        <p:spPr/>
+        <p:txBody>
+          <a:bodyPr/>
+          <a:lstStyle/>
+          <a:p>
+            <a:r>
+              <a:rPr lang="de-DE"/>
+              <a:t>Dr. rer. nat. Erika Mustermann (TUM) | kann beliebig erweitert werden | Infos mit Strich trennen</a:t>
+            </a:r>
+            <a:endParaRPr lang="en-US" dirty="0"/>
+          </a:p>
+        </p:txBody>
+      </p:sp>
+      <p:sp>
+        <p:nvSpPr>
+          <p:cNvPr id="3" name="Titel 2"/>
+          <p:cNvSpPr>
+            <a:spLocks noGrp="1"/>
+          </p:cNvSpPr>
+          <p:nvPr>
+            <p:ph type="title"/>
+          </p:nvPr>
+        </p:nvSpPr>
+        <p:spPr/>
+        <p:txBody>
+          <a:bodyPr/>
+          <a:lstStyle/>
+          <a:p>
+            <a:r>
+              <a:rPr lang="de-DE"/>
+              <a:t>Diagramme</a:t>
+            </a:r>
+            <a:endParaRPr lang="de-DE" dirty="0"/>
+          </a:p>
+        </p:txBody>
+      </p:sp>
+    </p:spTree>
+  </p:cSld>
+  <p:clrMapOvr>
+    <a:masterClrMapping/>
+  </p:clrMapOvr>
+</p:sld>
+</file>
+
+<file path=ppt/slides/slide3.xml><?xml version="1.0" encoding="utf-8"?>
 <p:sld xmlns:a="http://schemas.openxmlformats.org/drawingml/2006/main" xmlns:r="http://schemas.openxmlformats.org/officeDocument/2006/relationships" xmlns:p="http://schemas.openxmlformats.org/presentationml/2006/main">
   <p:cSld>
     <p:spTree>
@@ -11884,7 +12595,7 @@
             <a:fld id="{CE58CB1E-F828-4F11-99E0-327109AF9DA4}" type="slidenum">
               <a:rPr lang="de-DE" smtClean="0"/>
               <a:pPr/>
-              <a:t>2</a:t>
+              <a:t>3</a:t>
             </a:fld>
             <a:endParaRPr lang="de-DE" dirty="0"/>
           </a:p>
@@ -12700,7 +13411,7 @@
 </p:sld>
 </file>
 
-<file path=ppt/slides/slide20.xml><?xml version="1.0" encoding="utf-8"?>
+<file path=ppt/slides/slide4.xml><?xml version="1.0" encoding="utf-8"?>
 <p:sld xmlns:a="http://schemas.openxmlformats.org/drawingml/2006/main" xmlns:r="http://schemas.openxmlformats.org/officeDocument/2006/relationships" xmlns:p="http://schemas.openxmlformats.org/presentationml/2006/main">
   <p:cSld>
     <p:spTree>
@@ -12719,268 +13430,6 @@
       </p:grpSpPr>
       <p:sp>
         <p:nvSpPr>
-          <p:cNvPr id="5" name="Foliennummernplatzhalter 4"/>
-          <p:cNvSpPr>
-            <a:spLocks noGrp="1"/>
-          </p:cNvSpPr>
-          <p:nvPr>
-            <p:ph type="sldNum" sz="quarter" idx="11"/>
-          </p:nvPr>
-        </p:nvSpPr>
-        <p:spPr/>
-        <p:txBody>
-          <a:bodyPr/>
-          <a:lstStyle/>
-          <a:p>
-            <a:fld id="{CE58CB1E-F828-4F11-99E0-327109AF9DA4}" type="slidenum">
-              <a:rPr lang="de-DE" smtClean="0"/>
-              <a:pPr/>
-              <a:t>20</a:t>
-            </a:fld>
-            <a:endParaRPr lang="de-DE" dirty="0"/>
-          </a:p>
-        </p:txBody>
-      </p:sp>
-      <p:sp>
-        <p:nvSpPr>
-          <p:cNvPr id="9" name="Fußzeilenplatzhalter 4"/>
-          <p:cNvSpPr>
-            <a:spLocks noGrp="1"/>
-          </p:cNvSpPr>
-          <p:nvPr>
-            <p:ph type="ftr" sz="quarter" idx="12"/>
-          </p:nvPr>
-        </p:nvSpPr>
-        <p:spPr/>
-        <p:txBody>
-          <a:bodyPr/>
-          <a:lstStyle/>
-          <a:p>
-            <a:r>
-              <a:rPr lang="de-DE"/>
-              <a:t>Dr. rer. nat. Erika Mustermann (TUM) | kann beliebig erweitert werden | Infos mit Strich trennen</a:t>
-            </a:r>
-            <a:endParaRPr lang="en-US" dirty="0"/>
-          </a:p>
-        </p:txBody>
-      </p:sp>
-      <p:sp>
-        <p:nvSpPr>
-          <p:cNvPr id="3" name="Textplatzhalter 2"/>
-          <p:cNvSpPr>
-            <a:spLocks noGrp="1"/>
-          </p:cNvSpPr>
-          <p:nvPr>
-            <p:ph type="body" sz="quarter" idx="13"/>
-          </p:nvPr>
-        </p:nvSpPr>
-        <p:spPr/>
-        <p:txBody>
-          <a:bodyPr/>
-          <a:lstStyle/>
-          <a:p>
-            <a:r>
-              <a:rPr lang="de-DE" dirty="0"/>
-              <a:t>Nach Möglichkeit linksbündig bleiben</a:t>
-            </a:r>
-            <a:br>
-              <a:rPr lang="de-DE" dirty="0"/>
-            </a:br>
-            <a:r>
-              <a:rPr lang="de-DE" dirty="0"/>
-              <a:t>Unnötige Striche und Balken vermeiden</a:t>
-            </a:r>
-          </a:p>
-        </p:txBody>
-      </p:sp>
-      <p:sp>
-        <p:nvSpPr>
-          <p:cNvPr id="4" name="Titel 3"/>
-          <p:cNvSpPr>
-            <a:spLocks noGrp="1"/>
-          </p:cNvSpPr>
-          <p:nvPr>
-            <p:ph type="title"/>
-          </p:nvPr>
-        </p:nvSpPr>
-        <p:spPr/>
-        <p:txBody>
-          <a:bodyPr/>
-          <a:lstStyle/>
-          <a:p>
-            <a:r>
-              <a:rPr lang="de-DE"/>
-              <a:t>Diagramme – Beispiel 1</a:t>
-            </a:r>
-            <a:endParaRPr lang="de-DE" dirty="0"/>
-          </a:p>
-        </p:txBody>
-      </p:sp>
-      <p:graphicFrame>
-        <p:nvGraphicFramePr>
-          <p:cNvPr id="14" name="Diagramm 13"/>
-          <p:cNvGraphicFramePr/>
-          <p:nvPr>
-            <p:extLst/>
-          </p:nvPr>
-        </p:nvGraphicFramePr>
-        <p:xfrm>
-          <a:off x="209868" y="2388199"/>
-          <a:ext cx="8515032" cy="4207865"/>
-        </p:xfrm>
-        <a:graphic>
-          <a:graphicData uri="http://schemas.openxmlformats.org/drawingml/2006/chart">
-            <c:chart xmlns:c="http://schemas.openxmlformats.org/drawingml/2006/chart" xmlns:r="http://schemas.openxmlformats.org/officeDocument/2006/relationships" r:id="rId2"/>
-          </a:graphicData>
-        </a:graphic>
-      </p:graphicFrame>
-    </p:spTree>
-  </p:cSld>
-  <p:clrMapOvr>
-    <a:masterClrMapping/>
-  </p:clrMapOvr>
-</p:sld>
-</file>
-
-<file path=ppt/slides/slide21.xml><?xml version="1.0" encoding="utf-8"?>
-<p:sld xmlns:a="http://schemas.openxmlformats.org/drawingml/2006/main" xmlns:r="http://schemas.openxmlformats.org/officeDocument/2006/relationships" xmlns:p="http://schemas.openxmlformats.org/presentationml/2006/main">
-  <p:cSld>
-    <p:spTree>
-      <p:nvGrpSpPr>
-        <p:cNvPr id="1" name=""/>
-        <p:cNvGrpSpPr/>
-        <p:nvPr/>
-      </p:nvGrpSpPr>
-      <p:grpSpPr>
-        <a:xfrm>
-          <a:off x="0" y="0"/>
-          <a:ext cx="0" cy="0"/>
-          <a:chOff x="0" y="0"/>
-          <a:chExt cx="0" cy="0"/>
-        </a:xfrm>
-      </p:grpSpPr>
-      <p:graphicFrame>
-        <p:nvGraphicFramePr>
-          <p:cNvPr id="6" name="Inhaltsplatzhalter 5"/>
-          <p:cNvGraphicFramePr>
-            <a:graphicFrameLocks noGrp="1"/>
-          </p:cNvGraphicFramePr>
-          <p:nvPr>
-            <p:ph idx="1"/>
-            <p:extLst>
-              <p:ext uri="{D42A27DB-BD31-4B8C-83A1-F6EECF244321}">
-                <p14:modId xmlns:p14="http://schemas.microsoft.com/office/powerpoint/2010/main" val="2021366215"/>
-              </p:ext>
-            </p:extLst>
-          </p:nvPr>
-        </p:nvGraphicFramePr>
-        <p:xfrm>
-          <a:off x="319088" y="1762125"/>
-          <a:ext cx="8509000" cy="4699000"/>
-        </p:xfrm>
-        <a:graphic>
-          <a:graphicData uri="http://schemas.openxmlformats.org/drawingml/2006/chart">
-            <c:chart xmlns:c="http://schemas.openxmlformats.org/drawingml/2006/chart" xmlns:r="http://schemas.openxmlformats.org/officeDocument/2006/relationships" r:id="rId2"/>
-          </a:graphicData>
-        </a:graphic>
-      </p:graphicFrame>
-      <p:sp>
-        <p:nvSpPr>
-          <p:cNvPr id="4" name="Foliennummernplatzhalter 3"/>
-          <p:cNvSpPr>
-            <a:spLocks noGrp="1"/>
-          </p:cNvSpPr>
-          <p:nvPr>
-            <p:ph type="sldNum" sz="quarter" idx="11"/>
-          </p:nvPr>
-        </p:nvSpPr>
-        <p:spPr/>
-        <p:txBody>
-          <a:bodyPr/>
-          <a:lstStyle/>
-          <a:p>
-            <a:fld id="{CE58CB1E-F828-4F11-99E0-327109AF9DA4}" type="slidenum">
-              <a:rPr lang="de-DE" smtClean="0"/>
-              <a:pPr/>
-              <a:t>21</a:t>
-            </a:fld>
-            <a:endParaRPr lang="de-DE" dirty="0"/>
-          </a:p>
-        </p:txBody>
-      </p:sp>
-      <p:sp>
-        <p:nvSpPr>
-          <p:cNvPr id="7" name="Fußzeilenplatzhalter 4"/>
-          <p:cNvSpPr>
-            <a:spLocks noGrp="1"/>
-          </p:cNvSpPr>
-          <p:nvPr>
-            <p:ph type="ftr" sz="quarter" idx="12"/>
-          </p:nvPr>
-        </p:nvSpPr>
-        <p:spPr/>
-        <p:txBody>
-          <a:bodyPr/>
-          <a:lstStyle/>
-          <a:p>
-            <a:r>
-              <a:rPr lang="de-DE"/>
-              <a:t>Dr. rer. nat. Erika Mustermann (TUM) | kann beliebig erweitert werden | Infos mit Strich trennen</a:t>
-            </a:r>
-            <a:endParaRPr lang="en-US" dirty="0"/>
-          </a:p>
-        </p:txBody>
-      </p:sp>
-      <p:sp>
-        <p:nvSpPr>
-          <p:cNvPr id="3" name="Titel 2"/>
-          <p:cNvSpPr>
-            <a:spLocks noGrp="1"/>
-          </p:cNvSpPr>
-          <p:nvPr>
-            <p:ph type="title"/>
-          </p:nvPr>
-        </p:nvSpPr>
-        <p:spPr/>
-        <p:txBody>
-          <a:bodyPr/>
-          <a:lstStyle/>
-          <a:p>
-            <a:r>
-              <a:rPr lang="de-DE"/>
-              <a:t>Diagramme</a:t>
-            </a:r>
-            <a:endParaRPr lang="de-DE" dirty="0"/>
-          </a:p>
-        </p:txBody>
-      </p:sp>
-    </p:spTree>
-  </p:cSld>
-  <p:clrMapOvr>
-    <a:masterClrMapping/>
-  </p:clrMapOvr>
-</p:sld>
-</file>
-
-<file path=ppt/slides/slide3.xml><?xml version="1.0" encoding="utf-8"?>
-<p:sld xmlns:a="http://schemas.openxmlformats.org/drawingml/2006/main" xmlns:r="http://schemas.openxmlformats.org/officeDocument/2006/relationships" xmlns:p="http://schemas.openxmlformats.org/presentationml/2006/main">
-  <p:cSld>
-    <p:spTree>
-      <p:nvGrpSpPr>
-        <p:cNvPr id="1" name=""/>
-        <p:cNvGrpSpPr/>
-        <p:nvPr/>
-      </p:nvGrpSpPr>
-      <p:grpSpPr>
-        <a:xfrm>
-          <a:off x="0" y="0"/>
-          <a:ext cx="0" cy="0"/>
-          <a:chOff x="0" y="0"/>
-          <a:chExt cx="0" cy="0"/>
-        </a:xfrm>
-      </p:grpSpPr>
-      <p:sp>
-        <p:nvSpPr>
           <p:cNvPr id="3" name="Foliennummernplatzhalter 2"/>
           <p:cNvSpPr>
             <a:spLocks noGrp="1"/>
@@ -12997,7 +13446,7 @@
             <a:fld id="{CE58CB1E-F828-4F11-99E0-327109AF9DA4}" type="slidenum">
               <a:rPr lang="de-DE" smtClean="0"/>
               <a:pPr/>
-              <a:t>3</a:t>
+              <a:t>4</a:t>
             </a:fld>
             <a:endParaRPr lang="de-DE" dirty="0"/>
           </a:p>
@@ -13096,158 +13545,6 @@
 </p:sld>
 </file>
 
-<file path=ppt/slides/slide4.xml><?xml version="1.0" encoding="utf-8"?>
-<p:sld xmlns:a="http://schemas.openxmlformats.org/drawingml/2006/main" xmlns:r="http://schemas.openxmlformats.org/officeDocument/2006/relationships" xmlns:p="http://schemas.openxmlformats.org/presentationml/2006/main">
-  <p:cSld>
-    <p:spTree>
-      <p:nvGrpSpPr>
-        <p:cNvPr id="1" name=""/>
-        <p:cNvGrpSpPr/>
-        <p:nvPr/>
-      </p:nvGrpSpPr>
-      <p:grpSpPr>
-        <a:xfrm>
-          <a:off x="0" y="0"/>
-          <a:ext cx="0" cy="0"/>
-          <a:chOff x="0" y="0"/>
-          <a:chExt cx="0" cy="0"/>
-        </a:xfrm>
-      </p:grpSpPr>
-      <p:sp>
-        <p:nvSpPr>
-          <p:cNvPr id="2" name="Inhaltsplatzhalter 1"/>
-          <p:cNvSpPr>
-            <a:spLocks noGrp="1"/>
-          </p:cNvSpPr>
-          <p:nvPr>
-            <p:ph idx="1"/>
-          </p:nvPr>
-        </p:nvSpPr>
-        <p:spPr/>
-        <p:txBody>
-          <a:bodyPr/>
-          <a:lstStyle/>
-          <a:p>
-            <a:r>
-              <a:rPr dirty="0" err="1"/>
-              <a:t>Dieser</a:t>
-            </a:r>
-            <a:r>
-              <a:rPr dirty="0"/>
-              <a:t> Folienmaster gilt bei offiziellen Präsentationen im Rahmen der TUM.</a:t>
-            </a:r>
-            <a:br>
-              <a:rPr dirty="0"/>
-            </a:br>
-            <a:r>
-              <a:rPr dirty="0"/>
-              <a:t>Es ist darauf zu achten, dass wir uns in einem durchgängigen Layout </a:t>
-            </a:r>
-            <a:r>
-              <a:rPr dirty="0" err="1"/>
-              <a:t>präsentieren</a:t>
-            </a:r>
-            <a:r>
-              <a:rPr dirty="0"/>
-              <a:t>.</a:t>
-            </a:r>
-          </a:p>
-          <a:p>
-            <a:r>
-              <a:rPr lang="de-DE" dirty="0"/>
-              <a:t>Abweichungen vom vorgegebenen Layout bitte auf ein Minimum reduzieren.</a:t>
-            </a:r>
-          </a:p>
-          <a:p>
-            <a:endParaRPr dirty="0"/>
-          </a:p>
-          <a:p>
-            <a:endParaRPr sz="2200" dirty="0"/>
-          </a:p>
-        </p:txBody>
-      </p:sp>
-      <p:sp>
-        <p:nvSpPr>
-          <p:cNvPr id="4" name="Foliennummernplatzhalter 3"/>
-          <p:cNvSpPr>
-            <a:spLocks noGrp="1"/>
-          </p:cNvSpPr>
-          <p:nvPr>
-            <p:ph type="sldNum" sz="quarter" idx="11"/>
-          </p:nvPr>
-        </p:nvSpPr>
-        <p:spPr/>
-        <p:txBody>
-          <a:bodyPr/>
-          <a:lstStyle/>
-          <a:p>
-            <a:fld id="{CE58CB1E-F828-4F11-99E0-327109AF9DA4}" type="slidenum">
-              <a:rPr lang="de-DE" smtClean="0"/>
-              <a:pPr/>
-              <a:t>4</a:t>
-            </a:fld>
-            <a:endParaRPr lang="de-DE" dirty="0"/>
-          </a:p>
-        </p:txBody>
-      </p:sp>
-      <p:sp>
-        <p:nvSpPr>
-          <p:cNvPr id="7" name="Fußzeilenplatzhalter 4"/>
-          <p:cNvSpPr>
-            <a:spLocks noGrp="1"/>
-          </p:cNvSpPr>
-          <p:nvPr>
-            <p:ph type="ftr" sz="quarter" idx="12"/>
-          </p:nvPr>
-        </p:nvSpPr>
-        <p:spPr/>
-        <p:txBody>
-          <a:bodyPr/>
-          <a:lstStyle/>
-          <a:p>
-            <a:r>
-              <a:rPr lang="de-DE"/>
-              <a:t>Dr. rer. nat. Erika Mustermann (TUM) | kann beliebig erweitert werden | Infos mit Strich trennen</a:t>
-            </a:r>
-            <a:endParaRPr lang="en-US" dirty="0"/>
-          </a:p>
-        </p:txBody>
-      </p:sp>
-      <p:sp>
-        <p:nvSpPr>
-          <p:cNvPr id="3" name="Titel 2"/>
-          <p:cNvSpPr>
-            <a:spLocks noGrp="1"/>
-          </p:cNvSpPr>
-          <p:nvPr>
-            <p:ph type="title"/>
-          </p:nvPr>
-        </p:nvSpPr>
-        <p:spPr>
-          <a:prstGeom prst="rect">
-            <a:avLst/>
-          </a:prstGeom>
-        </p:spPr>
-        <p:txBody>
-          <a:bodyPr/>
-          <a:lstStyle/>
-          <a:p>
-            <a:r>
-              <a:rPr sz="3000" dirty="0"/>
-              <a:t>Gültigkeit der Masterfolien</a:t>
-            </a:r>
-            <a:endParaRPr lang="de-DE" sz="3000" dirty="0"/>
-          </a:p>
-        </p:txBody>
-      </p:sp>
-    </p:spTree>
-  </p:cSld>
-  <p:clrMapOvr>
-    <a:masterClrMapping/>
-  </p:clrMapOvr>
-</p:sld>
-</file>
-
 <file path=ppt/slides/slide5.xml><?xml version="1.0" encoding="utf-8"?>
 <p:sld xmlns:a="http://schemas.openxmlformats.org/drawingml/2006/main" xmlns:r="http://schemas.openxmlformats.org/officeDocument/2006/relationships" xmlns:p="http://schemas.openxmlformats.org/presentationml/2006/main">
   <p:cSld>
@@ -13275,27 +13572,46 @@
             <p:ph idx="1"/>
           </p:nvPr>
         </p:nvSpPr>
-        <p:spPr>
-          <a:xfrm>
-            <a:off x="319090" y="2105024"/>
-            <a:ext cx="8508999" cy="4356735"/>
-          </a:xfrm>
-        </p:spPr>
+        <p:spPr/>
         <p:txBody>
           <a:bodyPr/>
           <a:lstStyle/>
           <a:p>
             <a:r>
+              <a:rPr dirty="0" err="1"/>
+              <a:t>Dieser</a:t>
+            </a:r>
+            <a:r>
               <a:rPr dirty="0"/>
-              <a:t>Als Grundlage dient der Corporate Design Style Guide der TUM.</a:t>
+              <a:t> Folienmaster gilt bei offiziellen Präsentationen im Rahmen der TUM.</a:t>
             </a:r>
             <a:br>
               <a:rPr dirty="0"/>
             </a:br>
             <a:r>
               <a:rPr dirty="0"/>
-              <a:t>Die Präsentationsvorlage ist auf gute Lesbarkeit und klare Darstellung von Informationen optimiert.</a:t>
-            </a:r>
+              <a:t>Es ist darauf zu achten, dass wir uns in einem durchgängigen Layout </a:t>
+            </a:r>
+            <a:r>
+              <a:rPr dirty="0" err="1"/>
+              <a:t>präsentieren</a:t>
+            </a:r>
+            <a:r>
+              <a:rPr dirty="0"/>
+              <a:t>.</a:t>
+            </a:r>
+          </a:p>
+          <a:p>
+            <a:r>
+              <a:rPr lang="de-DE" dirty="0"/>
+              <a:t>Abweichungen vom vorgegebenen Layout bitte auf ein Minimum reduzieren.</a:t>
+            </a:r>
+          </a:p>
+          <a:p>
+            <a:endParaRPr dirty="0"/>
+          </a:p>
+          <a:p>
+            <a:endParaRPr sz="2200" dirty="0"/>
           </a:p>
         </p:txBody>
       </p:sp>
@@ -13325,7 +13641,7 @@
       </p:sp>
       <p:sp>
         <p:nvSpPr>
-          <p:cNvPr id="6" name="Fußzeilenplatzhalter 4"/>
+          <p:cNvPr id="7" name="Fußzeilenplatzhalter 4"/>
           <p:cNvSpPr>
             <a:spLocks noGrp="1"/>
           </p:cNvSpPr>
@@ -13366,15 +13682,8 @@
           <a:lstStyle/>
           <a:p>
             <a:r>
-              <a:rPr lang="de-DE" sz="3200" dirty="0"/>
-              <a:t>Hier steht eine Überschrift</a:t>
-            </a:r>
-            <a:br>
-              <a:rPr lang="de-DE" sz="3200" dirty="0"/>
-            </a:br>
-            <a:r>
-              <a:rPr lang="de-DE" sz="3200" dirty="0"/>
-              <a:t>max. 2-zeilig</a:t>
+              <a:rPr sz="3000" dirty="0"/>
+              <a:t>Gültigkeit der Masterfolien</a:t>
             </a:r>
             <a:endParaRPr lang="de-DE" sz="3000" dirty="0"/>
           </a:p>
@@ -13415,106 +13724,26 @@
             <p:ph idx="1"/>
           </p:nvPr>
         </p:nvSpPr>
-        <p:spPr/>
+        <p:spPr>
+          <a:xfrm>
+            <a:off x="319090" y="2105024"/>
+            <a:ext cx="8508999" cy="4356735"/>
+          </a:xfrm>
+        </p:spPr>
         <p:txBody>
           <a:bodyPr/>
           <a:lstStyle/>
           <a:p>
             <a:r>
               <a:rPr dirty="0"/>
-              <a:t>Das Grundprinzip ist, Informationen bestmöglich zu transportieren. Dazu muss vor allem die Schrift einheitlich und für alle im Raum lesbar sein. </a:t>
-            </a:r>
-          </a:p>
-          <a:p>
-            <a:endParaRPr dirty="0"/>
-          </a:p>
-          <a:p>
-            <a:r>
-              <a:rPr dirty="0" err="1"/>
-              <a:t>Schriftart</a:t>
-            </a:r>
-            <a:r>
+              <a:t>Als Grundlage dient der Corporate Design Style Guide der TUM.</a:t>
+            </a:r>
+            <a:br>
               <a:rPr dirty="0"/>
-              <a:t>: Arial</a:t>
-            </a:r>
-          </a:p>
-          <a:p>
-            <a:endParaRPr dirty="0"/>
-          </a:p>
-          <a:p>
-            <a:r>
-              <a:rPr dirty="0" err="1"/>
-              <a:t>Schriftgr</a:t>
-            </a:r>
-            <a:r>
-              <a:rPr lang="de-DE" dirty="0" err="1"/>
-              <a:t>ößen</a:t>
-            </a:r>
+            </a:br>
             <a:r>
               <a:rPr dirty="0"/>
-              <a:t>:</a:t>
-            </a:r>
-            <a:r>
-              <a:rPr lang="de-DE" dirty="0"/>
-              <a:t>30 | 22 | 16 | 12</a:t>
-            </a:r>
-            <a:endParaRPr dirty="0"/>
-          </a:p>
-          <a:p>
-            <a:endParaRPr dirty="0"/>
-          </a:p>
-          <a:p>
-            <a:r>
-              <a:rPr dirty="0" err="1"/>
-              <a:t>Zeilenabstand</a:t>
-            </a:r>
-            <a:r>
-              <a:rPr dirty="0"/>
-              <a:t>: 1,15mm</a:t>
-            </a:r>
-          </a:p>
-          <a:p>
-            <a:endParaRPr dirty="0"/>
-          </a:p>
-          <a:p>
-            <a:r>
-              <a:rPr dirty="0"/>
-              <a:t>Die Einstellungen sind in den Textfeldern und Textfeldvorlagen dieses ppt-Masters als Standard eingestellt. Bei Diagrammen und Tabellen muss die Schriftgröße ggf. angepasst werden.</a:t>
-            </a:r>
-            <a:r>
-              <a:rPr lang="de-DE" dirty="0"/>
-              <a:t> Für Auszeichnungen im Fließtext kann auch </a:t>
-            </a:r>
-            <a:r>
-              <a:rPr lang="de-DE" b="1" dirty="0"/>
-              <a:t>fett </a:t>
-            </a:r>
-            <a:r>
-              <a:rPr lang="de-DE" dirty="0"/>
-              <a:t>markiert werden.</a:t>
-            </a:r>
-            <a:endParaRPr dirty="0"/>
-          </a:p>
-          <a:p>
-            <a:r>
-              <a:rPr dirty="0"/>
-              <a:t>Bei großer Distanz bzw. </a:t>
-            </a:r>
-            <a:r>
-              <a:rPr dirty="0" err="1"/>
-              <a:t>kleinem</a:t>
-            </a:r>
-            <a:r>
-              <a:rPr dirty="0"/>
-              <a:t> </a:t>
-            </a:r>
-            <a:r>
-              <a:rPr dirty="0" err="1"/>
-              <a:t>Präsentationsmedium</a:t>
-            </a:r>
-            <a:r>
-              <a:rPr dirty="0"/>
-              <a:t> kann der Schriftgrad notfalls proportional erhöht werden.</a:t>
+              <a:t>Die Präsentationsvorlage ist auf gute Lesbarkeit und klare Darstellung von Informationen optimiert.</a:t>
             </a:r>
           </a:p>
         </p:txBody>
@@ -13529,11 +13758,7 @@
             <p:ph type="sldNum" sz="quarter" idx="11"/>
           </p:nvPr>
         </p:nvSpPr>
-        <p:spPr>
-          <a:prstGeom prst="rect">
-            <a:avLst/>
-          </a:prstGeom>
-        </p:spPr>
+        <p:spPr/>
         <p:txBody>
           <a:bodyPr/>
           <a:lstStyle/>
@@ -13590,8 +13815,15 @@
           <a:lstStyle/>
           <a:p>
             <a:r>
-              <a:rPr sz="3000" dirty="0"/>
-              <a:t>Schrift</a:t>
+              <a:rPr lang="de-DE" sz="3200" dirty="0"/>
+              <a:t>Hier steht eine Überschrift</a:t>
+            </a:r>
+            <a:br>
+              <a:rPr lang="de-DE" sz="3200" dirty="0"/>
+            </a:br>
+            <a:r>
+              <a:rPr lang="de-DE" sz="3200" dirty="0"/>
+              <a:t>max. 2-zeilig</a:t>
             </a:r>
             <a:endParaRPr lang="de-DE" sz="3000" dirty="0"/>
           </a:p>
@@ -13639,82 +13871,100 @@
           <a:p>
             <a:r>
               <a:rPr dirty="0"/>
-              <a:t>Als erstes soll mit schwarz und weiß gearbeitet werden.</a:t>
-            </a:r>
-            <a:br>
+              <a:t>Das Grundprinzip ist, Informationen bestmöglich zu transportieren. Dazu muss vor allem die Schrift einheitlich und für alle im Raum lesbar sein. </a:t>
+            </a:r>
+          </a:p>
+          <a:p>
+            <a:endParaRPr dirty="0"/>
+          </a:p>
+          <a:p>
+            <a:r>
+              <a:rPr dirty="0" err="1"/>
+              <a:t>Schriftart</a:t>
+            </a:r>
+            <a:r>
               <a:rPr dirty="0"/>
-            </a:br>
+              <a:t>: Arial</a:t>
+            </a:r>
+          </a:p>
+          <a:p>
+            <a:endParaRPr dirty="0"/>
+          </a:p>
+          <a:p>
+            <a:r>
+              <a:rPr dirty="0" err="1"/>
+              <a:t>Schriftgr</a:t>
+            </a:r>
+            <a:r>
+              <a:rPr lang="de-DE" dirty="0" err="1"/>
+              <a:t>ößen</a:t>
+            </a:r>
             <a:r>
               <a:rPr dirty="0"/>
-              <a:t>Für Aufwändigere Darstellungen sind Farben mit Bedacht und in möglichst geringem Umfang einzusetzen.</a:t>
-            </a:r>
-            <a:br>
+              <a:t>:</a:t>
+            </a:r>
+            <a:r>
+              <a:rPr lang="de-DE" dirty="0"/>
+              <a:t>30 | 22 | 16 | 12</a:t>
+            </a:r>
+            <a:endParaRPr dirty="0"/>
+          </a:p>
+          <a:p>
+            <a:endParaRPr dirty="0"/>
+          </a:p>
+          <a:p>
+            <a:r>
+              <a:rPr dirty="0" err="1"/>
+              <a:t>Zeilenabstand</a:t>
+            </a:r>
+            <a:r>
               <a:rPr dirty="0"/>
-            </a:br>
+              <a:t>: 1,15mm</a:t>
+            </a:r>
+          </a:p>
+          <a:p>
             <a:endParaRPr dirty="0"/>
           </a:p>
           <a:p>
             <a:r>
               <a:rPr dirty="0"/>
-              <a:t>In diesem Folienmaster ist die Farbpalette festgelegt.</a:t>
-            </a:r>
-          </a:p>
-          <a:p>
+              <a:t>Die Einstellungen sind in den Textfeldern und Textfeldvorlagen dieses ppt-Masters als Standard eingestellt. Bei Diagrammen und Tabellen muss die Schriftgröße ggf. angepasst werden.</a:t>
+            </a:r>
+            <a:r>
+              <a:rPr lang="de-DE" dirty="0"/>
+              <a:t> Für Auszeichnungen im Fließtext kann auch </a:t>
+            </a:r>
+            <a:r>
+              <a:rPr lang="de-DE" b="1" dirty="0"/>
+              <a:t>fett </a:t>
+            </a:r>
+            <a:r>
+              <a:rPr lang="de-DE" dirty="0"/>
+              <a:t>markiert werden.</a:t>
+            </a:r>
             <a:endParaRPr dirty="0"/>
           </a:p>
           <a:p>
             <a:r>
               <a:rPr dirty="0"/>
-              <a:t>Zuerst mit </a:t>
-            </a:r>
-            <a:r>
-              <a:rPr lang="de-DE" dirty="0"/>
-              <a:t>den Primärfarben </a:t>
+              <a:t>Bei großer Distanz bzw. </a:t>
+            </a:r>
+            <a:r>
+              <a:rPr dirty="0" err="1"/>
+              <a:t>kleinem</a:t>
             </a:r>
             <a:r>
               <a:rPr dirty="0"/>
-              <a:t>arbeiten</a:t>
-            </a:r>
-            <a:r>
-              <a:rPr lang="de-DE" dirty="0"/>
-              <a:t>.</a:t>
-            </a:r>
-          </a:p>
-          <a:p>
-            <a:endParaRPr lang="de-DE" dirty="0"/>
-          </a:p>
-          <a:p>
-            <a:endParaRPr lang="de-DE" dirty="0"/>
-          </a:p>
-          <a:p>
+              <a:t> </a:t>
+            </a:r>
+            <a:r>
+              <a:rPr dirty="0" err="1"/>
+              <a:t>Präsentationsmedium</a:t>
+            </a:r>
             <a:r>
               <a:rPr dirty="0"/>
-              <a:t>Für z.B. komplexe Diagramme stehen noch</a:t>
-            </a:r>
-            <a:r>
-              <a:rPr lang="de-DE" dirty="0"/>
-              <a:t>Sekundärfarben </a:t>
-            </a:r>
-            <a:r>
-              <a:rPr dirty="0"/>
-              <a:t>zur Verfügung.</a:t>
-            </a:r>
-          </a:p>
-          <a:p>
-            <a:endParaRPr dirty="0"/>
-          </a:p>
-          <a:p>
-            <a:endParaRPr dirty="0"/>
-          </a:p>
-          <a:p>
-            <a:r>
-              <a:rPr lang="de-DE" dirty="0"/>
-              <a:t>Gering im Einsatz sind die Akzentfarben.</a:t>
-            </a:r>
-            <a:endParaRPr dirty="0"/>
-          </a:p>
-          <a:p>
-            <a:endParaRPr dirty="0"/>
+              <a:t> kann der Schriftgrad notfalls proportional erhöht werden.</a:t>
+            </a:r>
           </a:p>
         </p:txBody>
       </p:sp>
@@ -13741,6 +13991,205 @@
               <a:rPr lang="de-DE" smtClean="0"/>
               <a:pPr/>
               <a:t>7</a:t>
+            </a:fld>
+            <a:endParaRPr lang="de-DE" dirty="0"/>
+          </a:p>
+        </p:txBody>
+      </p:sp>
+      <p:sp>
+        <p:nvSpPr>
+          <p:cNvPr id="6" name="Fußzeilenplatzhalter 4"/>
+          <p:cNvSpPr>
+            <a:spLocks noGrp="1"/>
+          </p:cNvSpPr>
+          <p:nvPr>
+            <p:ph type="ftr" sz="quarter" idx="12"/>
+          </p:nvPr>
+        </p:nvSpPr>
+        <p:spPr/>
+        <p:txBody>
+          <a:bodyPr/>
+          <a:lstStyle/>
+          <a:p>
+            <a:r>
+              <a:rPr lang="de-DE"/>
+              <a:t>Dr. rer. nat. Erika Mustermann (TUM) | kann beliebig erweitert werden | Infos mit Strich trennen</a:t>
+            </a:r>
+            <a:endParaRPr lang="en-US" dirty="0"/>
+          </a:p>
+        </p:txBody>
+      </p:sp>
+      <p:sp>
+        <p:nvSpPr>
+          <p:cNvPr id="3" name="Titel 2"/>
+          <p:cNvSpPr>
+            <a:spLocks noGrp="1"/>
+          </p:cNvSpPr>
+          <p:nvPr>
+            <p:ph type="title"/>
+          </p:nvPr>
+        </p:nvSpPr>
+        <p:spPr>
+          <a:prstGeom prst="rect">
+            <a:avLst/>
+          </a:prstGeom>
+        </p:spPr>
+        <p:txBody>
+          <a:bodyPr/>
+          <a:lstStyle/>
+          <a:p>
+            <a:r>
+              <a:rPr sz="3000" dirty="0"/>
+              <a:t>Schrift</a:t>
+            </a:r>
+            <a:endParaRPr lang="de-DE" sz="3000" dirty="0"/>
+          </a:p>
+        </p:txBody>
+      </p:sp>
+    </p:spTree>
+  </p:cSld>
+  <p:clrMapOvr>
+    <a:masterClrMapping/>
+  </p:clrMapOvr>
+</p:sld>
+</file>
+
+<file path=ppt/slides/slide8.xml><?xml version="1.0" encoding="utf-8"?>
+<p:sld xmlns:a="http://schemas.openxmlformats.org/drawingml/2006/main" xmlns:r="http://schemas.openxmlformats.org/officeDocument/2006/relationships" xmlns:p="http://schemas.openxmlformats.org/presentationml/2006/main">
+  <p:cSld>
+    <p:spTree>
+      <p:nvGrpSpPr>
+        <p:cNvPr id="1" name=""/>
+        <p:cNvGrpSpPr/>
+        <p:nvPr/>
+      </p:nvGrpSpPr>
+      <p:grpSpPr>
+        <a:xfrm>
+          <a:off x="0" y="0"/>
+          <a:ext cx="0" cy="0"/>
+          <a:chOff x="0" y="0"/>
+          <a:chExt cx="0" cy="0"/>
+        </a:xfrm>
+      </p:grpSpPr>
+      <p:sp>
+        <p:nvSpPr>
+          <p:cNvPr id="2" name="Inhaltsplatzhalter 1"/>
+          <p:cNvSpPr>
+            <a:spLocks noGrp="1"/>
+          </p:cNvSpPr>
+          <p:nvPr>
+            <p:ph idx="1"/>
+          </p:nvPr>
+        </p:nvSpPr>
+        <p:spPr/>
+        <p:txBody>
+          <a:bodyPr/>
+          <a:lstStyle/>
+          <a:p>
+            <a:r>
+              <a:rPr dirty="0"/>
+              <a:t>Als erstes soll mit schwarz und weiß gearbeitet werden.</a:t>
+            </a:r>
+            <a:br>
+              <a:rPr dirty="0"/>
+            </a:br>
+            <a:r>
+              <a:rPr dirty="0"/>
+              <a:t>Für Aufwändigere Darstellungen sind Farben mit Bedacht und in möglichst geringem Umfang einzusetzen.</a:t>
+            </a:r>
+            <a:br>
+              <a:rPr dirty="0"/>
+            </a:br>
+            <a:endParaRPr dirty="0"/>
+          </a:p>
+          <a:p>
+            <a:r>
+              <a:rPr dirty="0"/>
+              <a:t>In diesem Folienmaster ist die Farbpalette festgelegt.</a:t>
+            </a:r>
+          </a:p>
+          <a:p>
+            <a:endParaRPr dirty="0"/>
+          </a:p>
+          <a:p>
+            <a:r>
+              <a:rPr dirty="0"/>
+              <a:t>Zuerst mit </a:t>
+            </a:r>
+            <a:r>
+              <a:rPr lang="de-DE" dirty="0"/>
+              <a:t>den Primärfarben </a:t>
+            </a:r>
+            <a:r>
+              <a:rPr dirty="0"/>
+              <a:t>arbeiten</a:t>
+            </a:r>
+            <a:r>
+              <a:rPr lang="de-DE" dirty="0"/>
+              <a:t>.</a:t>
+            </a:r>
+          </a:p>
+          <a:p>
+            <a:endParaRPr lang="de-DE" dirty="0"/>
+          </a:p>
+          <a:p>
+            <a:endParaRPr lang="de-DE" dirty="0"/>
+          </a:p>
+          <a:p>
+            <a:r>
+              <a:rPr dirty="0"/>
+              <a:t>Für z.B. komplexe Diagramme stehen noch</a:t>
+            </a:r>
+            <a:r>
+              <a:rPr lang="de-DE" dirty="0"/>
+              <a:t>Sekundärfarben </a:t>
+            </a:r>
+            <a:r>
+              <a:rPr dirty="0"/>
+              <a:t>zur Verfügung.</a:t>
+            </a:r>
+          </a:p>
+          <a:p>
+            <a:endParaRPr dirty="0"/>
+          </a:p>
+          <a:p>
+            <a:endParaRPr dirty="0"/>
+          </a:p>
+          <a:p>
+            <a:r>
+              <a:rPr lang="de-DE" dirty="0"/>
+              <a:t>Gering im Einsatz sind die Akzentfarben.</a:t>
+            </a:r>
+            <a:endParaRPr dirty="0"/>
+          </a:p>
+          <a:p>
+            <a:endParaRPr dirty="0"/>
+          </a:p>
+        </p:txBody>
+      </p:sp>
+      <p:sp>
+        <p:nvSpPr>
+          <p:cNvPr id="4" name="Foliennummernplatzhalter 3"/>
+          <p:cNvSpPr>
+            <a:spLocks noGrp="1"/>
+          </p:cNvSpPr>
+          <p:nvPr>
+            <p:ph type="sldNum" sz="quarter" idx="11"/>
+          </p:nvPr>
+        </p:nvSpPr>
+        <p:spPr>
+          <a:prstGeom prst="rect">
+            <a:avLst/>
+          </a:prstGeom>
+        </p:spPr>
+        <p:txBody>
+          <a:bodyPr/>
+          <a:lstStyle/>
+          <a:p>
+            <a:fld id="{CE58CB1E-F828-4F11-99E0-327109AF9DA4}" type="slidenum">
+              <a:rPr lang="de-DE" smtClean="0"/>
+              <a:pPr/>
+              <a:t>8</a:t>
             </a:fld>
             <a:endParaRPr lang="de-DE" dirty="0"/>
           </a:p>
@@ -14368,142 +14817,6 @@
 </p:sld>
 </file>
 
-<file path=ppt/slides/slide8.xml><?xml version="1.0" encoding="utf-8"?>
-<p:sld xmlns:a="http://schemas.openxmlformats.org/drawingml/2006/main" xmlns:r="http://schemas.openxmlformats.org/officeDocument/2006/relationships" xmlns:p="http://schemas.openxmlformats.org/presentationml/2006/main">
-  <p:cSld>
-    <p:spTree>
-      <p:nvGrpSpPr>
-        <p:cNvPr id="1" name=""/>
-        <p:cNvGrpSpPr/>
-        <p:nvPr/>
-      </p:nvGrpSpPr>
-      <p:grpSpPr>
-        <a:xfrm>
-          <a:off x="0" y="0"/>
-          <a:ext cx="0" cy="0"/>
-          <a:chOff x="0" y="0"/>
-          <a:chExt cx="0" cy="0"/>
-        </a:xfrm>
-      </p:grpSpPr>
-      <p:sp>
-        <p:nvSpPr>
-          <p:cNvPr id="2" name="Inhaltsplatzhalter 1"/>
-          <p:cNvSpPr>
-            <a:spLocks noGrp="1"/>
-          </p:cNvSpPr>
-          <p:nvPr>
-            <p:ph idx="1"/>
-          </p:nvPr>
-        </p:nvSpPr>
-        <p:spPr/>
-        <p:txBody>
-          <a:bodyPr/>
-          <a:lstStyle/>
-          <a:p>
-            <a:r>
-              <a:rPr/>
-              <a:t>Kurze und knappe Texte, Fließtexte linksbündig, kein Blocksatz</a:t>
-            </a:r>
-          </a:p>
-          <a:p>
-            <a:endParaRPr/>
-          </a:p>
-          <a:p>
-            <a:r>
-              <a:rPr/>
-              <a:t>Beispiel:</a:t>
-            </a:r>
-          </a:p>
-          <a:p>
-            <a:r>
-              <a:rPr/>
-              <a:t>Tem soluptam, nisi as verum ereprehendam at acculpa quidisq uissit volupta tusdant utem as etur, odi odis es doluptiae dem nimaion con nossinctenis pora quam voloria consenimus blabore everfer epeliquo maio etur.</a:t>
-            </a:r>
-          </a:p>
-        </p:txBody>
-      </p:sp>
-      <p:sp>
-        <p:nvSpPr>
-          <p:cNvPr id="4" name="Foliennummernplatzhalter 3"/>
-          <p:cNvSpPr>
-            <a:spLocks noGrp="1"/>
-          </p:cNvSpPr>
-          <p:nvPr>
-            <p:ph type="sldNum" sz="quarter" idx="11"/>
-          </p:nvPr>
-        </p:nvSpPr>
-        <p:spPr/>
-        <p:txBody>
-          <a:bodyPr/>
-          <a:lstStyle/>
-          <a:p>
-            <a:fld id="{CE58CB1E-F828-4F11-99E0-327109AF9DA4}" type="slidenum">
-              <a:rPr lang="de-DE" smtClean="0"/>
-              <a:pPr/>
-              <a:t>8</a:t>
-            </a:fld>
-            <a:endParaRPr lang="de-DE" dirty="0"/>
-          </a:p>
-        </p:txBody>
-      </p:sp>
-      <p:sp>
-        <p:nvSpPr>
-          <p:cNvPr id="6" name="Fußzeilenplatzhalter 4"/>
-          <p:cNvSpPr>
-            <a:spLocks noGrp="1"/>
-          </p:cNvSpPr>
-          <p:nvPr>
-            <p:ph type="ftr" sz="quarter" idx="12"/>
-          </p:nvPr>
-        </p:nvSpPr>
-        <p:spPr/>
-        <p:txBody>
-          <a:bodyPr/>
-          <a:lstStyle/>
-          <a:p>
-            <a:r>
-              <a:rPr lang="de-DE"/>
-              <a:t>Dr. rer. nat. Erika Mustermann (TUM) | kann beliebig erweitert werden | Infos mit Strich trennen</a:t>
-            </a:r>
-            <a:endParaRPr lang="en-US" dirty="0"/>
-          </a:p>
-        </p:txBody>
-      </p:sp>
-      <p:sp>
-        <p:nvSpPr>
-          <p:cNvPr id="3" name="Titel 2"/>
-          <p:cNvSpPr>
-            <a:spLocks noGrp="1"/>
-          </p:cNvSpPr>
-          <p:nvPr>
-            <p:ph type="title"/>
-          </p:nvPr>
-        </p:nvSpPr>
-        <p:spPr>
-          <a:prstGeom prst="rect">
-            <a:avLst/>
-          </a:prstGeom>
-        </p:spPr>
-        <p:txBody>
-          <a:bodyPr/>
-          <a:lstStyle/>
-          <a:p>
-            <a:r>
-              <a:rPr dirty="0"/>
-              <a:t>Texte</a:t>
-            </a:r>
-            <a:endParaRPr lang="de-DE" dirty="0"/>
-          </a:p>
-        </p:txBody>
-      </p:sp>
-    </p:spTree>
-  </p:cSld>
-  <p:clrMapOvr>
-    <a:masterClrMapping/>
-  </p:clrMapOvr>
-</p:sld>
-</file>
-
 <file path=ppt/slides/slide9.xml><?xml version="1.0" encoding="utf-8"?>
 <p:sld xmlns:a="http://schemas.openxmlformats.org/drawingml/2006/main" xmlns:r="http://schemas.openxmlformats.org/officeDocument/2006/relationships" xmlns:p="http://schemas.openxmlformats.org/presentationml/2006/main">
   <p:cSld>
@@ -14537,94 +14850,24 @@
           <a:lstStyle/>
           <a:p>
             <a:r>
-              <a:rPr lang="de-DE"/>
-              <a:t>Bei kleinen Aufzählungen auf Aufzählungszeichen verzichten und ggf. zusätzliche Leerzeile</a:t>
-            </a:r>
-          </a:p>
-          <a:p>
-            <a:r>
-              <a:rPr lang="de-DE"/>
-              <a:t>Nur die wesentlichen Punkte nennen und Themen auf verschiedene Seiten splitten.</a:t>
-            </a:r>
-          </a:p>
-          <a:p>
-            <a:endParaRPr lang="de-DE"/>
-          </a:p>
-          <a:p>
-            <a:r>
-              <a:rPr lang="de-DE"/>
-              <a:t>Punkt 1</a:t>
-            </a:r>
-          </a:p>
-          <a:p>
-            <a:endParaRPr lang="de-DE"/>
-          </a:p>
-          <a:p>
-            <a:r>
-              <a:rPr lang="de-DE"/>
-              <a:t>Punkt 2</a:t>
-            </a:r>
-          </a:p>
-          <a:p>
-            <a:endParaRPr lang="de-DE"/>
-          </a:p>
-          <a:p>
-            <a:r>
-              <a:rPr lang="de-DE"/>
-              <a:t>Wenn Unterpunkte in einer Aufzählung nötig sind ist ein Einrücken mit – möglich</a:t>
-            </a:r>
-          </a:p>
-          <a:p>
-            <a:pPr lvl="1"/>
-            <a:r>
-              <a:rPr lang="de-DE"/>
-              <a:t>Unterpunkt 1</a:t>
-            </a:r>
-          </a:p>
-          <a:p>
-            <a:pPr lvl="2"/>
-            <a:r>
-              <a:rPr lang="de-DE"/>
-              <a:t>Unterpunkt 1</a:t>
-            </a:r>
-          </a:p>
-          <a:p>
-            <a:pPr lvl="2"/>
-            <a:r>
-              <a:rPr lang="de-DE"/>
-              <a:t>Unterpunkt 2</a:t>
-            </a:r>
-          </a:p>
-          <a:p>
-            <a:endParaRPr lang="de-DE"/>
-          </a:p>
-          <a:p>
-            <a:r>
-              <a:rPr lang="de-DE"/>
-              <a:t>Bei größeren Listen die Standardeinstellung • verwenden</a:t>
-            </a:r>
-          </a:p>
-          <a:p>
-            <a:pPr lvl="1"/>
-            <a:r>
-              <a:rPr lang="de-DE"/>
-              <a:t>Unterpunkt 1</a:t>
-            </a:r>
-          </a:p>
-          <a:p>
-            <a:pPr lvl="1"/>
-            <a:r>
-              <a:rPr lang="de-DE"/>
-              <a:t>Unterpunkt 2</a:t>
-            </a:r>
-          </a:p>
-          <a:p>
-            <a:pPr lvl="1"/>
-            <a:r>
-              <a:rPr lang="de-DE"/>
-              <a:t>Unterpunkt 3</a:t>
-            </a:r>
-            <a:endParaRPr lang="de-DE" dirty="0"/>
+              <a:rPr/>
+              <a:t>Kurze und knappe Texte, Fließtexte linksbündig, kein Blocksatz</a:t>
+            </a:r>
+          </a:p>
+          <a:p>
+            <a:endParaRPr/>
+          </a:p>
+          <a:p>
+            <a:r>
+              <a:rPr/>
+              <a:t>Beispiel:</a:t>
+            </a:r>
+          </a:p>
+          <a:p>
+            <a:r>
+              <a:rPr/>
+              <a:t>Tem soluptam, nisi as verum ereprehendam at acculpa quidisq uissit volupta tusdant utem as etur, odi odis es doluptiae dem nimaion con nossinctenis pora quam voloria consenimus blabore everfer epeliquo maio etur.</a:t>
+            </a:r>
           </a:p>
         </p:txBody>
       </p:sp>
@@ -14654,7 +14897,7 @@
       </p:sp>
       <p:sp>
         <p:nvSpPr>
-          <p:cNvPr id="5" name="Fußzeilenplatzhalter 4"/>
+          <p:cNvPr id="6" name="Fußzeilenplatzhalter 4"/>
           <p:cNvSpPr>
             <a:spLocks noGrp="1"/>
           </p:cNvSpPr>
@@ -14685,14 +14928,18 @@
             <p:ph type="title"/>
           </p:nvPr>
         </p:nvSpPr>
-        <p:spPr/>
+        <p:spPr>
+          <a:prstGeom prst="rect">
+            <a:avLst/>
+          </a:prstGeom>
+        </p:spPr>
         <p:txBody>
           <a:bodyPr/>
           <a:lstStyle/>
           <a:p>
             <a:r>
-              <a:rPr lang="de-DE"/>
-              <a:t>Aufzählung</a:t>
+              <a:rPr dirty="0"/>
+              <a:t>Texte</a:t>
             </a:r>
             <a:endParaRPr lang="de-DE" dirty="0"/>
           </a:p>

--- a/Präsentation.pptx
+++ b/Präsentation.pptx
@@ -200,497 +200,6 @@
 </file>
 
 <file path=ppt/charts/chart1.xml><?xml version="1.0" encoding="utf-8"?>
-<c:chartSpace xmlns:c="http://schemas.openxmlformats.org/drawingml/2006/chart" xmlns:a="http://schemas.openxmlformats.org/drawingml/2006/main" xmlns:r="http://schemas.openxmlformats.org/officeDocument/2006/relationships" xmlns:c16r2="http://schemas.microsoft.com/office/drawing/2015/06/chart">
-  <c:date1904 val="0"/>
-  <c:lang val="de-DE"/>
-  <c:roundedCorners val="0"/>
-  <mc:AlternateContent xmlns:mc="http://schemas.openxmlformats.org/markup-compatibility/2006">
-    <mc:Choice xmlns:c14="http://schemas.microsoft.com/office/drawing/2007/8/2/chart" Requires="c14">
-      <c14:style val="102"/>
-    </mc:Choice>
-    <mc:Fallback>
-      <c:style val="2"/>
-    </mc:Fallback>
-  </mc:AlternateContent>
-  <c:chart>
-    <c:autoTitleDeleted val="1"/>
-    <c:plotArea>
-      <c:layout/>
-      <c:barChart>
-        <c:barDir val="col"/>
-        <c:grouping val="clustered"/>
-        <c:varyColors val="0"/>
-        <c:ser>
-          <c:idx val="0"/>
-          <c:order val="0"/>
-          <c:tx>
-            <c:strRef>
-              <c:f>Tabelle1!$B$1</c:f>
-              <c:strCache>
-                <c:ptCount val="1"/>
-                <c:pt idx="0">
-                  <c:v>Single</c:v>
-                </c:pt>
-              </c:strCache>
-            </c:strRef>
-          </c:tx>
-          <c:spPr>
-            <a:solidFill>
-              <a:schemeClr val="accent1"/>
-            </a:solidFill>
-            <a:ln>
-              <a:noFill/>
-            </a:ln>
-            <a:effectLst/>
-          </c:spPr>
-          <c:invertIfNegative val="0"/>
-          <c:cat>
-            <c:numRef>
-              <c:f>Tabelle1!$A$2:$A$6</c:f>
-              <c:numCache>
-                <c:formatCode>General</c:formatCode>
-                <c:ptCount val="5"/>
-                <c:pt idx="0">
-                  <c:v>128</c:v>
-                </c:pt>
-                <c:pt idx="1">
-                  <c:v>512</c:v>
-                </c:pt>
-                <c:pt idx="2">
-                  <c:v>1024</c:v>
-                </c:pt>
-                <c:pt idx="3">
-                  <c:v>4096</c:v>
-                </c:pt>
-                <c:pt idx="4">
-                  <c:v>16384</c:v>
-                </c:pt>
-              </c:numCache>
-            </c:numRef>
-          </c:cat>
-          <c:val>
-            <c:numRef>
-              <c:f>Tabelle1!$B$2:$B$6</c:f>
-              <c:numCache>
-                <c:formatCode>General</c:formatCode>
-                <c:ptCount val="5"/>
-                <c:pt idx="0">
-                  <c:v>0</c:v>
-                </c:pt>
-                <c:pt idx="1">
-                  <c:v>0</c:v>
-                </c:pt>
-                <c:pt idx="2">
-                  <c:v>0</c:v>
-                </c:pt>
-                <c:pt idx="3">
-                  <c:v>0</c:v>
-                </c:pt>
-                <c:pt idx="4">
-                  <c:v>0</c:v>
-                </c:pt>
-              </c:numCache>
-            </c:numRef>
-          </c:val>
-          <c:extLst>
-            <c:ext xmlns:c16="http://schemas.microsoft.com/office/drawing/2014/chart" uri="{C3380CC4-5D6E-409C-BE32-E72D297353CC}">
-              <c16:uniqueId val="{00000000-5856-45FC-9875-FA0A9BDF3537}"/>
-            </c:ext>
-          </c:extLst>
-        </c:ser>
-        <c:ser>
-          <c:idx val="1"/>
-          <c:order val="1"/>
-          <c:tx>
-            <c:strRef>
-              <c:f>Tabelle1!$C$1</c:f>
-              <c:strCache>
-                <c:ptCount val="1"/>
-                <c:pt idx="0">
-                  <c:v>Parallel</c:v>
-                </c:pt>
-              </c:strCache>
-            </c:strRef>
-          </c:tx>
-          <c:spPr>
-            <a:solidFill>
-              <a:schemeClr val="accent2"/>
-            </a:solidFill>
-            <a:ln>
-              <a:noFill/>
-            </a:ln>
-            <a:effectLst/>
-          </c:spPr>
-          <c:invertIfNegative val="0"/>
-          <c:cat>
-            <c:numRef>
-              <c:f>Tabelle1!$A$2:$A$6</c:f>
-              <c:numCache>
-                <c:formatCode>General</c:formatCode>
-                <c:ptCount val="5"/>
-                <c:pt idx="0">
-                  <c:v>128</c:v>
-                </c:pt>
-                <c:pt idx="1">
-                  <c:v>512</c:v>
-                </c:pt>
-                <c:pt idx="2">
-                  <c:v>1024</c:v>
-                </c:pt>
-                <c:pt idx="3">
-                  <c:v>4096</c:v>
-                </c:pt>
-                <c:pt idx="4">
-                  <c:v>16384</c:v>
-                </c:pt>
-              </c:numCache>
-            </c:numRef>
-          </c:cat>
-          <c:val>
-            <c:numRef>
-              <c:f>Tabelle1!$C$2:$C$6</c:f>
-              <c:numCache>
-                <c:formatCode>General</c:formatCode>
-                <c:ptCount val="5"/>
-                <c:pt idx="0">
-                  <c:v>0</c:v>
-                </c:pt>
-                <c:pt idx="1">
-                  <c:v>0</c:v>
-                </c:pt>
-                <c:pt idx="2">
-                  <c:v>0</c:v>
-                </c:pt>
-                <c:pt idx="3">
-                  <c:v>0</c:v>
-                </c:pt>
-                <c:pt idx="4">
-                  <c:v>0</c:v>
-                </c:pt>
-              </c:numCache>
-            </c:numRef>
-          </c:val>
-          <c:extLst>
-            <c:ext xmlns:c16="http://schemas.microsoft.com/office/drawing/2014/chart" uri="{C3380CC4-5D6E-409C-BE32-E72D297353CC}">
-              <c16:uniqueId val="{00000001-5856-45FC-9875-FA0A9BDF3537}"/>
-            </c:ext>
-          </c:extLst>
-        </c:ser>
-        <c:dLbls>
-          <c:showLegendKey val="0"/>
-          <c:showVal val="0"/>
-          <c:showCatName val="0"/>
-          <c:showSerName val="0"/>
-          <c:showPercent val="0"/>
-          <c:showBubbleSize val="0"/>
-        </c:dLbls>
-        <c:gapWidth val="219"/>
-        <c:overlap val="-27"/>
-        <c:axId val="614896408"/>
-        <c:axId val="652577152"/>
-      </c:barChart>
-      <c:catAx>
-        <c:axId val="614896408"/>
-        <c:scaling>
-          <c:orientation val="minMax"/>
-        </c:scaling>
-        <c:delete val="0"/>
-        <c:axPos val="b"/>
-        <c:title>
-          <c:tx>
-            <c:rich>
-              <a:bodyPr rot="0" spcFirstLastPara="1" vertOverflow="ellipsis" vert="horz" wrap="square" anchor="ctr" anchorCtr="1"/>
-              <a:lstStyle/>
-              <a:p>
-                <a:pPr>
-                  <a:defRPr sz="1330" b="0" i="0" u="none" strike="noStrike" kern="1200" baseline="0">
-                    <a:solidFill>
-                      <a:schemeClr val="tx1">
-                        <a:lumMod val="65000"/>
-                        <a:lumOff val="35000"/>
-                      </a:schemeClr>
-                    </a:solidFill>
-                    <a:latin typeface="+mn-lt"/>
-                    <a:ea typeface="+mn-ea"/>
-                    <a:cs typeface="+mn-cs"/>
-                  </a:defRPr>
-                </a:pPr>
-                <a:r>
-                  <a:rPr lang="de-DE" dirty="0"/>
-                  <a:t>Auflösung</a:t>
-                </a:r>
-                <a:r>
-                  <a:rPr lang="de-DE" baseline="0" dirty="0"/>
-                  <a:t> pro Achse</a:t>
-                </a:r>
-                <a:endParaRPr lang="de-DE" dirty="0"/>
-              </a:p>
-            </c:rich>
-          </c:tx>
-          <c:overlay val="0"/>
-          <c:spPr>
-            <a:noFill/>
-            <a:ln>
-              <a:noFill/>
-            </a:ln>
-            <a:effectLst/>
-          </c:spPr>
-          <c:txPr>
-            <a:bodyPr rot="0" spcFirstLastPara="1" vertOverflow="ellipsis" vert="horz" wrap="square" anchor="ctr" anchorCtr="1"/>
-            <a:lstStyle/>
-            <a:p>
-              <a:pPr>
-                <a:defRPr sz="1330" b="0" i="0" u="none" strike="noStrike" kern="1200" baseline="0">
-                  <a:solidFill>
-                    <a:schemeClr val="tx1">
-                      <a:lumMod val="65000"/>
-                      <a:lumOff val="35000"/>
-                    </a:schemeClr>
-                  </a:solidFill>
-                  <a:latin typeface="+mn-lt"/>
-                  <a:ea typeface="+mn-ea"/>
-                  <a:cs typeface="+mn-cs"/>
-                </a:defRPr>
-              </a:pPr>
-              <a:endParaRPr lang="de-DE"/>
-            </a:p>
-          </c:txPr>
-        </c:title>
-        <c:numFmt formatCode="General" sourceLinked="1"/>
-        <c:majorTickMark val="none"/>
-        <c:minorTickMark val="none"/>
-        <c:tickLblPos val="nextTo"/>
-        <c:spPr>
-          <a:noFill/>
-          <a:ln w="9525" cap="flat" cmpd="sng" algn="ctr">
-            <a:solidFill>
-              <a:schemeClr val="tx1">
-                <a:lumMod val="15000"/>
-                <a:lumOff val="85000"/>
-              </a:schemeClr>
-            </a:solidFill>
-            <a:round/>
-          </a:ln>
-          <a:effectLst/>
-        </c:spPr>
-        <c:txPr>
-          <a:bodyPr rot="-60000000" spcFirstLastPara="1" vertOverflow="ellipsis" vert="horz" wrap="square" anchor="ctr" anchorCtr="1"/>
-          <a:lstStyle/>
-          <a:p>
-            <a:pPr>
-              <a:defRPr sz="1197" b="0" i="0" u="none" strike="noStrike" kern="1200" baseline="0">
-                <a:solidFill>
-                  <a:schemeClr val="tx1">
-                    <a:lumMod val="65000"/>
-                    <a:lumOff val="35000"/>
-                  </a:schemeClr>
-                </a:solidFill>
-                <a:latin typeface="+mn-lt"/>
-                <a:ea typeface="+mn-ea"/>
-                <a:cs typeface="+mn-cs"/>
-              </a:defRPr>
-            </a:pPr>
-            <a:endParaRPr lang="de-DE"/>
-          </a:p>
-        </c:txPr>
-        <c:crossAx val="652577152"/>
-        <c:crosses val="autoZero"/>
-        <c:auto val="1"/>
-        <c:lblAlgn val="ctr"/>
-        <c:lblOffset val="100"/>
-        <c:noMultiLvlLbl val="0"/>
-      </c:catAx>
-      <c:valAx>
-        <c:axId val="652577152"/>
-        <c:scaling>
-          <c:orientation val="minMax"/>
-        </c:scaling>
-        <c:delete val="0"/>
-        <c:axPos val="l"/>
-        <c:majorGridlines>
-          <c:spPr>
-            <a:ln w="9525" cap="flat" cmpd="sng" algn="ctr">
-              <a:solidFill>
-                <a:schemeClr val="tx1">
-                  <a:lumMod val="15000"/>
-                  <a:lumOff val="85000"/>
-                </a:schemeClr>
-              </a:solidFill>
-              <a:round/>
-            </a:ln>
-            <a:effectLst/>
-          </c:spPr>
-        </c:majorGridlines>
-        <c:title>
-          <c:tx>
-            <c:rich>
-              <a:bodyPr rot="-5400000" spcFirstLastPara="1" vertOverflow="ellipsis" vert="horz" wrap="square" anchor="ctr" anchorCtr="1"/>
-              <a:lstStyle/>
-              <a:p>
-                <a:pPr>
-                  <a:defRPr sz="1330" b="0" i="0" u="none" strike="noStrike" kern="1200" baseline="0">
-                    <a:solidFill>
-                      <a:schemeClr val="tx1">
-                        <a:lumMod val="65000"/>
-                        <a:lumOff val="35000"/>
-                      </a:schemeClr>
-                    </a:solidFill>
-                    <a:latin typeface="+mn-lt"/>
-                    <a:ea typeface="+mn-ea"/>
-                    <a:cs typeface="+mn-cs"/>
-                  </a:defRPr>
-                </a:pPr>
-                <a:r>
-                  <a:rPr lang="de-DE" dirty="0"/>
-                  <a:t>Zeit</a:t>
-                </a:r>
-                <a:r>
-                  <a:rPr lang="de-DE" baseline="0" dirty="0"/>
-                  <a:t> in s</a:t>
-                </a:r>
-                <a:endParaRPr lang="de-DE" dirty="0"/>
-              </a:p>
-            </c:rich>
-          </c:tx>
-          <c:layout>
-            <c:manualLayout>
-              <c:xMode val="edge"/>
-              <c:yMode val="edge"/>
-              <c:x val="1.2500000000000001E-2"/>
-              <c:y val="0.36392224409448815"/>
-            </c:manualLayout>
-          </c:layout>
-          <c:overlay val="0"/>
-          <c:spPr>
-            <a:noFill/>
-            <a:ln>
-              <a:noFill/>
-            </a:ln>
-            <a:effectLst/>
-          </c:spPr>
-          <c:txPr>
-            <a:bodyPr rot="-5400000" spcFirstLastPara="1" vertOverflow="ellipsis" vert="horz" wrap="square" anchor="ctr" anchorCtr="1"/>
-            <a:lstStyle/>
-            <a:p>
-              <a:pPr>
-                <a:defRPr sz="1330" b="0" i="0" u="none" strike="noStrike" kern="1200" baseline="0">
-                  <a:solidFill>
-                    <a:schemeClr val="tx1">
-                      <a:lumMod val="65000"/>
-                      <a:lumOff val="35000"/>
-                    </a:schemeClr>
-                  </a:solidFill>
-                  <a:latin typeface="+mn-lt"/>
-                  <a:ea typeface="+mn-ea"/>
-                  <a:cs typeface="+mn-cs"/>
-                </a:defRPr>
-              </a:pPr>
-              <a:endParaRPr lang="de-DE"/>
-            </a:p>
-          </c:txPr>
-        </c:title>
-        <c:numFmt formatCode="General" sourceLinked="1"/>
-        <c:majorTickMark val="none"/>
-        <c:minorTickMark val="none"/>
-        <c:tickLblPos val="nextTo"/>
-        <c:spPr>
-          <a:noFill/>
-          <a:ln>
-            <a:noFill/>
-          </a:ln>
-          <a:effectLst/>
-        </c:spPr>
-        <c:txPr>
-          <a:bodyPr rot="-60000000" spcFirstLastPara="1" vertOverflow="ellipsis" vert="horz" wrap="square" anchor="ctr" anchorCtr="1"/>
-          <a:lstStyle/>
-          <a:p>
-            <a:pPr>
-              <a:defRPr sz="1197" b="0" i="0" u="none" strike="noStrike" kern="1200" baseline="0">
-                <a:solidFill>
-                  <a:schemeClr val="tx1">
-                    <a:lumMod val="65000"/>
-                    <a:lumOff val="35000"/>
-                  </a:schemeClr>
-                </a:solidFill>
-                <a:latin typeface="+mn-lt"/>
-                <a:ea typeface="+mn-ea"/>
-                <a:cs typeface="+mn-cs"/>
-              </a:defRPr>
-            </a:pPr>
-            <a:endParaRPr lang="de-DE"/>
-          </a:p>
-        </c:txPr>
-        <c:crossAx val="614896408"/>
-        <c:crosses val="autoZero"/>
-        <c:crossBetween val="between"/>
-      </c:valAx>
-      <c:spPr>
-        <a:noFill/>
-        <a:ln>
-          <a:noFill/>
-        </a:ln>
-        <a:effectLst/>
-      </c:spPr>
-    </c:plotArea>
-    <c:legend>
-      <c:legendPos val="b"/>
-      <c:overlay val="0"/>
-      <c:spPr>
-        <a:noFill/>
-        <a:ln>
-          <a:noFill/>
-        </a:ln>
-        <a:effectLst/>
-      </c:spPr>
-      <c:txPr>
-        <a:bodyPr rot="0" spcFirstLastPara="1" vertOverflow="ellipsis" vert="horz" wrap="square" anchor="ctr" anchorCtr="1"/>
-        <a:lstStyle/>
-        <a:p>
-          <a:pPr>
-            <a:defRPr sz="1197" b="0" i="0" u="none" strike="noStrike" kern="1200" baseline="0">
-              <a:solidFill>
-                <a:schemeClr val="tx1">
-                  <a:lumMod val="65000"/>
-                  <a:lumOff val="35000"/>
-                </a:schemeClr>
-              </a:solidFill>
-              <a:latin typeface="+mn-lt"/>
-              <a:ea typeface="+mn-ea"/>
-              <a:cs typeface="+mn-cs"/>
-            </a:defRPr>
-          </a:pPr>
-          <a:endParaRPr lang="de-DE"/>
-        </a:p>
-      </c:txPr>
-    </c:legend>
-    <c:plotVisOnly val="1"/>
-    <c:dispBlanksAs val="gap"/>
-    <c:showDLblsOverMax val="0"/>
-  </c:chart>
-  <c:spPr>
-    <a:noFill/>
-    <a:ln>
-      <a:noFill/>
-    </a:ln>
-    <a:effectLst/>
-  </c:spPr>
-  <c:txPr>
-    <a:bodyPr/>
-    <a:lstStyle/>
-    <a:p>
-      <a:pPr>
-        <a:defRPr/>
-      </a:pPr>
-      <a:endParaRPr lang="de-DE"/>
-    </a:p>
-  </c:txPr>
-  <c:externalData r:id="rId3">
-    <c:autoUpdate val="0"/>
-  </c:externalData>
-</c:chartSpace>
-</file>
-
-<file path=ppt/charts/chart2.xml><?xml version="1.0" encoding="utf-8"?>
 <c:chartSpace xmlns:c="http://schemas.openxmlformats.org/drawingml/2006/chart" xmlns:a="http://schemas.openxmlformats.org/drawingml/2006/main" xmlns:r="http://schemas.openxmlformats.org/officeDocument/2006/relationships" xmlns:c16r2="http://schemas.microsoft.com/office/drawing/2015/06/chart">
   <c:date1904 val="0"/>
   <c:lang val="de-DE"/>
@@ -998,7 +507,7 @@
 </c:chartSpace>
 </file>
 
-<file path=ppt/charts/chart3.xml><?xml version="1.0" encoding="utf-8"?>
+<file path=ppt/charts/chart2.xml><?xml version="1.0" encoding="utf-8"?>
 <c:chartSpace xmlns:c="http://schemas.openxmlformats.org/drawingml/2006/chart" xmlns:a="http://schemas.openxmlformats.org/drawingml/2006/main" xmlns:r="http://schemas.openxmlformats.org/officeDocument/2006/relationships" xmlns:c16r2="http://schemas.microsoft.com/office/drawing/2015/06/chart">
   <c:date1904 val="0"/>
   <c:lang val="de-DE"/>
@@ -1426,549 +935,6 @@
     <c:autoUpdate val="0"/>
   </c:externalData>
 </c:chartSpace>
-</file>
-
-<file path=ppt/charts/colors1.xml><?xml version="1.0" encoding="utf-8"?>
-<cs:colorStyle xmlns:cs="http://schemas.microsoft.com/office/drawing/2012/chartStyle" xmlns:a="http://schemas.openxmlformats.org/drawingml/2006/main" meth="cycle" id="10">
-  <a:schemeClr val="accent1"/>
-  <a:schemeClr val="accent2"/>
-  <a:schemeClr val="accent3"/>
-  <a:schemeClr val="accent4"/>
-  <a:schemeClr val="accent5"/>
-  <a:schemeClr val="accent6"/>
-  <cs:variation/>
-  <cs:variation>
-    <a:lumMod val="60000"/>
-  </cs:variation>
-  <cs:variation>
-    <a:lumMod val="80000"/>
-    <a:lumOff val="20000"/>
-  </cs:variation>
-  <cs:variation>
-    <a:lumMod val="80000"/>
-  </cs:variation>
-  <cs:variation>
-    <a:lumMod val="60000"/>
-    <a:lumOff val="40000"/>
-  </cs:variation>
-  <cs:variation>
-    <a:lumMod val="50000"/>
-  </cs:variation>
-  <cs:variation>
-    <a:lumMod val="70000"/>
-    <a:lumOff val="30000"/>
-  </cs:variation>
-  <cs:variation>
-    <a:lumMod val="70000"/>
-  </cs:variation>
-  <cs:variation>
-    <a:lumMod val="50000"/>
-    <a:lumOff val="50000"/>
-  </cs:variation>
-</cs:colorStyle>
-</file>
-
-<file path=ppt/charts/style1.xml><?xml version="1.0" encoding="utf-8"?>
-<cs:chartStyle xmlns:cs="http://schemas.microsoft.com/office/drawing/2012/chartStyle" xmlns:a="http://schemas.openxmlformats.org/drawingml/2006/main" id="201">
-  <cs:axisTitle>
-    <cs:lnRef idx="0"/>
-    <cs:fillRef idx="0"/>
-    <cs:effectRef idx="0"/>
-    <cs:fontRef idx="minor">
-      <a:schemeClr val="tx1">
-        <a:lumMod val="65000"/>
-        <a:lumOff val="35000"/>
-      </a:schemeClr>
-    </cs:fontRef>
-    <cs:defRPr sz="1330" kern="1200"/>
-  </cs:axisTitle>
-  <cs:categoryAxis>
-    <cs:lnRef idx="0"/>
-    <cs:fillRef idx="0"/>
-    <cs:effectRef idx="0"/>
-    <cs:fontRef idx="minor">
-      <a:schemeClr val="tx1">
-        <a:lumMod val="65000"/>
-        <a:lumOff val="35000"/>
-      </a:schemeClr>
-    </cs:fontRef>
-    <cs:spPr>
-      <a:ln w="9525" cap="flat" cmpd="sng" algn="ctr">
-        <a:solidFill>
-          <a:schemeClr val="tx1">
-            <a:lumMod val="15000"/>
-            <a:lumOff val="85000"/>
-          </a:schemeClr>
-        </a:solidFill>
-        <a:round/>
-      </a:ln>
-    </cs:spPr>
-    <cs:defRPr sz="1197" kern="1200"/>
-  </cs:categoryAxis>
-  <cs:chartArea mods="allowNoFillOverride allowNoLineOverride">
-    <cs:lnRef idx="0"/>
-    <cs:fillRef idx="0"/>
-    <cs:effectRef idx="0"/>
-    <cs:fontRef idx="minor">
-      <a:schemeClr val="tx1"/>
-    </cs:fontRef>
-    <cs:spPr>
-      <a:solidFill>
-        <a:schemeClr val="bg1"/>
-      </a:solidFill>
-      <a:ln w="9525" cap="flat" cmpd="sng" algn="ctr">
-        <a:solidFill>
-          <a:schemeClr val="tx1">
-            <a:lumMod val="15000"/>
-            <a:lumOff val="85000"/>
-          </a:schemeClr>
-        </a:solidFill>
-        <a:round/>
-      </a:ln>
-    </cs:spPr>
-    <cs:defRPr sz="1330" kern="1200"/>
-  </cs:chartArea>
-  <cs:dataLabel>
-    <cs:lnRef idx="0"/>
-    <cs:fillRef idx="0"/>
-    <cs:effectRef idx="0"/>
-    <cs:fontRef idx="minor">
-      <a:schemeClr val="tx1">
-        <a:lumMod val="75000"/>
-        <a:lumOff val="25000"/>
-      </a:schemeClr>
-    </cs:fontRef>
-    <cs:defRPr sz="1197" kern="1200"/>
-  </cs:dataLabel>
-  <cs:dataLabelCallout>
-    <cs:lnRef idx="0"/>
-    <cs:fillRef idx="0"/>
-    <cs:effectRef idx="0"/>
-    <cs:fontRef idx="minor">
-      <a:schemeClr val="dk1">
-        <a:lumMod val="65000"/>
-        <a:lumOff val="35000"/>
-      </a:schemeClr>
-    </cs:fontRef>
-    <cs:spPr>
-      <a:solidFill>
-        <a:schemeClr val="lt1"/>
-      </a:solidFill>
-      <a:ln>
-        <a:solidFill>
-          <a:schemeClr val="dk1">
-            <a:lumMod val="25000"/>
-            <a:lumOff val="75000"/>
-          </a:schemeClr>
-        </a:solidFill>
-      </a:ln>
-    </cs:spPr>
-    <cs:defRPr sz="1197" kern="1200"/>
-    <cs:bodyPr rot="0" spcFirstLastPara="1" vertOverflow="clip" horzOverflow="clip" vert="horz" wrap="square" lIns="36576" tIns="18288" rIns="36576" bIns="18288" anchor="ctr" anchorCtr="1">
-      <a:spAutoFit/>
-    </cs:bodyPr>
-  </cs:dataLabelCallout>
-  <cs:dataPoint>
-    <cs:lnRef idx="0"/>
-    <cs:fillRef idx="1">
-      <cs:styleClr val="auto"/>
-    </cs:fillRef>
-    <cs:effectRef idx="0"/>
-    <cs:fontRef idx="minor">
-      <a:schemeClr val="tx1"/>
-    </cs:fontRef>
-  </cs:dataPoint>
-  <cs:dataPoint3D>
-    <cs:lnRef idx="0"/>
-    <cs:fillRef idx="1">
-      <cs:styleClr val="auto"/>
-    </cs:fillRef>
-    <cs:effectRef idx="0"/>
-    <cs:fontRef idx="minor">
-      <a:schemeClr val="tx1"/>
-    </cs:fontRef>
-  </cs:dataPoint3D>
-  <cs:dataPointLine>
-    <cs:lnRef idx="0">
-      <cs:styleClr val="auto"/>
-    </cs:lnRef>
-    <cs:fillRef idx="1"/>
-    <cs:effectRef idx="0"/>
-    <cs:fontRef idx="minor">
-      <a:schemeClr val="tx1"/>
-    </cs:fontRef>
-    <cs:spPr>
-      <a:ln w="28575" cap="rnd">
-        <a:solidFill>
-          <a:schemeClr val="phClr"/>
-        </a:solidFill>
-        <a:round/>
-      </a:ln>
-    </cs:spPr>
-  </cs:dataPointLine>
-  <cs:dataPointMarker>
-    <cs:lnRef idx="0">
-      <cs:styleClr val="auto"/>
-    </cs:lnRef>
-    <cs:fillRef idx="1">
-      <cs:styleClr val="auto"/>
-    </cs:fillRef>
-    <cs:effectRef idx="0"/>
-    <cs:fontRef idx="minor">
-      <a:schemeClr val="tx1"/>
-    </cs:fontRef>
-    <cs:spPr>
-      <a:ln w="9525">
-        <a:solidFill>
-          <a:schemeClr val="phClr"/>
-        </a:solidFill>
-      </a:ln>
-    </cs:spPr>
-  </cs:dataPointMarker>
-  <cs:dataPointMarkerLayout symbol="circle" size="5"/>
-  <cs:dataPointWireframe>
-    <cs:lnRef idx="0">
-      <cs:styleClr val="auto"/>
-    </cs:lnRef>
-    <cs:fillRef idx="1"/>
-    <cs:effectRef idx="0"/>
-    <cs:fontRef idx="minor">
-      <a:schemeClr val="tx1"/>
-    </cs:fontRef>
-    <cs:spPr>
-      <a:ln w="9525" cap="rnd">
-        <a:solidFill>
-          <a:schemeClr val="phClr"/>
-        </a:solidFill>
-        <a:round/>
-      </a:ln>
-    </cs:spPr>
-  </cs:dataPointWireframe>
-  <cs:dataTable>
-    <cs:lnRef idx="0"/>
-    <cs:fillRef idx="0"/>
-    <cs:effectRef idx="0"/>
-    <cs:fontRef idx="minor">
-      <a:schemeClr val="tx1">
-        <a:lumMod val="65000"/>
-        <a:lumOff val="35000"/>
-      </a:schemeClr>
-    </cs:fontRef>
-    <cs:spPr>
-      <a:noFill/>
-      <a:ln w="9525" cap="flat" cmpd="sng" algn="ctr">
-        <a:solidFill>
-          <a:schemeClr val="tx1">
-            <a:lumMod val="15000"/>
-            <a:lumOff val="85000"/>
-          </a:schemeClr>
-        </a:solidFill>
-        <a:round/>
-      </a:ln>
-    </cs:spPr>
-    <cs:defRPr sz="1197" kern="1200"/>
-  </cs:dataTable>
-  <cs:downBar>
-    <cs:lnRef idx="0"/>
-    <cs:fillRef idx="0"/>
-    <cs:effectRef idx="0"/>
-    <cs:fontRef idx="minor">
-      <a:schemeClr val="dk1"/>
-    </cs:fontRef>
-    <cs:spPr>
-      <a:solidFill>
-        <a:schemeClr val="dk1">
-          <a:lumMod val="65000"/>
-          <a:lumOff val="35000"/>
-        </a:schemeClr>
-      </a:solidFill>
-      <a:ln w="9525">
-        <a:solidFill>
-          <a:schemeClr val="tx1">
-            <a:lumMod val="65000"/>
-            <a:lumOff val="35000"/>
-          </a:schemeClr>
-        </a:solidFill>
-      </a:ln>
-    </cs:spPr>
-  </cs:downBar>
-  <cs:dropLine>
-    <cs:lnRef idx="0"/>
-    <cs:fillRef idx="0"/>
-    <cs:effectRef idx="0"/>
-    <cs:fontRef idx="minor">
-      <a:schemeClr val="tx1"/>
-    </cs:fontRef>
-    <cs:spPr>
-      <a:ln w="9525" cap="flat" cmpd="sng" algn="ctr">
-        <a:solidFill>
-          <a:schemeClr val="tx1">
-            <a:lumMod val="35000"/>
-            <a:lumOff val="65000"/>
-          </a:schemeClr>
-        </a:solidFill>
-        <a:round/>
-      </a:ln>
-    </cs:spPr>
-  </cs:dropLine>
-  <cs:errorBar>
-    <cs:lnRef idx="0"/>
-    <cs:fillRef idx="0"/>
-    <cs:effectRef idx="0"/>
-    <cs:fontRef idx="minor">
-      <a:schemeClr val="tx1"/>
-    </cs:fontRef>
-    <cs:spPr>
-      <a:ln w="9525" cap="flat" cmpd="sng" algn="ctr">
-        <a:solidFill>
-          <a:schemeClr val="tx1">
-            <a:lumMod val="65000"/>
-            <a:lumOff val="35000"/>
-          </a:schemeClr>
-        </a:solidFill>
-        <a:round/>
-      </a:ln>
-    </cs:spPr>
-  </cs:errorBar>
-  <cs:floor>
-    <cs:lnRef idx="0"/>
-    <cs:fillRef idx="0"/>
-    <cs:effectRef idx="0"/>
-    <cs:fontRef idx="minor">
-      <a:schemeClr val="tx1"/>
-    </cs:fontRef>
-    <cs:spPr>
-      <a:noFill/>
-      <a:ln>
-        <a:noFill/>
-      </a:ln>
-    </cs:spPr>
-  </cs:floor>
-  <cs:gridlineMajor>
-    <cs:lnRef idx="0"/>
-    <cs:fillRef idx="0"/>
-    <cs:effectRef idx="0"/>
-    <cs:fontRef idx="minor">
-      <a:schemeClr val="tx1"/>
-    </cs:fontRef>
-    <cs:spPr>
-      <a:ln w="9525" cap="flat" cmpd="sng" algn="ctr">
-        <a:solidFill>
-          <a:schemeClr val="tx1">
-            <a:lumMod val="15000"/>
-            <a:lumOff val="85000"/>
-          </a:schemeClr>
-        </a:solidFill>
-        <a:round/>
-      </a:ln>
-    </cs:spPr>
-  </cs:gridlineMajor>
-  <cs:gridlineMinor>
-    <cs:lnRef idx="0"/>
-    <cs:fillRef idx="0"/>
-    <cs:effectRef idx="0"/>
-    <cs:fontRef idx="minor">
-      <a:schemeClr val="tx1"/>
-    </cs:fontRef>
-    <cs:spPr>
-      <a:ln w="9525" cap="flat" cmpd="sng" algn="ctr">
-        <a:solidFill>
-          <a:schemeClr val="tx1">
-            <a:lumMod val="5000"/>
-            <a:lumOff val="95000"/>
-          </a:schemeClr>
-        </a:solidFill>
-        <a:round/>
-      </a:ln>
-    </cs:spPr>
-  </cs:gridlineMinor>
-  <cs:hiLoLine>
-    <cs:lnRef idx="0"/>
-    <cs:fillRef idx="0"/>
-    <cs:effectRef idx="0"/>
-    <cs:fontRef idx="minor">
-      <a:schemeClr val="tx1"/>
-    </cs:fontRef>
-    <cs:spPr>
-      <a:ln w="9525" cap="flat" cmpd="sng" algn="ctr">
-        <a:solidFill>
-          <a:schemeClr val="tx1">
-            <a:lumMod val="75000"/>
-            <a:lumOff val="25000"/>
-          </a:schemeClr>
-        </a:solidFill>
-        <a:round/>
-      </a:ln>
-    </cs:spPr>
-  </cs:hiLoLine>
-  <cs:leaderLine>
-    <cs:lnRef idx="0"/>
-    <cs:fillRef idx="0"/>
-    <cs:effectRef idx="0"/>
-    <cs:fontRef idx="minor">
-      <a:schemeClr val="tx1"/>
-    </cs:fontRef>
-    <cs:spPr>
-      <a:ln w="9525" cap="flat" cmpd="sng" algn="ctr">
-        <a:solidFill>
-          <a:schemeClr val="tx1">
-            <a:lumMod val="35000"/>
-            <a:lumOff val="65000"/>
-          </a:schemeClr>
-        </a:solidFill>
-        <a:round/>
-      </a:ln>
-    </cs:spPr>
-  </cs:leaderLine>
-  <cs:legend>
-    <cs:lnRef idx="0"/>
-    <cs:fillRef idx="0"/>
-    <cs:effectRef idx="0"/>
-    <cs:fontRef idx="minor">
-      <a:schemeClr val="tx1">
-        <a:lumMod val="65000"/>
-        <a:lumOff val="35000"/>
-      </a:schemeClr>
-    </cs:fontRef>
-    <cs:defRPr sz="1197" kern="1200"/>
-  </cs:legend>
-  <cs:plotArea mods="allowNoFillOverride allowNoLineOverride">
-    <cs:lnRef idx="0"/>
-    <cs:fillRef idx="0"/>
-    <cs:effectRef idx="0"/>
-    <cs:fontRef idx="minor">
-      <a:schemeClr val="tx1"/>
-    </cs:fontRef>
-  </cs:plotArea>
-  <cs:plotArea3D mods="allowNoFillOverride allowNoLineOverride">
-    <cs:lnRef idx="0"/>
-    <cs:fillRef idx="0"/>
-    <cs:effectRef idx="0"/>
-    <cs:fontRef idx="minor">
-      <a:schemeClr val="tx1"/>
-    </cs:fontRef>
-  </cs:plotArea3D>
-  <cs:seriesAxis>
-    <cs:lnRef idx="0"/>
-    <cs:fillRef idx="0"/>
-    <cs:effectRef idx="0"/>
-    <cs:fontRef idx="minor">
-      <a:schemeClr val="tx1">
-        <a:lumMod val="65000"/>
-        <a:lumOff val="35000"/>
-      </a:schemeClr>
-    </cs:fontRef>
-    <cs:defRPr sz="1197" kern="1200"/>
-  </cs:seriesAxis>
-  <cs:seriesLine>
-    <cs:lnRef idx="0"/>
-    <cs:fillRef idx="0"/>
-    <cs:effectRef idx="0"/>
-    <cs:fontRef idx="minor">
-      <a:schemeClr val="tx1"/>
-    </cs:fontRef>
-    <cs:spPr>
-      <a:ln w="9525" cap="flat" cmpd="sng" algn="ctr">
-        <a:solidFill>
-          <a:schemeClr val="tx1">
-            <a:lumMod val="35000"/>
-            <a:lumOff val="65000"/>
-          </a:schemeClr>
-        </a:solidFill>
-        <a:round/>
-      </a:ln>
-    </cs:spPr>
-  </cs:seriesLine>
-  <cs:title>
-    <cs:lnRef idx="0"/>
-    <cs:fillRef idx="0"/>
-    <cs:effectRef idx="0"/>
-    <cs:fontRef idx="minor">
-      <a:schemeClr val="tx1">
-        <a:lumMod val="65000"/>
-        <a:lumOff val="35000"/>
-      </a:schemeClr>
-    </cs:fontRef>
-    <cs:defRPr sz="1862" b="0" kern="1200" spc="0" baseline="0"/>
-  </cs:title>
-  <cs:trendline>
-    <cs:lnRef idx="0">
-      <cs:styleClr val="auto"/>
-    </cs:lnRef>
-    <cs:fillRef idx="0"/>
-    <cs:effectRef idx="0"/>
-    <cs:fontRef idx="minor">
-      <a:schemeClr val="tx1"/>
-    </cs:fontRef>
-    <cs:spPr>
-      <a:ln w="19050" cap="rnd">
-        <a:solidFill>
-          <a:schemeClr val="phClr"/>
-        </a:solidFill>
-        <a:prstDash val="sysDot"/>
-      </a:ln>
-    </cs:spPr>
-  </cs:trendline>
-  <cs:trendlineLabel>
-    <cs:lnRef idx="0"/>
-    <cs:fillRef idx="0"/>
-    <cs:effectRef idx="0"/>
-    <cs:fontRef idx="minor">
-      <a:schemeClr val="tx1">
-        <a:lumMod val="65000"/>
-        <a:lumOff val="35000"/>
-      </a:schemeClr>
-    </cs:fontRef>
-    <cs:defRPr sz="1197" kern="1200"/>
-  </cs:trendlineLabel>
-  <cs:upBar>
-    <cs:lnRef idx="0"/>
-    <cs:fillRef idx="0"/>
-    <cs:effectRef idx="0"/>
-    <cs:fontRef idx="minor">
-      <a:schemeClr val="dk1"/>
-    </cs:fontRef>
-    <cs:spPr>
-      <a:solidFill>
-        <a:schemeClr val="lt1"/>
-      </a:solidFill>
-      <a:ln w="9525">
-        <a:solidFill>
-          <a:schemeClr val="tx1">
-            <a:lumMod val="15000"/>
-            <a:lumOff val="85000"/>
-          </a:schemeClr>
-        </a:solidFill>
-      </a:ln>
-    </cs:spPr>
-  </cs:upBar>
-  <cs:valueAxis>
-    <cs:lnRef idx="0"/>
-    <cs:fillRef idx="0"/>
-    <cs:effectRef idx="0"/>
-    <cs:fontRef idx="minor">
-      <a:schemeClr val="tx1">
-        <a:lumMod val="65000"/>
-        <a:lumOff val="35000"/>
-      </a:schemeClr>
-    </cs:fontRef>
-    <cs:defRPr sz="1197" kern="1200"/>
-  </cs:valueAxis>
-  <cs:wall>
-    <cs:lnRef idx="0"/>
-    <cs:fillRef idx="0"/>
-    <cs:effectRef idx="0"/>
-    <cs:fontRef idx="minor">
-      <a:schemeClr val="tx1"/>
-    </cs:fontRef>
-    <cs:spPr>
-      <a:noFill/>
-      <a:ln>
-        <a:noFill/>
-      </a:ln>
-    </cs:spPr>
-  </cs:wall>
-</cs:chartStyle>
 </file>
 
 <file path=ppt/handoutMasters/handoutMaster1.xml><?xml version="1.0" encoding="utf-8"?>
@@ -13510,28 +12476,30 @@
           </a:p>
         </p:txBody>
       </p:sp>
-      <p:graphicFrame>
-        <p:nvGraphicFramePr>
-          <p:cNvPr id="7" name="Diagramm 6"/>
-          <p:cNvGraphicFramePr/>
-          <p:nvPr>
-            <p:extLst>
-              <p:ext uri="{D42A27DB-BD31-4B8C-83A1-F6EECF244321}">
-                <p14:modId xmlns:p14="http://schemas.microsoft.com/office/powerpoint/2010/main" val="1841260317"/>
-              </p:ext>
-            </p:extLst>
-          </p:nvPr>
-        </p:nvGraphicFramePr>
-        <p:xfrm>
-          <a:off x="1524000" y="1397000"/>
-          <a:ext cx="6096000" cy="4064000"/>
-        </p:xfrm>
-        <a:graphic>
-          <a:graphicData uri="http://schemas.openxmlformats.org/drawingml/2006/chart">
-            <c:chart xmlns:c="http://schemas.openxmlformats.org/drawingml/2006/chart" xmlns:r="http://schemas.openxmlformats.org/officeDocument/2006/relationships" r:id="rId2"/>
-          </a:graphicData>
-        </a:graphic>
-      </p:graphicFrame>
+      <p:pic>
+        <p:nvPicPr>
+          <p:cNvPr id="2" name="Grafik 1"/>
+          <p:cNvPicPr>
+            <a:picLocks noChangeAspect="1"/>
+          </p:cNvPicPr>
+          <p:nvPr/>
+        </p:nvPicPr>
+        <p:blipFill>
+          <a:blip r:embed="rId2"/>
+          <a:stretch>
+            <a:fillRect/>
+          </a:stretch>
+        </p:blipFill>
+        <p:spPr>
+          <a:xfrm>
+            <a:off x="1476375" y="1385887"/>
+            <a:ext cx="6191250" cy="4086225"/>
+          </a:xfrm>
+          <a:prstGeom prst="rect">
+            <a:avLst/>
+          </a:prstGeom>
+        </p:spPr>
+      </p:pic>
     </p:spTree>
     <p:extLst>
       <p:ext uri="{BB962C8B-B14F-4D97-AF65-F5344CB8AC3E}">

--- a/Präsentation.pptx
+++ b/Präsentation.pptx
@@ -8,36 +8,38 @@
     <p:sldMasterId id="2147483648" r:id="rId4"/>
     <p:sldMasterId id="2147483684" r:id="rId5"/>
     <p:sldMasterId id="2147483697" r:id="rId6"/>
+    <p:sldMasterId id="2147483712" r:id="rId7"/>
   </p:sldMasterIdLst>
   <p:notesMasterIdLst>
-    <p:notesMasterId r:id="rId29"/>
+    <p:notesMasterId r:id="rId31"/>
   </p:notesMasterIdLst>
   <p:handoutMasterIdLst>
-    <p:handoutMasterId r:id="rId30"/>
+    <p:handoutMasterId r:id="rId32"/>
   </p:handoutMasterIdLst>
   <p:sldIdLst>
-    <p:sldId id="355" r:id="rId7"/>
-    <p:sldId id="398" r:id="rId8"/>
-    <p:sldId id="396" r:id="rId9"/>
-    <p:sldId id="397" r:id="rId10"/>
-    <p:sldId id="369" r:id="rId11"/>
-    <p:sldId id="392" r:id="rId12"/>
-    <p:sldId id="371" r:id="rId13"/>
-    <p:sldId id="372" r:id="rId14"/>
-    <p:sldId id="373" r:id="rId15"/>
-    <p:sldId id="394" r:id="rId16"/>
-    <p:sldId id="375" r:id="rId17"/>
-    <p:sldId id="376" r:id="rId18"/>
-    <p:sldId id="393" r:id="rId19"/>
-    <p:sldId id="391" r:id="rId20"/>
-    <p:sldId id="390" r:id="rId21"/>
-    <p:sldId id="378" r:id="rId22"/>
-    <p:sldId id="377" r:id="rId23"/>
-    <p:sldId id="389" r:id="rId24"/>
-    <p:sldId id="379" r:id="rId25"/>
-    <p:sldId id="395" r:id="rId26"/>
-    <p:sldId id="380" r:id="rId27"/>
-    <p:sldId id="381" r:id="rId28"/>
+    <p:sldId id="355" r:id="rId8"/>
+    <p:sldId id="399" r:id="rId9"/>
+    <p:sldId id="398" r:id="rId10"/>
+    <p:sldId id="396" r:id="rId11"/>
+    <p:sldId id="397" r:id="rId12"/>
+    <p:sldId id="369" r:id="rId13"/>
+    <p:sldId id="392" r:id="rId14"/>
+    <p:sldId id="371" r:id="rId15"/>
+    <p:sldId id="372" r:id="rId16"/>
+    <p:sldId id="373" r:id="rId17"/>
+    <p:sldId id="394" r:id="rId18"/>
+    <p:sldId id="375" r:id="rId19"/>
+    <p:sldId id="376" r:id="rId20"/>
+    <p:sldId id="393" r:id="rId21"/>
+    <p:sldId id="391" r:id="rId22"/>
+    <p:sldId id="390" r:id="rId23"/>
+    <p:sldId id="378" r:id="rId24"/>
+    <p:sldId id="377" r:id="rId25"/>
+    <p:sldId id="389" r:id="rId26"/>
+    <p:sldId id="379" r:id="rId27"/>
+    <p:sldId id="395" r:id="rId28"/>
+    <p:sldId id="380" r:id="rId29"/>
+    <p:sldId id="381" r:id="rId30"/>
   </p:sldIdLst>
   <p:sldSz cx="9144000" cy="6858000" type="screen4x3"/>
   <p:notesSz cx="9925050" cy="6665913"/>
@@ -168,7 +170,7 @@
   </p:defaultTextStyle>
   <p:extLst>
     <p:ext uri="{EFAFB233-063F-42B5-8137-9DF3F51BA10A}">
-      <p15:sldGuideLst xmlns:p15="http://schemas.microsoft.com/office/powerpoint/2012/main">
+      <p15:sldGuideLst xmlns:p15="http://schemas.microsoft.com/office/powerpoint/2012/main" xmlns="">
         <p15:guide id="1" orient="horz" pos="2160">
           <p15:clr>
             <a:srgbClr val="A4A3A4"/>
@@ -182,7 +184,7 @@
       </p15:sldGuideLst>
     </p:ext>
     <p:ext uri="{2D200454-40CA-4A62-9FC3-DE9A4176ACB9}">
-      <p15:notesGuideLst xmlns:p15="http://schemas.microsoft.com/office/powerpoint/2012/main">
+      <p15:notesGuideLst xmlns:p15="http://schemas.microsoft.com/office/powerpoint/2012/main" xmlns="">
         <p15:guide id="1" orient="horz" pos="2100">
           <p15:clr>
             <a:srgbClr val="A4A3A4"/>
@@ -200,7 +202,7 @@
 </file>
 
 <file path=ppt/charts/chart1.xml><?xml version="1.0" encoding="utf-8"?>
-<c:chartSpace xmlns:c="http://schemas.openxmlformats.org/drawingml/2006/chart" xmlns:a="http://schemas.openxmlformats.org/drawingml/2006/main" xmlns:r="http://schemas.openxmlformats.org/officeDocument/2006/relationships" xmlns:c16r2="http://schemas.microsoft.com/office/drawing/2015/06/chart">
+<c:chartSpace xmlns:c="http://schemas.openxmlformats.org/drawingml/2006/chart" xmlns:a="http://schemas.openxmlformats.org/drawingml/2006/main" xmlns:r="http://schemas.openxmlformats.org/officeDocument/2006/relationships">
   <c:date1904 val="0"/>
   <c:lang val="de-DE"/>
   <c:roundedCorners val="0"/>
@@ -292,7 +294,7 @@
               </c:numCache>
             </c:numRef>
           </c:val>
-          <c:extLst>
+          <c:extLst xmlns:c16r2="http://schemas.microsoft.com/office/drawing/2015/06/chart">
             <c:ext xmlns:c16="http://schemas.microsoft.com/office/drawing/2014/chart" uri="{C3380CC4-5D6E-409C-BE32-E72D297353CC}">
               <c16:uniqueId val="{00000000-5856-45FC-9875-FA0A9BDF3537}"/>
             </c:ext>
@@ -370,7 +372,7 @@
               </c:numCache>
             </c:numRef>
           </c:val>
-          <c:extLst>
+          <c:extLst xmlns:c16r2="http://schemas.microsoft.com/office/drawing/2015/06/chart">
             <c:ext xmlns:c16="http://schemas.microsoft.com/office/drawing/2014/chart" uri="{C3380CC4-5D6E-409C-BE32-E72D297353CC}">
               <c16:uniqueId val="{00000001-5856-45FC-9875-FA0A9BDF3537}"/>
             </c:ext>
@@ -386,11 +388,11 @@
         </c:dLbls>
         <c:gapWidth val="219"/>
         <c:overlap val="-27"/>
-        <c:axId val="614896408"/>
-        <c:axId val="652577152"/>
+        <c:axId val="32700288"/>
+        <c:axId val="32456704"/>
       </c:barChart>
       <c:catAx>
-        <c:axId val="614896408"/>
+        <c:axId val="32700288"/>
         <c:scaling>
           <c:orientation val="minMax"/>
         </c:scaling>
@@ -427,6 +429,7 @@
               </a:p>
             </c:rich>
           </c:tx>
+          <c:layout/>
           <c:overlay val="0"/>
           <c:spPr>
             <a:noFill/>
@@ -435,26 +438,6 @@
             </a:ln>
             <a:effectLst/>
           </c:spPr>
-          <c:txPr>
-            <a:bodyPr rot="0" spcFirstLastPara="1" vertOverflow="ellipsis" vert="horz" wrap="square" anchor="ctr" anchorCtr="1"/>
-            <a:lstStyle/>
-            <a:p>
-              <a:pPr>
-                <a:defRPr sz="1330" b="0" i="0" u="none" strike="noStrike" kern="1200" baseline="0">
-                  <a:solidFill>
-                    <a:schemeClr val="tx1">
-                      <a:lumMod val="65000"/>
-                      <a:lumOff val="35000"/>
-                    </a:schemeClr>
-                  </a:solidFill>
-                  <a:latin typeface="+mn-lt"/>
-                  <a:ea typeface="+mn-ea"/>
-                  <a:cs typeface="+mn-cs"/>
-                </a:defRPr>
-              </a:pPr>
-              <a:endParaRPr lang="de-DE"/>
-            </a:p>
-          </c:txPr>
         </c:title>
         <c:numFmt formatCode="General" sourceLinked="1"/>
         <c:majorTickMark val="none"/>
@@ -493,7 +476,7 @@
             <a:endParaRPr lang="de-DE"/>
           </a:p>
         </c:txPr>
-        <c:crossAx val="652577152"/>
+        <c:crossAx val="32456704"/>
         <c:crosses val="autoZero"/>
         <c:auto val="1"/>
         <c:lblAlgn val="ctr"/>
@@ -501,7 +484,7 @@
         <c:noMultiLvlLbl val="0"/>
       </c:catAx>
       <c:valAx>
-        <c:axId val="652577152"/>
+        <c:axId val="32456704"/>
         <c:scaling>
           <c:orientation val="minMax"/>
         </c:scaling>
@@ -568,26 +551,6 @@
             </a:ln>
             <a:effectLst/>
           </c:spPr>
-          <c:txPr>
-            <a:bodyPr rot="-5400000" spcFirstLastPara="1" vertOverflow="ellipsis" vert="horz" wrap="square" anchor="ctr" anchorCtr="1"/>
-            <a:lstStyle/>
-            <a:p>
-              <a:pPr>
-                <a:defRPr sz="1330" b="0" i="0" u="none" strike="noStrike" kern="1200" baseline="0">
-                  <a:solidFill>
-                    <a:schemeClr val="tx1">
-                      <a:lumMod val="65000"/>
-                      <a:lumOff val="35000"/>
-                    </a:schemeClr>
-                  </a:solidFill>
-                  <a:latin typeface="+mn-lt"/>
-                  <a:ea typeface="+mn-ea"/>
-                  <a:cs typeface="+mn-cs"/>
-                </a:defRPr>
-              </a:pPr>
-              <a:endParaRPr lang="de-DE"/>
-            </a:p>
-          </c:txPr>
         </c:title>
         <c:numFmt formatCode="General" sourceLinked="1"/>
         <c:majorTickMark val="none"/>
@@ -620,7 +583,7 @@
             <a:endParaRPr lang="de-DE"/>
           </a:p>
         </c:txPr>
-        <c:crossAx val="614896408"/>
+        <c:crossAx val="32700288"/>
         <c:crosses val="autoZero"/>
         <c:crossBetween val="between"/>
       </c:valAx>
@@ -634,6 +597,7 @@
     </c:plotArea>
     <c:legend>
       <c:legendPos val="b"/>
+      <c:layout/>
       <c:overlay val="0"/>
       <c:spPr>
         <a:noFill/>
@@ -684,14 +648,14 @@
       <a:endParaRPr lang="de-DE"/>
     </a:p>
   </c:txPr>
-  <c:externalData r:id="rId3">
+  <c:externalData r:id="rId1">
     <c:autoUpdate val="0"/>
   </c:externalData>
 </c:chartSpace>
 </file>
 
 <file path=ppt/charts/chart2.xml><?xml version="1.0" encoding="utf-8"?>
-<c:chartSpace xmlns:c="http://schemas.openxmlformats.org/drawingml/2006/chart" xmlns:a="http://schemas.openxmlformats.org/drawingml/2006/main" xmlns:r="http://schemas.openxmlformats.org/officeDocument/2006/relationships" xmlns:c16r2="http://schemas.microsoft.com/office/drawing/2015/06/chart">
+<c:chartSpace xmlns:c="http://schemas.openxmlformats.org/drawingml/2006/chart" xmlns:a="http://schemas.openxmlformats.org/drawingml/2006/main" xmlns:r="http://schemas.openxmlformats.org/officeDocument/2006/relationships">
   <c:date1904 val="0"/>
   <c:lang val="de-DE"/>
   <c:roundedCorners val="0"/>
@@ -777,7 +741,7 @@
               </c:numCache>
             </c:numRef>
           </c:val>
-          <c:extLst>
+          <c:extLst xmlns:c16r2="http://schemas.microsoft.com/office/drawing/2015/06/chart">
             <c:ext xmlns:c16="http://schemas.microsoft.com/office/drawing/2014/chart" uri="{C3380CC4-5D6E-409C-BE32-E72D297353CC}">
               <c16:uniqueId val="{00000000-DCF6-400F-B109-FF128E5E5DD0}"/>
             </c:ext>
@@ -839,7 +803,7 @@
               </c:numCache>
             </c:numRef>
           </c:val>
-          <c:extLst>
+          <c:extLst xmlns:c16r2="http://schemas.microsoft.com/office/drawing/2015/06/chart">
             <c:ext xmlns:c16="http://schemas.microsoft.com/office/drawing/2014/chart" uri="{C3380CC4-5D6E-409C-BE32-E72D297353CC}">
               <c16:uniqueId val="{00000001-DCF6-400F-B109-FF128E5E5DD0}"/>
             </c:ext>
@@ -901,7 +865,7 @@
               </c:numCache>
             </c:numRef>
           </c:val>
-          <c:extLst>
+          <c:extLst xmlns:c16r2="http://schemas.microsoft.com/office/drawing/2015/06/chart">
             <c:ext xmlns:c16="http://schemas.microsoft.com/office/drawing/2014/chart" uri="{C3380CC4-5D6E-409C-BE32-E72D297353CC}">
               <c16:uniqueId val="{00000002-DCF6-400F-B109-FF128E5E5DD0}"/>
             </c:ext>
@@ -916,11 +880,11 @@
           <c:showBubbleSize val="0"/>
         </c:dLbls>
         <c:gapWidth val="150"/>
-        <c:axId val="49980160"/>
-        <c:axId val="49981696"/>
+        <c:axId val="40064128"/>
+        <c:axId val="40065664"/>
       </c:barChart>
       <c:catAx>
-        <c:axId val="49980160"/>
+        <c:axId val="40064128"/>
         <c:scaling>
           <c:orientation val="maxMin"/>
         </c:scaling>
@@ -935,7 +899,7 @@
             <a:noFill/>
           </a:ln>
         </c:spPr>
-        <c:crossAx val="49981696"/>
+        <c:crossAx val="40065664"/>
         <c:crosses val="autoZero"/>
         <c:auto val="1"/>
         <c:lblAlgn val="ctr"/>
@@ -943,7 +907,7 @@
         <c:noMultiLvlLbl val="0"/>
       </c:catAx>
       <c:valAx>
-        <c:axId val="49981696"/>
+        <c:axId val="40065664"/>
         <c:scaling>
           <c:orientation val="minMax"/>
         </c:scaling>
@@ -953,7 +917,7 @@
         <c:majorTickMark val="out"/>
         <c:minorTickMark val="none"/>
         <c:tickLblPos val="none"/>
-        <c:crossAx val="49980160"/>
+        <c:crossAx val="40064128"/>
         <c:crosses val="autoZero"/>
         <c:crossBetween val="between"/>
       </c:valAx>
@@ -999,7 +963,7 @@
 </file>
 
 <file path=ppt/charts/chart3.xml><?xml version="1.0" encoding="utf-8"?>
-<c:chartSpace xmlns:c="http://schemas.openxmlformats.org/drawingml/2006/chart" xmlns:a="http://schemas.openxmlformats.org/drawingml/2006/main" xmlns:r="http://schemas.openxmlformats.org/officeDocument/2006/relationships" xmlns:c16r2="http://schemas.microsoft.com/office/drawing/2015/06/chart">
+<c:chartSpace xmlns:c="http://schemas.openxmlformats.org/drawingml/2006/chart" xmlns:a="http://schemas.openxmlformats.org/drawingml/2006/main" xmlns:r="http://schemas.openxmlformats.org/officeDocument/2006/relationships">
   <c:date1904 val="0"/>
   <c:lang val="de-DE"/>
   <c:roundedCorners val="0"/>
@@ -1084,7 +1048,7 @@
               </c:numCache>
             </c:numRef>
           </c:val>
-          <c:extLst>
+          <c:extLst xmlns:c16r2="http://schemas.microsoft.com/office/drawing/2015/06/chart">
             <c:ext xmlns:c16="http://schemas.microsoft.com/office/drawing/2014/chart" uri="{C3380CC4-5D6E-409C-BE32-E72D297353CC}">
               <c16:uniqueId val="{00000000-B67E-4CD6-9B37-A34C239A5A53}"/>
             </c:ext>
@@ -1155,7 +1119,7 @@
               </c:numCache>
             </c:numRef>
           </c:val>
-          <c:extLst>
+          <c:extLst xmlns:c16r2="http://schemas.microsoft.com/office/drawing/2015/06/chart">
             <c:ext xmlns:c16="http://schemas.microsoft.com/office/drawing/2014/chart" uri="{C3380CC4-5D6E-409C-BE32-E72D297353CC}">
               <c16:uniqueId val="{00000001-B67E-4CD6-9B37-A34C239A5A53}"/>
             </c:ext>
@@ -1226,7 +1190,7 @@
               </c:numCache>
             </c:numRef>
           </c:val>
-          <c:extLst>
+          <c:extLst xmlns:c16r2="http://schemas.microsoft.com/office/drawing/2015/06/chart">
             <c:ext xmlns:c16="http://schemas.microsoft.com/office/drawing/2014/chart" uri="{C3380CC4-5D6E-409C-BE32-E72D297353CC}">
               <c16:uniqueId val="{00000002-B67E-4CD6-9B37-A34C239A5A53}"/>
             </c:ext>
@@ -1242,11 +1206,11 @@
         </c:dLbls>
         <c:gapWidth val="219"/>
         <c:overlap val="-27"/>
-        <c:axId val="50529792"/>
-        <c:axId val="50531328"/>
+        <c:axId val="40700928"/>
+        <c:axId val="40706816"/>
       </c:barChart>
       <c:catAx>
-        <c:axId val="50529792"/>
+        <c:axId val="40700928"/>
         <c:scaling>
           <c:orientation val="minMax"/>
         </c:scaling>
@@ -1289,7 +1253,7 @@
             <a:endParaRPr lang="de-DE"/>
           </a:p>
         </c:txPr>
-        <c:crossAx val="50531328"/>
+        <c:crossAx val="40706816"/>
         <c:crosses val="autoZero"/>
         <c:auto val="1"/>
         <c:lblAlgn val="ctr"/>
@@ -1297,7 +1261,7 @@
         <c:noMultiLvlLbl val="0"/>
       </c:catAx>
       <c:valAx>
-        <c:axId val="50531328"/>
+        <c:axId val="40706816"/>
         <c:scaling>
           <c:orientation val="minMax"/>
         </c:scaling>
@@ -1348,7 +1312,7 @@
             <a:endParaRPr lang="de-DE"/>
           </a:p>
         </c:txPr>
-        <c:crossAx val="50529792"/>
+        <c:crossAx val="40700928"/>
         <c:crosses val="autoZero"/>
         <c:crossBetween val="between"/>
       </c:valAx>
@@ -2080,7 +2044,7 @@
               <a:pPr>
                 <a:defRPr/>
               </a:pPr>
-              <a:t>30/01/2017</a:t>
+              <a:t>31/01/2017</a:t>
             </a:fld>
             <a:endParaRPr lang="en-GB" dirty="0"/>
           </a:p>
@@ -2299,7 +2263,7 @@
               <a:pPr>
                 <a:defRPr/>
               </a:pPr>
-              <a:t>30/01/2017</a:t>
+              <a:t>31/01/2017</a:t>
             </a:fld>
             <a:endParaRPr lang="en-GB"/>
           </a:p>
@@ -3408,6 +3372,10 @@
             <a:br>
               <a:rPr lang="de-DE" noProof="0" dirty="0"/>
             </a:br>
+            <a:r>
+              <a:rPr lang="de-DE" noProof="0" dirty="0"/>
+              <a:t/>
+            </a:r>
             <a:br>
               <a:rPr lang="de-DE" noProof="0" dirty="0"/>
             </a:br>
@@ -3620,6 +3588,10 @@
             <a:br>
               <a:rPr lang="de-DE" noProof="0" dirty="0"/>
             </a:br>
+            <a:r>
+              <a:rPr lang="de-DE" noProof="0" dirty="0"/>
+              <a:t/>
+            </a:r>
             <a:br>
               <a:rPr lang="de-DE" noProof="0" dirty="0"/>
             </a:br>
@@ -3642,6 +3614,1633 @@
     <p:extLst>
       <p:ext uri="{BB962C8B-B14F-4D97-AF65-F5344CB8AC3E}">
         <p14:creationId xmlns:p14="http://schemas.microsoft.com/office/powerpoint/2010/main" val="171855092"/>
+      </p:ext>
+    </p:extLst>
+  </p:cSld>
+  <p:clrMapOvr>
+    <a:masterClrMapping/>
+  </p:clrMapOvr>
+</p:sldLayout>
+</file>
+
+<file path=ppt/slideLayouts/slideLayout14.xml><?xml version="1.0" encoding="utf-8"?>
+<p:sldLayout xmlns:a="http://schemas.openxmlformats.org/drawingml/2006/main" xmlns:r="http://schemas.openxmlformats.org/officeDocument/2006/relationships" xmlns:p="http://schemas.openxmlformats.org/presentationml/2006/main" preserve="1" userDrawn="1">
+  <p:cSld name="Start">
+    <p:spTree>
+      <p:nvGrpSpPr>
+        <p:cNvPr id="1" name=""/>
+        <p:cNvGrpSpPr/>
+        <p:nvPr/>
+      </p:nvGrpSpPr>
+      <p:grpSpPr>
+        <a:xfrm>
+          <a:off x="0" y="0"/>
+          <a:ext cx="0" cy="0"/>
+          <a:chOff x="0" y="0"/>
+          <a:chExt cx="0" cy="0"/>
+        </a:xfrm>
+      </p:grpSpPr>
+      <p:sp>
+        <p:nvSpPr>
+          <p:cNvPr id="16" name="Inhaltsplatzhalter 2"/>
+          <p:cNvSpPr>
+            <a:spLocks noGrp="1"/>
+          </p:cNvSpPr>
+          <p:nvPr>
+            <p:ph idx="10" hasCustomPrompt="1"/>
+          </p:nvPr>
+        </p:nvSpPr>
+        <p:spPr>
+          <a:xfrm>
+            <a:off x="319088" y="1978720"/>
+            <a:ext cx="8508999" cy="1274125"/>
+          </a:xfrm>
+          <a:prstGeom prst="rect">
+            <a:avLst/>
+          </a:prstGeom>
+          <a:noFill/>
+          <a:ln w="9525">
+            <a:noFill/>
+            <a:miter lim="800000"/>
+            <a:headEnd/>
+            <a:tailEnd/>
+          </a:ln>
+        </p:spPr>
+        <p:txBody>
+          <a:bodyPr vert="horz" wrap="square" lIns="0" tIns="0" rIns="0" bIns="0" numCol="1" anchor="t" anchorCtr="0" compatLnSpc="1">
+            <a:prstTxWarp prst="textNoShape">
+              <a:avLst/>
+            </a:prstTxWarp>
+          </a:bodyPr>
+          <a:lstStyle>
+            <a:lvl1pPr>
+              <a:lnSpc>
+                <a:spcPct val="150000"/>
+              </a:lnSpc>
+              <a:defRPr lang="de-DE" sz="1600" baseline="0" noProof="0" dirty="0" smtClean="0"/>
+            </a:lvl1pPr>
+            <a:lvl2pPr>
+              <a:defRPr lang="de-DE" noProof="0" dirty="0" smtClean="0"/>
+            </a:lvl2pPr>
+          </a:lstStyle>
+          <a:p>
+            <a:pPr lvl="0"/>
+            <a:r>
+              <a:rPr lang="de-DE" noProof="0" dirty="0"/>
+              <a:t>Referent</a:t>
+            </a:r>
+            <a:br>
+              <a:rPr lang="de-DE" noProof="0" dirty="0"/>
+            </a:br>
+            <a:r>
+              <a:rPr lang="de-DE" noProof="0" dirty="0"/>
+              <a:t>Ort, Datum (Schreibweise: 00. Januar 2015)</a:t>
+            </a:r>
+          </a:p>
+        </p:txBody>
+      </p:sp>
+      <p:sp>
+        <p:nvSpPr>
+          <p:cNvPr id="14" name="Rechteck 13"/>
+          <p:cNvSpPr/>
+          <p:nvPr userDrawn="1"/>
+        </p:nvSpPr>
+        <p:spPr bwMode="auto">
+          <a:xfrm>
+            <a:off x="8347635" y="6408271"/>
+            <a:ext cx="575236" cy="358588"/>
+          </a:xfrm>
+          <a:prstGeom prst="rect">
+            <a:avLst/>
+          </a:prstGeom>
+          <a:solidFill>
+            <a:schemeClr val="bg1"/>
+          </a:solidFill>
+          <a:ln w="9525" cap="flat" cmpd="sng" algn="ctr">
+            <a:noFill/>
+            <a:prstDash val="solid"/>
+            <a:round/>
+            <a:headEnd type="none" w="med" len="med"/>
+            <a:tailEnd type="none" w="med" len="med"/>
+          </a:ln>
+          <a:effectLst/>
+        </p:spPr>
+        <p:txBody>
+          <a:bodyPr vert="horz" wrap="square" lIns="91440" tIns="45720" rIns="91440" bIns="45720" numCol="1" rtlCol="0" anchor="t" anchorCtr="0" compatLnSpc="1">
+            <a:prstTxWarp prst="textNoShape">
+              <a:avLst/>
+            </a:prstTxWarp>
+          </a:bodyPr>
+          <a:lstStyle/>
+          <a:p>
+            <a:pPr algn="r" eaLnBrk="0" hangingPunct="0"/>
+            <a:endParaRPr lang="de-DE" sz="2000">
+              <a:solidFill>
+                <a:prstClr val="black"/>
+              </a:solidFill>
+              <a:latin typeface="Arial" pitchFamily="34" charset="0"/>
+            </a:endParaRPr>
+          </a:p>
+        </p:txBody>
+      </p:sp>
+      <p:sp>
+        <p:nvSpPr>
+          <p:cNvPr id="8" name="Foliennummernplatzhalter 7"/>
+          <p:cNvSpPr>
+            <a:spLocks noGrp="1"/>
+          </p:cNvSpPr>
+          <p:nvPr>
+            <p:ph type="sldNum" sz="quarter" idx="12"/>
+          </p:nvPr>
+        </p:nvSpPr>
+        <p:spPr/>
+        <p:txBody>
+          <a:bodyPr/>
+          <a:lstStyle/>
+          <a:p>
+            <a:fld id="{CE58CB1E-F828-4F11-99E0-327109AF9DA4}" type="slidenum">
+              <a:rPr lang="de-DE" smtClean="0">
+                <a:solidFill>
+                  <a:prstClr val="black"/>
+                </a:solidFill>
+              </a:rPr>
+              <a:pPr/>
+              <a:t>‹Nr.›</a:t>
+            </a:fld>
+            <a:endParaRPr lang="de-DE" dirty="0">
+              <a:solidFill>
+                <a:prstClr val="black"/>
+              </a:solidFill>
+            </a:endParaRPr>
+          </a:p>
+        </p:txBody>
+      </p:sp>
+      <p:sp>
+        <p:nvSpPr>
+          <p:cNvPr id="10" name="Fußzeilenplatzhalter 9"/>
+          <p:cNvSpPr>
+            <a:spLocks noGrp="1"/>
+          </p:cNvSpPr>
+          <p:nvPr>
+            <p:ph type="ftr" sz="quarter" idx="13"/>
+          </p:nvPr>
+        </p:nvSpPr>
+        <p:spPr/>
+        <p:txBody>
+          <a:bodyPr/>
+          <a:lstStyle/>
+          <a:p>
+            <a:r>
+              <a:rPr lang="de-DE">
+                <a:solidFill>
+                  <a:prstClr val="black"/>
+                </a:solidFill>
+              </a:rPr>
+              <a:t>Dr. rer. nat. Erika Mustermann (TUM) | kann beliebig erweitert werden | Infos mit Strich trennen</a:t>
+            </a:r>
+            <a:endParaRPr lang="en-US" dirty="0">
+              <a:solidFill>
+                <a:prstClr val="black"/>
+              </a:solidFill>
+            </a:endParaRPr>
+          </a:p>
+        </p:txBody>
+      </p:sp>
+      <p:sp>
+        <p:nvSpPr>
+          <p:cNvPr id="7" name="Titel 1"/>
+          <p:cNvSpPr>
+            <a:spLocks noGrp="1"/>
+          </p:cNvSpPr>
+          <p:nvPr>
+            <p:ph type="title" hasCustomPrompt="1"/>
+          </p:nvPr>
+        </p:nvSpPr>
+        <p:spPr>
+          <a:xfrm>
+            <a:off x="319090" y="994334"/>
+            <a:ext cx="8508999" cy="410369"/>
+          </a:xfrm>
+          <a:prstGeom prst="rect">
+            <a:avLst/>
+          </a:prstGeom>
+          <a:noFill/>
+          <a:ln w="9525">
+            <a:noFill/>
+            <a:miter lim="800000"/>
+            <a:headEnd/>
+            <a:tailEnd/>
+          </a:ln>
+        </p:spPr>
+        <p:txBody>
+          <a:bodyPr vert="horz" wrap="square" lIns="0" tIns="0" rIns="0" bIns="0" numCol="1" anchor="t" anchorCtr="0" compatLnSpc="1">
+            <a:prstTxWarp prst="textNoShape">
+              <a:avLst/>
+            </a:prstTxWarp>
+            <a:spAutoFit/>
+          </a:bodyPr>
+          <a:lstStyle>
+            <a:lvl1pPr>
+              <a:lnSpc>
+                <a:spcPts val="3200"/>
+              </a:lnSpc>
+              <a:defRPr lang="de-DE" sz="3000" noProof="0" dirty="0"/>
+            </a:lvl1pPr>
+          </a:lstStyle>
+          <a:p>
+            <a:pPr lvl="0"/>
+            <a:r>
+              <a:rPr lang="de-DE" noProof="0" dirty="0"/>
+              <a:t>Titel durch Klicken bearbeiten</a:t>
+            </a:r>
+          </a:p>
+        </p:txBody>
+      </p:sp>
+    </p:spTree>
+    <p:extLst>
+      <p:ext uri="{BB962C8B-B14F-4D97-AF65-F5344CB8AC3E}">
+        <p14:creationId xmlns:p14="http://schemas.microsoft.com/office/powerpoint/2010/main" val="960362400"/>
+      </p:ext>
+    </p:extLst>
+  </p:cSld>
+  <p:clrMapOvr>
+    <a:masterClrMapping/>
+  </p:clrMapOvr>
+</p:sldLayout>
+</file>
+
+<file path=ppt/slideLayouts/slideLayout15.xml><?xml version="1.0" encoding="utf-8"?>
+<p:sldLayout xmlns:a="http://schemas.openxmlformats.org/drawingml/2006/main" xmlns:r="http://schemas.openxmlformats.org/officeDocument/2006/relationships" xmlns:p="http://schemas.openxmlformats.org/presentationml/2006/main" preserve="1" userDrawn="1">
+  <p:cSld name="Inhalt">
+    <p:spTree>
+      <p:nvGrpSpPr>
+        <p:cNvPr id="1" name=""/>
+        <p:cNvGrpSpPr/>
+        <p:nvPr/>
+      </p:nvGrpSpPr>
+      <p:grpSpPr>
+        <a:xfrm>
+          <a:off x="0" y="0"/>
+          <a:ext cx="0" cy="0"/>
+          <a:chOff x="0" y="0"/>
+          <a:chExt cx="0" cy="0"/>
+        </a:xfrm>
+      </p:grpSpPr>
+      <p:sp>
+        <p:nvSpPr>
+          <p:cNvPr id="3" name="Inhaltsplatzhalter 2"/>
+          <p:cNvSpPr>
+            <a:spLocks noGrp="1"/>
+          </p:cNvSpPr>
+          <p:nvPr>
+            <p:ph idx="1" hasCustomPrompt="1"/>
+          </p:nvPr>
+        </p:nvSpPr>
+        <p:spPr>
+          <a:xfrm>
+            <a:off x="319090" y="1762188"/>
+            <a:ext cx="8508999" cy="4699572"/>
+          </a:xfrm>
+          <a:prstGeom prst="rect">
+            <a:avLst/>
+          </a:prstGeom>
+          <a:noFill/>
+          <a:ln w="9525">
+            <a:noFill/>
+            <a:miter lim="800000"/>
+            <a:headEnd/>
+            <a:tailEnd/>
+          </a:ln>
+        </p:spPr>
+        <p:txBody>
+          <a:bodyPr vert="horz" wrap="square" lIns="0" tIns="0" rIns="0" bIns="0" numCol="1" anchor="t" anchorCtr="0" compatLnSpc="1">
+            <a:prstTxWarp prst="textNoShape">
+              <a:avLst/>
+            </a:prstTxWarp>
+          </a:bodyPr>
+          <a:lstStyle>
+            <a:lvl1pPr>
+              <a:lnSpc>
+                <a:spcPct val="114000"/>
+              </a:lnSpc>
+              <a:defRPr lang="de-DE" noProof="0" dirty="0" smtClean="0"/>
+            </a:lvl1pPr>
+            <a:lvl2pPr>
+              <a:lnSpc>
+                <a:spcPct val="114000"/>
+              </a:lnSpc>
+              <a:defRPr lang="de-DE" noProof="0" dirty="0" smtClean="0"/>
+            </a:lvl2pPr>
+            <a:lvl3pPr>
+              <a:defRPr sz="1600"/>
+            </a:lvl3pPr>
+          </a:lstStyle>
+          <a:p>
+            <a:pPr lvl="0"/>
+            <a:r>
+              <a:rPr lang="de-DE" noProof="0" dirty="0"/>
+              <a:t>Inhalt durch Klicken bearbeiten</a:t>
+            </a:r>
+          </a:p>
+          <a:p>
+            <a:pPr lvl="1"/>
+            <a:r>
+              <a:rPr lang="de-DE" noProof="0" dirty="0"/>
+              <a:t>Zweite Ebene</a:t>
+            </a:r>
+          </a:p>
+          <a:p>
+            <a:pPr lvl="2"/>
+            <a:r>
+              <a:rPr lang="de-DE" noProof="0" dirty="0"/>
+              <a:t>Dritte Ebene</a:t>
+            </a:r>
+          </a:p>
+        </p:txBody>
+      </p:sp>
+      <p:sp>
+        <p:nvSpPr>
+          <p:cNvPr id="5" name="Foliennummernplatzhalter 4"/>
+          <p:cNvSpPr>
+            <a:spLocks noGrp="1"/>
+          </p:cNvSpPr>
+          <p:nvPr>
+            <p:ph type="sldNum" sz="quarter" idx="11"/>
+          </p:nvPr>
+        </p:nvSpPr>
+        <p:spPr/>
+        <p:txBody>
+          <a:bodyPr lIns="0" rIns="0"/>
+          <a:lstStyle/>
+          <a:p>
+            <a:fld id="{CE58CB1E-F828-4F11-99E0-327109AF9DA4}" type="slidenum">
+              <a:rPr lang="de-DE" smtClean="0">
+                <a:solidFill>
+                  <a:prstClr val="black"/>
+                </a:solidFill>
+              </a:rPr>
+              <a:pPr/>
+              <a:t>‹Nr.›</a:t>
+            </a:fld>
+            <a:endParaRPr lang="de-DE" dirty="0">
+              <a:solidFill>
+                <a:prstClr val="black"/>
+              </a:solidFill>
+            </a:endParaRPr>
+          </a:p>
+        </p:txBody>
+      </p:sp>
+      <p:sp>
+        <p:nvSpPr>
+          <p:cNvPr id="7" name="Fußzeilenplatzhalter 6"/>
+          <p:cNvSpPr>
+            <a:spLocks noGrp="1"/>
+          </p:cNvSpPr>
+          <p:nvPr>
+            <p:ph type="ftr" sz="quarter" idx="12"/>
+          </p:nvPr>
+        </p:nvSpPr>
+        <p:spPr/>
+        <p:txBody>
+          <a:bodyPr/>
+          <a:lstStyle/>
+          <a:p>
+            <a:r>
+              <a:rPr lang="de-DE">
+                <a:solidFill>
+                  <a:prstClr val="black"/>
+                </a:solidFill>
+              </a:rPr>
+              <a:t>Dr. rer. nat. Erika Mustermann (TUM) | kann beliebig erweitert werden | Infos mit Strich trennen</a:t>
+            </a:r>
+            <a:endParaRPr lang="en-US" dirty="0">
+              <a:solidFill>
+                <a:prstClr val="black"/>
+              </a:solidFill>
+            </a:endParaRPr>
+          </a:p>
+        </p:txBody>
+      </p:sp>
+      <p:sp>
+        <p:nvSpPr>
+          <p:cNvPr id="6" name="Titel 1"/>
+          <p:cNvSpPr>
+            <a:spLocks noGrp="1"/>
+          </p:cNvSpPr>
+          <p:nvPr>
+            <p:ph type="title" hasCustomPrompt="1"/>
+          </p:nvPr>
+        </p:nvSpPr>
+        <p:spPr>
+          <a:xfrm>
+            <a:off x="319090" y="994334"/>
+            <a:ext cx="8508999" cy="410369"/>
+          </a:xfrm>
+          <a:prstGeom prst="rect">
+            <a:avLst/>
+          </a:prstGeom>
+          <a:noFill/>
+          <a:ln w="9525">
+            <a:noFill/>
+            <a:miter lim="800000"/>
+            <a:headEnd/>
+            <a:tailEnd/>
+          </a:ln>
+        </p:spPr>
+        <p:txBody>
+          <a:bodyPr vert="horz" wrap="square" lIns="0" tIns="0" rIns="0" bIns="0" numCol="1" anchor="t" anchorCtr="0" compatLnSpc="1">
+            <a:prstTxWarp prst="textNoShape">
+              <a:avLst/>
+            </a:prstTxWarp>
+            <a:spAutoFit/>
+          </a:bodyPr>
+          <a:lstStyle>
+            <a:lvl1pPr>
+              <a:lnSpc>
+                <a:spcPts val="3200"/>
+              </a:lnSpc>
+              <a:defRPr lang="de-DE" sz="3000" noProof="0" dirty="0"/>
+            </a:lvl1pPr>
+          </a:lstStyle>
+          <a:p>
+            <a:pPr lvl="0"/>
+            <a:r>
+              <a:rPr lang="de-DE" noProof="0" dirty="0"/>
+              <a:t>Titel durch Klicken bearbeiten</a:t>
+            </a:r>
+          </a:p>
+        </p:txBody>
+      </p:sp>
+    </p:spTree>
+    <p:extLst>
+      <p:ext uri="{BB962C8B-B14F-4D97-AF65-F5344CB8AC3E}">
+        <p14:creationId xmlns:p14="http://schemas.microsoft.com/office/powerpoint/2010/main" val="2344865158"/>
+      </p:ext>
+    </p:extLst>
+  </p:cSld>
+  <p:clrMapOvr>
+    <a:masterClrMapping/>
+  </p:clrMapOvr>
+</p:sldLayout>
+</file>
+
+<file path=ppt/slideLayouts/slideLayout16.xml><?xml version="1.0" encoding="utf-8"?>
+<p:sldLayout xmlns:a="http://schemas.openxmlformats.org/drawingml/2006/main" xmlns:r="http://schemas.openxmlformats.org/officeDocument/2006/relationships" xmlns:p="http://schemas.openxmlformats.org/presentationml/2006/main" preserve="1" userDrawn="1">
+  <p:cSld name="Inhalt + Text">
+    <p:spTree>
+      <p:nvGrpSpPr>
+        <p:cNvPr id="1" name=""/>
+        <p:cNvGrpSpPr/>
+        <p:nvPr/>
+      </p:nvGrpSpPr>
+      <p:grpSpPr>
+        <a:xfrm>
+          <a:off x="0" y="0"/>
+          <a:ext cx="0" cy="0"/>
+          <a:chOff x="0" y="0"/>
+          <a:chExt cx="0" cy="0"/>
+        </a:xfrm>
+      </p:grpSpPr>
+      <p:sp useBgFill="1">
+        <p:nvSpPr>
+          <p:cNvPr id="3" name="Inhaltsplatzhalter 2"/>
+          <p:cNvSpPr>
+            <a:spLocks noGrp="1"/>
+          </p:cNvSpPr>
+          <p:nvPr>
+            <p:ph idx="1" hasCustomPrompt="1"/>
+          </p:nvPr>
+        </p:nvSpPr>
+        <p:spPr>
+          <a:xfrm>
+            <a:off x="319090" y="2499360"/>
+            <a:ext cx="8508999" cy="3962400"/>
+          </a:xfrm>
+          <a:prstGeom prst="rect">
+            <a:avLst/>
+          </a:prstGeom>
+          <a:ln w="9525">
+            <a:noFill/>
+            <a:miter lim="800000"/>
+            <a:headEnd/>
+            <a:tailEnd/>
+          </a:ln>
+        </p:spPr>
+        <p:txBody>
+          <a:bodyPr vert="horz" wrap="square" lIns="0" tIns="0" rIns="0" bIns="0" numCol="1" anchor="t" anchorCtr="0" compatLnSpc="1">
+            <a:prstTxWarp prst="textNoShape">
+              <a:avLst/>
+            </a:prstTxWarp>
+          </a:bodyPr>
+          <a:lstStyle>
+            <a:lvl1pPr>
+              <a:lnSpc>
+                <a:spcPct val="114000"/>
+              </a:lnSpc>
+              <a:defRPr lang="de-DE" noProof="0" dirty="0" smtClean="0"/>
+            </a:lvl1pPr>
+            <a:lvl2pPr>
+              <a:lnSpc>
+                <a:spcPct val="114000"/>
+              </a:lnSpc>
+              <a:defRPr lang="de-DE" noProof="0" dirty="0" smtClean="0"/>
+            </a:lvl2pPr>
+            <a:lvl3pPr>
+              <a:defRPr sz="1600"/>
+            </a:lvl3pPr>
+          </a:lstStyle>
+          <a:p>
+            <a:pPr lvl="0"/>
+            <a:r>
+              <a:rPr lang="de-DE" noProof="0" dirty="0"/>
+              <a:t>Inhalt durch Klicken bearbeiten</a:t>
+            </a:r>
+          </a:p>
+          <a:p>
+            <a:pPr lvl="1"/>
+            <a:r>
+              <a:rPr lang="de-DE" noProof="0" dirty="0"/>
+              <a:t>Zweite Ebene</a:t>
+            </a:r>
+          </a:p>
+          <a:p>
+            <a:pPr lvl="2"/>
+            <a:r>
+              <a:rPr lang="de-DE" sz="1600" noProof="0" dirty="0"/>
+              <a:t>Dritte Ebene</a:t>
+            </a:r>
+            <a:endParaRPr lang="de-DE" noProof="0" dirty="0"/>
+          </a:p>
+        </p:txBody>
+      </p:sp>
+      <p:sp useBgFill="1">
+        <p:nvSpPr>
+          <p:cNvPr id="5" name="Foliennummernplatzhalter 4"/>
+          <p:cNvSpPr>
+            <a:spLocks noGrp="1"/>
+          </p:cNvSpPr>
+          <p:nvPr>
+            <p:ph type="sldNum" sz="quarter" idx="11"/>
+          </p:nvPr>
+        </p:nvSpPr>
+        <p:spPr/>
+        <p:txBody>
+          <a:bodyPr/>
+          <a:lstStyle/>
+          <a:p>
+            <a:fld id="{CE58CB1E-F828-4F11-99E0-327109AF9DA4}" type="slidenum">
+              <a:rPr lang="de-DE" smtClean="0">
+                <a:solidFill>
+                  <a:prstClr val="black"/>
+                </a:solidFill>
+              </a:rPr>
+              <a:pPr/>
+              <a:t>‹Nr.›</a:t>
+            </a:fld>
+            <a:endParaRPr lang="de-DE" dirty="0">
+              <a:solidFill>
+                <a:prstClr val="black"/>
+              </a:solidFill>
+            </a:endParaRPr>
+          </a:p>
+        </p:txBody>
+      </p:sp>
+      <p:sp useBgFill="1">
+        <p:nvSpPr>
+          <p:cNvPr id="7" name="Fußzeilenplatzhalter 6"/>
+          <p:cNvSpPr>
+            <a:spLocks noGrp="1"/>
+          </p:cNvSpPr>
+          <p:nvPr>
+            <p:ph type="ftr" sz="quarter" idx="12"/>
+          </p:nvPr>
+        </p:nvSpPr>
+        <p:spPr/>
+        <p:txBody>
+          <a:bodyPr/>
+          <a:lstStyle/>
+          <a:p>
+            <a:r>
+              <a:rPr lang="de-DE">
+                <a:solidFill>
+                  <a:prstClr val="black"/>
+                </a:solidFill>
+              </a:rPr>
+              <a:t>Dr. rer. nat. Erika Mustermann (TUM) | kann beliebig erweitert werden | Infos mit Strich trennen</a:t>
+            </a:r>
+            <a:endParaRPr lang="en-US" dirty="0">
+              <a:solidFill>
+                <a:prstClr val="black"/>
+              </a:solidFill>
+            </a:endParaRPr>
+          </a:p>
+        </p:txBody>
+      </p:sp>
+      <p:sp useBgFill="1">
+        <p:nvSpPr>
+          <p:cNvPr id="6" name="Textplatzhalter 7"/>
+          <p:cNvSpPr>
+            <a:spLocks noGrp="1"/>
+          </p:cNvSpPr>
+          <p:nvPr>
+            <p:ph type="body" sz="quarter" idx="13" hasCustomPrompt="1"/>
+          </p:nvPr>
+        </p:nvSpPr>
+        <p:spPr>
+          <a:xfrm>
+            <a:off x="319089" y="1762188"/>
+            <a:ext cx="8508999" cy="714951"/>
+          </a:xfrm>
+          <a:prstGeom prst="rect">
+            <a:avLst/>
+          </a:prstGeom>
+          <a:ln w="9525">
+            <a:noFill/>
+            <a:miter lim="800000"/>
+            <a:headEnd/>
+            <a:tailEnd/>
+          </a:ln>
+        </p:spPr>
+        <p:txBody>
+          <a:bodyPr vert="horz" wrap="square" lIns="0" tIns="0" rIns="0" bIns="0" numCol="1" anchor="t" anchorCtr="0" compatLnSpc="1">
+            <a:prstTxWarp prst="textNoShape">
+              <a:avLst/>
+            </a:prstTxWarp>
+          </a:bodyPr>
+          <a:lstStyle>
+            <a:lvl1pPr>
+              <a:lnSpc>
+                <a:spcPct val="114000"/>
+              </a:lnSpc>
+              <a:defRPr lang="de-DE" noProof="0" dirty="0" smtClean="0"/>
+            </a:lvl1pPr>
+          </a:lstStyle>
+          <a:p>
+            <a:pPr lvl="0"/>
+            <a:r>
+              <a:rPr lang="de-DE" noProof="0" dirty="0"/>
+              <a:t>Inhalt durch Klicken bearbeiten</a:t>
+            </a:r>
+          </a:p>
+        </p:txBody>
+      </p:sp>
+      <p:sp>
+        <p:nvSpPr>
+          <p:cNvPr id="8" name="Titel 1"/>
+          <p:cNvSpPr>
+            <a:spLocks noGrp="1"/>
+          </p:cNvSpPr>
+          <p:nvPr>
+            <p:ph type="title" hasCustomPrompt="1"/>
+          </p:nvPr>
+        </p:nvSpPr>
+        <p:spPr>
+          <a:xfrm>
+            <a:off x="319090" y="994334"/>
+            <a:ext cx="8508999" cy="410369"/>
+          </a:xfrm>
+          <a:prstGeom prst="rect">
+            <a:avLst/>
+          </a:prstGeom>
+          <a:noFill/>
+          <a:ln w="9525">
+            <a:noFill/>
+            <a:miter lim="800000"/>
+            <a:headEnd/>
+            <a:tailEnd/>
+          </a:ln>
+        </p:spPr>
+        <p:txBody>
+          <a:bodyPr vert="horz" wrap="square" lIns="0" tIns="0" rIns="0" bIns="0" numCol="1" anchor="t" anchorCtr="0" compatLnSpc="1">
+            <a:prstTxWarp prst="textNoShape">
+              <a:avLst/>
+            </a:prstTxWarp>
+            <a:spAutoFit/>
+          </a:bodyPr>
+          <a:lstStyle>
+            <a:lvl1pPr>
+              <a:lnSpc>
+                <a:spcPts val="3200"/>
+              </a:lnSpc>
+              <a:defRPr lang="de-DE" sz="3000" noProof="0" dirty="0"/>
+            </a:lvl1pPr>
+          </a:lstStyle>
+          <a:p>
+            <a:pPr lvl="0"/>
+            <a:r>
+              <a:rPr lang="de-DE" noProof="0" dirty="0"/>
+              <a:t>Titel durch Klicken bearbeiten</a:t>
+            </a:r>
+          </a:p>
+        </p:txBody>
+      </p:sp>
+    </p:spTree>
+    <p:extLst>
+      <p:ext uri="{BB962C8B-B14F-4D97-AF65-F5344CB8AC3E}">
+        <p14:creationId xmlns:p14="http://schemas.microsoft.com/office/powerpoint/2010/main" val="2049382627"/>
+      </p:ext>
+    </p:extLst>
+  </p:cSld>
+  <p:clrMapOvr>
+    <a:masterClrMapping/>
+  </p:clrMapOvr>
+</p:sldLayout>
+</file>
+
+<file path=ppt/slideLayouts/slideLayout17.xml><?xml version="1.0" encoding="utf-8"?>
+<p:sldLayout xmlns:a="http://schemas.openxmlformats.org/drawingml/2006/main" xmlns:r="http://schemas.openxmlformats.org/officeDocument/2006/relationships" xmlns:p="http://schemas.openxmlformats.org/presentationml/2006/main" preserve="1" userDrawn="1">
+  <p:cSld name="zwei Inhalte">
+    <p:spTree>
+      <p:nvGrpSpPr>
+        <p:cNvPr id="1" name=""/>
+        <p:cNvGrpSpPr/>
+        <p:nvPr/>
+      </p:nvGrpSpPr>
+      <p:grpSpPr>
+        <a:xfrm>
+          <a:off x="0" y="0"/>
+          <a:ext cx="0" cy="0"/>
+          <a:chOff x="0" y="0"/>
+          <a:chExt cx="0" cy="0"/>
+        </a:xfrm>
+      </p:grpSpPr>
+      <p:sp>
+        <p:nvSpPr>
+          <p:cNvPr id="11" name="Inhaltsplatzhalter 2"/>
+          <p:cNvSpPr>
+            <a:spLocks noGrp="1"/>
+          </p:cNvSpPr>
+          <p:nvPr>
+            <p:ph idx="14" hasCustomPrompt="1"/>
+          </p:nvPr>
+        </p:nvSpPr>
+        <p:spPr>
+          <a:xfrm>
+            <a:off x="319091" y="1762188"/>
+            <a:ext cx="4180910" cy="4687380"/>
+          </a:xfrm>
+          <a:prstGeom prst="rect">
+            <a:avLst/>
+          </a:prstGeom>
+          <a:noFill/>
+          <a:ln w="9525">
+            <a:noFill/>
+            <a:miter lim="800000"/>
+            <a:headEnd/>
+            <a:tailEnd/>
+          </a:ln>
+        </p:spPr>
+        <p:txBody>
+          <a:bodyPr vert="horz" wrap="square" lIns="0" tIns="0" rIns="0" bIns="0" numCol="1" anchor="t" anchorCtr="0" compatLnSpc="1">
+            <a:prstTxWarp prst="textNoShape">
+              <a:avLst/>
+            </a:prstTxWarp>
+          </a:bodyPr>
+          <a:lstStyle>
+            <a:lvl1pPr>
+              <a:lnSpc>
+                <a:spcPct val="114000"/>
+              </a:lnSpc>
+              <a:defRPr lang="de-DE" noProof="0" dirty="0" smtClean="0"/>
+            </a:lvl1pPr>
+            <a:lvl2pPr>
+              <a:lnSpc>
+                <a:spcPct val="114000"/>
+              </a:lnSpc>
+              <a:defRPr lang="de-DE" noProof="0" dirty="0" smtClean="0"/>
+            </a:lvl2pPr>
+            <a:lvl3pPr>
+              <a:defRPr sz="1600" baseline="0"/>
+            </a:lvl3pPr>
+          </a:lstStyle>
+          <a:p>
+            <a:pPr lvl="0"/>
+            <a:r>
+              <a:rPr lang="de-DE" noProof="0" dirty="0"/>
+              <a:t>Inhalt durch Klicken bearbeiten</a:t>
+            </a:r>
+          </a:p>
+          <a:p>
+            <a:pPr lvl="1"/>
+            <a:r>
+              <a:rPr lang="de-DE" noProof="0" dirty="0"/>
+              <a:t>Zweite Ebene</a:t>
+            </a:r>
+          </a:p>
+          <a:p>
+            <a:pPr lvl="2"/>
+            <a:r>
+              <a:rPr lang="de-DE" sz="1600" noProof="0" dirty="0"/>
+              <a:t>Dritte Ebene</a:t>
+            </a:r>
+            <a:endParaRPr lang="de-DE" noProof="0" dirty="0"/>
+          </a:p>
+        </p:txBody>
+      </p:sp>
+      <p:sp>
+        <p:nvSpPr>
+          <p:cNvPr id="13" name="Inhaltsplatzhalter 2"/>
+          <p:cNvSpPr>
+            <a:spLocks noGrp="1"/>
+          </p:cNvSpPr>
+          <p:nvPr>
+            <p:ph idx="15" hasCustomPrompt="1"/>
+          </p:nvPr>
+        </p:nvSpPr>
+        <p:spPr>
+          <a:xfrm>
+            <a:off x="4647179" y="1762188"/>
+            <a:ext cx="4180910" cy="4687380"/>
+          </a:xfrm>
+          <a:prstGeom prst="rect">
+            <a:avLst/>
+          </a:prstGeom>
+          <a:noFill/>
+          <a:ln w="9525">
+            <a:noFill/>
+            <a:miter lim="800000"/>
+            <a:headEnd/>
+            <a:tailEnd/>
+          </a:ln>
+        </p:spPr>
+        <p:txBody>
+          <a:bodyPr vert="horz" wrap="square" lIns="0" tIns="0" rIns="0" bIns="0" numCol="1" anchor="t" anchorCtr="0" compatLnSpc="1">
+            <a:prstTxWarp prst="textNoShape">
+              <a:avLst/>
+            </a:prstTxWarp>
+          </a:bodyPr>
+          <a:lstStyle>
+            <a:lvl1pPr>
+              <a:lnSpc>
+                <a:spcPct val="114000"/>
+              </a:lnSpc>
+              <a:defRPr lang="de-DE" noProof="0" dirty="0" smtClean="0"/>
+            </a:lvl1pPr>
+            <a:lvl2pPr>
+              <a:lnSpc>
+                <a:spcPct val="114000"/>
+              </a:lnSpc>
+              <a:defRPr lang="de-DE" noProof="0" dirty="0" smtClean="0"/>
+            </a:lvl2pPr>
+            <a:lvl3pPr>
+              <a:defRPr sz="1600"/>
+            </a:lvl3pPr>
+          </a:lstStyle>
+          <a:p>
+            <a:pPr lvl="0"/>
+            <a:r>
+              <a:rPr lang="de-DE" noProof="0" dirty="0"/>
+              <a:t>Inhalt durch Klicken bearbeiten</a:t>
+            </a:r>
+          </a:p>
+          <a:p>
+            <a:pPr lvl="1"/>
+            <a:r>
+              <a:rPr lang="de-DE" noProof="0" dirty="0"/>
+              <a:t>Zweite Ebene</a:t>
+            </a:r>
+          </a:p>
+          <a:p>
+            <a:pPr lvl="2"/>
+            <a:r>
+              <a:rPr lang="de-DE" sz="1600" noProof="0" dirty="0"/>
+              <a:t>Dritte Ebene</a:t>
+            </a:r>
+            <a:endParaRPr lang="de-DE" noProof="0" dirty="0"/>
+          </a:p>
+        </p:txBody>
+      </p:sp>
+      <p:sp>
+        <p:nvSpPr>
+          <p:cNvPr id="6" name="Foliennummernplatzhalter 5"/>
+          <p:cNvSpPr>
+            <a:spLocks noGrp="1"/>
+          </p:cNvSpPr>
+          <p:nvPr>
+            <p:ph type="sldNum" sz="quarter" idx="16"/>
+          </p:nvPr>
+        </p:nvSpPr>
+        <p:spPr/>
+        <p:txBody>
+          <a:bodyPr/>
+          <a:lstStyle/>
+          <a:p>
+            <a:fld id="{CE58CB1E-F828-4F11-99E0-327109AF9DA4}" type="slidenum">
+              <a:rPr lang="de-DE" smtClean="0">
+                <a:solidFill>
+                  <a:prstClr val="black"/>
+                </a:solidFill>
+              </a:rPr>
+              <a:pPr/>
+              <a:t>‹Nr.›</a:t>
+            </a:fld>
+            <a:endParaRPr lang="de-DE" dirty="0">
+              <a:solidFill>
+                <a:prstClr val="black"/>
+              </a:solidFill>
+            </a:endParaRPr>
+          </a:p>
+        </p:txBody>
+      </p:sp>
+      <p:sp>
+        <p:nvSpPr>
+          <p:cNvPr id="8" name="Fußzeilenplatzhalter 7"/>
+          <p:cNvSpPr>
+            <a:spLocks noGrp="1"/>
+          </p:cNvSpPr>
+          <p:nvPr>
+            <p:ph type="ftr" sz="quarter" idx="17"/>
+          </p:nvPr>
+        </p:nvSpPr>
+        <p:spPr/>
+        <p:txBody>
+          <a:bodyPr/>
+          <a:lstStyle/>
+          <a:p>
+            <a:r>
+              <a:rPr lang="de-DE">
+                <a:solidFill>
+                  <a:prstClr val="black"/>
+                </a:solidFill>
+              </a:rPr>
+              <a:t>Dr. rer. nat. Erika Mustermann (TUM) | kann beliebig erweitert werden | Infos mit Strich trennen</a:t>
+            </a:r>
+            <a:endParaRPr lang="en-US" dirty="0">
+              <a:solidFill>
+                <a:prstClr val="black"/>
+              </a:solidFill>
+            </a:endParaRPr>
+          </a:p>
+        </p:txBody>
+      </p:sp>
+      <p:sp>
+        <p:nvSpPr>
+          <p:cNvPr id="7" name="Titel 1"/>
+          <p:cNvSpPr>
+            <a:spLocks noGrp="1"/>
+          </p:cNvSpPr>
+          <p:nvPr>
+            <p:ph type="title" hasCustomPrompt="1"/>
+          </p:nvPr>
+        </p:nvSpPr>
+        <p:spPr>
+          <a:xfrm>
+            <a:off x="319090" y="994334"/>
+            <a:ext cx="8508999" cy="410369"/>
+          </a:xfrm>
+          <a:prstGeom prst="rect">
+            <a:avLst/>
+          </a:prstGeom>
+          <a:noFill/>
+          <a:ln w="9525">
+            <a:noFill/>
+            <a:miter lim="800000"/>
+            <a:headEnd/>
+            <a:tailEnd/>
+          </a:ln>
+        </p:spPr>
+        <p:txBody>
+          <a:bodyPr vert="horz" wrap="square" lIns="0" tIns="0" rIns="0" bIns="0" numCol="1" anchor="t" anchorCtr="0" compatLnSpc="1">
+            <a:prstTxWarp prst="textNoShape">
+              <a:avLst/>
+            </a:prstTxWarp>
+            <a:spAutoFit/>
+          </a:bodyPr>
+          <a:lstStyle>
+            <a:lvl1pPr>
+              <a:lnSpc>
+                <a:spcPts val="3200"/>
+              </a:lnSpc>
+              <a:defRPr lang="de-DE" sz="3000" noProof="0" dirty="0"/>
+            </a:lvl1pPr>
+          </a:lstStyle>
+          <a:p>
+            <a:pPr lvl="0"/>
+            <a:r>
+              <a:rPr lang="de-DE" noProof="0" dirty="0"/>
+              <a:t>Titel durch Klicken bearbeiten</a:t>
+            </a:r>
+          </a:p>
+        </p:txBody>
+      </p:sp>
+    </p:spTree>
+    <p:extLst>
+      <p:ext uri="{BB962C8B-B14F-4D97-AF65-F5344CB8AC3E}">
+        <p14:creationId xmlns:p14="http://schemas.microsoft.com/office/powerpoint/2010/main" val="1633938448"/>
+      </p:ext>
+    </p:extLst>
+  </p:cSld>
+  <p:clrMapOvr>
+    <a:masterClrMapping/>
+  </p:clrMapOvr>
+</p:sldLayout>
+</file>
+
+<file path=ppt/slideLayouts/slideLayout18.xml><?xml version="1.0" encoding="utf-8"?>
+<p:sldLayout xmlns:a="http://schemas.openxmlformats.org/drawingml/2006/main" xmlns:r="http://schemas.openxmlformats.org/officeDocument/2006/relationships" xmlns:p="http://schemas.openxmlformats.org/presentationml/2006/main" preserve="1" userDrawn="1">
+  <p:cSld name="Zwei Inhalte + Text">
+    <p:spTree>
+      <p:nvGrpSpPr>
+        <p:cNvPr id="1" name=""/>
+        <p:cNvGrpSpPr/>
+        <p:nvPr/>
+      </p:nvGrpSpPr>
+      <p:grpSpPr>
+        <a:xfrm>
+          <a:off x="0" y="0"/>
+          <a:ext cx="0" cy="0"/>
+          <a:chOff x="0" y="0"/>
+          <a:chExt cx="0" cy="0"/>
+        </a:xfrm>
+      </p:grpSpPr>
+      <p:sp>
+        <p:nvSpPr>
+          <p:cNvPr id="18" name="Textplatzhalter 7"/>
+          <p:cNvSpPr>
+            <a:spLocks noGrp="1"/>
+          </p:cNvSpPr>
+          <p:nvPr>
+            <p:ph type="body" sz="quarter" idx="13" hasCustomPrompt="1"/>
+          </p:nvPr>
+        </p:nvSpPr>
+        <p:spPr>
+          <a:xfrm>
+            <a:off x="319089" y="1762188"/>
+            <a:ext cx="8508999" cy="714951"/>
+          </a:xfrm>
+          <a:prstGeom prst="rect">
+            <a:avLst/>
+          </a:prstGeom>
+          <a:noFill/>
+          <a:ln w="9525">
+            <a:noFill/>
+            <a:miter lim="800000"/>
+            <a:headEnd/>
+            <a:tailEnd/>
+          </a:ln>
+        </p:spPr>
+        <p:txBody>
+          <a:bodyPr vert="horz" wrap="square" lIns="0" tIns="0" rIns="0" bIns="0" numCol="1" anchor="t" anchorCtr="0" compatLnSpc="1">
+            <a:prstTxWarp prst="textNoShape">
+              <a:avLst/>
+            </a:prstTxWarp>
+          </a:bodyPr>
+          <a:lstStyle>
+            <a:lvl1pPr>
+              <a:lnSpc>
+                <a:spcPct val="114000"/>
+              </a:lnSpc>
+              <a:defRPr lang="de-DE" noProof="0" dirty="0" smtClean="0"/>
+            </a:lvl1pPr>
+          </a:lstStyle>
+          <a:p>
+            <a:pPr lvl="0"/>
+            <a:r>
+              <a:rPr lang="de-DE" noProof="0" dirty="0"/>
+              <a:t>Inhalt durch Klicken bearbeiten</a:t>
+            </a:r>
+          </a:p>
+        </p:txBody>
+      </p:sp>
+      <p:sp>
+        <p:nvSpPr>
+          <p:cNvPr id="7" name="Foliennummernplatzhalter 6"/>
+          <p:cNvSpPr>
+            <a:spLocks noGrp="1"/>
+          </p:cNvSpPr>
+          <p:nvPr>
+            <p:ph type="sldNum" sz="quarter" idx="15"/>
+          </p:nvPr>
+        </p:nvSpPr>
+        <p:spPr/>
+        <p:txBody>
+          <a:bodyPr/>
+          <a:lstStyle/>
+          <a:p>
+            <a:fld id="{CE58CB1E-F828-4F11-99E0-327109AF9DA4}" type="slidenum">
+              <a:rPr lang="de-DE" smtClean="0">
+                <a:solidFill>
+                  <a:prstClr val="black"/>
+                </a:solidFill>
+              </a:rPr>
+              <a:pPr/>
+              <a:t>‹Nr.›</a:t>
+            </a:fld>
+            <a:endParaRPr lang="de-DE" dirty="0">
+              <a:solidFill>
+                <a:prstClr val="black"/>
+              </a:solidFill>
+            </a:endParaRPr>
+          </a:p>
+        </p:txBody>
+      </p:sp>
+      <p:sp>
+        <p:nvSpPr>
+          <p:cNvPr id="12" name="Fußzeilenplatzhalter 11"/>
+          <p:cNvSpPr>
+            <a:spLocks noGrp="1"/>
+          </p:cNvSpPr>
+          <p:nvPr>
+            <p:ph type="ftr" sz="quarter" idx="16"/>
+          </p:nvPr>
+        </p:nvSpPr>
+        <p:spPr/>
+        <p:txBody>
+          <a:bodyPr/>
+          <a:lstStyle/>
+          <a:p>
+            <a:r>
+              <a:rPr lang="de-DE">
+                <a:solidFill>
+                  <a:prstClr val="black"/>
+                </a:solidFill>
+              </a:rPr>
+              <a:t>Dr. rer. nat. Erika Mustermann (TUM) | kann beliebig erweitert werden | Infos mit Strich trennen</a:t>
+            </a:r>
+          </a:p>
+        </p:txBody>
+      </p:sp>
+      <p:sp>
+        <p:nvSpPr>
+          <p:cNvPr id="8" name="Inhaltsplatzhalter 9"/>
+          <p:cNvSpPr>
+            <a:spLocks noGrp="1"/>
+          </p:cNvSpPr>
+          <p:nvPr>
+            <p:ph sz="quarter" idx="18"/>
+          </p:nvPr>
+        </p:nvSpPr>
+        <p:spPr>
+          <a:xfrm>
+            <a:off x="316992" y="2484000"/>
+            <a:ext cx="4242816" cy="3974655"/>
+          </a:xfrm>
+          <a:prstGeom prst="rect">
+            <a:avLst/>
+          </a:prstGeom>
+        </p:spPr>
+        <p:txBody>
+          <a:bodyPr lIns="0" rIns="0"/>
+          <a:lstStyle>
+            <a:lvl1pPr>
+              <a:defRPr lang="de-DE" sz="1600" kern="1200" noProof="0" dirty="0" smtClean="0">
+                <a:solidFill>
+                  <a:schemeClr val="tx1"/>
+                </a:solidFill>
+                <a:latin typeface="+mn-lt"/>
+                <a:ea typeface="+mn-ea"/>
+                <a:cs typeface="+mn-cs"/>
+              </a:defRPr>
+            </a:lvl1pPr>
+            <a:lvl2pPr>
+              <a:defRPr/>
+            </a:lvl2pPr>
+            <a:lvl3pPr>
+              <a:defRPr sz="1600"/>
+            </a:lvl3pPr>
+          </a:lstStyle>
+          <a:p>
+            <a:pPr lvl="0"/>
+            <a:r>
+              <a:rPr lang="de-DE" dirty="0"/>
+              <a:t>Textmasterformate durch Klicken bearbeiten</a:t>
+            </a:r>
+          </a:p>
+          <a:p>
+            <a:pPr lvl="1"/>
+            <a:r>
+              <a:rPr lang="de-DE" dirty="0"/>
+              <a:t>Zweite Ebene</a:t>
+            </a:r>
+          </a:p>
+          <a:p>
+            <a:pPr lvl="2"/>
+            <a:r>
+              <a:rPr lang="de-DE" sz="1600" dirty="0"/>
+              <a:t>Dritte Ebene</a:t>
+            </a:r>
+            <a:endParaRPr lang="de-DE" dirty="0"/>
+          </a:p>
+        </p:txBody>
+      </p:sp>
+      <p:sp>
+        <p:nvSpPr>
+          <p:cNvPr id="11" name="Bildplatzhalter 2"/>
+          <p:cNvSpPr>
+            <a:spLocks noGrp="1"/>
+          </p:cNvSpPr>
+          <p:nvPr>
+            <p:ph type="pic" sz="quarter" idx="14" hasCustomPrompt="1"/>
+          </p:nvPr>
+        </p:nvSpPr>
+        <p:spPr>
+          <a:xfrm>
+            <a:off x="4584192" y="2484120"/>
+            <a:ext cx="4244400" cy="3974400"/>
+          </a:xfrm>
+          <a:prstGeom prst="rect">
+            <a:avLst/>
+          </a:prstGeom>
+        </p:spPr>
+        <p:txBody>
+          <a:bodyPr/>
+          <a:lstStyle>
+            <a:lvl1pPr>
+              <a:lnSpc>
+                <a:spcPct val="114000"/>
+              </a:lnSpc>
+              <a:defRPr/>
+            </a:lvl1pPr>
+          </a:lstStyle>
+          <a:p>
+            <a:endParaRPr lang="de-DE" dirty="0"/>
+          </a:p>
+        </p:txBody>
+      </p:sp>
+      <p:sp>
+        <p:nvSpPr>
+          <p:cNvPr id="10" name="Titel 1"/>
+          <p:cNvSpPr>
+            <a:spLocks noGrp="1"/>
+          </p:cNvSpPr>
+          <p:nvPr>
+            <p:ph type="title" hasCustomPrompt="1"/>
+          </p:nvPr>
+        </p:nvSpPr>
+        <p:spPr>
+          <a:xfrm>
+            <a:off x="319090" y="994334"/>
+            <a:ext cx="8508999" cy="410369"/>
+          </a:xfrm>
+          <a:prstGeom prst="rect">
+            <a:avLst/>
+          </a:prstGeom>
+          <a:noFill/>
+          <a:ln w="9525">
+            <a:noFill/>
+            <a:miter lim="800000"/>
+            <a:headEnd/>
+            <a:tailEnd/>
+          </a:ln>
+        </p:spPr>
+        <p:txBody>
+          <a:bodyPr vert="horz" wrap="square" lIns="0" tIns="0" rIns="0" bIns="0" numCol="1" anchor="t" anchorCtr="0" compatLnSpc="1">
+            <a:prstTxWarp prst="textNoShape">
+              <a:avLst/>
+            </a:prstTxWarp>
+            <a:spAutoFit/>
+          </a:bodyPr>
+          <a:lstStyle>
+            <a:lvl1pPr>
+              <a:lnSpc>
+                <a:spcPts val="3200"/>
+              </a:lnSpc>
+              <a:defRPr lang="de-DE" sz="3000" noProof="0" dirty="0"/>
+            </a:lvl1pPr>
+          </a:lstStyle>
+          <a:p>
+            <a:pPr lvl="0"/>
+            <a:r>
+              <a:rPr lang="de-DE" noProof="0" dirty="0"/>
+              <a:t>Titel durch Klicken bearbeiten</a:t>
+            </a:r>
+          </a:p>
+        </p:txBody>
+      </p:sp>
+    </p:spTree>
+    <p:extLst>
+      <p:ext uri="{BB962C8B-B14F-4D97-AF65-F5344CB8AC3E}">
+        <p14:creationId xmlns:p14="http://schemas.microsoft.com/office/powerpoint/2010/main" val="1257498142"/>
+      </p:ext>
+    </p:extLst>
+  </p:cSld>
+  <p:clrMapOvr>
+    <a:masterClrMapping/>
+  </p:clrMapOvr>
+</p:sldLayout>
+</file>
+
+<file path=ppt/slideLayouts/slideLayout19.xml><?xml version="1.0" encoding="utf-8"?>
+<p:sldLayout xmlns:a="http://schemas.openxmlformats.org/drawingml/2006/main" xmlns:r="http://schemas.openxmlformats.org/officeDocument/2006/relationships" xmlns:p="http://schemas.openxmlformats.org/presentationml/2006/main" preserve="1" userDrawn="1">
+  <p:cSld name="Zwei Inhalte + Text (Hintergrund)">
+    <p:spTree>
+      <p:nvGrpSpPr>
+        <p:cNvPr id="1" name=""/>
+        <p:cNvGrpSpPr/>
+        <p:nvPr/>
+      </p:nvGrpSpPr>
+      <p:grpSpPr>
+        <a:xfrm>
+          <a:off x="0" y="0"/>
+          <a:ext cx="0" cy="0"/>
+          <a:chOff x="0" y="0"/>
+          <a:chExt cx="0" cy="0"/>
+        </a:xfrm>
+      </p:grpSpPr>
+      <p:sp>
+        <p:nvSpPr>
+          <p:cNvPr id="9" name="Rechteck 8"/>
+          <p:cNvSpPr/>
+          <p:nvPr userDrawn="1"/>
+        </p:nvSpPr>
+        <p:spPr bwMode="auto">
+          <a:xfrm>
+            <a:off x="0" y="2477139"/>
+            <a:ext cx="9144000" cy="4380861"/>
+          </a:xfrm>
+          <a:prstGeom prst="rect">
+            <a:avLst/>
+          </a:prstGeom>
+          <a:solidFill>
+            <a:schemeClr val="bg1">
+              <a:lumMod val="95000"/>
+            </a:schemeClr>
+          </a:solidFill>
+          <a:ln w="9525" cap="flat" cmpd="sng" algn="ctr">
+            <a:noFill/>
+            <a:prstDash val="solid"/>
+            <a:round/>
+            <a:headEnd type="none" w="med" len="med"/>
+            <a:tailEnd type="none" w="med" len="med"/>
+          </a:ln>
+          <a:effectLst/>
+        </p:spPr>
+        <p:txBody>
+          <a:bodyPr vert="horz" wrap="square" lIns="91440" tIns="45720" rIns="91440" bIns="45720" numCol="1" rtlCol="0" anchor="t" anchorCtr="0" compatLnSpc="1">
+            <a:prstTxWarp prst="textNoShape">
+              <a:avLst/>
+            </a:prstTxWarp>
+          </a:bodyPr>
+          <a:lstStyle/>
+          <a:p>
+            <a:pPr algn="r" eaLnBrk="0" hangingPunct="0"/>
+            <a:endParaRPr lang="de-DE" sz="1000">
+              <a:solidFill>
+                <a:prstClr val="black"/>
+              </a:solidFill>
+              <a:latin typeface="Arial" pitchFamily="34" charset="0"/>
+            </a:endParaRPr>
+          </a:p>
+        </p:txBody>
+      </p:sp>
+      <p:sp>
+        <p:nvSpPr>
+          <p:cNvPr id="18" name="Textplatzhalter 7"/>
+          <p:cNvSpPr>
+            <a:spLocks noGrp="1"/>
+          </p:cNvSpPr>
+          <p:nvPr>
+            <p:ph type="body" sz="quarter" idx="13" hasCustomPrompt="1"/>
+          </p:nvPr>
+        </p:nvSpPr>
+        <p:spPr>
+          <a:xfrm>
+            <a:off x="319089" y="1762188"/>
+            <a:ext cx="8508999" cy="714951"/>
+          </a:xfrm>
+          <a:prstGeom prst="rect">
+            <a:avLst/>
+          </a:prstGeom>
+          <a:noFill/>
+          <a:ln w="9525">
+            <a:noFill/>
+            <a:miter lim="800000"/>
+            <a:headEnd/>
+            <a:tailEnd/>
+          </a:ln>
+        </p:spPr>
+        <p:txBody>
+          <a:bodyPr vert="horz" wrap="square" lIns="0" tIns="0" rIns="0" bIns="0" numCol="1" anchor="t" anchorCtr="0" compatLnSpc="1">
+            <a:prstTxWarp prst="textNoShape">
+              <a:avLst/>
+            </a:prstTxWarp>
+          </a:bodyPr>
+          <a:lstStyle>
+            <a:lvl1pPr>
+              <a:lnSpc>
+                <a:spcPct val="114000"/>
+              </a:lnSpc>
+              <a:defRPr lang="de-DE" noProof="0" dirty="0" smtClean="0"/>
+            </a:lvl1pPr>
+          </a:lstStyle>
+          <a:p>
+            <a:pPr lvl="0"/>
+            <a:r>
+              <a:rPr lang="de-DE" noProof="0" dirty="0"/>
+              <a:t>Inhalt durch Klicken bearbeiten</a:t>
+            </a:r>
+          </a:p>
+        </p:txBody>
+      </p:sp>
+      <p:sp>
+        <p:nvSpPr>
+          <p:cNvPr id="7" name="Foliennummernplatzhalter 6"/>
+          <p:cNvSpPr>
+            <a:spLocks noGrp="1"/>
+          </p:cNvSpPr>
+          <p:nvPr>
+            <p:ph type="sldNum" sz="quarter" idx="15"/>
+          </p:nvPr>
+        </p:nvSpPr>
+        <p:spPr/>
+        <p:txBody>
+          <a:bodyPr/>
+          <a:lstStyle/>
+          <a:p>
+            <a:fld id="{CE58CB1E-F828-4F11-99E0-327109AF9DA4}" type="slidenum">
+              <a:rPr lang="de-DE" smtClean="0">
+                <a:solidFill>
+                  <a:prstClr val="black"/>
+                </a:solidFill>
+              </a:rPr>
+              <a:pPr/>
+              <a:t>‹Nr.›</a:t>
+            </a:fld>
+            <a:endParaRPr lang="de-DE" dirty="0">
+              <a:solidFill>
+                <a:prstClr val="black"/>
+              </a:solidFill>
+            </a:endParaRPr>
+          </a:p>
+        </p:txBody>
+      </p:sp>
+      <p:sp>
+        <p:nvSpPr>
+          <p:cNvPr id="12" name="Fußzeilenplatzhalter 11"/>
+          <p:cNvSpPr>
+            <a:spLocks noGrp="1"/>
+          </p:cNvSpPr>
+          <p:nvPr>
+            <p:ph type="ftr" sz="quarter" idx="16"/>
+          </p:nvPr>
+        </p:nvSpPr>
+        <p:spPr/>
+        <p:txBody>
+          <a:bodyPr/>
+          <a:lstStyle/>
+          <a:p>
+            <a:r>
+              <a:rPr lang="de-DE">
+                <a:solidFill>
+                  <a:prstClr val="black"/>
+                </a:solidFill>
+              </a:rPr>
+              <a:t>Dr. rer. nat. Erika Mustermann (TUM) | kann beliebig erweitert werden | Infos mit Strich trennen</a:t>
+            </a:r>
+          </a:p>
+        </p:txBody>
+      </p:sp>
+      <p:sp>
+        <p:nvSpPr>
+          <p:cNvPr id="8" name="Inhaltsplatzhalter 9"/>
+          <p:cNvSpPr>
+            <a:spLocks noGrp="1"/>
+          </p:cNvSpPr>
+          <p:nvPr>
+            <p:ph sz="quarter" idx="18"/>
+          </p:nvPr>
+        </p:nvSpPr>
+        <p:spPr>
+          <a:xfrm>
+            <a:off x="316992" y="2484000"/>
+            <a:ext cx="4242816" cy="3974655"/>
+          </a:xfrm>
+          <a:prstGeom prst="rect">
+            <a:avLst/>
+          </a:prstGeom>
+        </p:spPr>
+        <p:txBody>
+          <a:bodyPr lIns="0" rIns="0"/>
+          <a:lstStyle>
+            <a:lvl1pPr>
+              <a:defRPr lang="de-DE" sz="1600" kern="1200" noProof="0" dirty="0" smtClean="0">
+                <a:solidFill>
+                  <a:schemeClr val="tx1"/>
+                </a:solidFill>
+                <a:latin typeface="+mn-lt"/>
+                <a:ea typeface="+mn-ea"/>
+                <a:cs typeface="+mn-cs"/>
+              </a:defRPr>
+            </a:lvl1pPr>
+            <a:lvl2pPr>
+              <a:defRPr/>
+            </a:lvl2pPr>
+            <a:lvl3pPr>
+              <a:defRPr sz="1600" baseline="0"/>
+            </a:lvl3pPr>
+          </a:lstStyle>
+          <a:p>
+            <a:pPr lvl="0"/>
+            <a:r>
+              <a:rPr lang="de-DE" dirty="0"/>
+              <a:t>Textmasterformate durch Klicken bearbeiten</a:t>
+            </a:r>
+          </a:p>
+          <a:p>
+            <a:pPr lvl="1"/>
+            <a:r>
+              <a:rPr lang="de-DE" dirty="0"/>
+              <a:t>Zweite Ebene</a:t>
+            </a:r>
+          </a:p>
+          <a:p>
+            <a:pPr lvl="2"/>
+            <a:r>
+              <a:rPr lang="de-DE" sz="1600" dirty="0"/>
+              <a:t>Dritte Ebene</a:t>
+            </a:r>
+            <a:endParaRPr lang="de-DE" dirty="0"/>
+          </a:p>
+        </p:txBody>
+      </p:sp>
+      <p:sp>
+        <p:nvSpPr>
+          <p:cNvPr id="11" name="Bildplatzhalter 2"/>
+          <p:cNvSpPr>
+            <a:spLocks noGrp="1"/>
+          </p:cNvSpPr>
+          <p:nvPr>
+            <p:ph type="pic" sz="quarter" idx="14" hasCustomPrompt="1"/>
+          </p:nvPr>
+        </p:nvSpPr>
+        <p:spPr>
+          <a:xfrm>
+            <a:off x="4584192" y="2484120"/>
+            <a:ext cx="4244400" cy="3974400"/>
+          </a:xfrm>
+          <a:prstGeom prst="rect">
+            <a:avLst/>
+          </a:prstGeom>
+        </p:spPr>
+        <p:txBody>
+          <a:bodyPr/>
+          <a:lstStyle>
+            <a:lvl1pPr>
+              <a:lnSpc>
+                <a:spcPct val="114000"/>
+              </a:lnSpc>
+              <a:defRPr/>
+            </a:lvl1pPr>
+          </a:lstStyle>
+          <a:p>
+            <a:endParaRPr lang="de-DE" dirty="0"/>
+          </a:p>
+        </p:txBody>
+      </p:sp>
+      <p:sp>
+        <p:nvSpPr>
+          <p:cNvPr id="10" name="Titel 1"/>
+          <p:cNvSpPr>
+            <a:spLocks noGrp="1"/>
+          </p:cNvSpPr>
+          <p:nvPr>
+            <p:ph type="title" hasCustomPrompt="1"/>
+          </p:nvPr>
+        </p:nvSpPr>
+        <p:spPr>
+          <a:xfrm>
+            <a:off x="319090" y="994334"/>
+            <a:ext cx="8508999" cy="410369"/>
+          </a:xfrm>
+          <a:prstGeom prst="rect">
+            <a:avLst/>
+          </a:prstGeom>
+          <a:noFill/>
+          <a:ln w="9525">
+            <a:noFill/>
+            <a:miter lim="800000"/>
+            <a:headEnd/>
+            <a:tailEnd/>
+          </a:ln>
+        </p:spPr>
+        <p:txBody>
+          <a:bodyPr vert="horz" wrap="square" lIns="0" tIns="0" rIns="0" bIns="0" numCol="1" anchor="t" anchorCtr="0" compatLnSpc="1">
+            <a:prstTxWarp prst="textNoShape">
+              <a:avLst/>
+            </a:prstTxWarp>
+            <a:spAutoFit/>
+          </a:bodyPr>
+          <a:lstStyle>
+            <a:lvl1pPr>
+              <a:lnSpc>
+                <a:spcPts val="3200"/>
+              </a:lnSpc>
+              <a:defRPr lang="de-DE" sz="3000" noProof="0" dirty="0"/>
+            </a:lvl1pPr>
+          </a:lstStyle>
+          <a:p>
+            <a:pPr lvl="0"/>
+            <a:r>
+              <a:rPr lang="de-DE" noProof="0" dirty="0"/>
+              <a:t>Titel durch Klicken bearbeiten</a:t>
+            </a:r>
+          </a:p>
+        </p:txBody>
+      </p:sp>
+    </p:spTree>
+    <p:extLst>
+      <p:ext uri="{BB962C8B-B14F-4D97-AF65-F5344CB8AC3E}">
+        <p14:creationId xmlns:p14="http://schemas.microsoft.com/office/powerpoint/2010/main" val="661481553"/>
       </p:ext>
     </p:extLst>
   </p:cSld>
@@ -3851,6 +5450,397 @@
     <p:extLst>
       <p:ext uri="{BB962C8B-B14F-4D97-AF65-F5344CB8AC3E}">
         <p14:creationId xmlns:p14="http://schemas.microsoft.com/office/powerpoint/2010/main" val="171855092"/>
+      </p:ext>
+    </p:extLst>
+  </p:cSld>
+  <p:clrMapOvr>
+    <a:masterClrMapping/>
+  </p:clrMapOvr>
+</p:sldLayout>
+</file>
+
+<file path=ppt/slideLayouts/slideLayout20.xml><?xml version="1.0" encoding="utf-8"?>
+<p:sldLayout xmlns:a="http://schemas.openxmlformats.org/drawingml/2006/main" xmlns:r="http://schemas.openxmlformats.org/officeDocument/2006/relationships" xmlns:p="http://schemas.openxmlformats.org/presentationml/2006/main" preserve="1" userDrawn="1">
+  <p:cSld name="große Bilder">
+    <p:spTree>
+      <p:nvGrpSpPr>
+        <p:cNvPr id="1" name=""/>
+        <p:cNvGrpSpPr/>
+        <p:nvPr/>
+      </p:nvGrpSpPr>
+      <p:grpSpPr>
+        <a:xfrm>
+          <a:off x="0" y="0"/>
+          <a:ext cx="0" cy="0"/>
+          <a:chOff x="0" y="0"/>
+          <a:chExt cx="0" cy="0"/>
+        </a:xfrm>
+      </p:grpSpPr>
+      <p:sp>
+        <p:nvSpPr>
+          <p:cNvPr id="18" name="Textplatzhalter 7"/>
+          <p:cNvSpPr>
+            <a:spLocks noGrp="1"/>
+          </p:cNvSpPr>
+          <p:nvPr>
+            <p:ph type="body" sz="quarter" idx="13" hasCustomPrompt="1"/>
+          </p:nvPr>
+        </p:nvSpPr>
+        <p:spPr>
+          <a:xfrm>
+            <a:off x="319089" y="1762188"/>
+            <a:ext cx="8508999" cy="714951"/>
+          </a:xfrm>
+          <a:prstGeom prst="rect">
+            <a:avLst/>
+          </a:prstGeom>
+          <a:noFill/>
+          <a:ln w="9525">
+            <a:noFill/>
+            <a:miter lim="800000"/>
+            <a:headEnd/>
+            <a:tailEnd/>
+          </a:ln>
+        </p:spPr>
+        <p:txBody>
+          <a:bodyPr vert="horz" wrap="square" lIns="0" tIns="0" rIns="0" bIns="0" numCol="1" anchor="t" anchorCtr="0" compatLnSpc="1">
+            <a:prstTxWarp prst="textNoShape">
+              <a:avLst/>
+            </a:prstTxWarp>
+          </a:bodyPr>
+          <a:lstStyle>
+            <a:lvl1pPr>
+              <a:lnSpc>
+                <a:spcPct val="114000"/>
+              </a:lnSpc>
+              <a:defRPr lang="de-DE" noProof="0" dirty="0" smtClean="0"/>
+            </a:lvl1pPr>
+          </a:lstStyle>
+          <a:p>
+            <a:pPr lvl="0"/>
+            <a:r>
+              <a:rPr lang="de-DE" noProof="0"/>
+              <a:t>Inhalt durch Klicken bearbeiten</a:t>
+            </a:r>
+          </a:p>
+        </p:txBody>
+      </p:sp>
+      <p:sp>
+        <p:nvSpPr>
+          <p:cNvPr id="7" name="Foliennummernplatzhalter 6"/>
+          <p:cNvSpPr>
+            <a:spLocks noGrp="1"/>
+          </p:cNvSpPr>
+          <p:nvPr>
+            <p:ph type="sldNum" sz="quarter" idx="15"/>
+          </p:nvPr>
+        </p:nvSpPr>
+        <p:spPr/>
+        <p:txBody>
+          <a:bodyPr/>
+          <a:lstStyle/>
+          <a:p>
+            <a:fld id="{CE58CB1E-F828-4F11-99E0-327109AF9DA4}" type="slidenum">
+              <a:rPr lang="de-DE" smtClean="0">
+                <a:solidFill>
+                  <a:prstClr val="black"/>
+                </a:solidFill>
+              </a:rPr>
+              <a:pPr/>
+              <a:t>‹Nr.›</a:t>
+            </a:fld>
+            <a:endParaRPr lang="de-DE" dirty="0">
+              <a:solidFill>
+                <a:prstClr val="black"/>
+              </a:solidFill>
+            </a:endParaRPr>
+          </a:p>
+        </p:txBody>
+      </p:sp>
+      <p:sp>
+        <p:nvSpPr>
+          <p:cNvPr id="12" name="Fußzeilenplatzhalter 11"/>
+          <p:cNvSpPr>
+            <a:spLocks noGrp="1"/>
+          </p:cNvSpPr>
+          <p:nvPr>
+            <p:ph type="ftr" sz="quarter" idx="16"/>
+          </p:nvPr>
+        </p:nvSpPr>
+        <p:spPr/>
+        <p:txBody>
+          <a:bodyPr/>
+          <a:lstStyle/>
+          <a:p>
+            <a:r>
+              <a:rPr lang="de-DE">
+                <a:solidFill>
+                  <a:prstClr val="black"/>
+                </a:solidFill>
+              </a:rPr>
+              <a:t>Dr. rer. nat. Erika Mustermann (TUM) | kann beliebig erweitert werden | Infos mit Strich trennen</a:t>
+            </a:r>
+          </a:p>
+        </p:txBody>
+      </p:sp>
+      <p:sp>
+        <p:nvSpPr>
+          <p:cNvPr id="9" name="Bildplatzhalter 8"/>
+          <p:cNvSpPr>
+            <a:spLocks noGrp="1"/>
+          </p:cNvSpPr>
+          <p:nvPr>
+            <p:ph type="pic" sz="quarter" idx="17"/>
+          </p:nvPr>
+        </p:nvSpPr>
+        <p:spPr>
+          <a:xfrm>
+            <a:off x="0" y="2476500"/>
+            <a:ext cx="9144000" cy="4381500"/>
+          </a:xfrm>
+          <a:prstGeom prst="rect">
+            <a:avLst/>
+          </a:prstGeom>
+        </p:spPr>
+        <p:txBody>
+          <a:bodyPr/>
+          <a:lstStyle/>
+          <a:p>
+            <a:endParaRPr lang="de-DE"/>
+          </a:p>
+        </p:txBody>
+      </p:sp>
+      <p:sp>
+        <p:nvSpPr>
+          <p:cNvPr id="8" name="Titel 1"/>
+          <p:cNvSpPr>
+            <a:spLocks noGrp="1"/>
+          </p:cNvSpPr>
+          <p:nvPr>
+            <p:ph type="title" hasCustomPrompt="1"/>
+          </p:nvPr>
+        </p:nvSpPr>
+        <p:spPr>
+          <a:xfrm>
+            <a:off x="319090" y="994334"/>
+            <a:ext cx="8508999" cy="410369"/>
+          </a:xfrm>
+          <a:prstGeom prst="rect">
+            <a:avLst/>
+          </a:prstGeom>
+          <a:noFill/>
+          <a:ln w="9525">
+            <a:noFill/>
+            <a:miter lim="800000"/>
+            <a:headEnd/>
+            <a:tailEnd/>
+          </a:ln>
+        </p:spPr>
+        <p:txBody>
+          <a:bodyPr vert="horz" wrap="square" lIns="0" tIns="0" rIns="0" bIns="0" numCol="1" anchor="t" anchorCtr="0" compatLnSpc="1">
+            <a:prstTxWarp prst="textNoShape">
+              <a:avLst/>
+            </a:prstTxWarp>
+            <a:spAutoFit/>
+          </a:bodyPr>
+          <a:lstStyle>
+            <a:lvl1pPr>
+              <a:lnSpc>
+                <a:spcPts val="3200"/>
+              </a:lnSpc>
+              <a:defRPr lang="de-DE" sz="3000" noProof="0" dirty="0"/>
+            </a:lvl1pPr>
+          </a:lstStyle>
+          <a:p>
+            <a:pPr lvl="0"/>
+            <a:r>
+              <a:rPr lang="de-DE" noProof="0" dirty="0"/>
+              <a:t>Titel durch Klicken bearbeiten</a:t>
+            </a:r>
+          </a:p>
+        </p:txBody>
+      </p:sp>
+    </p:spTree>
+    <p:extLst>
+      <p:ext uri="{BB962C8B-B14F-4D97-AF65-F5344CB8AC3E}">
+        <p14:creationId xmlns:p14="http://schemas.microsoft.com/office/powerpoint/2010/main" val="278425922"/>
+      </p:ext>
+    </p:extLst>
+  </p:cSld>
+  <p:clrMapOvr>
+    <a:masterClrMapping/>
+  </p:clrMapOvr>
+</p:sldLayout>
+</file>
+
+<file path=ppt/slideLayouts/slideLayout21.xml><?xml version="1.0" encoding="utf-8"?>
+<p:sldLayout xmlns:a="http://schemas.openxmlformats.org/drawingml/2006/main" xmlns:r="http://schemas.openxmlformats.org/officeDocument/2006/relationships" xmlns:p="http://schemas.openxmlformats.org/presentationml/2006/main" preserve="1" userDrawn="1">
+  <p:cSld name="Bilder formatfüllend">
+    <p:spTree>
+      <p:nvGrpSpPr>
+        <p:cNvPr id="1" name=""/>
+        <p:cNvGrpSpPr/>
+        <p:nvPr/>
+      </p:nvGrpSpPr>
+      <p:grpSpPr>
+        <a:xfrm>
+          <a:off x="0" y="0"/>
+          <a:ext cx="0" cy="0"/>
+          <a:chOff x="0" y="0"/>
+          <a:chExt cx="0" cy="0"/>
+        </a:xfrm>
+      </p:grpSpPr>
+      <p:sp>
+        <p:nvSpPr>
+          <p:cNvPr id="8" name="Bildplatzhalter 2"/>
+          <p:cNvSpPr>
+            <a:spLocks noGrp="1"/>
+          </p:cNvSpPr>
+          <p:nvPr>
+            <p:ph type="pic" sz="quarter" idx="14" hasCustomPrompt="1"/>
+          </p:nvPr>
+        </p:nvSpPr>
+        <p:spPr>
+          <a:xfrm>
+            <a:off x="0" y="1691640"/>
+            <a:ext cx="9144000" cy="5166360"/>
+          </a:xfrm>
+          <a:prstGeom prst="rect">
+            <a:avLst/>
+          </a:prstGeom>
+        </p:spPr>
+        <p:txBody>
+          <a:bodyPr/>
+          <a:lstStyle>
+            <a:lvl1pPr>
+              <a:lnSpc>
+                <a:spcPct val="114000"/>
+              </a:lnSpc>
+              <a:defRPr/>
+            </a:lvl1pPr>
+          </a:lstStyle>
+          <a:p>
+            <a:endParaRPr lang="de-DE" dirty="0"/>
+          </a:p>
+        </p:txBody>
+      </p:sp>
+      <p:sp>
+        <p:nvSpPr>
+          <p:cNvPr id="6" name="Foliennummernplatzhalter 5"/>
+          <p:cNvSpPr>
+            <a:spLocks noGrp="1"/>
+          </p:cNvSpPr>
+          <p:nvPr>
+            <p:ph type="sldNum" sz="quarter" idx="15"/>
+          </p:nvPr>
+        </p:nvSpPr>
+        <p:spPr/>
+        <p:txBody>
+          <a:bodyPr/>
+          <a:lstStyle/>
+          <a:p>
+            <a:fld id="{CE58CB1E-F828-4F11-99E0-327109AF9DA4}" type="slidenum">
+              <a:rPr lang="de-DE" smtClean="0">
+                <a:solidFill>
+                  <a:prstClr val="black"/>
+                </a:solidFill>
+              </a:rPr>
+              <a:pPr/>
+              <a:t>‹Nr.›</a:t>
+            </a:fld>
+            <a:endParaRPr lang="de-DE" dirty="0">
+              <a:solidFill>
+                <a:prstClr val="black"/>
+              </a:solidFill>
+            </a:endParaRPr>
+          </a:p>
+        </p:txBody>
+      </p:sp>
+      <p:sp>
+        <p:nvSpPr>
+          <p:cNvPr id="10" name="Fußzeilenplatzhalter 9"/>
+          <p:cNvSpPr>
+            <a:spLocks noGrp="1"/>
+          </p:cNvSpPr>
+          <p:nvPr>
+            <p:ph type="ftr" sz="quarter" idx="16"/>
+          </p:nvPr>
+        </p:nvSpPr>
+        <p:spPr/>
+        <p:txBody>
+          <a:bodyPr/>
+          <a:lstStyle/>
+          <a:p>
+            <a:r>
+              <a:rPr lang="de-DE">
+                <a:solidFill>
+                  <a:prstClr val="black"/>
+                </a:solidFill>
+              </a:rPr>
+              <a:t>Dr. rer. nat. Erika Mustermann (TUM) | kann beliebig erweitert werden | Infos mit Strich trennen</a:t>
+            </a:r>
+            <a:endParaRPr lang="en-US" dirty="0">
+              <a:solidFill>
+                <a:prstClr val="black"/>
+              </a:solidFill>
+            </a:endParaRPr>
+          </a:p>
+        </p:txBody>
+      </p:sp>
+      <p:sp>
+        <p:nvSpPr>
+          <p:cNvPr id="7" name="Titel 1"/>
+          <p:cNvSpPr>
+            <a:spLocks noGrp="1"/>
+          </p:cNvSpPr>
+          <p:nvPr>
+            <p:ph type="title" hasCustomPrompt="1"/>
+          </p:nvPr>
+        </p:nvSpPr>
+        <p:spPr>
+          <a:xfrm>
+            <a:off x="319090" y="994334"/>
+            <a:ext cx="8508999" cy="410369"/>
+          </a:xfrm>
+          <a:prstGeom prst="rect">
+            <a:avLst/>
+          </a:prstGeom>
+          <a:noFill/>
+          <a:ln w="9525">
+            <a:noFill/>
+            <a:miter lim="800000"/>
+            <a:headEnd/>
+            <a:tailEnd/>
+          </a:ln>
+        </p:spPr>
+        <p:txBody>
+          <a:bodyPr vert="horz" wrap="square" lIns="0" tIns="0" rIns="0" bIns="0" numCol="1" anchor="t" anchorCtr="0" compatLnSpc="1">
+            <a:prstTxWarp prst="textNoShape">
+              <a:avLst/>
+            </a:prstTxWarp>
+            <a:spAutoFit/>
+          </a:bodyPr>
+          <a:lstStyle>
+            <a:lvl1pPr>
+              <a:lnSpc>
+                <a:spcPts val="3200"/>
+              </a:lnSpc>
+              <a:defRPr lang="de-DE" sz="3000" noProof="0" dirty="0"/>
+            </a:lvl1pPr>
+          </a:lstStyle>
+          <a:p>
+            <a:pPr lvl="0"/>
+            <a:r>
+              <a:rPr lang="de-DE" noProof="0" dirty="0"/>
+              <a:t>Titel durch Klicken bearbeiten</a:t>
+            </a:r>
+          </a:p>
+        </p:txBody>
+      </p:sp>
+    </p:spTree>
+    <p:extLst>
+      <p:ext uri="{BB962C8B-B14F-4D97-AF65-F5344CB8AC3E}">
+        <p14:creationId xmlns:p14="http://schemas.microsoft.com/office/powerpoint/2010/main" val="1914454218"/>
       </p:ext>
     </p:extLst>
   </p:cSld>
@@ -9173,6 +11163,572 @@
 </p:sldMaster>
 </file>
 
+<file path=ppt/slideMasters/slideMaster7.xml><?xml version="1.0" encoding="utf-8"?>
+<p:sldMaster xmlns:a="http://schemas.openxmlformats.org/drawingml/2006/main" xmlns:r="http://schemas.openxmlformats.org/officeDocument/2006/relationships" xmlns:p="http://schemas.openxmlformats.org/presentationml/2006/main" preserve="1">
+  <p:cSld>
+    <p:bg>
+      <p:bgRef idx="1001">
+        <a:schemeClr val="bg1"/>
+      </p:bgRef>
+    </p:bg>
+    <p:spTree>
+      <p:nvGrpSpPr>
+        <p:cNvPr id="1" name=""/>
+        <p:cNvGrpSpPr/>
+        <p:nvPr/>
+      </p:nvGrpSpPr>
+      <p:grpSpPr>
+        <a:xfrm>
+          <a:off x="0" y="0"/>
+          <a:ext cx="0" cy="0"/>
+          <a:chOff x="0" y="0"/>
+          <a:chExt cx="0" cy="0"/>
+        </a:xfrm>
+      </p:grpSpPr>
+      <p:pic>
+        <p:nvPicPr>
+          <p:cNvPr id="3" name="Bild 2" descr="20150416 tum logo blau png final.png"/>
+          <p:cNvPicPr>
+            <a:picLocks noChangeAspect="1"/>
+          </p:cNvPicPr>
+          <p:nvPr/>
+        </p:nvPicPr>
+        <p:blipFill>
+          <a:blip r:embed="rId10"/>
+          <a:stretch>
+            <a:fillRect/>
+          </a:stretch>
+        </p:blipFill>
+        <p:spPr>
+          <a:xfrm>
+            <a:off x="8218411" y="324685"/>
+            <a:ext cx="608352" cy="320400"/>
+          </a:xfrm>
+          <a:prstGeom prst="rect">
+            <a:avLst/>
+          </a:prstGeom>
+        </p:spPr>
+      </p:pic>
+      <p:sp>
+        <p:nvSpPr>
+          <p:cNvPr id="5" name="Foliennummernplatzhalter 4"/>
+          <p:cNvSpPr>
+            <a:spLocks noGrp="1"/>
+          </p:cNvSpPr>
+          <p:nvPr>
+            <p:ph type="sldNum" sz="quarter" idx="4"/>
+          </p:nvPr>
+        </p:nvSpPr>
+        <p:spPr>
+          <a:xfrm>
+            <a:off x="6774934" y="6473313"/>
+            <a:ext cx="2052074" cy="365125"/>
+          </a:xfrm>
+          <a:prstGeom prst="rect">
+            <a:avLst/>
+          </a:prstGeom>
+        </p:spPr>
+        <p:txBody>
+          <a:bodyPr vert="horz" lIns="0" tIns="45720" rIns="0" bIns="45720" rtlCol="0" anchor="ctr"/>
+          <a:lstStyle>
+            <a:lvl1pPr algn="r">
+              <a:defRPr sz="1200">
+                <a:solidFill>
+                  <a:schemeClr val="tx1"/>
+                </a:solidFill>
+              </a:defRPr>
+            </a:lvl1pPr>
+          </a:lstStyle>
+          <a:p>
+            <a:fld id="{CE58CB1E-F828-4F11-99E0-327109AF9DA4}" type="slidenum">
+              <a:rPr lang="de-DE" smtClean="0">
+                <a:solidFill>
+                  <a:prstClr val="black"/>
+                </a:solidFill>
+              </a:rPr>
+              <a:pPr/>
+              <a:t>‹Nr.›</a:t>
+            </a:fld>
+            <a:endParaRPr lang="de-DE" dirty="0">
+              <a:solidFill>
+                <a:prstClr val="black"/>
+              </a:solidFill>
+            </a:endParaRPr>
+          </a:p>
+        </p:txBody>
+      </p:sp>
+      <p:sp>
+        <p:nvSpPr>
+          <p:cNvPr id="6" name="Fußzeilenplatzhalter 3"/>
+          <p:cNvSpPr>
+            <a:spLocks noGrp="1"/>
+          </p:cNvSpPr>
+          <p:nvPr>
+            <p:ph type="ftr" sz="quarter" idx="3"/>
+          </p:nvPr>
+        </p:nvSpPr>
+        <p:spPr>
+          <a:xfrm>
+            <a:off x="311162" y="6473313"/>
+            <a:ext cx="6464280" cy="365125"/>
+          </a:xfrm>
+          <a:prstGeom prst="rect">
+            <a:avLst/>
+          </a:prstGeom>
+        </p:spPr>
+        <p:txBody>
+          <a:bodyPr vert="horz" lIns="0" tIns="45720" rIns="0" bIns="45720" rtlCol="0" anchor="ctr"/>
+          <a:lstStyle>
+            <a:lvl1pPr algn="l">
+              <a:defRPr sz="1200">
+                <a:solidFill>
+                  <a:schemeClr val="tx1"/>
+                </a:solidFill>
+              </a:defRPr>
+            </a:lvl1pPr>
+          </a:lstStyle>
+          <a:p>
+            <a:r>
+              <a:rPr lang="de-DE">
+                <a:solidFill>
+                  <a:prstClr val="black"/>
+                </a:solidFill>
+              </a:rPr>
+              <a:t>Dr. rer. nat. Erika Mustermann (TUM) | kann beliebig erweitert werden | Infos mit Strich trennen</a:t>
+            </a:r>
+            <a:endParaRPr lang="en-US" dirty="0">
+              <a:solidFill>
+                <a:prstClr val="black"/>
+              </a:solidFill>
+            </a:endParaRPr>
+          </a:p>
+        </p:txBody>
+      </p:sp>
+    </p:spTree>
+    <p:extLst>
+      <p:ext uri="{BB962C8B-B14F-4D97-AF65-F5344CB8AC3E}">
+        <p14:creationId xmlns:p14="http://schemas.microsoft.com/office/powerpoint/2010/main" val="2051815817"/>
+      </p:ext>
+    </p:extLst>
+  </p:cSld>
+  <p:clrMap bg1="lt1" tx1="dk1" bg2="lt2" tx2="dk2" accent1="accent1" accent2="accent2" accent3="accent3" accent4="accent4" accent5="accent5" accent6="accent6" hlink="hlink" folHlink="folHlink"/>
+  <p:sldLayoutIdLst>
+    <p:sldLayoutId id="2147483713" r:id="rId1"/>
+    <p:sldLayoutId id="2147483714" r:id="rId2"/>
+    <p:sldLayoutId id="2147483715" r:id="rId3"/>
+    <p:sldLayoutId id="2147483716" r:id="rId4"/>
+    <p:sldLayoutId id="2147483717" r:id="rId5"/>
+    <p:sldLayoutId id="2147483718" r:id="rId6"/>
+    <p:sldLayoutId id="2147483719" r:id="rId7"/>
+    <p:sldLayoutId id="2147483720" r:id="rId8"/>
+  </p:sldLayoutIdLst>
+  <p:hf hdr="0" dt="0"/>
+  <p:txStyles>
+    <p:titleStyle>
+      <a:lvl1pPr algn="l" rtl="0" eaLnBrk="0" fontAlgn="base" hangingPunct="0">
+        <a:lnSpc>
+          <a:spcPct val="125000"/>
+        </a:lnSpc>
+        <a:spcBef>
+          <a:spcPct val="0"/>
+        </a:spcBef>
+        <a:spcAft>
+          <a:spcPct val="0"/>
+        </a:spcAft>
+        <a:defRPr sz="2200" b="0" kern="1200">
+          <a:solidFill>
+            <a:schemeClr val="tx1"/>
+          </a:solidFill>
+          <a:latin typeface="+mj-lt"/>
+          <a:ea typeface="+mj-ea"/>
+          <a:cs typeface="+mj-cs"/>
+        </a:defRPr>
+      </a:lvl1pPr>
+      <a:lvl2pPr algn="l" rtl="0" eaLnBrk="0" fontAlgn="base" hangingPunct="0">
+        <a:spcBef>
+          <a:spcPct val="0"/>
+        </a:spcBef>
+        <a:spcAft>
+          <a:spcPct val="0"/>
+        </a:spcAft>
+        <a:defRPr sz="2000" b="1">
+          <a:solidFill>
+            <a:schemeClr val="tx2"/>
+          </a:solidFill>
+          <a:latin typeface="Arial" charset="0"/>
+          <a:cs typeface="Arial" charset="0"/>
+        </a:defRPr>
+      </a:lvl2pPr>
+      <a:lvl3pPr algn="l" rtl="0" eaLnBrk="0" fontAlgn="base" hangingPunct="0">
+        <a:spcBef>
+          <a:spcPct val="0"/>
+        </a:spcBef>
+        <a:spcAft>
+          <a:spcPct val="0"/>
+        </a:spcAft>
+        <a:defRPr sz="2000" b="1">
+          <a:solidFill>
+            <a:schemeClr val="tx2"/>
+          </a:solidFill>
+          <a:latin typeface="Arial" charset="0"/>
+          <a:cs typeface="Arial" charset="0"/>
+        </a:defRPr>
+      </a:lvl3pPr>
+      <a:lvl4pPr algn="l" rtl="0" eaLnBrk="0" fontAlgn="base" hangingPunct="0">
+        <a:spcBef>
+          <a:spcPct val="0"/>
+        </a:spcBef>
+        <a:spcAft>
+          <a:spcPct val="0"/>
+        </a:spcAft>
+        <a:defRPr sz="2000" b="1">
+          <a:solidFill>
+            <a:schemeClr val="tx2"/>
+          </a:solidFill>
+          <a:latin typeface="Arial" charset="0"/>
+          <a:cs typeface="Arial" charset="0"/>
+        </a:defRPr>
+      </a:lvl4pPr>
+      <a:lvl5pPr algn="l" rtl="0" eaLnBrk="0" fontAlgn="base" hangingPunct="0">
+        <a:spcBef>
+          <a:spcPct val="0"/>
+        </a:spcBef>
+        <a:spcAft>
+          <a:spcPct val="0"/>
+        </a:spcAft>
+        <a:defRPr sz="2000" b="1">
+          <a:solidFill>
+            <a:schemeClr val="tx2"/>
+          </a:solidFill>
+          <a:latin typeface="Arial" charset="0"/>
+          <a:cs typeface="Arial" charset="0"/>
+        </a:defRPr>
+      </a:lvl5pPr>
+      <a:lvl6pPr marL="457200" algn="l" rtl="0" fontAlgn="base">
+        <a:spcBef>
+          <a:spcPct val="0"/>
+        </a:spcBef>
+        <a:spcAft>
+          <a:spcPct val="0"/>
+        </a:spcAft>
+        <a:defRPr sz="2000" b="1">
+          <a:solidFill>
+            <a:schemeClr val="tx2"/>
+          </a:solidFill>
+          <a:latin typeface="Arial" charset="0"/>
+          <a:cs typeface="Arial" charset="0"/>
+        </a:defRPr>
+      </a:lvl6pPr>
+      <a:lvl7pPr marL="914400" algn="l" rtl="0" fontAlgn="base">
+        <a:spcBef>
+          <a:spcPct val="0"/>
+        </a:spcBef>
+        <a:spcAft>
+          <a:spcPct val="0"/>
+        </a:spcAft>
+        <a:defRPr sz="2000" b="1">
+          <a:solidFill>
+            <a:schemeClr val="tx2"/>
+          </a:solidFill>
+          <a:latin typeface="Arial" charset="0"/>
+          <a:cs typeface="Arial" charset="0"/>
+        </a:defRPr>
+      </a:lvl7pPr>
+      <a:lvl8pPr marL="1371600" algn="l" rtl="0" fontAlgn="base">
+        <a:spcBef>
+          <a:spcPct val="0"/>
+        </a:spcBef>
+        <a:spcAft>
+          <a:spcPct val="0"/>
+        </a:spcAft>
+        <a:defRPr sz="2000" b="1">
+          <a:solidFill>
+            <a:schemeClr val="tx2"/>
+          </a:solidFill>
+          <a:latin typeface="Arial" charset="0"/>
+          <a:cs typeface="Arial" charset="0"/>
+        </a:defRPr>
+      </a:lvl8pPr>
+      <a:lvl9pPr marL="1828800" algn="l" rtl="0" fontAlgn="base">
+        <a:spcBef>
+          <a:spcPct val="0"/>
+        </a:spcBef>
+        <a:spcAft>
+          <a:spcPct val="0"/>
+        </a:spcAft>
+        <a:defRPr sz="2000" b="1">
+          <a:solidFill>
+            <a:schemeClr val="tx2"/>
+          </a:solidFill>
+          <a:latin typeface="Arial" charset="0"/>
+          <a:cs typeface="Arial" charset="0"/>
+        </a:defRPr>
+      </a:lvl9pPr>
+    </p:titleStyle>
+    <p:bodyStyle>
+      <a:lvl1pPr algn="l" rtl="0" eaLnBrk="0" fontAlgn="base" hangingPunct="0">
+        <a:lnSpc>
+          <a:spcPct val="100000"/>
+        </a:lnSpc>
+        <a:spcBef>
+          <a:spcPct val="0"/>
+        </a:spcBef>
+        <a:spcAft>
+          <a:spcPct val="0"/>
+        </a:spcAft>
+        <a:defRPr sz="1600" kern="1200">
+          <a:solidFill>
+            <a:schemeClr val="tx1"/>
+          </a:solidFill>
+          <a:latin typeface="+mn-lt"/>
+          <a:ea typeface="+mn-ea"/>
+          <a:cs typeface="+mn-cs"/>
+        </a:defRPr>
+      </a:lvl1pPr>
+      <a:lvl2pPr marL="176213" indent="-176213" algn="l" rtl="0" eaLnBrk="0" fontAlgn="base" hangingPunct="0">
+        <a:lnSpc>
+          <a:spcPct val="100000"/>
+        </a:lnSpc>
+        <a:spcBef>
+          <a:spcPct val="0"/>
+        </a:spcBef>
+        <a:spcAft>
+          <a:spcPct val="0"/>
+        </a:spcAft>
+        <a:buFont typeface="Arial" charset="0"/>
+        <a:buChar char="•"/>
+        <a:defRPr sz="1600" kern="1200">
+          <a:solidFill>
+            <a:schemeClr val="tx1"/>
+          </a:solidFill>
+          <a:latin typeface="+mn-lt"/>
+          <a:ea typeface="+mn-ea"/>
+          <a:cs typeface="+mn-cs"/>
+        </a:defRPr>
+      </a:lvl2pPr>
+      <a:lvl3pPr marL="360363" indent="-184150" algn="l" rtl="0" eaLnBrk="0" fontAlgn="base" hangingPunct="0">
+        <a:lnSpc>
+          <a:spcPct val="125000"/>
+        </a:lnSpc>
+        <a:spcBef>
+          <a:spcPct val="0"/>
+        </a:spcBef>
+        <a:spcAft>
+          <a:spcPct val="0"/>
+        </a:spcAft>
+        <a:buFont typeface="Symbol" pitchFamily="18" charset="2"/>
+        <a:buChar char="-"/>
+        <a:defRPr sz="1400" kern="1200">
+          <a:solidFill>
+            <a:schemeClr val="tx1"/>
+          </a:solidFill>
+          <a:latin typeface="+mn-lt"/>
+          <a:ea typeface="+mn-ea"/>
+          <a:cs typeface="+mn-cs"/>
+        </a:defRPr>
+      </a:lvl3pPr>
+      <a:lvl4pPr marL="538163" indent="-177800" algn="l" rtl="0" eaLnBrk="0" fontAlgn="base" hangingPunct="0">
+        <a:lnSpc>
+          <a:spcPct val="125000"/>
+        </a:lnSpc>
+        <a:spcBef>
+          <a:spcPct val="0"/>
+        </a:spcBef>
+        <a:spcAft>
+          <a:spcPct val="0"/>
+        </a:spcAft>
+        <a:buFont typeface="Symbol" pitchFamily="18" charset="2"/>
+        <a:buChar char="-"/>
+        <a:defRPr sz="1400" kern="1200">
+          <a:solidFill>
+            <a:schemeClr val="tx1"/>
+          </a:solidFill>
+          <a:latin typeface="+mn-lt"/>
+          <a:ea typeface="+mn-ea"/>
+          <a:cs typeface="+mn-cs"/>
+        </a:defRPr>
+      </a:lvl4pPr>
+      <a:lvl5pPr marL="714375" indent="-176213" algn="l" rtl="0" eaLnBrk="0" fontAlgn="base" hangingPunct="0">
+        <a:lnSpc>
+          <a:spcPct val="125000"/>
+        </a:lnSpc>
+        <a:spcBef>
+          <a:spcPct val="0"/>
+        </a:spcBef>
+        <a:spcAft>
+          <a:spcPct val="0"/>
+        </a:spcAft>
+        <a:buFont typeface="Symbol" pitchFamily="18" charset="2"/>
+        <a:buChar char="-"/>
+        <a:defRPr sz="1400" kern="1200">
+          <a:solidFill>
+            <a:schemeClr val="tx1"/>
+          </a:solidFill>
+          <a:latin typeface="+mn-lt"/>
+          <a:ea typeface="+mn-ea"/>
+          <a:cs typeface="+mn-cs"/>
+        </a:defRPr>
+      </a:lvl5pPr>
+      <a:lvl6pPr marL="2514600" indent="-228600" algn="l" defTabSz="914400" rtl="0" eaLnBrk="1" latinLnBrk="0" hangingPunct="1">
+        <a:spcBef>
+          <a:spcPct val="20000"/>
+        </a:spcBef>
+        <a:buFont typeface="Arial" pitchFamily="34" charset="0"/>
+        <a:buChar char="•"/>
+        <a:defRPr sz="2000" kern="1200">
+          <a:solidFill>
+            <a:schemeClr val="tx1"/>
+          </a:solidFill>
+          <a:latin typeface="+mn-lt"/>
+          <a:ea typeface="+mn-ea"/>
+          <a:cs typeface="+mn-cs"/>
+        </a:defRPr>
+      </a:lvl6pPr>
+      <a:lvl7pPr marL="2971800" indent="-228600" algn="l" defTabSz="914400" rtl="0" eaLnBrk="1" latinLnBrk="0" hangingPunct="1">
+        <a:spcBef>
+          <a:spcPct val="20000"/>
+        </a:spcBef>
+        <a:buFont typeface="Arial" pitchFamily="34" charset="0"/>
+        <a:buChar char="•"/>
+        <a:defRPr sz="2000" kern="1200">
+          <a:solidFill>
+            <a:schemeClr val="tx1"/>
+          </a:solidFill>
+          <a:latin typeface="+mn-lt"/>
+          <a:ea typeface="+mn-ea"/>
+          <a:cs typeface="+mn-cs"/>
+        </a:defRPr>
+      </a:lvl7pPr>
+      <a:lvl8pPr marL="3429000" indent="-228600" algn="l" defTabSz="914400" rtl="0" eaLnBrk="1" latinLnBrk="0" hangingPunct="1">
+        <a:spcBef>
+          <a:spcPct val="20000"/>
+        </a:spcBef>
+        <a:buFont typeface="Arial" pitchFamily="34" charset="0"/>
+        <a:buChar char="•"/>
+        <a:defRPr sz="2000" kern="1200">
+          <a:solidFill>
+            <a:schemeClr val="tx1"/>
+          </a:solidFill>
+          <a:latin typeface="+mn-lt"/>
+          <a:ea typeface="+mn-ea"/>
+          <a:cs typeface="+mn-cs"/>
+        </a:defRPr>
+      </a:lvl8pPr>
+      <a:lvl9pPr marL="3886200" indent="-228600" algn="l" defTabSz="914400" rtl="0" eaLnBrk="1" latinLnBrk="0" hangingPunct="1">
+        <a:spcBef>
+          <a:spcPct val="20000"/>
+        </a:spcBef>
+        <a:buFont typeface="Arial" pitchFamily="34" charset="0"/>
+        <a:buChar char="•"/>
+        <a:defRPr sz="2000" kern="1200">
+          <a:solidFill>
+            <a:schemeClr val="tx1"/>
+          </a:solidFill>
+          <a:latin typeface="+mn-lt"/>
+          <a:ea typeface="+mn-ea"/>
+          <a:cs typeface="+mn-cs"/>
+        </a:defRPr>
+      </a:lvl9pPr>
+    </p:bodyStyle>
+    <p:otherStyle>
+      <a:defPPr>
+        <a:defRPr lang="de-DE"/>
+      </a:defPPr>
+      <a:lvl1pPr marL="0" algn="l" defTabSz="914400" rtl="0" eaLnBrk="1" latinLnBrk="0" hangingPunct="1">
+        <a:defRPr sz="1800" kern="1200">
+          <a:solidFill>
+            <a:schemeClr val="tx1"/>
+          </a:solidFill>
+          <a:latin typeface="+mn-lt"/>
+          <a:ea typeface="+mn-ea"/>
+          <a:cs typeface="+mn-cs"/>
+        </a:defRPr>
+      </a:lvl1pPr>
+      <a:lvl2pPr marL="457200" algn="l" defTabSz="914400" rtl="0" eaLnBrk="1" latinLnBrk="0" hangingPunct="1">
+        <a:defRPr sz="1800" kern="1200">
+          <a:solidFill>
+            <a:schemeClr val="tx1"/>
+          </a:solidFill>
+          <a:latin typeface="+mn-lt"/>
+          <a:ea typeface="+mn-ea"/>
+          <a:cs typeface="+mn-cs"/>
+        </a:defRPr>
+      </a:lvl2pPr>
+      <a:lvl3pPr marL="914400" algn="l" defTabSz="914400" rtl="0" eaLnBrk="1" latinLnBrk="0" hangingPunct="1">
+        <a:defRPr sz="1800" kern="1200">
+          <a:solidFill>
+            <a:schemeClr val="tx1"/>
+          </a:solidFill>
+          <a:latin typeface="+mn-lt"/>
+          <a:ea typeface="+mn-ea"/>
+          <a:cs typeface="+mn-cs"/>
+        </a:defRPr>
+      </a:lvl3pPr>
+      <a:lvl4pPr marL="1371600" algn="l" defTabSz="914400" rtl="0" eaLnBrk="1" latinLnBrk="0" hangingPunct="1">
+        <a:defRPr sz="1800" kern="1200">
+          <a:solidFill>
+            <a:schemeClr val="tx1"/>
+          </a:solidFill>
+          <a:latin typeface="+mn-lt"/>
+          <a:ea typeface="+mn-ea"/>
+          <a:cs typeface="+mn-cs"/>
+        </a:defRPr>
+      </a:lvl4pPr>
+      <a:lvl5pPr marL="1828800" algn="l" defTabSz="914400" rtl="0" eaLnBrk="1" latinLnBrk="0" hangingPunct="1">
+        <a:defRPr sz="1800" kern="1200">
+          <a:solidFill>
+            <a:schemeClr val="tx1"/>
+          </a:solidFill>
+          <a:latin typeface="+mn-lt"/>
+          <a:ea typeface="+mn-ea"/>
+          <a:cs typeface="+mn-cs"/>
+        </a:defRPr>
+      </a:lvl5pPr>
+      <a:lvl6pPr marL="2286000" algn="l" defTabSz="914400" rtl="0" eaLnBrk="1" latinLnBrk="0" hangingPunct="1">
+        <a:defRPr sz="1800" kern="1200">
+          <a:solidFill>
+            <a:schemeClr val="tx1"/>
+          </a:solidFill>
+          <a:latin typeface="+mn-lt"/>
+          <a:ea typeface="+mn-ea"/>
+          <a:cs typeface="+mn-cs"/>
+        </a:defRPr>
+      </a:lvl6pPr>
+      <a:lvl7pPr marL="2743200" algn="l" defTabSz="914400" rtl="0" eaLnBrk="1" latinLnBrk="0" hangingPunct="1">
+        <a:defRPr sz="1800" kern="1200">
+          <a:solidFill>
+            <a:schemeClr val="tx1"/>
+          </a:solidFill>
+          <a:latin typeface="+mn-lt"/>
+          <a:ea typeface="+mn-ea"/>
+          <a:cs typeface="+mn-cs"/>
+        </a:defRPr>
+      </a:lvl7pPr>
+      <a:lvl8pPr marL="3200400" algn="l" defTabSz="914400" rtl="0" eaLnBrk="1" latinLnBrk="0" hangingPunct="1">
+        <a:defRPr sz="1800" kern="1200">
+          <a:solidFill>
+            <a:schemeClr val="tx1"/>
+          </a:solidFill>
+          <a:latin typeface="+mn-lt"/>
+          <a:ea typeface="+mn-ea"/>
+          <a:cs typeface="+mn-cs"/>
+        </a:defRPr>
+      </a:lvl8pPr>
+      <a:lvl9pPr marL="3657600" algn="l" defTabSz="914400" rtl="0" eaLnBrk="1" latinLnBrk="0" hangingPunct="1">
+        <a:defRPr sz="1800" kern="1200">
+          <a:solidFill>
+            <a:schemeClr val="tx1"/>
+          </a:solidFill>
+          <a:latin typeface="+mn-lt"/>
+          <a:ea typeface="+mn-ea"/>
+          <a:cs typeface="+mn-cs"/>
+        </a:defRPr>
+      </a:lvl9pPr>
+    </p:otherStyle>
+  </p:txStyles>
+</p:sldMaster>
+</file>
+
 <file path=ppt/slides/slide1.xml><?xml version="1.0" encoding="utf-8"?>
 <p:sld xmlns:a="http://schemas.openxmlformats.org/drawingml/2006/main" xmlns:r="http://schemas.openxmlformats.org/officeDocument/2006/relationships" xmlns:p="http://schemas.openxmlformats.org/presentationml/2006/main">
   <p:cSld>
@@ -9326,94 +11882,24 @@
           <a:lstStyle/>
           <a:p>
             <a:r>
-              <a:rPr lang="de-DE"/>
-              <a:t>Bei kleinen Aufzählungen auf Aufzählungszeichen verzichten und ggf. zusätzliche Leerzeile</a:t>
-            </a:r>
-          </a:p>
-          <a:p>
-            <a:r>
-              <a:rPr lang="de-DE"/>
-              <a:t>Nur die wesentlichen Punkte nennen und Themen auf verschiedene Seiten splitten.</a:t>
-            </a:r>
-          </a:p>
-          <a:p>
-            <a:endParaRPr lang="de-DE"/>
-          </a:p>
-          <a:p>
-            <a:r>
-              <a:rPr lang="de-DE"/>
-              <a:t>Punkt 1</a:t>
-            </a:r>
-          </a:p>
-          <a:p>
-            <a:endParaRPr lang="de-DE"/>
-          </a:p>
-          <a:p>
-            <a:r>
-              <a:rPr lang="de-DE"/>
-              <a:t>Punkt 2</a:t>
-            </a:r>
-          </a:p>
-          <a:p>
-            <a:endParaRPr lang="de-DE"/>
-          </a:p>
-          <a:p>
-            <a:r>
-              <a:rPr lang="de-DE"/>
-              <a:t>Wenn Unterpunkte in einer Aufzählung nötig sind ist ein Einrücken mit – möglich</a:t>
-            </a:r>
-          </a:p>
-          <a:p>
-            <a:pPr lvl="1"/>
-            <a:r>
-              <a:rPr lang="de-DE"/>
-              <a:t>Unterpunkt 1</a:t>
-            </a:r>
-          </a:p>
-          <a:p>
-            <a:pPr lvl="2"/>
-            <a:r>
-              <a:rPr lang="de-DE"/>
-              <a:t>Unterpunkt 1</a:t>
-            </a:r>
-          </a:p>
-          <a:p>
-            <a:pPr lvl="2"/>
-            <a:r>
-              <a:rPr lang="de-DE"/>
-              <a:t>Unterpunkt 2</a:t>
-            </a:r>
-          </a:p>
-          <a:p>
-            <a:endParaRPr lang="de-DE"/>
-          </a:p>
-          <a:p>
-            <a:r>
-              <a:rPr lang="de-DE"/>
-              <a:t>Bei größeren Listen die Standardeinstellung • verwenden</a:t>
-            </a:r>
-          </a:p>
-          <a:p>
-            <a:pPr lvl="1"/>
-            <a:r>
-              <a:rPr lang="de-DE"/>
-              <a:t>Unterpunkt 1</a:t>
-            </a:r>
-          </a:p>
-          <a:p>
-            <a:pPr lvl="1"/>
-            <a:r>
-              <a:rPr lang="de-DE"/>
-              <a:t>Unterpunkt 2</a:t>
-            </a:r>
-          </a:p>
-          <a:p>
-            <a:pPr lvl="1"/>
-            <a:r>
-              <a:rPr lang="de-DE"/>
-              <a:t>Unterpunkt 3</a:t>
-            </a:r>
-            <a:endParaRPr lang="de-DE" dirty="0"/>
+              <a:rPr/>
+              <a:t>Kurze und knappe Texte, Fließtexte linksbündig, kein Blocksatz</a:t>
+            </a:r>
+          </a:p>
+          <a:p>
+            <a:endParaRPr/>
+          </a:p>
+          <a:p>
+            <a:r>
+              <a:rPr/>
+              <a:t>Beispiel:</a:t>
+            </a:r>
+          </a:p>
+          <a:p>
+            <a:r>
+              <a:rPr/>
+              <a:t>Tem soluptam, nisi as verum ereprehendam at acculpa quidisq uissit volupta tusdant utem as etur, odi odis es doluptiae dem nimaion con nossinctenis pora quam voloria consenimus blabore everfer epeliquo maio etur.</a:t>
+            </a:r>
           </a:p>
         </p:txBody>
       </p:sp>
@@ -9443,7 +11929,7 @@
       </p:sp>
       <p:sp>
         <p:nvSpPr>
-          <p:cNvPr id="5" name="Fußzeilenplatzhalter 4"/>
+          <p:cNvPr id="6" name="Fußzeilenplatzhalter 4"/>
           <p:cNvSpPr>
             <a:spLocks noGrp="1"/>
           </p:cNvSpPr>
@@ -9474,14 +11960,18 @@
             <p:ph type="title"/>
           </p:nvPr>
         </p:nvSpPr>
-        <p:spPr/>
+        <p:spPr>
+          <a:prstGeom prst="rect">
+            <a:avLst/>
+          </a:prstGeom>
+        </p:spPr>
         <p:txBody>
           <a:bodyPr/>
           <a:lstStyle/>
           <a:p>
             <a:r>
-              <a:rPr lang="de-DE"/>
-              <a:t>Aufzählung</a:t>
+              <a:rPr dirty="0"/>
+              <a:t>Texte</a:t>
             </a:r>
             <a:endParaRPr lang="de-DE" dirty="0"/>
           </a:p>
@@ -9528,30 +12018,94 @@
           <a:lstStyle/>
           <a:p>
             <a:r>
-              <a:rPr/>
-              <a:t>schlichte Darstellung von Informationen</a:t>
-            </a:r>
-          </a:p>
-          <a:p>
-            <a:endParaRPr/>
-          </a:p>
-          <a:p>
-            <a:r>
-              <a:rPr/>
-              <a:t>reduzierte Farben</a:t>
-            </a:r>
-          </a:p>
-          <a:p>
-            <a:endParaRPr/>
-          </a:p>
-          <a:p>
-            <a:r>
-              <a:rPr/>
-              <a:t>Rahmen und Überlagerungen nach Möglichkeit vermeiden</a:t>
-            </a:r>
-          </a:p>
-          <a:p>
-            <a:endParaRPr dirty="0"/>
+              <a:rPr lang="de-DE"/>
+              <a:t>Bei kleinen Aufzählungen auf Aufzählungszeichen verzichten und ggf. zusätzliche Leerzeile</a:t>
+            </a:r>
+          </a:p>
+          <a:p>
+            <a:r>
+              <a:rPr lang="de-DE"/>
+              <a:t>Nur die wesentlichen Punkte nennen und Themen auf verschiedene Seiten splitten.</a:t>
+            </a:r>
+          </a:p>
+          <a:p>
+            <a:endParaRPr lang="de-DE"/>
+          </a:p>
+          <a:p>
+            <a:r>
+              <a:rPr lang="de-DE"/>
+              <a:t>Punkt 1</a:t>
+            </a:r>
+          </a:p>
+          <a:p>
+            <a:endParaRPr lang="de-DE"/>
+          </a:p>
+          <a:p>
+            <a:r>
+              <a:rPr lang="de-DE"/>
+              <a:t>Punkt 2</a:t>
+            </a:r>
+          </a:p>
+          <a:p>
+            <a:endParaRPr lang="de-DE"/>
+          </a:p>
+          <a:p>
+            <a:r>
+              <a:rPr lang="de-DE"/>
+              <a:t>Wenn Unterpunkte in einer Aufzählung nötig sind ist ein Einrücken mit – möglich</a:t>
+            </a:r>
+          </a:p>
+          <a:p>
+            <a:pPr lvl="1"/>
+            <a:r>
+              <a:rPr lang="de-DE"/>
+              <a:t>Unterpunkt 1</a:t>
+            </a:r>
+          </a:p>
+          <a:p>
+            <a:pPr lvl="2"/>
+            <a:r>
+              <a:rPr lang="de-DE"/>
+              <a:t>Unterpunkt 1</a:t>
+            </a:r>
+          </a:p>
+          <a:p>
+            <a:pPr lvl="2"/>
+            <a:r>
+              <a:rPr lang="de-DE"/>
+              <a:t>Unterpunkt 2</a:t>
+            </a:r>
+          </a:p>
+          <a:p>
+            <a:endParaRPr lang="de-DE"/>
+          </a:p>
+          <a:p>
+            <a:r>
+              <a:rPr lang="de-DE"/>
+              <a:t>Bei größeren Listen die Standardeinstellung • verwenden</a:t>
+            </a:r>
+          </a:p>
+          <a:p>
+            <a:pPr lvl="1"/>
+            <a:r>
+              <a:rPr lang="de-DE"/>
+              <a:t>Unterpunkt 1</a:t>
+            </a:r>
+          </a:p>
+          <a:p>
+            <a:pPr lvl="1"/>
+            <a:r>
+              <a:rPr lang="de-DE"/>
+              <a:t>Unterpunkt 2</a:t>
+            </a:r>
+          </a:p>
+          <a:p>
+            <a:pPr lvl="1"/>
+            <a:r>
+              <a:rPr lang="de-DE"/>
+              <a:t>Unterpunkt 3</a:t>
+            </a:r>
+            <a:endParaRPr lang="de-DE" dirty="0"/>
           </a:p>
         </p:txBody>
       </p:sp>
@@ -9581,7 +12135,7 @@
       </p:sp>
       <p:sp>
         <p:nvSpPr>
-          <p:cNvPr id="6" name="Fußzeilenplatzhalter 4"/>
+          <p:cNvPr id="5" name="Fußzeilenplatzhalter 4"/>
           <p:cNvSpPr>
             <a:spLocks noGrp="1"/>
           </p:cNvSpPr>
@@ -9612,20 +12166,16 @@
             <p:ph type="title"/>
           </p:nvPr>
         </p:nvSpPr>
-        <p:spPr>
-          <a:prstGeom prst="rect">
-            <a:avLst/>
-          </a:prstGeom>
-        </p:spPr>
+        <p:spPr/>
         <p:txBody>
           <a:bodyPr/>
           <a:lstStyle/>
           <a:p>
             <a:r>
-              <a:rPr sz="3000"/>
-              <a:t>Bilder - Allgemein</a:t>
-            </a:r>
-            <a:endParaRPr lang="de-DE" sz="3000" dirty="0"/>
+              <a:rPr lang="de-DE"/>
+              <a:t>Aufzählung</a:t>
+            </a:r>
+            <a:endParaRPr lang="de-DE" dirty="0"/>
           </a:p>
         </p:txBody>
       </p:sp>
@@ -9656,12 +12206,12 @@
       </p:grpSpPr>
       <p:sp>
         <p:nvSpPr>
-          <p:cNvPr id="3" name="Textplatzhalter 2"/>
-          <p:cNvSpPr>
-            <a:spLocks noGrp="1"/>
-          </p:cNvSpPr>
-          <p:nvPr>
-            <p:ph type="body" sz="quarter" idx="13"/>
+          <p:cNvPr id="2" name="Inhaltsplatzhalter 1"/>
+          <p:cNvSpPr>
+            <a:spLocks noGrp="1"/>
+          </p:cNvSpPr>
+          <p:nvPr>
+            <p:ph idx="1"/>
           </p:nvPr>
         </p:nvSpPr>
         <p:spPr/>
@@ -9670,27 +12220,41 @@
           <a:lstStyle/>
           <a:p>
             <a:r>
-              <a:rPr lang="de-DE"/>
-              <a:t>Bildbeschreibung</a:t>
-            </a:r>
-            <a:br>
-              <a:rPr lang="de-DE"/>
-            </a:br>
-            <a:r>
-              <a:rPr lang="de-DE"/>
-              <a:t>oberer Bildrand: Begrenzung durch Text</a:t>
-            </a:r>
-          </a:p>
-        </p:txBody>
-      </p:sp>
-      <p:sp>
-        <p:nvSpPr>
-          <p:cNvPr id="5" name="Foliennummernplatzhalter 4"/>
-          <p:cNvSpPr>
-            <a:spLocks noGrp="1"/>
-          </p:cNvSpPr>
-          <p:nvPr>
-            <p:ph type="sldNum" sz="quarter" idx="15"/>
+              <a:rPr/>
+              <a:t>schlichte Darstellung von Informationen</a:t>
+            </a:r>
+          </a:p>
+          <a:p>
+            <a:endParaRPr/>
+          </a:p>
+          <a:p>
+            <a:r>
+              <a:rPr/>
+              <a:t>reduzierte Farben</a:t>
+            </a:r>
+          </a:p>
+          <a:p>
+            <a:endParaRPr/>
+          </a:p>
+          <a:p>
+            <a:r>
+              <a:rPr/>
+              <a:t>Rahmen und Überlagerungen nach Möglichkeit vermeiden</a:t>
+            </a:r>
+          </a:p>
+          <a:p>
+            <a:endParaRPr dirty="0"/>
+          </a:p>
+        </p:txBody>
+      </p:sp>
+      <p:sp>
+        <p:nvSpPr>
+          <p:cNvPr id="4" name="Foliennummernplatzhalter 3"/>
+          <p:cNvSpPr>
+            <a:spLocks noGrp="1"/>
+          </p:cNvSpPr>
+          <p:nvPr>
+            <p:ph type="sldNum" sz="quarter" idx="11"/>
           </p:nvPr>
         </p:nvSpPr>
         <p:spPr/>
@@ -9709,12 +12273,12 @@
       </p:sp>
       <p:sp>
         <p:nvSpPr>
-          <p:cNvPr id="10" name="Fußzeilenplatzhalter 4"/>
-          <p:cNvSpPr>
-            <a:spLocks noGrp="1"/>
-          </p:cNvSpPr>
-          <p:nvPr>
-            <p:ph type="ftr" sz="quarter" idx="16"/>
+          <p:cNvPr id="6" name="Fußzeilenplatzhalter 4"/>
+          <p:cNvSpPr>
+            <a:spLocks noGrp="1"/>
+          </p:cNvSpPr>
+          <p:nvPr>
+            <p:ph type="ftr" sz="quarter" idx="12"/>
           </p:nvPr>
         </p:nvSpPr>
         <p:spPr/>
@@ -9732,55 +12296,28 @@
       </p:sp>
       <p:sp>
         <p:nvSpPr>
-          <p:cNvPr id="22" name="Inhaltsplatzhalter 21"/>
-          <p:cNvSpPr>
-            <a:spLocks noGrp="1"/>
-          </p:cNvSpPr>
-          <p:nvPr>
-            <p:ph sz="quarter" idx="18"/>
-          </p:nvPr>
-        </p:nvSpPr>
-        <p:spPr/>
+          <p:cNvPr id="3" name="Titel 2"/>
+          <p:cNvSpPr>
+            <a:spLocks noGrp="1"/>
+          </p:cNvSpPr>
+          <p:nvPr>
+            <p:ph type="title"/>
+          </p:nvPr>
+        </p:nvSpPr>
+        <p:spPr>
+          <a:prstGeom prst="rect">
+            <a:avLst/>
+          </a:prstGeom>
+        </p:spPr>
         <p:txBody>
           <a:bodyPr/>
           <a:lstStyle/>
           <a:p>
-            <a:endParaRPr lang="de-DE"/>
-          </a:p>
-        </p:txBody>
-      </p:sp>
-      <p:sp>
-        <p:nvSpPr>
-          <p:cNvPr id="21" name="Bildplatzhalter 20"/>
-          <p:cNvSpPr>
-            <a:spLocks noGrp="1"/>
-          </p:cNvSpPr>
-          <p:nvPr>
-            <p:ph type="pic" sz="quarter" idx="14"/>
-          </p:nvPr>
-        </p:nvSpPr>
-        <p:spPr/>
-      </p:sp>
-      <p:sp>
-        <p:nvSpPr>
-          <p:cNvPr id="4" name="Titel 3"/>
-          <p:cNvSpPr>
-            <a:spLocks noGrp="1"/>
-          </p:cNvSpPr>
-          <p:nvPr>
-            <p:ph type="title"/>
-          </p:nvPr>
-        </p:nvSpPr>
-        <p:spPr/>
-        <p:txBody>
-          <a:bodyPr/>
-          <a:lstStyle/>
-          <a:p>
-            <a:r>
-              <a:rPr lang="de-DE"/>
-              <a:t>Bilder</a:t>
-            </a:r>
-            <a:endParaRPr lang="de-DE" dirty="0"/>
+            <a:r>
+              <a:rPr sz="3000"/>
+              <a:t>Bilder - Allgemein</a:t>
+            </a:r>
+            <a:endParaRPr lang="de-DE" sz="3000" dirty="0"/>
           </a:p>
         </p:txBody>
       </p:sp>
@@ -9816,7 +12353,7 @@
             <a:spLocks noGrp="1"/>
           </p:cNvSpPr>
           <p:nvPr>
-            <p:ph idx="14"/>
+            <p:ph type="body" sz="quarter" idx="13"/>
           </p:nvPr>
         </p:nvSpPr>
         <p:spPr/>
@@ -9825,76 +12362,16 @@
           <a:lstStyle/>
           <a:p>
             <a:r>
-              <a:rPr lang="de-DE" dirty="0"/>
-              <a:t>Überschrift 2</a:t>
-            </a:r>
-          </a:p>
-          <a:p>
-            <a:r>
-              <a:rPr lang="de-DE" dirty="0"/>
-              <a:t>Hier steht ein einleitender oder beschreibender Fließtext und nach Wunsch eine Aufzählung</a:t>
-            </a:r>
-          </a:p>
-          <a:p>
-            <a:endParaRPr lang="de-DE" dirty="0"/>
-          </a:p>
-          <a:p>
-            <a:r>
-              <a:rPr lang="de-DE" dirty="0"/>
-              <a:t>Punkt 1</a:t>
-            </a:r>
-          </a:p>
-          <a:p>
-            <a:endParaRPr lang="de-DE" dirty="0"/>
-          </a:p>
-          <a:p>
-            <a:r>
-              <a:rPr lang="de-DE" dirty="0"/>
-              <a:t>Punkt 2</a:t>
-            </a:r>
-          </a:p>
-          <a:p>
-            <a:endParaRPr lang="de-DE" dirty="0"/>
-          </a:p>
-          <a:p>
-            <a:r>
-              <a:rPr lang="de-DE" dirty="0"/>
-              <a:t>Punkt 3</a:t>
-            </a:r>
-          </a:p>
-          <a:p>
-            <a:endParaRPr lang="de-DE" dirty="0"/>
-          </a:p>
-          <a:p>
-            <a:r>
-              <a:rPr lang="de-DE" dirty="0"/>
-              <a:t>Punkt 4</a:t>
-            </a:r>
-          </a:p>
-          <a:p>
-            <a:endParaRPr lang="de-DE" dirty="0"/>
-          </a:p>
-          <a:p>
-            <a:endParaRPr lang="de-DE" dirty="0"/>
-          </a:p>
-        </p:txBody>
-      </p:sp>
-      <p:sp>
-        <p:nvSpPr>
-          <p:cNvPr id="18" name="Inhaltsplatzhalter 17"/>
-          <p:cNvSpPr>
-            <a:spLocks noGrp="1"/>
-          </p:cNvSpPr>
-          <p:nvPr>
-            <p:ph idx="15"/>
-          </p:nvPr>
-        </p:nvSpPr>
-        <p:spPr/>
-        <p:txBody>
-          <a:bodyPr/>
-          <a:lstStyle/>
-          <a:p>
-            <a:endParaRPr lang="de-DE"/>
+              <a:rPr lang="de-DE"/>
+              <a:t>Bildbeschreibung</a:t>
+            </a:r>
+            <a:br>
+              <a:rPr lang="de-DE"/>
+            </a:br>
+            <a:r>
+              <a:rPr lang="de-DE"/>
+              <a:t>oberer Bildrand: Begrenzung durch Text</a:t>
+            </a:r>
           </a:p>
         </p:txBody>
       </p:sp>
@@ -9905,7 +12382,7 @@
             <a:spLocks noGrp="1"/>
           </p:cNvSpPr>
           <p:nvPr>
-            <p:ph type="sldNum" sz="quarter" idx="16"/>
+            <p:ph type="sldNum" sz="quarter" idx="15"/>
           </p:nvPr>
         </p:nvSpPr>
         <p:spPr/>
@@ -9924,12 +12401,12 @@
       </p:sp>
       <p:sp>
         <p:nvSpPr>
-          <p:cNvPr id="7" name="Fußzeilenplatzhalter 4"/>
-          <p:cNvSpPr>
-            <a:spLocks noGrp="1"/>
-          </p:cNvSpPr>
-          <p:nvPr>
-            <p:ph type="ftr" sz="quarter" idx="17"/>
+          <p:cNvPr id="10" name="Fußzeilenplatzhalter 4"/>
+          <p:cNvSpPr>
+            <a:spLocks noGrp="1"/>
+          </p:cNvSpPr>
+          <p:nvPr>
+            <p:ph type="ftr" sz="quarter" idx="16"/>
           </p:nvPr>
         </p:nvSpPr>
         <p:spPr/>
@@ -9944,6 +12421,37 @@
             <a:endParaRPr lang="en-US" dirty="0"/>
           </a:p>
         </p:txBody>
+      </p:sp>
+      <p:sp>
+        <p:nvSpPr>
+          <p:cNvPr id="22" name="Inhaltsplatzhalter 21"/>
+          <p:cNvSpPr>
+            <a:spLocks noGrp="1"/>
+          </p:cNvSpPr>
+          <p:nvPr>
+            <p:ph sz="quarter" idx="18"/>
+          </p:nvPr>
+        </p:nvSpPr>
+        <p:spPr/>
+        <p:txBody>
+          <a:bodyPr/>
+          <a:lstStyle/>
+          <a:p>
+            <a:endParaRPr lang="de-DE"/>
+          </a:p>
+        </p:txBody>
+      </p:sp>
+      <p:sp>
+        <p:nvSpPr>
+          <p:cNvPr id="21" name="Bildplatzhalter 20"/>
+          <p:cNvSpPr>
+            <a:spLocks noGrp="1"/>
+          </p:cNvSpPr>
+          <p:nvPr>
+            <p:ph type="pic" sz="quarter" idx="14"/>
+          </p:nvPr>
+        </p:nvSpPr>
+        <p:spPr/>
       </p:sp>
       <p:sp>
         <p:nvSpPr>
@@ -9995,12 +12503,12 @@
       </p:grpSpPr>
       <p:sp>
         <p:nvSpPr>
-          <p:cNvPr id="18" name="Inhaltsplatzhalter 17"/>
-          <p:cNvSpPr>
-            <a:spLocks noGrp="1"/>
-          </p:cNvSpPr>
-          <p:nvPr>
-            <p:ph idx="1"/>
+          <p:cNvPr id="3" name="Textplatzhalter 2"/>
+          <p:cNvSpPr>
+            <a:spLocks noGrp="1"/>
+          </p:cNvSpPr>
+          <p:nvPr>
+            <p:ph idx="14"/>
           </p:nvPr>
         </p:nvSpPr>
         <p:spPr/>
@@ -10008,6 +12516,76 @@
           <a:bodyPr/>
           <a:lstStyle/>
           <a:p>
+            <a:r>
+              <a:rPr lang="de-DE" dirty="0"/>
+              <a:t>Überschrift 2</a:t>
+            </a:r>
+          </a:p>
+          <a:p>
+            <a:r>
+              <a:rPr lang="de-DE" dirty="0"/>
+              <a:t>Hier steht ein einleitender oder beschreibender Fließtext und nach Wunsch eine Aufzählung</a:t>
+            </a:r>
+          </a:p>
+          <a:p>
+            <a:endParaRPr lang="de-DE" dirty="0"/>
+          </a:p>
+          <a:p>
+            <a:r>
+              <a:rPr lang="de-DE" dirty="0"/>
+              <a:t>Punkt 1</a:t>
+            </a:r>
+          </a:p>
+          <a:p>
+            <a:endParaRPr lang="de-DE" dirty="0"/>
+          </a:p>
+          <a:p>
+            <a:r>
+              <a:rPr lang="de-DE" dirty="0"/>
+              <a:t>Punkt 2</a:t>
+            </a:r>
+          </a:p>
+          <a:p>
+            <a:endParaRPr lang="de-DE" dirty="0"/>
+          </a:p>
+          <a:p>
+            <a:r>
+              <a:rPr lang="de-DE" dirty="0"/>
+              <a:t>Punkt 3</a:t>
+            </a:r>
+          </a:p>
+          <a:p>
+            <a:endParaRPr lang="de-DE" dirty="0"/>
+          </a:p>
+          <a:p>
+            <a:r>
+              <a:rPr lang="de-DE" dirty="0"/>
+              <a:t>Punkt 4</a:t>
+            </a:r>
+          </a:p>
+          <a:p>
+            <a:endParaRPr lang="de-DE" dirty="0"/>
+          </a:p>
+          <a:p>
+            <a:endParaRPr lang="de-DE" dirty="0"/>
+          </a:p>
+        </p:txBody>
+      </p:sp>
+      <p:sp>
+        <p:nvSpPr>
+          <p:cNvPr id="18" name="Inhaltsplatzhalter 17"/>
+          <p:cNvSpPr>
+            <a:spLocks noGrp="1"/>
+          </p:cNvSpPr>
+          <p:nvPr>
+            <p:ph idx="15"/>
+          </p:nvPr>
+        </p:nvSpPr>
+        <p:spPr/>
+        <p:txBody>
+          <a:bodyPr/>
+          <a:lstStyle/>
+          <a:p>
             <a:endParaRPr lang="de-DE"/>
           </a:p>
         </p:txBody>
@@ -10019,7 +12597,7 @@
             <a:spLocks noGrp="1"/>
           </p:cNvSpPr>
           <p:nvPr>
-            <p:ph type="sldNum" sz="quarter" idx="11"/>
+            <p:ph type="sldNum" sz="quarter" idx="16"/>
           </p:nvPr>
         </p:nvSpPr>
         <p:spPr/>
@@ -10038,12 +12616,12 @@
       </p:sp>
       <p:sp>
         <p:nvSpPr>
-          <p:cNvPr id="8" name="Fußzeilenplatzhalter 4"/>
-          <p:cNvSpPr>
-            <a:spLocks noGrp="1"/>
-          </p:cNvSpPr>
-          <p:nvPr>
-            <p:ph type="ftr" sz="quarter" idx="12"/>
+          <p:cNvPr id="7" name="Fußzeilenplatzhalter 4"/>
+          <p:cNvSpPr>
+            <a:spLocks noGrp="1"/>
+          </p:cNvSpPr>
+          <p:nvPr>
+            <p:ph type="ftr" sz="quarter" idx="17"/>
           </p:nvPr>
         </p:nvSpPr>
         <p:spPr/>
@@ -10056,35 +12634,6 @@
               <a:t>Dr. rer. nat. Erika Mustermann (TUM) | kann beliebig erweitert werden | Infos mit Strich trennen</a:t>
             </a:r>
             <a:endParaRPr lang="en-US" dirty="0"/>
-          </a:p>
-        </p:txBody>
-      </p:sp>
-      <p:sp>
-        <p:nvSpPr>
-          <p:cNvPr id="3" name="Textplatzhalter 2"/>
-          <p:cNvSpPr>
-            <a:spLocks noGrp="1"/>
-          </p:cNvSpPr>
-          <p:nvPr>
-            <p:ph type="body" sz="quarter" idx="13"/>
-          </p:nvPr>
-        </p:nvSpPr>
-        <p:spPr/>
-        <p:txBody>
-          <a:bodyPr/>
-          <a:lstStyle/>
-          <a:p>
-            <a:r>
-              <a:rPr lang="de-DE"/>
-              <a:t>Bildbeschreibung</a:t>
-            </a:r>
-            <a:br>
-              <a:rPr lang="de-DE"/>
-            </a:br>
-            <a:r>
-              <a:rPr lang="de-DE"/>
-              <a:t>oberer Bildrand: Begrenzung durch Text</a:t>
-            </a:r>
           </a:p>
         </p:txBody>
       </p:sp>
@@ -10138,12 +12687,12 @@
       </p:grpSpPr>
       <p:sp>
         <p:nvSpPr>
-          <p:cNvPr id="3" name="Textplatzhalter 2"/>
-          <p:cNvSpPr>
-            <a:spLocks noGrp="1"/>
-          </p:cNvSpPr>
-          <p:nvPr>
-            <p:ph type="body" sz="quarter" idx="13"/>
+          <p:cNvPr id="18" name="Inhaltsplatzhalter 17"/>
+          <p:cNvSpPr>
+            <a:spLocks noGrp="1"/>
+          </p:cNvSpPr>
+          <p:nvPr>
+            <p:ph idx="1"/>
           </p:nvPr>
         </p:nvSpPr>
         <p:spPr/>
@@ -10151,17 +12700,7 @@
           <a:bodyPr/>
           <a:lstStyle/>
           <a:p>
-            <a:r>
-              <a:rPr lang="de-DE"/>
-              <a:t>Bildbeschreibung</a:t>
-            </a:r>
-            <a:br>
-              <a:rPr lang="de-DE"/>
-            </a:br>
-            <a:r>
-              <a:rPr lang="de-DE"/>
-              <a:t>oberer Bildrand: Begrenzung durch Text</a:t>
-            </a:r>
+            <a:endParaRPr lang="de-DE"/>
           </a:p>
         </p:txBody>
       </p:sp>
@@ -10172,7 +12711,7 @@
             <a:spLocks noGrp="1"/>
           </p:cNvSpPr>
           <p:nvPr>
-            <p:ph type="sldNum" sz="quarter" idx="15"/>
+            <p:ph type="sldNum" sz="quarter" idx="11"/>
           </p:nvPr>
         </p:nvSpPr>
         <p:spPr/>
@@ -10191,12 +12730,12 @@
       </p:sp>
       <p:sp>
         <p:nvSpPr>
-          <p:cNvPr id="6" name="Fußzeilenplatzhalter 5"/>
-          <p:cNvSpPr>
-            <a:spLocks noGrp="1"/>
-          </p:cNvSpPr>
-          <p:nvPr>
-            <p:ph type="ftr" sz="quarter" idx="16"/>
+          <p:cNvPr id="8" name="Fußzeilenplatzhalter 4"/>
+          <p:cNvSpPr>
+            <a:spLocks noGrp="1"/>
+          </p:cNvSpPr>
+          <p:nvPr>
+            <p:ph type="ftr" sz="quarter" idx="12"/>
           </p:nvPr>
         </p:nvSpPr>
         <p:spPr/>
@@ -10205,23 +12744,41 @@
           <a:lstStyle/>
           <a:p>
             <a:r>
-              <a:rPr lang="de-DE" noProof="0"/>
+              <a:rPr lang="de-DE"/>
               <a:t>Dr. rer. nat. Erika Mustermann (TUM) | kann beliebig erweitert werden | Infos mit Strich trennen</a:t>
             </a:r>
-          </a:p>
-        </p:txBody>
-      </p:sp>
-      <p:sp>
-        <p:nvSpPr>
-          <p:cNvPr id="17" name="Bildplatzhalter 16"/>
-          <p:cNvSpPr>
-            <a:spLocks noGrp="1"/>
-          </p:cNvSpPr>
-          <p:nvPr>
-            <p:ph type="pic" sz="quarter" idx="17"/>
+            <a:endParaRPr lang="en-US" dirty="0"/>
+          </a:p>
+        </p:txBody>
+      </p:sp>
+      <p:sp>
+        <p:nvSpPr>
+          <p:cNvPr id="3" name="Textplatzhalter 2"/>
+          <p:cNvSpPr>
+            <a:spLocks noGrp="1"/>
+          </p:cNvSpPr>
+          <p:nvPr>
+            <p:ph type="body" sz="quarter" idx="13"/>
           </p:nvPr>
         </p:nvSpPr>
         <p:spPr/>
+        <p:txBody>
+          <a:bodyPr/>
+          <a:lstStyle/>
+          <a:p>
+            <a:r>
+              <a:rPr lang="de-DE"/>
+              <a:t>Bildbeschreibung</a:t>
+            </a:r>
+            <a:br>
+              <a:rPr lang="de-DE"/>
+            </a:br>
+            <a:r>
+              <a:rPr lang="de-DE"/>
+              <a:t>oberer Bildrand: Begrenzung durch Text</a:t>
+            </a:r>
+          </a:p>
+        </p:txBody>
       </p:sp>
       <p:sp>
         <p:nvSpPr>
@@ -10288,16 +12845,15 @@
           <a:p>
             <a:r>
               <a:rPr lang="de-DE"/>
-              <a:t>Weißer bzw. transparenter Hintergrund</a:t>
+              <a:t>Bildbeschreibung</a:t>
             </a:r>
             <a:br>
               <a:rPr lang="de-DE"/>
             </a:br>
             <a:r>
               <a:rPr lang="de-DE"/>
-              <a:t>mit genug Freiraum anordnen</a:t>
-            </a:r>
-            <a:endParaRPr lang="de-DE" dirty="0"/>
+              <a:t>oberer Bildrand: Begrenzung durch Text</a:t>
+            </a:r>
           </a:p>
         </p:txBody>
       </p:sp>
@@ -10327,7 +12883,7 @@
       </p:sp>
       <p:sp>
         <p:nvSpPr>
-          <p:cNvPr id="10" name="Fußzeilenplatzhalter 4"/>
+          <p:cNvPr id="6" name="Fußzeilenplatzhalter 5"/>
           <p:cNvSpPr>
             <a:spLocks noGrp="1"/>
           </p:cNvSpPr>
@@ -10341,16 +12897,15 @@
           <a:lstStyle/>
           <a:p>
             <a:r>
-              <a:rPr lang="de-DE"/>
+              <a:rPr lang="de-DE" noProof="0"/>
               <a:t>Dr. rer. nat. Erika Mustermann (TUM) | kann beliebig erweitert werden | Infos mit Strich trennen</a:t>
             </a:r>
-            <a:endParaRPr lang="en-US" dirty="0"/>
-          </a:p>
-        </p:txBody>
-      </p:sp>
-      <p:sp>
-        <p:nvSpPr>
-          <p:cNvPr id="18" name="Bildplatzhalter 17"/>
+          </a:p>
+        </p:txBody>
+      </p:sp>
+      <p:sp>
+        <p:nvSpPr>
+          <p:cNvPr id="17" name="Bildplatzhalter 16"/>
           <p:cNvSpPr>
             <a:spLocks noGrp="1"/>
           </p:cNvSpPr>
@@ -10377,7 +12932,7 @@
           <a:p>
             <a:r>
               <a:rPr lang="de-DE"/>
-              <a:t>Nicht formatfüllende Bilder</a:t>
+              <a:t>Bilder</a:t>
             </a:r>
             <a:endParaRPr lang="de-DE" dirty="0"/>
           </a:p>
@@ -10410,19 +12965,37 @@
       </p:grpSpPr>
       <p:sp>
         <p:nvSpPr>
-          <p:cNvPr id="14" name="Bildplatzhalter 13"/>
-          <p:cNvSpPr>
-            <a:spLocks noGrp="1"/>
-          </p:cNvSpPr>
-          <p:nvPr>
-            <p:ph type="pic" sz="quarter" idx="14"/>
+          <p:cNvPr id="3" name="Textplatzhalter 2"/>
+          <p:cNvSpPr>
+            <a:spLocks noGrp="1"/>
+          </p:cNvSpPr>
+          <p:nvPr>
+            <p:ph type="body" sz="quarter" idx="13"/>
           </p:nvPr>
         </p:nvSpPr>
         <p:spPr/>
-      </p:sp>
-      <p:sp>
-        <p:nvSpPr>
-          <p:cNvPr id="4" name="Foliennummernplatzhalter 3"/>
+        <p:txBody>
+          <a:bodyPr/>
+          <a:lstStyle/>
+          <a:p>
+            <a:r>
+              <a:rPr lang="de-DE"/>
+              <a:t>Weißer bzw. transparenter Hintergrund</a:t>
+            </a:r>
+            <a:br>
+              <a:rPr lang="de-DE"/>
+            </a:br>
+            <a:r>
+              <a:rPr lang="de-DE"/>
+              <a:t>mit genug Freiraum anordnen</a:t>
+            </a:r>
+            <a:endParaRPr lang="de-DE" dirty="0"/>
+          </a:p>
+        </p:txBody>
+      </p:sp>
+      <p:sp>
+        <p:nvSpPr>
+          <p:cNvPr id="5" name="Foliennummernplatzhalter 4"/>
           <p:cNvSpPr>
             <a:spLocks noGrp="1"/>
           </p:cNvSpPr>
@@ -10446,7 +13019,7 @@
       </p:sp>
       <p:sp>
         <p:nvSpPr>
-          <p:cNvPr id="5" name="Fußzeilenplatzhalter 4"/>
+          <p:cNvPr id="10" name="Fußzeilenplatzhalter 4"/>
           <p:cNvSpPr>
             <a:spLocks noGrp="1"/>
           </p:cNvSpPr>
@@ -10469,7 +13042,19 @@
       </p:sp>
       <p:sp>
         <p:nvSpPr>
-          <p:cNvPr id="3" name="Titel 2"/>
+          <p:cNvPr id="18" name="Bildplatzhalter 17"/>
+          <p:cNvSpPr>
+            <a:spLocks noGrp="1"/>
+          </p:cNvSpPr>
+          <p:nvPr>
+            <p:ph type="pic" sz="quarter" idx="17"/>
+          </p:nvPr>
+        </p:nvSpPr>
+        <p:spPr/>
+      </p:sp>
+      <p:sp>
+        <p:nvSpPr>
+          <p:cNvPr id="4" name="Titel 3"/>
           <p:cNvSpPr>
             <a:spLocks noGrp="1"/>
           </p:cNvSpPr>
@@ -10484,7 +13069,7 @@
           <a:p>
             <a:r>
               <a:rPr lang="de-DE"/>
-              <a:t>Bilder Format füllend - maximale Bildgröße</a:t>
+              <a:t>Nicht formatfüllende Bilder</a:t>
             </a:r>
             <a:endParaRPr lang="de-DE" dirty="0"/>
           </a:p>
@@ -10517,31 +13102,15 @@
       </p:grpSpPr>
       <p:sp>
         <p:nvSpPr>
-          <p:cNvPr id="2" name="Textplatzhalter 1"/>
-          <p:cNvSpPr>
-            <a:spLocks noGrp="1"/>
-          </p:cNvSpPr>
-          <p:nvPr>
-            <p:ph type="body" sz="quarter" idx="13"/>
+          <p:cNvPr id="14" name="Bildplatzhalter 13"/>
+          <p:cNvSpPr>
+            <a:spLocks noGrp="1"/>
+          </p:cNvSpPr>
+          <p:nvPr>
+            <p:ph type="pic" sz="quarter" idx="14"/>
           </p:nvPr>
         </p:nvSpPr>
         <p:spPr/>
-        <p:txBody>
-          <a:bodyPr/>
-          <a:lstStyle/>
-          <a:p>
-            <a:r>
-              <a:rPr lang="de-DE"/>
-              <a:t>Alternativ mit formatfüllendem Hintergrund: 5 % schwarz</a:t>
-            </a:r>
-          </a:p>
-          <a:p>
-            <a:r>
-              <a:rPr lang="de-DE"/>
-              <a:t>Beschriftungen können zusätzlich neben den Bildern angebracht werden</a:t>
-            </a:r>
-          </a:p>
-        </p:txBody>
       </p:sp>
       <p:sp>
         <p:nvSpPr>
@@ -10569,7 +13138,7 @@
       </p:sp>
       <p:sp>
         <p:nvSpPr>
-          <p:cNvPr id="11" name="Fußzeilenplatzhalter 4"/>
+          <p:cNvPr id="5" name="Fußzeilenplatzhalter 4"/>
           <p:cNvSpPr>
             <a:spLocks noGrp="1"/>
           </p:cNvSpPr>
@@ -10592,12 +13161,12 @@
       </p:sp>
       <p:sp>
         <p:nvSpPr>
-          <p:cNvPr id="7" name="Inhaltsplatzhalter 6"/>
-          <p:cNvSpPr>
-            <a:spLocks noGrp="1"/>
-          </p:cNvSpPr>
-          <p:nvPr>
-            <p:ph sz="quarter" idx="18"/>
+          <p:cNvPr id="3" name="Titel 2"/>
+          <p:cNvSpPr>
+            <a:spLocks noGrp="1"/>
+          </p:cNvSpPr>
+          <p:nvPr>
+            <p:ph type="title"/>
           </p:nvPr>
         </p:nvSpPr>
         <p:spPr/>
@@ -10607,42 +13176,7 @@
           <a:p>
             <a:r>
               <a:rPr lang="de-DE"/>
-              <a:t>Bilderklärung</a:t>
-            </a:r>
-            <a:endParaRPr lang="de-DE" dirty="0"/>
-          </a:p>
-        </p:txBody>
-      </p:sp>
-      <p:sp>
-        <p:nvSpPr>
-          <p:cNvPr id="21" name="Bildplatzhalter 20"/>
-          <p:cNvSpPr>
-            <a:spLocks noGrp="1"/>
-          </p:cNvSpPr>
-          <p:nvPr>
-            <p:ph type="pic" sz="quarter" idx="14"/>
-          </p:nvPr>
-        </p:nvSpPr>
-        <p:spPr/>
-      </p:sp>
-      <p:sp>
-        <p:nvSpPr>
-          <p:cNvPr id="3" name="Titel 2"/>
-          <p:cNvSpPr>
-            <a:spLocks noGrp="1"/>
-          </p:cNvSpPr>
-          <p:nvPr>
-            <p:ph type="title"/>
-          </p:nvPr>
-        </p:nvSpPr>
-        <p:spPr/>
-        <p:txBody>
-          <a:bodyPr/>
-          <a:lstStyle/>
-          <a:p>
-            <a:r>
-              <a:rPr lang="de-DE"/>
-              <a:t>Nicht Format füllende Bilder</a:t>
+              <a:t>Bilder Format füllend - maximale Bildgröße</a:t>
             </a:r>
             <a:endParaRPr lang="de-DE" dirty="0"/>
           </a:p>
@@ -10673,6 +13207,379 @@
           <a:chExt cx="0" cy="0"/>
         </a:xfrm>
       </p:grpSpPr>
+      <p:sp>
+        <p:nvSpPr>
+          <p:cNvPr id="2" name="Textplatzhalter 1"/>
+          <p:cNvSpPr>
+            <a:spLocks noGrp="1"/>
+          </p:cNvSpPr>
+          <p:nvPr>
+            <p:ph type="body" sz="quarter" idx="13"/>
+          </p:nvPr>
+        </p:nvSpPr>
+        <p:spPr/>
+        <p:txBody>
+          <a:bodyPr/>
+          <a:lstStyle/>
+          <a:p>
+            <a:r>
+              <a:rPr lang="de-DE"/>
+              <a:t>Alternativ mit formatfüllendem Hintergrund: 5 % schwarz</a:t>
+            </a:r>
+          </a:p>
+          <a:p>
+            <a:r>
+              <a:rPr lang="de-DE"/>
+              <a:t>Beschriftungen können zusätzlich neben den Bildern angebracht werden</a:t>
+            </a:r>
+          </a:p>
+        </p:txBody>
+      </p:sp>
+      <p:sp>
+        <p:nvSpPr>
+          <p:cNvPr id="4" name="Foliennummernplatzhalter 3"/>
+          <p:cNvSpPr>
+            <a:spLocks noGrp="1"/>
+          </p:cNvSpPr>
+          <p:nvPr>
+            <p:ph type="sldNum" sz="quarter" idx="15"/>
+          </p:nvPr>
+        </p:nvSpPr>
+        <p:spPr/>
+        <p:txBody>
+          <a:bodyPr/>
+          <a:lstStyle/>
+          <a:p>
+            <a:fld id="{CE58CB1E-F828-4F11-99E0-327109AF9DA4}" type="slidenum">
+              <a:rPr lang="de-DE" smtClean="0"/>
+              <a:pPr/>
+              <a:t>19</a:t>
+            </a:fld>
+            <a:endParaRPr lang="de-DE" dirty="0"/>
+          </a:p>
+        </p:txBody>
+      </p:sp>
+      <p:sp>
+        <p:nvSpPr>
+          <p:cNvPr id="11" name="Fußzeilenplatzhalter 4"/>
+          <p:cNvSpPr>
+            <a:spLocks noGrp="1"/>
+          </p:cNvSpPr>
+          <p:nvPr>
+            <p:ph type="ftr" sz="quarter" idx="16"/>
+          </p:nvPr>
+        </p:nvSpPr>
+        <p:spPr/>
+        <p:txBody>
+          <a:bodyPr/>
+          <a:lstStyle/>
+          <a:p>
+            <a:r>
+              <a:rPr lang="de-DE"/>
+              <a:t>Dr. rer. nat. Erika Mustermann (TUM) | kann beliebig erweitert werden | Infos mit Strich trennen</a:t>
+            </a:r>
+            <a:endParaRPr lang="en-US" dirty="0"/>
+          </a:p>
+        </p:txBody>
+      </p:sp>
+      <p:sp>
+        <p:nvSpPr>
+          <p:cNvPr id="7" name="Inhaltsplatzhalter 6"/>
+          <p:cNvSpPr>
+            <a:spLocks noGrp="1"/>
+          </p:cNvSpPr>
+          <p:nvPr>
+            <p:ph sz="quarter" idx="18"/>
+          </p:nvPr>
+        </p:nvSpPr>
+        <p:spPr/>
+        <p:txBody>
+          <a:bodyPr/>
+          <a:lstStyle/>
+          <a:p>
+            <a:r>
+              <a:rPr lang="de-DE"/>
+              <a:t>Bilderklärung</a:t>
+            </a:r>
+            <a:endParaRPr lang="de-DE" dirty="0"/>
+          </a:p>
+        </p:txBody>
+      </p:sp>
+      <p:sp>
+        <p:nvSpPr>
+          <p:cNvPr id="21" name="Bildplatzhalter 20"/>
+          <p:cNvSpPr>
+            <a:spLocks noGrp="1"/>
+          </p:cNvSpPr>
+          <p:nvPr>
+            <p:ph type="pic" sz="quarter" idx="14"/>
+          </p:nvPr>
+        </p:nvSpPr>
+        <p:spPr/>
+      </p:sp>
+      <p:sp>
+        <p:nvSpPr>
+          <p:cNvPr id="3" name="Titel 2"/>
+          <p:cNvSpPr>
+            <a:spLocks noGrp="1"/>
+          </p:cNvSpPr>
+          <p:nvPr>
+            <p:ph type="title"/>
+          </p:nvPr>
+        </p:nvSpPr>
+        <p:spPr/>
+        <p:txBody>
+          <a:bodyPr/>
+          <a:lstStyle/>
+          <a:p>
+            <a:r>
+              <a:rPr lang="de-DE"/>
+              <a:t>Nicht Format füllende Bilder</a:t>
+            </a:r>
+            <a:endParaRPr lang="de-DE" dirty="0"/>
+          </a:p>
+        </p:txBody>
+      </p:sp>
+    </p:spTree>
+  </p:cSld>
+  <p:clrMapOvr>
+    <a:masterClrMapping/>
+  </p:clrMapOvr>
+</p:sld>
+</file>
+
+<file path=ppt/slides/slide2.xml><?xml version="1.0" encoding="utf-8"?>
+<p:sld xmlns:a="http://schemas.openxmlformats.org/drawingml/2006/main" xmlns:r="http://schemas.openxmlformats.org/officeDocument/2006/relationships" xmlns:p="http://schemas.openxmlformats.org/presentationml/2006/main">
+  <p:cSld>
+    <p:spTree>
+      <p:nvGrpSpPr>
+        <p:cNvPr id="1" name=""/>
+        <p:cNvGrpSpPr/>
+        <p:nvPr/>
+      </p:nvGrpSpPr>
+      <p:grpSpPr>
+        <a:xfrm>
+          <a:off x="0" y="0"/>
+          <a:ext cx="0" cy="0"/>
+          <a:chOff x="0" y="0"/>
+          <a:chExt cx="0" cy="0"/>
+        </a:xfrm>
+      </p:grpSpPr>
+      <p:sp>
+        <p:nvSpPr>
+          <p:cNvPr id="3" name="Textplatzhalter 2"/>
+          <p:cNvSpPr>
+            <a:spLocks noGrp="1"/>
+          </p:cNvSpPr>
+          <p:nvPr>
+            <p:ph idx="14"/>
+          </p:nvPr>
+        </p:nvSpPr>
+        <p:spPr/>
+        <p:txBody>
+          <a:bodyPr/>
+          <a:lstStyle/>
+          <a:p>
+            <a:r>
+              <a:rPr lang="de-DE" dirty="0"/>
+              <a:t>Überschrift 2</a:t>
+            </a:r>
+          </a:p>
+          <a:p>
+            <a:r>
+              <a:rPr lang="de-DE" dirty="0"/>
+              <a:t>Hier steht ein einleitender oder beschreibender Fließtext und nach Wunsch eine Aufzählung</a:t>
+            </a:r>
+          </a:p>
+          <a:p>
+            <a:endParaRPr lang="de-DE" dirty="0"/>
+          </a:p>
+          <a:p>
+            <a:r>
+              <a:rPr lang="de-DE" dirty="0"/>
+              <a:t>Punkt 1</a:t>
+            </a:r>
+          </a:p>
+          <a:p>
+            <a:endParaRPr lang="de-DE" dirty="0"/>
+          </a:p>
+          <a:p>
+            <a:r>
+              <a:rPr lang="de-DE" dirty="0"/>
+              <a:t>Punkt 2</a:t>
+            </a:r>
+          </a:p>
+          <a:p>
+            <a:endParaRPr lang="de-DE" dirty="0"/>
+          </a:p>
+          <a:p>
+            <a:r>
+              <a:rPr lang="de-DE" dirty="0"/>
+              <a:t>Punkt 3</a:t>
+            </a:r>
+          </a:p>
+          <a:p>
+            <a:endParaRPr lang="de-DE" dirty="0"/>
+          </a:p>
+          <a:p>
+            <a:r>
+              <a:rPr lang="de-DE" dirty="0"/>
+              <a:t>Punkt 4</a:t>
+            </a:r>
+          </a:p>
+          <a:p>
+            <a:endParaRPr lang="de-DE" dirty="0"/>
+          </a:p>
+          <a:p>
+            <a:endParaRPr lang="de-DE" dirty="0"/>
+          </a:p>
+        </p:txBody>
+      </p:sp>
+      <p:pic>
+        <p:nvPicPr>
+          <p:cNvPr id="2" name="Inhaltsplatzhalter 1"/>
+          <p:cNvPicPr>
+            <a:picLocks noGrp="1" noChangeAspect="1"/>
+          </p:cNvPicPr>
+          <p:nvPr>
+            <p:ph idx="15"/>
+          </p:nvPr>
+        </p:nvPicPr>
+        <p:blipFill>
+          <a:blip r:embed="rId2">
+            <a:extLst>
+              <a:ext uri="{28A0092B-C50C-407E-A947-70E740481C1C}">
+                <a14:useLocalDpi xmlns:a14="http://schemas.microsoft.com/office/drawing/2010/main" val="0"/>
+              </a:ext>
+            </a:extLst>
+          </a:blip>
+          <a:stretch>
+            <a:fillRect/>
+          </a:stretch>
+        </p:blipFill>
+        <p:spPr>
+          <a:xfrm>
+            <a:off x="4646613" y="2015331"/>
+            <a:ext cx="4181475" cy="4181475"/>
+          </a:xfrm>
+        </p:spPr>
+      </p:pic>
+      <p:sp>
+        <p:nvSpPr>
+          <p:cNvPr id="5" name="Foliennummernplatzhalter 4"/>
+          <p:cNvSpPr>
+            <a:spLocks noGrp="1"/>
+          </p:cNvSpPr>
+          <p:nvPr>
+            <p:ph type="sldNum" sz="quarter" idx="16"/>
+          </p:nvPr>
+        </p:nvSpPr>
+        <p:spPr/>
+        <p:txBody>
+          <a:bodyPr/>
+          <a:lstStyle/>
+          <a:p>
+            <a:fld id="{CE58CB1E-F828-4F11-99E0-327109AF9DA4}" type="slidenum">
+              <a:rPr lang="de-DE" smtClean="0">
+                <a:solidFill>
+                  <a:prstClr val="black"/>
+                </a:solidFill>
+              </a:rPr>
+              <a:pPr/>
+              <a:t>2</a:t>
+            </a:fld>
+            <a:endParaRPr lang="de-DE" dirty="0">
+              <a:solidFill>
+                <a:prstClr val="black"/>
+              </a:solidFill>
+            </a:endParaRPr>
+          </a:p>
+        </p:txBody>
+      </p:sp>
+      <p:sp>
+        <p:nvSpPr>
+          <p:cNvPr id="7" name="Fußzeilenplatzhalter 4"/>
+          <p:cNvSpPr>
+            <a:spLocks noGrp="1"/>
+          </p:cNvSpPr>
+          <p:nvPr>
+            <p:ph type="ftr" sz="quarter" idx="17"/>
+          </p:nvPr>
+        </p:nvSpPr>
+        <p:spPr/>
+        <p:txBody>
+          <a:bodyPr/>
+          <a:lstStyle/>
+          <a:p>
+            <a:r>
+              <a:rPr lang="de-DE">
+                <a:solidFill>
+                  <a:prstClr val="black"/>
+                </a:solidFill>
+              </a:rPr>
+              <a:t>Dr. rer. nat. Erika Mustermann (TUM) | kann beliebig erweitert werden | Infos mit Strich trennen</a:t>
+            </a:r>
+            <a:endParaRPr lang="en-US" dirty="0">
+              <a:solidFill>
+                <a:prstClr val="black"/>
+              </a:solidFill>
+            </a:endParaRPr>
+          </a:p>
+        </p:txBody>
+      </p:sp>
+      <p:sp>
+        <p:nvSpPr>
+          <p:cNvPr id="4" name="Titel 3"/>
+          <p:cNvSpPr>
+            <a:spLocks noGrp="1"/>
+          </p:cNvSpPr>
+          <p:nvPr>
+            <p:ph type="title"/>
+          </p:nvPr>
+        </p:nvSpPr>
+        <p:spPr/>
+        <p:txBody>
+          <a:bodyPr/>
+          <a:lstStyle/>
+          <a:p>
+            <a:r>
+              <a:rPr lang="de-DE" dirty="0" smtClean="0"/>
+              <a:t>Aufgabenstellung</a:t>
+            </a:r>
+            <a:endParaRPr lang="de-DE" dirty="0"/>
+          </a:p>
+        </p:txBody>
+      </p:sp>
+    </p:spTree>
+    <p:extLst>
+      <p:ext uri="{BB962C8B-B14F-4D97-AF65-F5344CB8AC3E}">
+        <p14:creationId xmlns:p14="http://schemas.microsoft.com/office/powerpoint/2010/main" val="1262625698"/>
+      </p:ext>
+    </p:extLst>
+  </p:cSld>
+  <p:clrMapOvr>
+    <a:masterClrMapping/>
+  </p:clrMapOvr>
+</p:sld>
+</file>
+
+<file path=ppt/slides/slide20.xml><?xml version="1.0" encoding="utf-8"?>
+<p:sld xmlns:a="http://schemas.openxmlformats.org/drawingml/2006/main" xmlns:r="http://schemas.openxmlformats.org/officeDocument/2006/relationships" xmlns:p="http://schemas.openxmlformats.org/presentationml/2006/main">
+  <p:cSld>
+    <p:spTree>
+      <p:nvGrpSpPr>
+        <p:cNvPr id="1" name=""/>
+        <p:cNvGrpSpPr/>
+        <p:nvPr/>
+      </p:nvGrpSpPr>
+      <p:grpSpPr>
+        <a:xfrm>
+          <a:off x="0" y="0"/>
+          <a:ext cx="0" cy="0"/>
+          <a:chOff x="0" y="0"/>
+          <a:chExt cx="0" cy="0"/>
+        </a:xfrm>
+      </p:grpSpPr>
       <p:graphicFrame>
         <p:nvGraphicFramePr>
           <p:cNvPr id="7" name="Inhaltsplatzhalter 6"/>
@@ -10697,14 +13604,14 @@
                 <a:gridCol w="3493889">
                   <a:extLst>
                     <a:ext uri="{9D8B030D-6E8A-4147-A177-3AD203B41FA5}">
-                      <a16:colId xmlns:a16="http://schemas.microsoft.com/office/drawing/2014/main" val="20000"/>
+                      <a16:colId xmlns:a16="http://schemas.microsoft.com/office/drawing/2014/main" xmlns="" val="20000"/>
                     </a:ext>
                   </a:extLst>
                 </a:gridCol>
                 <a:gridCol w="5015618">
                   <a:extLst>
                     <a:ext uri="{9D8B030D-6E8A-4147-A177-3AD203B41FA5}">
-                      <a16:colId xmlns:a16="http://schemas.microsoft.com/office/drawing/2014/main" val="20001"/>
+                      <a16:colId xmlns:a16="http://schemas.microsoft.com/office/drawing/2014/main" xmlns="" val="20001"/>
                     </a:ext>
                   </a:extLst>
                 </a:gridCol>
@@ -10820,7 +13727,7 @@
                 </a:tc>
                 <a:extLst>
                   <a:ext uri="{0D108BD9-81ED-4DB2-BD59-A6C34878D82A}">
-                    <a16:rowId xmlns:a16="http://schemas.microsoft.com/office/drawing/2014/main" val="10000"/>
+                    <a16:rowId xmlns:a16="http://schemas.microsoft.com/office/drawing/2014/main" xmlns="" val="10000"/>
                   </a:ext>
                 </a:extLst>
               </a:tr>
@@ -10935,7 +13842,7 @@
                 </a:tc>
                 <a:extLst>
                   <a:ext uri="{0D108BD9-81ED-4DB2-BD59-A6C34878D82A}">
-                    <a16:rowId xmlns:a16="http://schemas.microsoft.com/office/drawing/2014/main" val="10001"/>
+                    <a16:rowId xmlns:a16="http://schemas.microsoft.com/office/drawing/2014/main" xmlns="" val="10001"/>
                   </a:ext>
                 </a:extLst>
               </a:tr>
@@ -11050,7 +13957,7 @@
                 </a:tc>
                 <a:extLst>
                   <a:ext uri="{0D108BD9-81ED-4DB2-BD59-A6C34878D82A}">
-                    <a16:rowId xmlns:a16="http://schemas.microsoft.com/office/drawing/2014/main" val="10002"/>
+                    <a16:rowId xmlns:a16="http://schemas.microsoft.com/office/drawing/2014/main" xmlns="" val="10002"/>
                   </a:ext>
                 </a:extLst>
               </a:tr>
@@ -11165,7 +14072,7 @@
                 </a:tc>
                 <a:extLst>
                   <a:ext uri="{0D108BD9-81ED-4DB2-BD59-A6C34878D82A}">
-                    <a16:rowId xmlns:a16="http://schemas.microsoft.com/office/drawing/2014/main" val="10003"/>
+                    <a16:rowId xmlns:a16="http://schemas.microsoft.com/office/drawing/2014/main" xmlns="" val="10003"/>
                   </a:ext>
                 </a:extLst>
               </a:tr>
@@ -11280,7 +14187,7 @@
                 </a:tc>
                 <a:extLst>
                   <a:ext uri="{0D108BD9-81ED-4DB2-BD59-A6C34878D82A}">
-                    <a16:rowId xmlns:a16="http://schemas.microsoft.com/office/drawing/2014/main" val="10004"/>
+                    <a16:rowId xmlns:a16="http://schemas.microsoft.com/office/drawing/2014/main" xmlns="" val="10004"/>
                   </a:ext>
                 </a:extLst>
               </a:tr>
@@ -11306,7 +14213,7 @@
             <a:fld id="{CE58CB1E-F828-4F11-99E0-327109AF9DA4}" type="slidenum">
               <a:rPr lang="de-DE" smtClean="0"/>
               <a:pPr/>
-              <a:t>19</a:t>
+              <a:t>20</a:t>
             </a:fld>
             <a:endParaRPr lang="de-DE" dirty="0"/>
           </a:p>
@@ -11396,253 +14303,7 @@
 </p:sld>
 </file>
 
-<file path=ppt/slides/slide2.xml><?xml version="1.0" encoding="utf-8"?>
-<p:sld xmlns:a="http://schemas.openxmlformats.org/drawingml/2006/main" xmlns:r="http://schemas.openxmlformats.org/officeDocument/2006/relationships" xmlns:p="http://schemas.openxmlformats.org/presentationml/2006/main">
-  <p:cSld>
-    <p:spTree>
-      <p:nvGrpSpPr>
-        <p:cNvPr id="1" name=""/>
-        <p:cNvGrpSpPr/>
-        <p:nvPr/>
-      </p:nvGrpSpPr>
-      <p:grpSpPr>
-        <a:xfrm>
-          <a:off x="0" y="0"/>
-          <a:ext cx="0" cy="0"/>
-          <a:chOff x="0" y="0"/>
-          <a:chExt cx="0" cy="0"/>
-        </a:xfrm>
-      </p:grpSpPr>
-      <p:sp>
-        <p:nvSpPr>
-          <p:cNvPr id="2" name="Inhaltsplatzhalter 1"/>
-          <p:cNvSpPr>
-            <a:spLocks noGrp="1"/>
-          </p:cNvSpPr>
-          <p:nvPr>
-            <p:ph idx="1"/>
-          </p:nvPr>
-        </p:nvSpPr>
-        <p:spPr/>
-        <p:txBody>
-          <a:bodyPr/>
-          <a:lstStyle/>
-          <a:p>
-            <a:pPr marL="285750" indent="-285750">
-              <a:buFont typeface="Arial" panose="020B0604020202020204" pitchFamily="34" charset="0"/>
-              <a:buChar char="•"/>
-            </a:pPr>
-            <a:r>
-              <a:rPr lang="de-DE" dirty="0"/>
-              <a:t>C-Code mit Input / Output</a:t>
-            </a:r>
-          </a:p>
-          <a:p>
-            <a:pPr marL="285750" indent="-285750">
-              <a:buFont typeface="Arial" panose="020B0604020202020204" pitchFamily="34" charset="0"/>
-              <a:buChar char="•"/>
-            </a:pPr>
-            <a:endParaRPr lang="de-DE" dirty="0"/>
-          </a:p>
-          <a:p>
-            <a:pPr marL="285750" indent="-285750">
-              <a:buFont typeface="Arial" panose="020B0604020202020204" pitchFamily="34" charset="0"/>
-              <a:buChar char="•"/>
-            </a:pPr>
-            <a:r>
-              <a:rPr lang="de-DE" dirty="0"/>
-              <a:t>Pseudo Assembler Code</a:t>
-            </a:r>
-          </a:p>
-          <a:p>
-            <a:pPr marL="285750" indent="-285750">
-              <a:buFont typeface="Arial" panose="020B0604020202020204" pitchFamily="34" charset="0"/>
-              <a:buChar char="•"/>
-            </a:pPr>
-            <a:endParaRPr lang="de-DE" dirty="0"/>
-          </a:p>
-          <a:p>
-            <a:pPr marL="285750" indent="-285750">
-              <a:buFont typeface="Arial" panose="020B0604020202020204" pitchFamily="34" charset="0"/>
-              <a:buChar char="•"/>
-            </a:pPr>
-            <a:r>
-              <a:rPr lang="de-DE" dirty="0"/>
-              <a:t>Single-Pixel-</a:t>
-            </a:r>
-            <a:r>
-              <a:rPr lang="de-DE" dirty="0" err="1"/>
-              <a:t>Calculation</a:t>
-            </a:r>
-            <a:endParaRPr lang="de-DE" dirty="0"/>
-          </a:p>
-          <a:p>
-            <a:pPr marL="285750" indent="-285750">
-              <a:buFont typeface="Arial" panose="020B0604020202020204" pitchFamily="34" charset="0"/>
-              <a:buChar char="•"/>
-            </a:pPr>
-            <a:endParaRPr lang="de-DE" dirty="0"/>
-          </a:p>
-          <a:p>
-            <a:pPr marL="285750" indent="-285750">
-              <a:buFont typeface="Arial" panose="020B0604020202020204" pitchFamily="34" charset="0"/>
-              <a:buChar char="•"/>
-            </a:pPr>
-            <a:r>
-              <a:rPr lang="de-DE" dirty="0"/>
-              <a:t>Parallelisierung</a:t>
-            </a:r>
-          </a:p>
-          <a:p>
-            <a:pPr marL="461963" lvl="1" indent="-285750">
-              <a:buFont typeface="Symbol" panose="05050102010706020507" pitchFamily="18" charset="2"/>
-              <a:buChar char="-"/>
-            </a:pPr>
-            <a:r>
-              <a:rPr lang="de-DE" dirty="0"/>
-              <a:t>Erster Ansatz:		</a:t>
-            </a:r>
-            <a:r>
-              <a:rPr lang="de-DE" dirty="0" err="1"/>
-              <a:t>Float</a:t>
-            </a:r>
-            <a:r>
-              <a:rPr lang="de-DE" dirty="0"/>
-              <a:t>-Array mit Positionen </a:t>
-            </a:r>
-            <a:r>
-              <a:rPr lang="de-DE" dirty="0">
-                <a:sym typeface="Wingdings" panose="05000000000000000000" pitchFamily="2" charset="2"/>
-              </a:rPr>
-              <a:t> Q-Register</a:t>
-            </a:r>
-            <a:endParaRPr lang="de-DE" dirty="0"/>
-          </a:p>
-          <a:p>
-            <a:pPr marL="461963" lvl="1" indent="-285750">
-              <a:buFont typeface="Symbol" panose="05050102010706020507" pitchFamily="18" charset="2"/>
-              <a:buChar char="-"/>
-            </a:pPr>
-            <a:r>
-              <a:rPr lang="de-DE" dirty="0"/>
-              <a:t>Zweiter Ansatz:	Kontinuierlich 4 Pixel berechnen </a:t>
-            </a:r>
-            <a:r>
-              <a:rPr lang="de-DE" dirty="0">
-                <a:sym typeface="Wingdings" panose="05000000000000000000" pitchFamily="2" charset="2"/>
-              </a:rPr>
-              <a:t> Fertige Pixel austauschen</a:t>
-            </a:r>
-          </a:p>
-          <a:p>
-            <a:pPr marL="461963" lvl="1" indent="-285750">
-              <a:buFont typeface="Symbol" panose="05050102010706020507" pitchFamily="18" charset="2"/>
-              <a:buChar char="-"/>
-            </a:pPr>
-            <a:endParaRPr lang="de-DE" dirty="0">
-              <a:sym typeface="Wingdings" panose="05000000000000000000" pitchFamily="2" charset="2"/>
-            </a:endParaRPr>
-          </a:p>
-          <a:p>
-            <a:endParaRPr lang="de-DE" dirty="0"/>
-          </a:p>
-          <a:p>
-            <a:pPr marL="285750" indent="-285750">
-              <a:buFont typeface="Arial" panose="020B0604020202020204" pitchFamily="34" charset="0"/>
-              <a:buChar char="•"/>
-            </a:pPr>
-            <a:endParaRPr lang="de-DE" dirty="0"/>
-          </a:p>
-        </p:txBody>
-      </p:sp>
-      <p:sp>
-        <p:nvSpPr>
-          <p:cNvPr id="3" name="Foliennummernplatzhalter 2"/>
-          <p:cNvSpPr>
-            <a:spLocks noGrp="1"/>
-          </p:cNvSpPr>
-          <p:nvPr>
-            <p:ph type="sldNum" sz="quarter" idx="11"/>
-          </p:nvPr>
-        </p:nvSpPr>
-        <p:spPr/>
-        <p:txBody>
-          <a:bodyPr/>
-          <a:lstStyle/>
-          <a:p>
-            <a:fld id="{CE58CB1E-F828-4F11-99E0-327109AF9DA4}" type="slidenum">
-              <a:rPr lang="de-DE" smtClean="0"/>
-              <a:pPr/>
-              <a:t>2</a:t>
-            </a:fld>
-            <a:endParaRPr lang="de-DE" dirty="0"/>
-          </a:p>
-        </p:txBody>
-      </p:sp>
-      <p:sp>
-        <p:nvSpPr>
-          <p:cNvPr id="4" name="Fußzeilenplatzhalter 3"/>
-          <p:cNvSpPr>
-            <a:spLocks noGrp="1"/>
-          </p:cNvSpPr>
-          <p:nvPr>
-            <p:ph type="ftr" sz="quarter" idx="12"/>
-          </p:nvPr>
-        </p:nvSpPr>
-        <p:spPr/>
-        <p:txBody>
-          <a:bodyPr/>
-          <a:lstStyle/>
-          <a:p>
-            <a:r>
-              <a:rPr lang="de-DE"/>
-              <a:t>Dr. rer. nat. Erika Mustermann (TUM) | kann beliebig erweitert werden | Infos mit Strich trennen</a:t>
-            </a:r>
-            <a:endParaRPr lang="en-US" dirty="0"/>
-          </a:p>
-        </p:txBody>
-      </p:sp>
-      <p:sp>
-        <p:nvSpPr>
-          <p:cNvPr id="5" name="Titel 4"/>
-          <p:cNvSpPr>
-            <a:spLocks noGrp="1"/>
-          </p:cNvSpPr>
-          <p:nvPr>
-            <p:ph type="title"/>
-          </p:nvPr>
-        </p:nvSpPr>
-        <p:spPr>
-          <a:xfrm>
-            <a:off x="319090" y="994334"/>
-            <a:ext cx="8508999" cy="410369"/>
-          </a:xfrm>
-        </p:spPr>
-        <p:txBody>
-          <a:bodyPr/>
-          <a:lstStyle/>
-          <a:p>
-            <a:r>
-              <a:rPr lang="de-DE" dirty="0"/>
-              <a:t>Lösungsfindung</a:t>
-            </a:r>
-          </a:p>
-        </p:txBody>
-      </p:sp>
-    </p:spTree>
-    <p:extLst>
-      <p:ext uri="{BB962C8B-B14F-4D97-AF65-F5344CB8AC3E}">
-        <p14:creationId xmlns:p14="http://schemas.microsoft.com/office/powerpoint/2010/main" val="1769324023"/>
-      </p:ext>
-    </p:extLst>
-  </p:cSld>
-  <p:clrMapOvr>
-    <a:masterClrMapping/>
-  </p:clrMapOvr>
-</p:sld>
-</file>
-
-<file path=ppt/slides/slide20.xml><?xml version="1.0" encoding="utf-8"?>
+<file path=ppt/slides/slide21.xml><?xml version="1.0" encoding="utf-8"?>
 <p:sld xmlns:a="http://schemas.openxmlformats.org/drawingml/2006/main" xmlns:r="http://schemas.openxmlformats.org/officeDocument/2006/relationships" xmlns:p="http://schemas.openxmlformats.org/presentationml/2006/main">
   <p:cSld>
     <p:spTree>
@@ -11683,14 +14344,14 @@
                 <a:gridCol w="3493889">
                   <a:extLst>
                     <a:ext uri="{9D8B030D-6E8A-4147-A177-3AD203B41FA5}">
-                      <a16:colId xmlns:a16="http://schemas.microsoft.com/office/drawing/2014/main" val="20000"/>
+                      <a16:colId xmlns:a16="http://schemas.microsoft.com/office/drawing/2014/main" xmlns="" val="20000"/>
                     </a:ext>
                   </a:extLst>
                 </a:gridCol>
                 <a:gridCol w="5015618">
                   <a:extLst>
                     <a:ext uri="{9D8B030D-6E8A-4147-A177-3AD203B41FA5}">
-                      <a16:colId xmlns:a16="http://schemas.microsoft.com/office/drawing/2014/main" val="20001"/>
+                      <a16:colId xmlns:a16="http://schemas.microsoft.com/office/drawing/2014/main" xmlns="" val="20001"/>
                     </a:ext>
                   </a:extLst>
                 </a:gridCol>
@@ -11764,7 +14425,7 @@
                 </a:tc>
                 <a:extLst>
                   <a:ext uri="{0D108BD9-81ED-4DB2-BD59-A6C34878D82A}">
-                    <a16:rowId xmlns:a16="http://schemas.microsoft.com/office/drawing/2014/main" val="10000"/>
+                    <a16:rowId xmlns:a16="http://schemas.microsoft.com/office/drawing/2014/main" xmlns="" val="10000"/>
                   </a:ext>
                 </a:extLst>
               </a:tr>
@@ -11837,7 +14498,7 @@
                 </a:tc>
                 <a:extLst>
                   <a:ext uri="{0D108BD9-81ED-4DB2-BD59-A6C34878D82A}">
-                    <a16:rowId xmlns:a16="http://schemas.microsoft.com/office/drawing/2014/main" val="10001"/>
+                    <a16:rowId xmlns:a16="http://schemas.microsoft.com/office/drawing/2014/main" xmlns="" val="10001"/>
                   </a:ext>
                 </a:extLst>
               </a:tr>
@@ -11910,7 +14571,7 @@
                 </a:tc>
                 <a:extLst>
                   <a:ext uri="{0D108BD9-81ED-4DB2-BD59-A6C34878D82A}">
-                    <a16:rowId xmlns:a16="http://schemas.microsoft.com/office/drawing/2014/main" val="10002"/>
+                    <a16:rowId xmlns:a16="http://schemas.microsoft.com/office/drawing/2014/main" xmlns="" val="10002"/>
                   </a:ext>
                 </a:extLst>
               </a:tr>
@@ -11983,7 +14644,7 @@
                 </a:tc>
                 <a:extLst>
                   <a:ext uri="{0D108BD9-81ED-4DB2-BD59-A6C34878D82A}">
-                    <a16:rowId xmlns:a16="http://schemas.microsoft.com/office/drawing/2014/main" val="10003"/>
+                    <a16:rowId xmlns:a16="http://schemas.microsoft.com/office/drawing/2014/main" xmlns="" val="10003"/>
                   </a:ext>
                 </a:extLst>
               </a:tr>
@@ -12056,7 +14717,7 @@
                 </a:tc>
                 <a:extLst>
                   <a:ext uri="{0D108BD9-81ED-4DB2-BD59-A6C34878D82A}">
-                    <a16:rowId xmlns:a16="http://schemas.microsoft.com/office/drawing/2014/main" val="10004"/>
+                    <a16:rowId xmlns:a16="http://schemas.microsoft.com/office/drawing/2014/main" xmlns="" val="10004"/>
                   </a:ext>
                 </a:extLst>
               </a:tr>
@@ -12082,7 +14743,7 @@
             <a:fld id="{CE58CB1E-F828-4F11-99E0-327109AF9DA4}" type="slidenum">
               <a:rPr lang="de-DE" smtClean="0"/>
               <a:pPr/>
-              <a:t>20</a:t>
+              <a:t>21</a:t>
             </a:fld>
             <a:endParaRPr lang="de-DE" dirty="0"/>
           </a:p>
@@ -12164,148 +14825,6 @@
           </a:p>
         </p:txBody>
       </p:sp>
-    </p:spTree>
-  </p:cSld>
-  <p:clrMapOvr>
-    <a:masterClrMapping/>
-  </p:clrMapOvr>
-</p:sld>
-</file>
-
-<file path=ppt/slides/slide21.xml><?xml version="1.0" encoding="utf-8"?>
-<p:sld xmlns:a="http://schemas.openxmlformats.org/drawingml/2006/main" xmlns:r="http://schemas.openxmlformats.org/officeDocument/2006/relationships" xmlns:p="http://schemas.openxmlformats.org/presentationml/2006/main">
-  <p:cSld>
-    <p:spTree>
-      <p:nvGrpSpPr>
-        <p:cNvPr id="1" name=""/>
-        <p:cNvGrpSpPr/>
-        <p:nvPr/>
-      </p:nvGrpSpPr>
-      <p:grpSpPr>
-        <a:xfrm>
-          <a:off x="0" y="0"/>
-          <a:ext cx="0" cy="0"/>
-          <a:chOff x="0" y="0"/>
-          <a:chExt cx="0" cy="0"/>
-        </a:xfrm>
-      </p:grpSpPr>
-      <p:sp>
-        <p:nvSpPr>
-          <p:cNvPr id="5" name="Foliennummernplatzhalter 4"/>
-          <p:cNvSpPr>
-            <a:spLocks noGrp="1"/>
-          </p:cNvSpPr>
-          <p:nvPr>
-            <p:ph type="sldNum" sz="quarter" idx="11"/>
-          </p:nvPr>
-        </p:nvSpPr>
-        <p:spPr/>
-        <p:txBody>
-          <a:bodyPr/>
-          <a:lstStyle/>
-          <a:p>
-            <a:fld id="{CE58CB1E-F828-4F11-99E0-327109AF9DA4}" type="slidenum">
-              <a:rPr lang="de-DE" smtClean="0"/>
-              <a:pPr/>
-              <a:t>21</a:t>
-            </a:fld>
-            <a:endParaRPr lang="de-DE" dirty="0"/>
-          </a:p>
-        </p:txBody>
-      </p:sp>
-      <p:sp>
-        <p:nvSpPr>
-          <p:cNvPr id="9" name="Fußzeilenplatzhalter 4"/>
-          <p:cNvSpPr>
-            <a:spLocks noGrp="1"/>
-          </p:cNvSpPr>
-          <p:nvPr>
-            <p:ph type="ftr" sz="quarter" idx="12"/>
-          </p:nvPr>
-        </p:nvSpPr>
-        <p:spPr/>
-        <p:txBody>
-          <a:bodyPr/>
-          <a:lstStyle/>
-          <a:p>
-            <a:r>
-              <a:rPr lang="de-DE"/>
-              <a:t>Dr. rer. nat. Erika Mustermann (TUM) | kann beliebig erweitert werden | Infos mit Strich trennen</a:t>
-            </a:r>
-            <a:endParaRPr lang="en-US" dirty="0"/>
-          </a:p>
-        </p:txBody>
-      </p:sp>
-      <p:sp>
-        <p:nvSpPr>
-          <p:cNvPr id="3" name="Textplatzhalter 2"/>
-          <p:cNvSpPr>
-            <a:spLocks noGrp="1"/>
-          </p:cNvSpPr>
-          <p:nvPr>
-            <p:ph type="body" sz="quarter" idx="13"/>
-          </p:nvPr>
-        </p:nvSpPr>
-        <p:spPr/>
-        <p:txBody>
-          <a:bodyPr/>
-          <a:lstStyle/>
-          <a:p>
-            <a:r>
-              <a:rPr lang="de-DE" dirty="0"/>
-              <a:t>Nach Möglichkeit linksbündig bleiben</a:t>
-            </a:r>
-            <a:br>
-              <a:rPr lang="de-DE" dirty="0"/>
-            </a:br>
-            <a:r>
-              <a:rPr lang="de-DE" dirty="0"/>
-              <a:t>Unnötige Striche und Balken vermeiden</a:t>
-            </a:r>
-          </a:p>
-        </p:txBody>
-      </p:sp>
-      <p:sp>
-        <p:nvSpPr>
-          <p:cNvPr id="4" name="Titel 3"/>
-          <p:cNvSpPr>
-            <a:spLocks noGrp="1"/>
-          </p:cNvSpPr>
-          <p:nvPr>
-            <p:ph type="title"/>
-          </p:nvPr>
-        </p:nvSpPr>
-        <p:spPr/>
-        <p:txBody>
-          <a:bodyPr/>
-          <a:lstStyle/>
-          <a:p>
-            <a:r>
-              <a:rPr lang="de-DE"/>
-              <a:t>Diagramme – Beispiel 1</a:t>
-            </a:r>
-            <a:endParaRPr lang="de-DE" dirty="0"/>
-          </a:p>
-        </p:txBody>
-      </p:sp>
-      <p:graphicFrame>
-        <p:nvGraphicFramePr>
-          <p:cNvPr id="14" name="Diagramm 13"/>
-          <p:cNvGraphicFramePr/>
-          <p:nvPr>
-            <p:extLst/>
-          </p:nvPr>
-        </p:nvGraphicFramePr>
-        <p:xfrm>
-          <a:off x="209868" y="2388199"/>
-          <a:ext cx="8515032" cy="4207865"/>
-        </p:xfrm>
-        <a:graphic>
-          <a:graphicData uri="http://schemas.openxmlformats.org/drawingml/2006/chart">
-            <c:chart xmlns:c="http://schemas.openxmlformats.org/drawingml/2006/chart" xmlns:r="http://schemas.openxmlformats.org/officeDocument/2006/relationships" r:id="rId2"/>
-          </a:graphicData>
-        </a:graphic>
-      </p:graphicFrame>
     </p:spTree>
   </p:cSld>
   <p:clrMapOvr>
@@ -12331,6 +14850,148 @@
           <a:chExt cx="0" cy="0"/>
         </a:xfrm>
       </p:grpSpPr>
+      <p:sp>
+        <p:nvSpPr>
+          <p:cNvPr id="5" name="Foliennummernplatzhalter 4"/>
+          <p:cNvSpPr>
+            <a:spLocks noGrp="1"/>
+          </p:cNvSpPr>
+          <p:nvPr>
+            <p:ph type="sldNum" sz="quarter" idx="11"/>
+          </p:nvPr>
+        </p:nvSpPr>
+        <p:spPr/>
+        <p:txBody>
+          <a:bodyPr/>
+          <a:lstStyle/>
+          <a:p>
+            <a:fld id="{CE58CB1E-F828-4F11-99E0-327109AF9DA4}" type="slidenum">
+              <a:rPr lang="de-DE" smtClean="0"/>
+              <a:pPr/>
+              <a:t>22</a:t>
+            </a:fld>
+            <a:endParaRPr lang="de-DE" dirty="0"/>
+          </a:p>
+        </p:txBody>
+      </p:sp>
+      <p:sp>
+        <p:nvSpPr>
+          <p:cNvPr id="9" name="Fußzeilenplatzhalter 4"/>
+          <p:cNvSpPr>
+            <a:spLocks noGrp="1"/>
+          </p:cNvSpPr>
+          <p:nvPr>
+            <p:ph type="ftr" sz="quarter" idx="12"/>
+          </p:nvPr>
+        </p:nvSpPr>
+        <p:spPr/>
+        <p:txBody>
+          <a:bodyPr/>
+          <a:lstStyle/>
+          <a:p>
+            <a:r>
+              <a:rPr lang="de-DE"/>
+              <a:t>Dr. rer. nat. Erika Mustermann (TUM) | kann beliebig erweitert werden | Infos mit Strich trennen</a:t>
+            </a:r>
+            <a:endParaRPr lang="en-US" dirty="0"/>
+          </a:p>
+        </p:txBody>
+      </p:sp>
+      <p:sp>
+        <p:nvSpPr>
+          <p:cNvPr id="3" name="Textplatzhalter 2"/>
+          <p:cNvSpPr>
+            <a:spLocks noGrp="1"/>
+          </p:cNvSpPr>
+          <p:nvPr>
+            <p:ph type="body" sz="quarter" idx="13"/>
+          </p:nvPr>
+        </p:nvSpPr>
+        <p:spPr/>
+        <p:txBody>
+          <a:bodyPr/>
+          <a:lstStyle/>
+          <a:p>
+            <a:r>
+              <a:rPr lang="de-DE" dirty="0"/>
+              <a:t>Nach Möglichkeit linksbündig bleiben</a:t>
+            </a:r>
+            <a:br>
+              <a:rPr lang="de-DE" dirty="0"/>
+            </a:br>
+            <a:r>
+              <a:rPr lang="de-DE" dirty="0"/>
+              <a:t>Unnötige Striche und Balken vermeiden</a:t>
+            </a:r>
+          </a:p>
+        </p:txBody>
+      </p:sp>
+      <p:sp>
+        <p:nvSpPr>
+          <p:cNvPr id="4" name="Titel 3"/>
+          <p:cNvSpPr>
+            <a:spLocks noGrp="1"/>
+          </p:cNvSpPr>
+          <p:nvPr>
+            <p:ph type="title"/>
+          </p:nvPr>
+        </p:nvSpPr>
+        <p:spPr/>
+        <p:txBody>
+          <a:bodyPr/>
+          <a:lstStyle/>
+          <a:p>
+            <a:r>
+              <a:rPr lang="de-DE"/>
+              <a:t>Diagramme – Beispiel 1</a:t>
+            </a:r>
+            <a:endParaRPr lang="de-DE" dirty="0"/>
+          </a:p>
+        </p:txBody>
+      </p:sp>
+      <p:graphicFrame>
+        <p:nvGraphicFramePr>
+          <p:cNvPr id="14" name="Diagramm 13"/>
+          <p:cNvGraphicFramePr/>
+          <p:nvPr>
+            <p:extLst/>
+          </p:nvPr>
+        </p:nvGraphicFramePr>
+        <p:xfrm>
+          <a:off x="209868" y="2388199"/>
+          <a:ext cx="8515032" cy="4207865"/>
+        </p:xfrm>
+        <a:graphic>
+          <a:graphicData uri="http://schemas.openxmlformats.org/drawingml/2006/chart">
+            <c:chart xmlns:c="http://schemas.openxmlformats.org/drawingml/2006/chart" xmlns:r="http://schemas.openxmlformats.org/officeDocument/2006/relationships" r:id="rId2"/>
+          </a:graphicData>
+        </a:graphic>
+      </p:graphicFrame>
+    </p:spTree>
+  </p:cSld>
+  <p:clrMapOvr>
+    <a:masterClrMapping/>
+  </p:clrMapOvr>
+</p:sld>
+</file>
+
+<file path=ppt/slides/slide23.xml><?xml version="1.0" encoding="utf-8"?>
+<p:sld xmlns:a="http://schemas.openxmlformats.org/drawingml/2006/main" xmlns:r="http://schemas.openxmlformats.org/officeDocument/2006/relationships" xmlns:p="http://schemas.openxmlformats.org/presentationml/2006/main">
+  <p:cSld>
+    <p:spTree>
+      <p:nvGrpSpPr>
+        <p:cNvPr id="1" name=""/>
+        <p:cNvGrpSpPr/>
+        <p:nvPr/>
+      </p:nvGrpSpPr>
+      <p:grpSpPr>
+        <a:xfrm>
+          <a:off x="0" y="0"/>
+          <a:ext cx="0" cy="0"/>
+          <a:chOff x="0" y="0"/>
+          <a:chExt cx="0" cy="0"/>
+        </a:xfrm>
+      </p:grpSpPr>
       <p:graphicFrame>
         <p:nvGraphicFramePr>
           <p:cNvPr id="6" name="Inhaltsplatzhalter 5"/>
@@ -12374,7 +15035,7 @@
             <a:fld id="{CE58CB1E-F828-4F11-99E0-327109AF9DA4}" type="slidenum">
               <a:rPr lang="de-DE" smtClean="0"/>
               <a:pPr/>
-              <a:t>22</a:t>
+              <a:t>23</a:t>
             </a:fld>
             <a:endParaRPr lang="de-DE" dirty="0"/>
           </a:p>
@@ -12435,6 +15096,252 @@
 </file>
 
 <file path=ppt/slides/slide3.xml><?xml version="1.0" encoding="utf-8"?>
+<p:sld xmlns:a="http://schemas.openxmlformats.org/drawingml/2006/main" xmlns:r="http://schemas.openxmlformats.org/officeDocument/2006/relationships" xmlns:p="http://schemas.openxmlformats.org/presentationml/2006/main">
+  <p:cSld>
+    <p:spTree>
+      <p:nvGrpSpPr>
+        <p:cNvPr id="1" name=""/>
+        <p:cNvGrpSpPr/>
+        <p:nvPr/>
+      </p:nvGrpSpPr>
+      <p:grpSpPr>
+        <a:xfrm>
+          <a:off x="0" y="0"/>
+          <a:ext cx="0" cy="0"/>
+          <a:chOff x="0" y="0"/>
+          <a:chExt cx="0" cy="0"/>
+        </a:xfrm>
+      </p:grpSpPr>
+      <p:sp>
+        <p:nvSpPr>
+          <p:cNvPr id="2" name="Inhaltsplatzhalter 1"/>
+          <p:cNvSpPr>
+            <a:spLocks noGrp="1"/>
+          </p:cNvSpPr>
+          <p:nvPr>
+            <p:ph idx="1"/>
+          </p:nvPr>
+        </p:nvSpPr>
+        <p:spPr/>
+        <p:txBody>
+          <a:bodyPr/>
+          <a:lstStyle/>
+          <a:p>
+            <a:pPr marL="285750" indent="-285750">
+              <a:buFont typeface="Arial" panose="020B0604020202020204" pitchFamily="34" charset="0"/>
+              <a:buChar char="•"/>
+            </a:pPr>
+            <a:r>
+              <a:rPr lang="de-DE" dirty="0"/>
+              <a:t>C-Code mit Input / Output</a:t>
+            </a:r>
+          </a:p>
+          <a:p>
+            <a:pPr marL="285750" indent="-285750">
+              <a:buFont typeface="Arial" panose="020B0604020202020204" pitchFamily="34" charset="0"/>
+              <a:buChar char="•"/>
+            </a:pPr>
+            <a:endParaRPr lang="de-DE" dirty="0"/>
+          </a:p>
+          <a:p>
+            <a:pPr marL="285750" indent="-285750">
+              <a:buFont typeface="Arial" panose="020B0604020202020204" pitchFamily="34" charset="0"/>
+              <a:buChar char="•"/>
+            </a:pPr>
+            <a:r>
+              <a:rPr lang="de-DE" dirty="0"/>
+              <a:t>Pseudo Assembler Code</a:t>
+            </a:r>
+          </a:p>
+          <a:p>
+            <a:pPr marL="285750" indent="-285750">
+              <a:buFont typeface="Arial" panose="020B0604020202020204" pitchFamily="34" charset="0"/>
+              <a:buChar char="•"/>
+            </a:pPr>
+            <a:endParaRPr lang="de-DE" dirty="0"/>
+          </a:p>
+          <a:p>
+            <a:pPr marL="285750" indent="-285750">
+              <a:buFont typeface="Arial" panose="020B0604020202020204" pitchFamily="34" charset="0"/>
+              <a:buChar char="•"/>
+            </a:pPr>
+            <a:r>
+              <a:rPr lang="de-DE" dirty="0"/>
+              <a:t>Single-Pixel-</a:t>
+            </a:r>
+            <a:r>
+              <a:rPr lang="de-DE" dirty="0" err="1"/>
+              <a:t>Calculation</a:t>
+            </a:r>
+            <a:endParaRPr lang="de-DE" dirty="0"/>
+          </a:p>
+          <a:p>
+            <a:pPr marL="285750" indent="-285750">
+              <a:buFont typeface="Arial" panose="020B0604020202020204" pitchFamily="34" charset="0"/>
+              <a:buChar char="•"/>
+            </a:pPr>
+            <a:endParaRPr lang="de-DE" dirty="0"/>
+          </a:p>
+          <a:p>
+            <a:pPr marL="285750" indent="-285750">
+              <a:buFont typeface="Arial" panose="020B0604020202020204" pitchFamily="34" charset="0"/>
+              <a:buChar char="•"/>
+            </a:pPr>
+            <a:r>
+              <a:rPr lang="de-DE" dirty="0"/>
+              <a:t>Parallelisierung</a:t>
+            </a:r>
+          </a:p>
+          <a:p>
+            <a:pPr marL="461963" lvl="1" indent="-285750">
+              <a:buFont typeface="Symbol" panose="05050102010706020507" pitchFamily="18" charset="2"/>
+              <a:buChar char="-"/>
+            </a:pPr>
+            <a:r>
+              <a:rPr lang="de-DE" dirty="0"/>
+              <a:t>Erster Ansatz:		</a:t>
+            </a:r>
+            <a:r>
+              <a:rPr lang="de-DE" dirty="0" err="1"/>
+              <a:t>Float</a:t>
+            </a:r>
+            <a:r>
+              <a:rPr lang="de-DE" dirty="0"/>
+              <a:t>-Array mit Positionen </a:t>
+            </a:r>
+            <a:r>
+              <a:rPr lang="de-DE" dirty="0">
+                <a:sym typeface="Wingdings" panose="05000000000000000000" pitchFamily="2" charset="2"/>
+              </a:rPr>
+              <a:t> Q-Register</a:t>
+            </a:r>
+            <a:endParaRPr lang="de-DE" dirty="0"/>
+          </a:p>
+          <a:p>
+            <a:pPr marL="461963" lvl="1" indent="-285750">
+              <a:buFont typeface="Symbol" panose="05050102010706020507" pitchFamily="18" charset="2"/>
+              <a:buChar char="-"/>
+            </a:pPr>
+            <a:r>
+              <a:rPr lang="de-DE" dirty="0"/>
+              <a:t>Zweiter Ansatz:	Kontinuierlich 4 Pixel berechnen </a:t>
+            </a:r>
+            <a:r>
+              <a:rPr lang="de-DE" dirty="0">
+                <a:sym typeface="Wingdings" panose="05000000000000000000" pitchFamily="2" charset="2"/>
+              </a:rPr>
+              <a:t> Fertige Pixel austauschen</a:t>
+            </a:r>
+          </a:p>
+          <a:p>
+            <a:pPr marL="461963" lvl="1" indent="-285750">
+              <a:buFont typeface="Symbol" panose="05050102010706020507" pitchFamily="18" charset="2"/>
+              <a:buChar char="-"/>
+            </a:pPr>
+            <a:endParaRPr lang="de-DE" dirty="0">
+              <a:sym typeface="Wingdings" panose="05000000000000000000" pitchFamily="2" charset="2"/>
+            </a:endParaRPr>
+          </a:p>
+          <a:p>
+            <a:endParaRPr lang="de-DE" dirty="0"/>
+          </a:p>
+          <a:p>
+            <a:pPr marL="285750" indent="-285750">
+              <a:buFont typeface="Arial" panose="020B0604020202020204" pitchFamily="34" charset="0"/>
+              <a:buChar char="•"/>
+            </a:pPr>
+            <a:endParaRPr lang="de-DE" dirty="0"/>
+          </a:p>
+        </p:txBody>
+      </p:sp>
+      <p:sp>
+        <p:nvSpPr>
+          <p:cNvPr id="3" name="Foliennummernplatzhalter 2"/>
+          <p:cNvSpPr>
+            <a:spLocks noGrp="1"/>
+          </p:cNvSpPr>
+          <p:nvPr>
+            <p:ph type="sldNum" sz="quarter" idx="11"/>
+          </p:nvPr>
+        </p:nvSpPr>
+        <p:spPr/>
+        <p:txBody>
+          <a:bodyPr/>
+          <a:lstStyle/>
+          <a:p>
+            <a:fld id="{CE58CB1E-F828-4F11-99E0-327109AF9DA4}" type="slidenum">
+              <a:rPr lang="de-DE" smtClean="0"/>
+              <a:pPr/>
+              <a:t>3</a:t>
+            </a:fld>
+            <a:endParaRPr lang="de-DE" dirty="0"/>
+          </a:p>
+        </p:txBody>
+      </p:sp>
+      <p:sp>
+        <p:nvSpPr>
+          <p:cNvPr id="4" name="Fußzeilenplatzhalter 3"/>
+          <p:cNvSpPr>
+            <a:spLocks noGrp="1"/>
+          </p:cNvSpPr>
+          <p:nvPr>
+            <p:ph type="ftr" sz="quarter" idx="12"/>
+          </p:nvPr>
+        </p:nvSpPr>
+        <p:spPr/>
+        <p:txBody>
+          <a:bodyPr/>
+          <a:lstStyle/>
+          <a:p>
+            <a:r>
+              <a:rPr lang="de-DE"/>
+              <a:t>Dr. rer. nat. Erika Mustermann (TUM) | kann beliebig erweitert werden | Infos mit Strich trennen</a:t>
+            </a:r>
+            <a:endParaRPr lang="en-US" dirty="0"/>
+          </a:p>
+        </p:txBody>
+      </p:sp>
+      <p:sp>
+        <p:nvSpPr>
+          <p:cNvPr id="5" name="Titel 4"/>
+          <p:cNvSpPr>
+            <a:spLocks noGrp="1"/>
+          </p:cNvSpPr>
+          <p:nvPr>
+            <p:ph type="title"/>
+          </p:nvPr>
+        </p:nvSpPr>
+        <p:spPr>
+          <a:xfrm>
+            <a:off x="319090" y="994334"/>
+            <a:ext cx="8508999" cy="410369"/>
+          </a:xfrm>
+        </p:spPr>
+        <p:txBody>
+          <a:bodyPr/>
+          <a:lstStyle/>
+          <a:p>
+            <a:r>
+              <a:rPr lang="de-DE" dirty="0"/>
+              <a:t>Lösungsfindung</a:t>
+            </a:r>
+          </a:p>
+        </p:txBody>
+      </p:sp>
+    </p:spTree>
+    <p:extLst>
+      <p:ext uri="{BB962C8B-B14F-4D97-AF65-F5344CB8AC3E}">
+        <p14:creationId xmlns:p14="http://schemas.microsoft.com/office/powerpoint/2010/main" val="1769324023"/>
+      </p:ext>
+    </p:extLst>
+  </p:cSld>
+  <p:clrMapOvr>
+    <a:masterClrMapping/>
+  </p:clrMapOvr>
+</p:sld>
+</file>
+
+<file path=ppt/slides/slide4.xml><?xml version="1.0" encoding="utf-8"?>
 <p:sld xmlns:a="http://schemas.openxmlformats.org/drawingml/2006/main" xmlns:r="http://schemas.openxmlformats.org/officeDocument/2006/relationships" xmlns:p="http://schemas.openxmlformats.org/presentationml/2006/main">
   <p:cSld>
     <p:spTree>
@@ -12595,7 +15502,7 @@
             <a:fld id="{CE58CB1E-F828-4F11-99E0-327109AF9DA4}" type="slidenum">
               <a:rPr lang="de-DE" smtClean="0"/>
               <a:pPr/>
-              <a:t>3</a:t>
+              <a:t>4</a:t>
             </a:fld>
             <a:endParaRPr lang="de-DE" dirty="0"/>
           </a:p>
@@ -13411,7 +16318,7 @@
 </p:sld>
 </file>
 
-<file path=ppt/slides/slide4.xml><?xml version="1.0" encoding="utf-8"?>
+<file path=ppt/slides/slide5.xml><?xml version="1.0" encoding="utf-8"?>
 <p:sld xmlns:a="http://schemas.openxmlformats.org/drawingml/2006/main" xmlns:r="http://schemas.openxmlformats.org/officeDocument/2006/relationships" xmlns:p="http://schemas.openxmlformats.org/presentationml/2006/main">
   <p:cSld>
     <p:spTree>
@@ -13446,7 +16353,7 @@
             <a:fld id="{CE58CB1E-F828-4F11-99E0-327109AF9DA4}" type="slidenum">
               <a:rPr lang="de-DE" smtClean="0"/>
               <a:pPr/>
-              <a:t>4</a:t>
+              <a:t>5</a:t>
             </a:fld>
             <a:endParaRPr lang="de-DE" dirty="0"/>
           </a:p>
@@ -13545,158 +16452,6 @@
 </p:sld>
 </file>
 
-<file path=ppt/slides/slide5.xml><?xml version="1.0" encoding="utf-8"?>
-<p:sld xmlns:a="http://schemas.openxmlformats.org/drawingml/2006/main" xmlns:r="http://schemas.openxmlformats.org/officeDocument/2006/relationships" xmlns:p="http://schemas.openxmlformats.org/presentationml/2006/main">
-  <p:cSld>
-    <p:spTree>
-      <p:nvGrpSpPr>
-        <p:cNvPr id="1" name=""/>
-        <p:cNvGrpSpPr/>
-        <p:nvPr/>
-      </p:nvGrpSpPr>
-      <p:grpSpPr>
-        <a:xfrm>
-          <a:off x="0" y="0"/>
-          <a:ext cx="0" cy="0"/>
-          <a:chOff x="0" y="0"/>
-          <a:chExt cx="0" cy="0"/>
-        </a:xfrm>
-      </p:grpSpPr>
-      <p:sp>
-        <p:nvSpPr>
-          <p:cNvPr id="2" name="Inhaltsplatzhalter 1"/>
-          <p:cNvSpPr>
-            <a:spLocks noGrp="1"/>
-          </p:cNvSpPr>
-          <p:nvPr>
-            <p:ph idx="1"/>
-          </p:nvPr>
-        </p:nvSpPr>
-        <p:spPr/>
-        <p:txBody>
-          <a:bodyPr/>
-          <a:lstStyle/>
-          <a:p>
-            <a:r>
-              <a:rPr dirty="0" err="1"/>
-              <a:t>Dieser</a:t>
-            </a:r>
-            <a:r>
-              <a:rPr dirty="0"/>
-              <a:t> Folienmaster gilt bei offiziellen Präsentationen im Rahmen der TUM.</a:t>
-            </a:r>
-            <a:br>
-              <a:rPr dirty="0"/>
-            </a:br>
-            <a:r>
-              <a:rPr dirty="0"/>
-              <a:t>Es ist darauf zu achten, dass wir uns in einem durchgängigen Layout </a:t>
-            </a:r>
-            <a:r>
-              <a:rPr dirty="0" err="1"/>
-              <a:t>präsentieren</a:t>
-            </a:r>
-            <a:r>
-              <a:rPr dirty="0"/>
-              <a:t>.</a:t>
-            </a:r>
-          </a:p>
-          <a:p>
-            <a:r>
-              <a:rPr lang="de-DE" dirty="0"/>
-              <a:t>Abweichungen vom vorgegebenen Layout bitte auf ein Minimum reduzieren.</a:t>
-            </a:r>
-          </a:p>
-          <a:p>
-            <a:endParaRPr dirty="0"/>
-          </a:p>
-          <a:p>
-            <a:endParaRPr sz="2200" dirty="0"/>
-          </a:p>
-        </p:txBody>
-      </p:sp>
-      <p:sp>
-        <p:nvSpPr>
-          <p:cNvPr id="4" name="Foliennummernplatzhalter 3"/>
-          <p:cNvSpPr>
-            <a:spLocks noGrp="1"/>
-          </p:cNvSpPr>
-          <p:nvPr>
-            <p:ph type="sldNum" sz="quarter" idx="11"/>
-          </p:nvPr>
-        </p:nvSpPr>
-        <p:spPr/>
-        <p:txBody>
-          <a:bodyPr/>
-          <a:lstStyle/>
-          <a:p>
-            <a:fld id="{CE58CB1E-F828-4F11-99E0-327109AF9DA4}" type="slidenum">
-              <a:rPr lang="de-DE" smtClean="0"/>
-              <a:pPr/>
-              <a:t>5</a:t>
-            </a:fld>
-            <a:endParaRPr lang="de-DE" dirty="0"/>
-          </a:p>
-        </p:txBody>
-      </p:sp>
-      <p:sp>
-        <p:nvSpPr>
-          <p:cNvPr id="7" name="Fußzeilenplatzhalter 4"/>
-          <p:cNvSpPr>
-            <a:spLocks noGrp="1"/>
-          </p:cNvSpPr>
-          <p:nvPr>
-            <p:ph type="ftr" sz="quarter" idx="12"/>
-          </p:nvPr>
-        </p:nvSpPr>
-        <p:spPr/>
-        <p:txBody>
-          <a:bodyPr/>
-          <a:lstStyle/>
-          <a:p>
-            <a:r>
-              <a:rPr lang="de-DE"/>
-              <a:t>Dr. rer. nat. Erika Mustermann (TUM) | kann beliebig erweitert werden | Infos mit Strich trennen</a:t>
-            </a:r>
-            <a:endParaRPr lang="en-US" dirty="0"/>
-          </a:p>
-        </p:txBody>
-      </p:sp>
-      <p:sp>
-        <p:nvSpPr>
-          <p:cNvPr id="3" name="Titel 2"/>
-          <p:cNvSpPr>
-            <a:spLocks noGrp="1"/>
-          </p:cNvSpPr>
-          <p:nvPr>
-            <p:ph type="title"/>
-          </p:nvPr>
-        </p:nvSpPr>
-        <p:spPr>
-          <a:prstGeom prst="rect">
-            <a:avLst/>
-          </a:prstGeom>
-        </p:spPr>
-        <p:txBody>
-          <a:bodyPr/>
-          <a:lstStyle/>
-          <a:p>
-            <a:r>
-              <a:rPr sz="3000" dirty="0"/>
-              <a:t>Gültigkeit der Masterfolien</a:t>
-            </a:r>
-            <a:endParaRPr lang="de-DE" sz="3000" dirty="0"/>
-          </a:p>
-        </p:txBody>
-      </p:sp>
-    </p:spTree>
-  </p:cSld>
-  <p:clrMapOvr>
-    <a:masterClrMapping/>
-  </p:clrMapOvr>
-</p:sld>
-</file>
-
 <file path=ppt/slides/slide6.xml><?xml version="1.0" encoding="utf-8"?>
 <p:sld xmlns:a="http://schemas.openxmlformats.org/drawingml/2006/main" xmlns:r="http://schemas.openxmlformats.org/officeDocument/2006/relationships" xmlns:p="http://schemas.openxmlformats.org/presentationml/2006/main">
   <p:cSld>
@@ -13724,27 +16479,46 @@
             <p:ph idx="1"/>
           </p:nvPr>
         </p:nvSpPr>
-        <p:spPr>
-          <a:xfrm>
-            <a:off x="319090" y="2105024"/>
-            <a:ext cx="8508999" cy="4356735"/>
-          </a:xfrm>
-        </p:spPr>
+        <p:spPr/>
         <p:txBody>
           <a:bodyPr/>
           <a:lstStyle/>
           <a:p>
             <a:r>
+              <a:rPr dirty="0" err="1"/>
+              <a:t>Dieser</a:t>
+            </a:r>
+            <a:r>
               <a:rPr dirty="0"/>
-              <a:t>Als Grundlage dient der Corporate Design Style Guide der TUM.</a:t>
+              <a:t> Folienmaster gilt bei offiziellen Präsentationen im Rahmen der TUM.</a:t>
             </a:r>
             <a:br>
               <a:rPr dirty="0"/>
             </a:br>
             <a:r>
               <a:rPr dirty="0"/>
-              <a:t>Die Präsentationsvorlage ist auf gute Lesbarkeit und klare Darstellung von Informationen optimiert.</a:t>
-            </a:r>
+              <a:t>Es ist darauf zu achten, dass wir uns in einem durchgängigen Layout </a:t>
+            </a:r>
+            <a:r>
+              <a:rPr dirty="0" err="1"/>
+              <a:t>präsentieren</a:t>
+            </a:r>
+            <a:r>
+              <a:rPr dirty="0"/>
+              <a:t>.</a:t>
+            </a:r>
+          </a:p>
+          <a:p>
+            <a:r>
+              <a:rPr lang="de-DE" dirty="0"/>
+              <a:t>Abweichungen vom vorgegebenen Layout bitte auf ein Minimum reduzieren.</a:t>
+            </a:r>
+          </a:p>
+          <a:p>
+            <a:endParaRPr dirty="0"/>
+          </a:p>
+          <a:p>
+            <a:endParaRPr sz="2200" dirty="0"/>
           </a:p>
         </p:txBody>
       </p:sp>
@@ -13774,7 +16548,7 @@
       </p:sp>
       <p:sp>
         <p:nvSpPr>
-          <p:cNvPr id="6" name="Fußzeilenplatzhalter 4"/>
+          <p:cNvPr id="7" name="Fußzeilenplatzhalter 4"/>
           <p:cNvSpPr>
             <a:spLocks noGrp="1"/>
           </p:cNvSpPr>
@@ -13815,15 +16589,8 @@
           <a:lstStyle/>
           <a:p>
             <a:r>
-              <a:rPr lang="de-DE" sz="3200" dirty="0"/>
-              <a:t>Hier steht eine Überschrift</a:t>
-            </a:r>
-            <a:br>
-              <a:rPr lang="de-DE" sz="3200" dirty="0"/>
-            </a:br>
-            <a:r>
-              <a:rPr lang="de-DE" sz="3200" dirty="0"/>
-              <a:t>max. 2-zeilig</a:t>
+              <a:rPr sz="3000" dirty="0"/>
+              <a:t>Gültigkeit der Masterfolien</a:t>
             </a:r>
             <a:endParaRPr lang="de-DE" sz="3000" dirty="0"/>
           </a:p>
@@ -13864,106 +16631,26 @@
             <p:ph idx="1"/>
           </p:nvPr>
         </p:nvSpPr>
-        <p:spPr/>
+        <p:spPr>
+          <a:xfrm>
+            <a:off x="319090" y="2105024"/>
+            <a:ext cx="8508999" cy="4356735"/>
+          </a:xfrm>
+        </p:spPr>
         <p:txBody>
           <a:bodyPr/>
           <a:lstStyle/>
           <a:p>
             <a:r>
               <a:rPr dirty="0"/>
-              <a:t>Das Grundprinzip ist, Informationen bestmöglich zu transportieren. Dazu muss vor allem die Schrift einheitlich und für alle im Raum lesbar sein. </a:t>
-            </a:r>
-          </a:p>
-          <a:p>
-            <a:endParaRPr dirty="0"/>
-          </a:p>
-          <a:p>
-            <a:r>
-              <a:rPr dirty="0" err="1"/>
-              <a:t>Schriftart</a:t>
-            </a:r>
-            <a:r>
+              <a:t>Als Grundlage dient der Corporate Design Style Guide der TUM.</a:t>
+            </a:r>
+            <a:br>
               <a:rPr dirty="0"/>
-              <a:t>: Arial</a:t>
-            </a:r>
-          </a:p>
-          <a:p>
-            <a:endParaRPr dirty="0"/>
-          </a:p>
-          <a:p>
-            <a:r>
-              <a:rPr dirty="0" err="1"/>
-              <a:t>Schriftgr</a:t>
-            </a:r>
-            <a:r>
-              <a:rPr lang="de-DE" dirty="0" err="1"/>
-              <a:t>ößen</a:t>
-            </a:r>
+            </a:br>
             <a:r>
               <a:rPr dirty="0"/>
-              <a:t>:</a:t>
-            </a:r>
-            <a:r>
-              <a:rPr lang="de-DE" dirty="0"/>
-              <a:t>30 | 22 | 16 | 12</a:t>
-            </a:r>
-            <a:endParaRPr dirty="0"/>
-          </a:p>
-          <a:p>
-            <a:endParaRPr dirty="0"/>
-          </a:p>
-          <a:p>
-            <a:r>
-              <a:rPr dirty="0" err="1"/>
-              <a:t>Zeilenabstand</a:t>
-            </a:r>
-            <a:r>
-              <a:rPr dirty="0"/>
-              <a:t>: 1,15mm</a:t>
-            </a:r>
-          </a:p>
-          <a:p>
-            <a:endParaRPr dirty="0"/>
-          </a:p>
-          <a:p>
-            <a:r>
-              <a:rPr dirty="0"/>
-              <a:t>Die Einstellungen sind in den Textfeldern und Textfeldvorlagen dieses ppt-Masters als Standard eingestellt. Bei Diagrammen und Tabellen muss die Schriftgröße ggf. angepasst werden.</a:t>
-            </a:r>
-            <a:r>
-              <a:rPr lang="de-DE" dirty="0"/>
-              <a:t> Für Auszeichnungen im Fließtext kann auch </a:t>
-            </a:r>
-            <a:r>
-              <a:rPr lang="de-DE" b="1" dirty="0"/>
-              <a:t>fett </a:t>
-            </a:r>
-            <a:r>
-              <a:rPr lang="de-DE" dirty="0"/>
-              <a:t>markiert werden.</a:t>
-            </a:r>
-            <a:endParaRPr dirty="0"/>
-          </a:p>
-          <a:p>
-            <a:r>
-              <a:rPr dirty="0"/>
-              <a:t>Bei großer Distanz bzw. </a:t>
-            </a:r>
-            <a:r>
-              <a:rPr dirty="0" err="1"/>
-              <a:t>kleinem</a:t>
-            </a:r>
-            <a:r>
-              <a:rPr dirty="0"/>
-              <a:t> </a:t>
-            </a:r>
-            <a:r>
-              <a:rPr dirty="0" err="1"/>
-              <a:t>Präsentationsmedium</a:t>
-            </a:r>
-            <a:r>
-              <a:rPr dirty="0"/>
-              <a:t> kann der Schriftgrad notfalls proportional erhöht werden.</a:t>
+              <a:t>Die Präsentationsvorlage ist auf gute Lesbarkeit und klare Darstellung von Informationen optimiert.</a:t>
             </a:r>
           </a:p>
         </p:txBody>
@@ -13978,11 +16665,7 @@
             <p:ph type="sldNum" sz="quarter" idx="11"/>
           </p:nvPr>
         </p:nvSpPr>
-        <p:spPr>
-          <a:prstGeom prst="rect">
-            <a:avLst/>
-          </a:prstGeom>
-        </p:spPr>
+        <p:spPr/>
         <p:txBody>
           <a:bodyPr/>
           <a:lstStyle/>
@@ -14039,8 +16722,15 @@
           <a:lstStyle/>
           <a:p>
             <a:r>
-              <a:rPr sz="3000" dirty="0"/>
-              <a:t>Schrift</a:t>
+              <a:rPr lang="de-DE" sz="3200" dirty="0"/>
+              <a:t>Hier steht eine Überschrift</a:t>
+            </a:r>
+            <a:br>
+              <a:rPr lang="de-DE" sz="3200" dirty="0"/>
+            </a:br>
+            <a:r>
+              <a:rPr lang="de-DE" sz="3200" dirty="0"/>
+              <a:t>max. 2-zeilig</a:t>
             </a:r>
             <a:endParaRPr lang="de-DE" sz="3000" dirty="0"/>
           </a:p>
@@ -14088,82 +16778,100 @@
           <a:p>
             <a:r>
               <a:rPr dirty="0"/>
-              <a:t>Als erstes soll mit schwarz und weiß gearbeitet werden.</a:t>
-            </a:r>
-            <a:br>
+              <a:t>Das Grundprinzip ist, Informationen bestmöglich zu transportieren. Dazu muss vor allem die Schrift einheitlich und für alle im Raum lesbar sein. </a:t>
+            </a:r>
+          </a:p>
+          <a:p>
+            <a:endParaRPr dirty="0"/>
+          </a:p>
+          <a:p>
+            <a:r>
+              <a:rPr dirty="0" err="1"/>
+              <a:t>Schriftart</a:t>
+            </a:r>
+            <a:r>
               <a:rPr dirty="0"/>
-            </a:br>
+              <a:t>: Arial</a:t>
+            </a:r>
+          </a:p>
+          <a:p>
+            <a:endParaRPr dirty="0"/>
+          </a:p>
+          <a:p>
+            <a:r>
+              <a:rPr dirty="0" err="1"/>
+              <a:t>Schriftgr</a:t>
+            </a:r>
+            <a:r>
+              <a:rPr lang="de-DE" dirty="0" err="1"/>
+              <a:t>ößen</a:t>
+            </a:r>
             <a:r>
               <a:rPr dirty="0"/>
-              <a:t>Für Aufwändigere Darstellungen sind Farben mit Bedacht und in möglichst geringem Umfang einzusetzen.</a:t>
-            </a:r>
-            <a:br>
+              <a:t>:</a:t>
+            </a:r>
+            <a:r>
+              <a:rPr lang="de-DE" dirty="0"/>
+              <a:t>30 | 22 | 16 | 12</a:t>
+            </a:r>
+            <a:endParaRPr dirty="0"/>
+          </a:p>
+          <a:p>
+            <a:endParaRPr dirty="0"/>
+          </a:p>
+          <a:p>
+            <a:r>
+              <a:rPr dirty="0" err="1"/>
+              <a:t>Zeilenabstand</a:t>
+            </a:r>
+            <a:r>
               <a:rPr dirty="0"/>
-            </a:br>
+              <a:t>: 1,15mm</a:t>
+            </a:r>
+          </a:p>
+          <a:p>
             <a:endParaRPr dirty="0"/>
           </a:p>
           <a:p>
             <a:r>
               <a:rPr dirty="0"/>
-              <a:t>In diesem Folienmaster ist die Farbpalette festgelegt.</a:t>
-            </a:r>
-          </a:p>
-          <a:p>
+              <a:t>Die Einstellungen sind in den Textfeldern und Textfeldvorlagen dieses ppt-Masters als Standard eingestellt. Bei Diagrammen und Tabellen muss die Schriftgröße ggf. angepasst werden.</a:t>
+            </a:r>
+            <a:r>
+              <a:rPr lang="de-DE" dirty="0"/>
+              <a:t> Für Auszeichnungen im Fließtext kann auch </a:t>
+            </a:r>
+            <a:r>
+              <a:rPr lang="de-DE" b="1" dirty="0"/>
+              <a:t>fett </a:t>
+            </a:r>
+            <a:r>
+              <a:rPr lang="de-DE" dirty="0"/>
+              <a:t>markiert werden.</a:t>
+            </a:r>
             <a:endParaRPr dirty="0"/>
           </a:p>
           <a:p>
             <a:r>
               <a:rPr dirty="0"/>
-              <a:t>Zuerst mit </a:t>
-            </a:r>
-            <a:r>
-              <a:rPr lang="de-DE" dirty="0"/>
-              <a:t>den Primärfarben </a:t>
+              <a:t>Bei großer Distanz bzw. </a:t>
+            </a:r>
+            <a:r>
+              <a:rPr dirty="0" err="1"/>
+              <a:t>kleinem</a:t>
             </a:r>
             <a:r>
               <a:rPr dirty="0"/>
-              <a:t>arbeiten</a:t>
-            </a:r>
-            <a:r>
-              <a:rPr lang="de-DE" dirty="0"/>
-              <a:t>.</a:t>
-            </a:r>
-          </a:p>
-          <a:p>
-            <a:endParaRPr lang="de-DE" dirty="0"/>
-          </a:p>
-          <a:p>
-            <a:endParaRPr lang="de-DE" dirty="0"/>
-          </a:p>
-          <a:p>
+              <a:t> </a:t>
+            </a:r>
+            <a:r>
+              <a:rPr dirty="0" err="1"/>
+              <a:t>Präsentationsmedium</a:t>
+            </a:r>
             <a:r>
               <a:rPr dirty="0"/>
-              <a:t>Für z.B. komplexe Diagramme stehen noch</a:t>
-            </a:r>
-            <a:r>
-              <a:rPr lang="de-DE" dirty="0"/>
-              <a:t>Sekundärfarben </a:t>
-            </a:r>
-            <a:r>
-              <a:rPr dirty="0"/>
-              <a:t>zur Verfügung.</a:t>
-            </a:r>
-          </a:p>
-          <a:p>
-            <a:endParaRPr dirty="0"/>
-          </a:p>
-          <a:p>
-            <a:endParaRPr dirty="0"/>
-          </a:p>
-          <a:p>
-            <a:r>
-              <a:rPr lang="de-DE" dirty="0"/>
-              <a:t>Gering im Einsatz sind die Akzentfarben.</a:t>
-            </a:r>
-            <a:endParaRPr dirty="0"/>
-          </a:p>
-          <a:p>
-            <a:endParaRPr dirty="0"/>
+              <a:t> kann der Schriftgrad notfalls proportional erhöht werden.</a:t>
+            </a:r>
           </a:p>
         </p:txBody>
       </p:sp>
@@ -14190,6 +16898,205 @@
               <a:rPr lang="de-DE" smtClean="0"/>
               <a:pPr/>
               <a:t>8</a:t>
+            </a:fld>
+            <a:endParaRPr lang="de-DE" dirty="0"/>
+          </a:p>
+        </p:txBody>
+      </p:sp>
+      <p:sp>
+        <p:nvSpPr>
+          <p:cNvPr id="6" name="Fußzeilenplatzhalter 4"/>
+          <p:cNvSpPr>
+            <a:spLocks noGrp="1"/>
+          </p:cNvSpPr>
+          <p:nvPr>
+            <p:ph type="ftr" sz="quarter" idx="12"/>
+          </p:nvPr>
+        </p:nvSpPr>
+        <p:spPr/>
+        <p:txBody>
+          <a:bodyPr/>
+          <a:lstStyle/>
+          <a:p>
+            <a:r>
+              <a:rPr lang="de-DE"/>
+              <a:t>Dr. rer. nat. Erika Mustermann (TUM) | kann beliebig erweitert werden | Infos mit Strich trennen</a:t>
+            </a:r>
+            <a:endParaRPr lang="en-US" dirty="0"/>
+          </a:p>
+        </p:txBody>
+      </p:sp>
+      <p:sp>
+        <p:nvSpPr>
+          <p:cNvPr id="3" name="Titel 2"/>
+          <p:cNvSpPr>
+            <a:spLocks noGrp="1"/>
+          </p:cNvSpPr>
+          <p:nvPr>
+            <p:ph type="title"/>
+          </p:nvPr>
+        </p:nvSpPr>
+        <p:spPr>
+          <a:prstGeom prst="rect">
+            <a:avLst/>
+          </a:prstGeom>
+        </p:spPr>
+        <p:txBody>
+          <a:bodyPr/>
+          <a:lstStyle/>
+          <a:p>
+            <a:r>
+              <a:rPr sz="3000" dirty="0"/>
+              <a:t>Schrift</a:t>
+            </a:r>
+            <a:endParaRPr lang="de-DE" sz="3000" dirty="0"/>
+          </a:p>
+        </p:txBody>
+      </p:sp>
+    </p:spTree>
+  </p:cSld>
+  <p:clrMapOvr>
+    <a:masterClrMapping/>
+  </p:clrMapOvr>
+</p:sld>
+</file>
+
+<file path=ppt/slides/slide9.xml><?xml version="1.0" encoding="utf-8"?>
+<p:sld xmlns:a="http://schemas.openxmlformats.org/drawingml/2006/main" xmlns:r="http://schemas.openxmlformats.org/officeDocument/2006/relationships" xmlns:p="http://schemas.openxmlformats.org/presentationml/2006/main">
+  <p:cSld>
+    <p:spTree>
+      <p:nvGrpSpPr>
+        <p:cNvPr id="1" name=""/>
+        <p:cNvGrpSpPr/>
+        <p:nvPr/>
+      </p:nvGrpSpPr>
+      <p:grpSpPr>
+        <a:xfrm>
+          <a:off x="0" y="0"/>
+          <a:ext cx="0" cy="0"/>
+          <a:chOff x="0" y="0"/>
+          <a:chExt cx="0" cy="0"/>
+        </a:xfrm>
+      </p:grpSpPr>
+      <p:sp>
+        <p:nvSpPr>
+          <p:cNvPr id="2" name="Inhaltsplatzhalter 1"/>
+          <p:cNvSpPr>
+            <a:spLocks noGrp="1"/>
+          </p:cNvSpPr>
+          <p:nvPr>
+            <p:ph idx="1"/>
+          </p:nvPr>
+        </p:nvSpPr>
+        <p:spPr/>
+        <p:txBody>
+          <a:bodyPr/>
+          <a:lstStyle/>
+          <a:p>
+            <a:r>
+              <a:rPr dirty="0"/>
+              <a:t>Als erstes soll mit schwarz und weiß gearbeitet werden.</a:t>
+            </a:r>
+            <a:br>
+              <a:rPr dirty="0"/>
+            </a:br>
+            <a:r>
+              <a:rPr dirty="0"/>
+              <a:t>Für Aufwändigere Darstellungen sind Farben mit Bedacht und in möglichst geringem Umfang einzusetzen.</a:t>
+            </a:r>
+            <a:br>
+              <a:rPr dirty="0"/>
+            </a:br>
+            <a:endParaRPr dirty="0"/>
+          </a:p>
+          <a:p>
+            <a:r>
+              <a:rPr dirty="0"/>
+              <a:t>In diesem Folienmaster ist die Farbpalette festgelegt.</a:t>
+            </a:r>
+          </a:p>
+          <a:p>
+            <a:endParaRPr dirty="0"/>
+          </a:p>
+          <a:p>
+            <a:r>
+              <a:rPr dirty="0"/>
+              <a:t>Zuerst mit </a:t>
+            </a:r>
+            <a:r>
+              <a:rPr lang="de-DE" dirty="0"/>
+              <a:t>den Primärfarben </a:t>
+            </a:r>
+            <a:r>
+              <a:rPr dirty="0"/>
+              <a:t>arbeiten</a:t>
+            </a:r>
+            <a:r>
+              <a:rPr lang="de-DE" dirty="0"/>
+              <a:t>.</a:t>
+            </a:r>
+          </a:p>
+          <a:p>
+            <a:endParaRPr lang="de-DE" dirty="0"/>
+          </a:p>
+          <a:p>
+            <a:endParaRPr lang="de-DE" dirty="0"/>
+          </a:p>
+          <a:p>
+            <a:r>
+              <a:rPr dirty="0"/>
+              <a:t>Für z.B. komplexe Diagramme stehen noch</a:t>
+            </a:r>
+            <a:r>
+              <a:rPr lang="de-DE" dirty="0"/>
+              <a:t>Sekundärfarben </a:t>
+            </a:r>
+            <a:r>
+              <a:rPr dirty="0"/>
+              <a:t>zur Verfügung.</a:t>
+            </a:r>
+          </a:p>
+          <a:p>
+            <a:endParaRPr dirty="0"/>
+          </a:p>
+          <a:p>
+            <a:endParaRPr dirty="0"/>
+          </a:p>
+          <a:p>
+            <a:r>
+              <a:rPr lang="de-DE" dirty="0"/>
+              <a:t>Gering im Einsatz sind die Akzentfarben.</a:t>
+            </a:r>
+            <a:endParaRPr dirty="0"/>
+          </a:p>
+          <a:p>
+            <a:endParaRPr dirty="0"/>
+          </a:p>
+        </p:txBody>
+      </p:sp>
+      <p:sp>
+        <p:nvSpPr>
+          <p:cNvPr id="4" name="Foliennummernplatzhalter 3"/>
+          <p:cNvSpPr>
+            <a:spLocks noGrp="1"/>
+          </p:cNvSpPr>
+          <p:nvPr>
+            <p:ph type="sldNum" sz="quarter" idx="11"/>
+          </p:nvPr>
+        </p:nvSpPr>
+        <p:spPr>
+          <a:prstGeom prst="rect">
+            <a:avLst/>
+          </a:prstGeom>
+        </p:spPr>
+        <p:txBody>
+          <a:bodyPr/>
+          <a:lstStyle/>
+          <a:p>
+            <a:fld id="{CE58CB1E-F828-4F11-99E0-327109AF9DA4}" type="slidenum">
+              <a:rPr lang="de-DE" smtClean="0"/>
+              <a:pPr/>
+              <a:t>9</a:t>
             </a:fld>
             <a:endParaRPr lang="de-DE" dirty="0"/>
           </a:p>
@@ -14805,142 +17712,6 @@
                 <a:spcPct val="114000"/>
               </a:lnSpc>
             </a:pPr>
-            <a:endParaRPr lang="de-DE" dirty="0"/>
-          </a:p>
-        </p:txBody>
-      </p:sp>
-    </p:spTree>
-  </p:cSld>
-  <p:clrMapOvr>
-    <a:masterClrMapping/>
-  </p:clrMapOvr>
-</p:sld>
-</file>
-
-<file path=ppt/slides/slide9.xml><?xml version="1.0" encoding="utf-8"?>
-<p:sld xmlns:a="http://schemas.openxmlformats.org/drawingml/2006/main" xmlns:r="http://schemas.openxmlformats.org/officeDocument/2006/relationships" xmlns:p="http://schemas.openxmlformats.org/presentationml/2006/main">
-  <p:cSld>
-    <p:spTree>
-      <p:nvGrpSpPr>
-        <p:cNvPr id="1" name=""/>
-        <p:cNvGrpSpPr/>
-        <p:nvPr/>
-      </p:nvGrpSpPr>
-      <p:grpSpPr>
-        <a:xfrm>
-          <a:off x="0" y="0"/>
-          <a:ext cx="0" cy="0"/>
-          <a:chOff x="0" y="0"/>
-          <a:chExt cx="0" cy="0"/>
-        </a:xfrm>
-      </p:grpSpPr>
-      <p:sp>
-        <p:nvSpPr>
-          <p:cNvPr id="2" name="Inhaltsplatzhalter 1"/>
-          <p:cNvSpPr>
-            <a:spLocks noGrp="1"/>
-          </p:cNvSpPr>
-          <p:nvPr>
-            <p:ph idx="1"/>
-          </p:nvPr>
-        </p:nvSpPr>
-        <p:spPr/>
-        <p:txBody>
-          <a:bodyPr/>
-          <a:lstStyle/>
-          <a:p>
-            <a:r>
-              <a:rPr/>
-              <a:t>Kurze und knappe Texte, Fließtexte linksbündig, kein Blocksatz</a:t>
-            </a:r>
-          </a:p>
-          <a:p>
-            <a:endParaRPr/>
-          </a:p>
-          <a:p>
-            <a:r>
-              <a:rPr/>
-              <a:t>Beispiel:</a:t>
-            </a:r>
-          </a:p>
-          <a:p>
-            <a:r>
-              <a:rPr/>
-              <a:t>Tem soluptam, nisi as verum ereprehendam at acculpa quidisq uissit volupta tusdant utem as etur, odi odis es doluptiae dem nimaion con nossinctenis pora quam voloria consenimus blabore everfer epeliquo maio etur.</a:t>
-            </a:r>
-          </a:p>
-        </p:txBody>
-      </p:sp>
-      <p:sp>
-        <p:nvSpPr>
-          <p:cNvPr id="4" name="Foliennummernplatzhalter 3"/>
-          <p:cNvSpPr>
-            <a:spLocks noGrp="1"/>
-          </p:cNvSpPr>
-          <p:nvPr>
-            <p:ph type="sldNum" sz="quarter" idx="11"/>
-          </p:nvPr>
-        </p:nvSpPr>
-        <p:spPr/>
-        <p:txBody>
-          <a:bodyPr/>
-          <a:lstStyle/>
-          <a:p>
-            <a:fld id="{CE58CB1E-F828-4F11-99E0-327109AF9DA4}" type="slidenum">
-              <a:rPr lang="de-DE" smtClean="0"/>
-              <a:pPr/>
-              <a:t>9</a:t>
-            </a:fld>
-            <a:endParaRPr lang="de-DE" dirty="0"/>
-          </a:p>
-        </p:txBody>
-      </p:sp>
-      <p:sp>
-        <p:nvSpPr>
-          <p:cNvPr id="6" name="Fußzeilenplatzhalter 4"/>
-          <p:cNvSpPr>
-            <a:spLocks noGrp="1"/>
-          </p:cNvSpPr>
-          <p:nvPr>
-            <p:ph type="ftr" sz="quarter" idx="12"/>
-          </p:nvPr>
-        </p:nvSpPr>
-        <p:spPr/>
-        <p:txBody>
-          <a:bodyPr/>
-          <a:lstStyle/>
-          <a:p>
-            <a:r>
-              <a:rPr lang="de-DE"/>
-              <a:t>Dr. rer. nat. Erika Mustermann (TUM) | kann beliebig erweitert werden | Infos mit Strich trennen</a:t>
-            </a:r>
-            <a:endParaRPr lang="en-US" dirty="0"/>
-          </a:p>
-        </p:txBody>
-      </p:sp>
-      <p:sp>
-        <p:nvSpPr>
-          <p:cNvPr id="3" name="Titel 2"/>
-          <p:cNvSpPr>
-            <a:spLocks noGrp="1"/>
-          </p:cNvSpPr>
-          <p:nvPr>
-            <p:ph type="title"/>
-          </p:nvPr>
-        </p:nvSpPr>
-        <p:spPr>
-          <a:prstGeom prst="rect">
-            <a:avLst/>
-          </a:prstGeom>
-        </p:spPr>
-        <p:txBody>
-          <a:bodyPr/>
-          <a:lstStyle/>
-          <a:p>
-            <a:r>
-              <a:rPr dirty="0"/>
-              <a:t>Texte</a:t>
-            </a:r>
             <a:endParaRPr lang="de-DE" dirty="0"/>
           </a:p>
         </p:txBody>
@@ -16640,9 +19411,9 @@
 </file>
 
 <file path=ppt/theme/theme7.xml><?xml version="1.0" encoding="utf-8"?>
-<a:theme xmlns:a="http://schemas.openxmlformats.org/drawingml/2006/main" name="Larissa-Design">
+<a:theme xmlns:a="http://schemas.openxmlformats.org/drawingml/2006/main" name="1_Inhalt">
   <a:themeElements>
-    <a:clrScheme name="Larissa">
+    <a:clrScheme name="TUM">
       <a:dk1>
         <a:sysClr val="windowText" lastClr="000000"/>
       </a:dk1>
@@ -16650,28 +19421,28 @@
         <a:sysClr val="window" lastClr="FFFFFF"/>
       </a:lt1>
       <a:dk2>
-        <a:srgbClr val="1F497D"/>
+        <a:srgbClr val="003359"/>
       </a:dk2>
       <a:lt2>
-        <a:srgbClr val="EEECE1"/>
+        <a:srgbClr val="0065BD"/>
       </a:lt2>
       <a:accent1>
-        <a:srgbClr val="4F81BD"/>
+        <a:srgbClr val="005293"/>
       </a:accent1>
       <a:accent2>
-        <a:srgbClr val="C0504D"/>
+        <a:srgbClr val="64A0C8"/>
       </a:accent2>
       <a:accent3>
-        <a:srgbClr val="9BBB59"/>
+        <a:srgbClr val="98C6EA"/>
       </a:accent3>
       <a:accent4>
-        <a:srgbClr val="8064A2"/>
+        <a:srgbClr val="A2AD00"/>
       </a:accent4>
       <a:accent5>
-        <a:srgbClr val="4BACC6"/>
+        <a:srgbClr val="E37222"/>
       </a:accent5>
       <a:accent6>
-        <a:srgbClr val="F79646"/>
+        <a:srgbClr val="DAD7CB"/>
       </a:accent6>
       <a:hlink>
         <a:srgbClr val="0000FF"/>
@@ -16680,74 +19451,16 @@
         <a:srgbClr val="800080"/>
       </a:folHlink>
     </a:clrScheme>
-    <a:fontScheme name="Larissa">
+    <a:fontScheme name="TUM Arial">
       <a:majorFont>
-        <a:latin typeface="Calibri"/>
+        <a:latin typeface="Arial"/>
         <a:ea typeface=""/>
         <a:cs typeface=""/>
-        <a:font script="Jpan" typeface="ＭＳ Ｐゴシック"/>
-        <a:font script="Hang" typeface="맑은 고딕"/>
-        <a:font script="Hans" typeface="宋体"/>
-        <a:font script="Hant" typeface="新細明體"/>
-        <a:font script="Arab" typeface="Times New Roman"/>
-        <a:font script="Hebr" typeface="Times New Roman"/>
-        <a:font script="Thai" typeface="Angsana New"/>
-        <a:font script="Ethi" typeface="Nyala"/>
-        <a:font script="Beng" typeface="Vrinda"/>
-        <a:font script="Gujr" typeface="Shruti"/>
-        <a:font script="Khmr" typeface="MoolBoran"/>
-        <a:font script="Knda" typeface="Tunga"/>
-        <a:font script="Guru" typeface="Raavi"/>
-        <a:font script="Cans" typeface="Euphemia"/>
-        <a:font script="Cher" typeface="Plantagenet Cherokee"/>
-        <a:font script="Yiii" typeface="Microsoft Yi Baiti"/>
-        <a:font script="Tibt" typeface="Microsoft Himalaya"/>
-        <a:font script="Thaa" typeface="MV Boli"/>
-        <a:font script="Deva" typeface="Mangal"/>
-        <a:font script="Telu" typeface="Gautami"/>
-        <a:font script="Taml" typeface="Latha"/>
-        <a:font script="Syrc" typeface="Estrangelo Edessa"/>
-        <a:font script="Orya" typeface="Kalinga"/>
-        <a:font script="Mlym" typeface="Kartika"/>
-        <a:font script="Laoo" typeface="DokChampa"/>
-        <a:font script="Sinh" typeface="Iskoola Pota"/>
-        <a:font script="Mong" typeface="Mongolian Baiti"/>
-        <a:font script="Viet" typeface="Times New Roman"/>
-        <a:font script="Uigh" typeface="Microsoft Uighur"/>
       </a:majorFont>
       <a:minorFont>
-        <a:latin typeface="Calibri"/>
+        <a:latin typeface="Arial"/>
         <a:ea typeface=""/>
         <a:cs typeface=""/>
-        <a:font script="Jpan" typeface="ＭＳ Ｐゴシック"/>
-        <a:font script="Hang" typeface="맑은 고딕"/>
-        <a:font script="Hans" typeface="宋体"/>
-        <a:font script="Hant" typeface="新細明體"/>
-        <a:font script="Arab" typeface="Arial"/>
-        <a:font script="Hebr" typeface="Arial"/>
-        <a:font script="Thai" typeface="Cordia New"/>
-        <a:font script="Ethi" typeface="Nyala"/>
-        <a:font script="Beng" typeface="Vrinda"/>
-        <a:font script="Gujr" typeface="Shruti"/>
-        <a:font script="Khmr" typeface="DaunPenh"/>
-        <a:font script="Knda" typeface="Tunga"/>
-        <a:font script="Guru" typeface="Raavi"/>
-        <a:font script="Cans" typeface="Euphemia"/>
-        <a:font script="Cher" typeface="Plantagenet Cherokee"/>
-        <a:font script="Yiii" typeface="Microsoft Yi Baiti"/>
-        <a:font script="Tibt" typeface="Microsoft Himalaya"/>
-        <a:font script="Thaa" typeface="MV Boli"/>
-        <a:font script="Deva" typeface="Mangal"/>
-        <a:font script="Telu" typeface="Gautami"/>
-        <a:font script="Taml" typeface="Latha"/>
-        <a:font script="Syrc" typeface="Estrangelo Edessa"/>
-        <a:font script="Orya" typeface="Kalinga"/>
-        <a:font script="Mlym" typeface="Kartika"/>
-        <a:font script="Laoo" typeface="DokChampa"/>
-        <a:font script="Sinh" typeface="Iskoola Pota"/>
-        <a:font script="Mong" typeface="Mongolian Baiti"/>
-        <a:font script="Viet" typeface="Arial"/>
-        <a:font script="Uigh" typeface="Microsoft Uighur"/>
       </a:minorFont>
     </a:fontScheme>
     <a:fmtScheme name="Larissa">
@@ -16917,7 +19630,63 @@
       </a:bgFillStyleLst>
     </a:fmtScheme>
   </a:themeElements>
-  <a:objectDefaults/>
+  <a:objectDefaults>
+    <a:spDef>
+      <a:spPr>
+        <a:ln>
+          <a:noFill/>
+        </a:ln>
+      </a:spPr>
+      <a:bodyPr rot="0" spcFirstLastPara="0" vertOverflow="overflow" horzOverflow="overflow" vert="horz" wrap="square" lIns="91440" tIns="45720" rIns="91440" bIns="45720" numCol="1" spcCol="0" rtlCol="0" fromWordArt="0" anchor="t" anchorCtr="0" forceAA="0" compatLnSpc="1">
+        <a:prstTxWarp prst="textNoShape">
+          <a:avLst/>
+        </a:prstTxWarp>
+        <a:noAutofit/>
+      </a:bodyPr>
+      <a:lstStyle>
+        <a:defPPr>
+          <a:lnSpc>
+            <a:spcPct val="114000"/>
+          </a:lnSpc>
+          <a:defRPr dirty="0" smtClean="0"/>
+        </a:defPPr>
+      </a:lstStyle>
+      <a:style>
+        <a:lnRef idx="2">
+          <a:schemeClr val="accent1">
+            <a:shade val="50000"/>
+          </a:schemeClr>
+        </a:lnRef>
+        <a:fillRef idx="1">
+          <a:schemeClr val="accent1"/>
+        </a:fillRef>
+        <a:effectRef idx="0">
+          <a:schemeClr val="accent1"/>
+        </a:effectRef>
+        <a:fontRef idx="minor">
+          <a:schemeClr val="lt1"/>
+        </a:fontRef>
+      </a:style>
+    </a:spDef>
+    <a:txDef>
+      <a:spPr>
+        <a:noFill/>
+      </a:spPr>
+      <a:bodyPr wrap="square" lIns="0" tIns="0" rIns="0" bIns="0" rtlCol="0">
+        <a:spAutoFit/>
+      </a:bodyPr>
+      <a:lstStyle>
+        <a:defPPr>
+          <a:lnSpc>
+            <a:spcPct val="114000"/>
+          </a:lnSpc>
+          <a:defRPr sz="1600" dirty="0" err="1" smtClean="0">
+            <a:latin typeface="+mn-lt"/>
+          </a:defRPr>
+        </a:defPPr>
+      </a:lstStyle>
+    </a:txDef>
+  </a:objectDefaults>
   <a:extraClrSchemeLst/>
 </a:theme>
 </file>
@@ -17203,4 +19972,287 @@
   <a:objectDefaults/>
   <a:extraClrSchemeLst/>
 </a:theme>
+</file>
+
+<file path=ppt/theme/theme9.xml><?xml version="1.0" encoding="utf-8"?>
+<a:theme xmlns:a="http://schemas.openxmlformats.org/drawingml/2006/main" name="Larissa-Design">
+  <a:themeElements>
+    <a:clrScheme name="Larissa">
+      <a:dk1>
+        <a:sysClr val="windowText" lastClr="000000"/>
+      </a:dk1>
+      <a:lt1>
+        <a:sysClr val="window" lastClr="FFFFFF"/>
+      </a:lt1>
+      <a:dk2>
+        <a:srgbClr val="1F497D"/>
+      </a:dk2>
+      <a:lt2>
+        <a:srgbClr val="EEECE1"/>
+      </a:lt2>
+      <a:accent1>
+        <a:srgbClr val="4F81BD"/>
+      </a:accent1>
+      <a:accent2>
+        <a:srgbClr val="C0504D"/>
+      </a:accent2>
+      <a:accent3>
+        <a:srgbClr val="9BBB59"/>
+      </a:accent3>
+      <a:accent4>
+        <a:srgbClr val="8064A2"/>
+      </a:accent4>
+      <a:accent5>
+        <a:srgbClr val="4BACC6"/>
+      </a:accent5>
+      <a:accent6>
+        <a:srgbClr val="F79646"/>
+      </a:accent6>
+      <a:hlink>
+        <a:srgbClr val="0000FF"/>
+      </a:hlink>
+      <a:folHlink>
+        <a:srgbClr val="800080"/>
+      </a:folHlink>
+    </a:clrScheme>
+    <a:fontScheme name="Larissa">
+      <a:majorFont>
+        <a:latin typeface="Calibri"/>
+        <a:ea typeface=""/>
+        <a:cs typeface=""/>
+        <a:font script="Jpan" typeface="ＭＳ Ｐゴシック"/>
+        <a:font script="Hang" typeface="맑은 고딕"/>
+        <a:font script="Hans" typeface="宋体"/>
+        <a:font script="Hant" typeface="新細明體"/>
+        <a:font script="Arab" typeface="Times New Roman"/>
+        <a:font script="Hebr" typeface="Times New Roman"/>
+        <a:font script="Thai" typeface="Angsana New"/>
+        <a:font script="Ethi" typeface="Nyala"/>
+        <a:font script="Beng" typeface="Vrinda"/>
+        <a:font script="Gujr" typeface="Shruti"/>
+        <a:font script="Khmr" typeface="MoolBoran"/>
+        <a:font script="Knda" typeface="Tunga"/>
+        <a:font script="Guru" typeface="Raavi"/>
+        <a:font script="Cans" typeface="Euphemia"/>
+        <a:font script="Cher" typeface="Plantagenet Cherokee"/>
+        <a:font script="Yiii" typeface="Microsoft Yi Baiti"/>
+        <a:font script="Tibt" typeface="Microsoft Himalaya"/>
+        <a:font script="Thaa" typeface="MV Boli"/>
+        <a:font script="Deva" typeface="Mangal"/>
+        <a:font script="Telu" typeface="Gautami"/>
+        <a:font script="Taml" typeface="Latha"/>
+        <a:font script="Syrc" typeface="Estrangelo Edessa"/>
+        <a:font script="Orya" typeface="Kalinga"/>
+        <a:font script="Mlym" typeface="Kartika"/>
+        <a:font script="Laoo" typeface="DokChampa"/>
+        <a:font script="Sinh" typeface="Iskoola Pota"/>
+        <a:font script="Mong" typeface="Mongolian Baiti"/>
+        <a:font script="Viet" typeface="Times New Roman"/>
+        <a:font script="Uigh" typeface="Microsoft Uighur"/>
+      </a:majorFont>
+      <a:minorFont>
+        <a:latin typeface="Calibri"/>
+        <a:ea typeface=""/>
+        <a:cs typeface=""/>
+        <a:font script="Jpan" typeface="ＭＳ Ｐゴシック"/>
+        <a:font script="Hang" typeface="맑은 고딕"/>
+        <a:font script="Hans" typeface="宋体"/>
+        <a:font script="Hant" typeface="新細明體"/>
+        <a:font script="Arab" typeface="Arial"/>
+        <a:font script="Hebr" typeface="Arial"/>
+        <a:font script="Thai" typeface="Cordia New"/>
+        <a:font script="Ethi" typeface="Nyala"/>
+        <a:font script="Beng" typeface="Vrinda"/>
+        <a:font script="Gujr" typeface="Shruti"/>
+        <a:font script="Khmr" typeface="DaunPenh"/>
+        <a:font script="Knda" typeface="Tunga"/>
+        <a:font script="Guru" typeface="Raavi"/>
+        <a:font script="Cans" typeface="Euphemia"/>
+        <a:font script="Cher" typeface="Plantagenet Cherokee"/>
+        <a:font script="Yiii" typeface="Microsoft Yi Baiti"/>
+        <a:font script="Tibt" typeface="Microsoft Himalaya"/>
+        <a:font script="Thaa" typeface="MV Boli"/>
+        <a:font script="Deva" typeface="Mangal"/>
+        <a:font script="Telu" typeface="Gautami"/>
+        <a:font script="Taml" typeface="Latha"/>
+        <a:font script="Syrc" typeface="Estrangelo Edessa"/>
+        <a:font script="Orya" typeface="Kalinga"/>
+        <a:font script="Mlym" typeface="Kartika"/>
+        <a:font script="Laoo" typeface="DokChampa"/>
+        <a:font script="Sinh" typeface="Iskoola Pota"/>
+        <a:font script="Mong" typeface="Mongolian Baiti"/>
+        <a:font script="Viet" typeface="Arial"/>
+        <a:font script="Uigh" typeface="Microsoft Uighur"/>
+      </a:minorFont>
+    </a:fontScheme>
+    <a:fmtScheme name="Larissa">
+      <a:fillStyleLst>
+        <a:solidFill>
+          <a:schemeClr val="phClr"/>
+        </a:solidFill>
+        <a:gradFill rotWithShape="1">
+          <a:gsLst>
+            <a:gs pos="0">
+              <a:schemeClr val="phClr">
+                <a:tint val="50000"/>
+                <a:satMod val="300000"/>
+              </a:schemeClr>
+            </a:gs>
+            <a:gs pos="35000">
+              <a:schemeClr val="phClr">
+                <a:tint val="37000"/>
+                <a:satMod val="300000"/>
+              </a:schemeClr>
+            </a:gs>
+            <a:gs pos="100000">
+              <a:schemeClr val="phClr">
+                <a:tint val="15000"/>
+                <a:satMod val="350000"/>
+              </a:schemeClr>
+            </a:gs>
+          </a:gsLst>
+          <a:lin ang="16200000" scaled="1"/>
+        </a:gradFill>
+        <a:gradFill rotWithShape="1">
+          <a:gsLst>
+            <a:gs pos="0">
+              <a:schemeClr val="phClr">
+                <a:shade val="51000"/>
+                <a:satMod val="130000"/>
+              </a:schemeClr>
+            </a:gs>
+            <a:gs pos="80000">
+              <a:schemeClr val="phClr">
+                <a:shade val="93000"/>
+                <a:satMod val="130000"/>
+              </a:schemeClr>
+            </a:gs>
+            <a:gs pos="100000">
+              <a:schemeClr val="phClr">
+                <a:shade val="94000"/>
+                <a:satMod val="135000"/>
+              </a:schemeClr>
+            </a:gs>
+          </a:gsLst>
+          <a:lin ang="16200000" scaled="0"/>
+        </a:gradFill>
+      </a:fillStyleLst>
+      <a:lnStyleLst>
+        <a:ln w="9525" cap="flat" cmpd="sng" algn="ctr">
+          <a:solidFill>
+            <a:schemeClr val="phClr">
+              <a:shade val="95000"/>
+              <a:satMod val="105000"/>
+            </a:schemeClr>
+          </a:solidFill>
+          <a:prstDash val="solid"/>
+        </a:ln>
+        <a:ln w="25400" cap="flat" cmpd="sng" algn="ctr">
+          <a:solidFill>
+            <a:schemeClr val="phClr"/>
+          </a:solidFill>
+          <a:prstDash val="solid"/>
+        </a:ln>
+        <a:ln w="38100" cap="flat" cmpd="sng" algn="ctr">
+          <a:solidFill>
+            <a:schemeClr val="phClr"/>
+          </a:solidFill>
+          <a:prstDash val="solid"/>
+        </a:ln>
+      </a:lnStyleLst>
+      <a:effectStyleLst>
+        <a:effectStyle>
+          <a:effectLst>
+            <a:outerShdw blurRad="40000" dist="20000" dir="5400000" rotWithShape="0">
+              <a:srgbClr val="000000">
+                <a:alpha val="38000"/>
+              </a:srgbClr>
+            </a:outerShdw>
+          </a:effectLst>
+        </a:effectStyle>
+        <a:effectStyle>
+          <a:effectLst>
+            <a:outerShdw blurRad="40000" dist="23000" dir="5400000" rotWithShape="0">
+              <a:srgbClr val="000000">
+                <a:alpha val="35000"/>
+              </a:srgbClr>
+            </a:outerShdw>
+          </a:effectLst>
+        </a:effectStyle>
+        <a:effectStyle>
+          <a:effectLst>
+            <a:outerShdw blurRad="40000" dist="23000" dir="5400000" rotWithShape="0">
+              <a:srgbClr val="000000">
+                <a:alpha val="35000"/>
+              </a:srgbClr>
+            </a:outerShdw>
+          </a:effectLst>
+          <a:scene3d>
+            <a:camera prst="orthographicFront">
+              <a:rot lat="0" lon="0" rev="0"/>
+            </a:camera>
+            <a:lightRig rig="threePt" dir="t">
+              <a:rot lat="0" lon="0" rev="1200000"/>
+            </a:lightRig>
+          </a:scene3d>
+          <a:sp3d>
+            <a:bevelT w="63500" h="25400"/>
+          </a:sp3d>
+        </a:effectStyle>
+      </a:effectStyleLst>
+      <a:bgFillStyleLst>
+        <a:solidFill>
+          <a:schemeClr val="phClr"/>
+        </a:solidFill>
+        <a:gradFill rotWithShape="1">
+          <a:gsLst>
+            <a:gs pos="0">
+              <a:schemeClr val="phClr">
+                <a:tint val="40000"/>
+                <a:satMod val="350000"/>
+              </a:schemeClr>
+            </a:gs>
+            <a:gs pos="40000">
+              <a:schemeClr val="phClr">
+                <a:tint val="45000"/>
+                <a:shade val="99000"/>
+                <a:satMod val="350000"/>
+              </a:schemeClr>
+            </a:gs>
+            <a:gs pos="100000">
+              <a:schemeClr val="phClr">
+                <a:shade val="20000"/>
+                <a:satMod val="255000"/>
+              </a:schemeClr>
+            </a:gs>
+          </a:gsLst>
+          <a:path path="circle">
+            <a:fillToRect l="50000" t="-80000" r="50000" b="180000"/>
+          </a:path>
+        </a:gradFill>
+        <a:gradFill rotWithShape="1">
+          <a:gsLst>
+            <a:gs pos="0">
+              <a:schemeClr val="phClr">
+                <a:tint val="80000"/>
+                <a:satMod val="300000"/>
+              </a:schemeClr>
+            </a:gs>
+            <a:gs pos="100000">
+              <a:schemeClr val="phClr">
+                <a:shade val="30000"/>
+                <a:satMod val="200000"/>
+              </a:schemeClr>
+            </a:gs>
+          </a:gsLst>
+          <a:path path="circle">
+            <a:fillToRect l="50000" t="50000" r="50000" b="50000"/>
+          </a:path>
+        </a:gradFill>
+      </a:bgFillStyleLst>
+    </a:fmtScheme>
+  </a:themeElements>
+  <a:objectDefaults/>
+  <a:extraClrSchemeLst/>
+</a:theme>
 </file>